--- a/Doc/Active_Learning_Group4_Presentation.pptx
+++ b/Doc/Active_Learning_Group4_Presentation.pptx
@@ -2,7 +2,7 @@
 <file path=ppt/presentation.xml><?xml version="1.0" encoding="utf-8"?>
 <p:presentation xmlns:a="http://schemas.openxmlformats.org/drawingml/2006/main" xmlns:r="http://schemas.openxmlformats.org/officeDocument/2006/relationships" xmlns:p="http://schemas.openxmlformats.org/presentationml/2006/main" saveSubsetFonts="1">
   <p:sldMasterIdLst>
-    <p:sldMasterId id="2147483648" r:id="rId1"/>
+    <p:sldMasterId id="2147483660" r:id="rId1"/>
   </p:sldMasterIdLst>
   <p:sldIdLst>
     <p:sldId id="256" r:id="rId2"/>
@@ -14,7 +14,7 @@
     <a:defPPr>
       <a:defRPr lang="en-US"/>
     </a:defPPr>
-    <a:lvl1pPr marL="0" algn="l" defTabSz="914400" rtl="0" eaLnBrk="1" latinLnBrk="0" hangingPunct="1">
+    <a:lvl1pPr marL="0" algn="l" defTabSz="457200" rtl="0" eaLnBrk="1" latinLnBrk="0" hangingPunct="1">
       <a:defRPr sz="1800" kern="1200">
         <a:solidFill>
           <a:schemeClr val="tx1"/>
@@ -24,7 +24,7 @@
         <a:cs typeface="+mn-cs"/>
       </a:defRPr>
     </a:lvl1pPr>
-    <a:lvl2pPr marL="457200" algn="l" defTabSz="914400" rtl="0" eaLnBrk="1" latinLnBrk="0" hangingPunct="1">
+    <a:lvl2pPr marL="457200" algn="l" defTabSz="457200" rtl="0" eaLnBrk="1" latinLnBrk="0" hangingPunct="1">
       <a:defRPr sz="1800" kern="1200">
         <a:solidFill>
           <a:schemeClr val="tx1"/>
@@ -34,7 +34,7 @@
         <a:cs typeface="+mn-cs"/>
       </a:defRPr>
     </a:lvl2pPr>
-    <a:lvl3pPr marL="914400" algn="l" defTabSz="914400" rtl="0" eaLnBrk="1" latinLnBrk="0" hangingPunct="1">
+    <a:lvl3pPr marL="914400" algn="l" defTabSz="457200" rtl="0" eaLnBrk="1" latinLnBrk="0" hangingPunct="1">
       <a:defRPr sz="1800" kern="1200">
         <a:solidFill>
           <a:schemeClr val="tx1"/>
@@ -44,7 +44,7 @@
         <a:cs typeface="+mn-cs"/>
       </a:defRPr>
     </a:lvl3pPr>
-    <a:lvl4pPr marL="1371600" algn="l" defTabSz="914400" rtl="0" eaLnBrk="1" latinLnBrk="0" hangingPunct="1">
+    <a:lvl4pPr marL="1371600" algn="l" defTabSz="457200" rtl="0" eaLnBrk="1" latinLnBrk="0" hangingPunct="1">
       <a:defRPr sz="1800" kern="1200">
         <a:solidFill>
           <a:schemeClr val="tx1"/>
@@ -54,7 +54,7 @@
         <a:cs typeface="+mn-cs"/>
       </a:defRPr>
     </a:lvl4pPr>
-    <a:lvl5pPr marL="1828800" algn="l" defTabSz="914400" rtl="0" eaLnBrk="1" latinLnBrk="0" hangingPunct="1">
+    <a:lvl5pPr marL="1828800" algn="l" defTabSz="457200" rtl="0" eaLnBrk="1" latinLnBrk="0" hangingPunct="1">
       <a:defRPr sz="1800" kern="1200">
         <a:solidFill>
           <a:schemeClr val="tx1"/>
@@ -64,7 +64,7 @@
         <a:cs typeface="+mn-cs"/>
       </a:defRPr>
     </a:lvl5pPr>
-    <a:lvl6pPr marL="2286000" algn="l" defTabSz="914400" rtl="0" eaLnBrk="1" latinLnBrk="0" hangingPunct="1">
+    <a:lvl6pPr marL="2286000" algn="l" defTabSz="457200" rtl="0" eaLnBrk="1" latinLnBrk="0" hangingPunct="1">
       <a:defRPr sz="1800" kern="1200">
         <a:solidFill>
           <a:schemeClr val="tx1"/>
@@ -74,7 +74,7 @@
         <a:cs typeface="+mn-cs"/>
       </a:defRPr>
     </a:lvl6pPr>
-    <a:lvl7pPr marL="2743200" algn="l" defTabSz="914400" rtl="0" eaLnBrk="1" latinLnBrk="0" hangingPunct="1">
+    <a:lvl7pPr marL="2743200" algn="l" defTabSz="457200" rtl="0" eaLnBrk="1" latinLnBrk="0" hangingPunct="1">
       <a:defRPr sz="1800" kern="1200">
         <a:solidFill>
           <a:schemeClr val="tx1"/>
@@ -84,7 +84,7 @@
         <a:cs typeface="+mn-cs"/>
       </a:defRPr>
     </a:lvl7pPr>
-    <a:lvl8pPr marL="3200400" algn="l" defTabSz="914400" rtl="0" eaLnBrk="1" latinLnBrk="0" hangingPunct="1">
+    <a:lvl8pPr marL="3200400" algn="l" defTabSz="457200" rtl="0" eaLnBrk="1" latinLnBrk="0" hangingPunct="1">
       <a:defRPr sz="1800" kern="1200">
         <a:solidFill>
           <a:schemeClr val="tx1"/>
@@ -94,7 +94,7 @@
         <a:cs typeface="+mn-cs"/>
       </a:defRPr>
     </a:lvl8pPr>
-    <a:lvl9pPr marL="3657600" algn="l" defTabSz="914400" rtl="0" eaLnBrk="1" latinLnBrk="0" hangingPunct="1">
+    <a:lvl9pPr marL="3657600" algn="l" defTabSz="457200" rtl="0" eaLnBrk="1" latinLnBrk="0" hangingPunct="1">
       <a:defRPr sz="1800" kern="1200">
         <a:solidFill>
           <a:schemeClr val="tx1"/>
@@ -109,7 +109,7 @@
 </file>
 
 <file path=ppt/slideLayouts/slideLayout1.xml><?xml version="1.0" encoding="utf-8"?>
-<p:sldLayout xmlns:a="http://schemas.openxmlformats.org/drawingml/2006/main" xmlns:r="http://schemas.openxmlformats.org/officeDocument/2006/relationships" xmlns:p="http://schemas.openxmlformats.org/presentationml/2006/main" type="title" preserve="1">
+<p:sldLayout xmlns:a="http://schemas.openxmlformats.org/drawingml/2006/main" xmlns:r="http://schemas.openxmlformats.org/officeDocument/2006/relationships" xmlns:p="http://schemas.openxmlformats.org/presentationml/2006/main" showMasterSp="0" type="title" preserve="1">
   <p:cSld name="Title Slide">
     <p:spTree>
       <p:nvGrpSpPr>
@@ -127,25 +127,68 @@
       </p:grpSpPr>
       <p:sp>
         <p:nvSpPr>
-          <p:cNvPr id="2" name="Title 1"/>
-          <p:cNvSpPr>
-            <a:spLocks noGrp="1"/>
-          </p:cNvSpPr>
-          <p:nvPr>
-            <p:ph type="ctrTitle"/>
-          </p:nvPr>
+          <p:cNvPr id="7" name="Rectangle 6"/>
+          <p:cNvSpPr/>
+          <p:nvPr/>
         </p:nvSpPr>
         <p:spPr>
           <a:xfrm>
-            <a:off x="1524000" y="1122363"/>
-            <a:ext cx="9144000" cy="2387600"/>
+            <a:off x="-6843" y="2059012"/>
+            <a:ext cx="12195668" cy="1828800"/>
+          </a:xfrm>
+          <a:prstGeom prst="rect">
+            <a:avLst/>
+          </a:prstGeom>
+          <a:solidFill>
+            <a:schemeClr val="tx1"/>
+          </a:solidFill>
+          <a:ln>
+            <a:noFill/>
+          </a:ln>
+        </p:spPr>
+        <p:style>
+          <a:lnRef idx="2">
+            <a:schemeClr val="accent1">
+              <a:shade val="50000"/>
+            </a:schemeClr>
+          </a:lnRef>
+          <a:fillRef idx="1">
+            <a:schemeClr val="accent1"/>
+          </a:fillRef>
+          <a:effectRef idx="0">
+            <a:schemeClr val="accent1"/>
+          </a:effectRef>
+          <a:fontRef idx="minor">
+            <a:schemeClr val="lt1"/>
+          </a:fontRef>
+        </p:style>
+      </p:sp>
+      <p:sp>
+        <p:nvSpPr>
+          <p:cNvPr id="2" name="Title 1"/>
+          <p:cNvSpPr>
+            <a:spLocks noGrp="1"/>
+          </p:cNvSpPr>
+          <p:nvPr>
+            <p:ph type="ctrTitle"/>
+          </p:nvPr>
+        </p:nvSpPr>
+        <p:spPr>
+          <a:xfrm>
+            <a:off x="365759" y="2166364"/>
+            <a:ext cx="11471565" cy="1739347"/>
           </a:xfrm>
         </p:spPr>
         <p:txBody>
-          <a:bodyPr anchor="b"/>
+          <a:bodyPr tIns="45720" bIns="45720" anchor="ctr">
+            <a:normAutofit/>
+          </a:bodyPr>
           <a:lstStyle>
             <a:lvl1pPr algn="ctr">
-              <a:defRPr sz="6000"/>
+              <a:lnSpc>
+                <a:spcPct val="80000"/>
+              </a:lnSpc>
+              <a:defRPr sz="6000" spc="150" baseline="0"/>
             </a:lvl1pPr>
           </a:lstStyle>
           <a:p>
@@ -153,7 +196,7 @@
               <a:rPr lang="en-US"/>
               <a:t>Click to edit Master title style</a:t>
             </a:r>
-            <a:endParaRPr lang="en-SG"/>
+            <a:endParaRPr lang="en-US" dirty="0"/>
           </a:p>
         </p:txBody>
       </p:sp>
@@ -169,16 +212,18 @@
         </p:nvSpPr>
         <p:spPr>
           <a:xfrm>
-            <a:off x="1524000" y="3602038"/>
-            <a:ext cx="9144000" cy="1655762"/>
+            <a:off x="1524000" y="3996250"/>
+            <a:ext cx="9144000" cy="1309255"/>
           </a:xfrm>
         </p:spPr>
         <p:txBody>
-          <a:bodyPr/>
+          <a:bodyPr>
+            <a:normAutofit/>
+          </a:bodyPr>
           <a:lstStyle>
             <a:lvl1pPr marL="0" indent="0" algn="ctr">
               <a:buNone/>
-              <a:defRPr sz="2400"/>
+              <a:defRPr sz="2000"/>
             </a:lvl1pPr>
             <a:lvl2pPr marL="457200" indent="0" algn="ctr">
               <a:buNone/>
@@ -186,31 +231,31 @@
             </a:lvl2pPr>
             <a:lvl3pPr marL="914400" indent="0" algn="ctr">
               <a:buNone/>
-              <a:defRPr sz="1800"/>
+              <a:defRPr sz="2000"/>
             </a:lvl3pPr>
             <a:lvl4pPr marL="1371600" indent="0" algn="ctr">
               <a:buNone/>
-              <a:defRPr sz="1600"/>
+              <a:defRPr sz="2000"/>
             </a:lvl4pPr>
             <a:lvl5pPr marL="1828800" indent="0" algn="ctr">
               <a:buNone/>
-              <a:defRPr sz="1600"/>
+              <a:defRPr sz="2000"/>
             </a:lvl5pPr>
             <a:lvl6pPr marL="2286000" indent="0" algn="ctr">
               <a:buNone/>
-              <a:defRPr sz="1600"/>
+              <a:defRPr sz="2000"/>
             </a:lvl6pPr>
             <a:lvl7pPr marL="2743200" indent="0" algn="ctr">
               <a:buNone/>
-              <a:defRPr sz="1600"/>
+              <a:defRPr sz="2000"/>
             </a:lvl7pPr>
             <a:lvl8pPr marL="3200400" indent="0" algn="ctr">
               <a:buNone/>
-              <a:defRPr sz="1600"/>
+              <a:defRPr sz="2000"/>
             </a:lvl8pPr>
             <a:lvl9pPr marL="3657600" indent="0" algn="ctr">
               <a:buNone/>
-              <a:defRPr sz="1600"/>
+              <a:defRPr sz="2000"/>
             </a:lvl9pPr>
           </a:lstStyle>
           <a:p>
@@ -218,7 +263,7 @@
               <a:rPr lang="en-US"/>
               <a:t>Click to edit Master subtitle style</a:t>
             </a:r>
-            <a:endParaRPr lang="en-SG"/>
+            <a:endParaRPr lang="en-US" dirty="0"/>
           </a:p>
         </p:txBody>
       </p:sp>
@@ -290,7 +335,7 @@
     </p:spTree>
     <p:extLst>
       <p:ext uri="{BB962C8B-B14F-4D97-AF65-F5344CB8AC3E}">
-        <p14:creationId xmlns:p14="http://schemas.microsoft.com/office/powerpoint/2010/main" val="2927115292"/>
+        <p14:creationId xmlns:p14="http://schemas.microsoft.com/office/powerpoint/2010/main" val="1093093524"/>
       </p:ext>
     </p:extLst>
   </p:cSld>
@@ -336,7 +381,7 @@
               <a:rPr lang="en-US"/>
               <a:t>Click to edit Master title style</a:t>
             </a:r>
-            <a:endParaRPr lang="en-SG"/>
+            <a:endParaRPr lang="en-US" dirty="0"/>
           </a:p>
         </p:txBody>
       </p:sp>
@@ -388,7 +433,7 @@
               <a:rPr lang="en-US"/>
               <a:t>Fifth level</a:t>
             </a:r>
-            <a:endParaRPr lang="en-SG"/>
+            <a:endParaRPr lang="en-US" dirty="0"/>
           </a:p>
         </p:txBody>
       </p:sp>
@@ -460,7 +505,7 @@
     </p:spTree>
     <p:extLst>
       <p:ext uri="{BB962C8B-B14F-4D97-AF65-F5344CB8AC3E}">
-        <p14:creationId xmlns:p14="http://schemas.microsoft.com/office/powerpoint/2010/main" val="3618542268"/>
+        <p14:creationId xmlns:p14="http://schemas.microsoft.com/office/powerpoint/2010/main" val="1901714832"/>
       </p:ext>
     </p:extLst>
   </p:cSld>
@@ -471,7 +516,7 @@
 </file>
 
 <file path=ppt/slideLayouts/slideLayout11.xml><?xml version="1.0" encoding="utf-8"?>
-<p:sldLayout xmlns:a="http://schemas.openxmlformats.org/drawingml/2006/main" xmlns:r="http://schemas.openxmlformats.org/officeDocument/2006/relationships" xmlns:p="http://schemas.openxmlformats.org/presentationml/2006/main" type="vertTitleAndTx" preserve="1">
+<p:sldLayout xmlns:a="http://schemas.openxmlformats.org/drawingml/2006/main" xmlns:r="http://schemas.openxmlformats.org/officeDocument/2006/relationships" xmlns:p="http://schemas.openxmlformats.org/presentationml/2006/main" showMasterSp="0" type="vertTitleAndTx" preserve="1">
   <p:cSld name="Vertical Title and Text">
     <p:spTree>
       <p:nvGrpSpPr>
@@ -489,18 +534,56 @@
       </p:grpSpPr>
       <p:sp>
         <p:nvSpPr>
-          <p:cNvPr id="2" name="Vertical Title 1"/>
-          <p:cNvSpPr>
-            <a:spLocks noGrp="1"/>
-          </p:cNvSpPr>
-          <p:nvPr>
-            <p:ph type="title" orient="vert"/>
-          </p:nvPr>
+          <p:cNvPr id="7" name="Rectangle 6"/>
+          <p:cNvSpPr/>
+          <p:nvPr/>
         </p:nvSpPr>
         <p:spPr>
           <a:xfrm>
-            <a:off x="8724900" y="365125"/>
-            <a:ext cx="2628900" cy="5811838"/>
+            <a:off x="9019312" y="0"/>
+            <a:ext cx="2743200" cy="6858000"/>
+          </a:xfrm>
+          <a:prstGeom prst="rect">
+            <a:avLst/>
+          </a:prstGeom>
+          <a:solidFill>
+            <a:schemeClr val="tx1"/>
+          </a:solidFill>
+          <a:ln>
+            <a:noFill/>
+          </a:ln>
+        </p:spPr>
+        <p:style>
+          <a:lnRef idx="2">
+            <a:schemeClr val="accent1">
+              <a:shade val="50000"/>
+            </a:schemeClr>
+          </a:lnRef>
+          <a:fillRef idx="1">
+            <a:schemeClr val="accent1"/>
+          </a:fillRef>
+          <a:effectRef idx="0">
+            <a:schemeClr val="accent1"/>
+          </a:effectRef>
+          <a:fontRef idx="minor">
+            <a:schemeClr val="lt1"/>
+          </a:fontRef>
+        </p:style>
+      </p:sp>
+      <p:sp>
+        <p:nvSpPr>
+          <p:cNvPr id="2" name="Vertical Title 1"/>
+          <p:cNvSpPr>
+            <a:spLocks noGrp="1"/>
+          </p:cNvSpPr>
+          <p:nvPr>
+            <p:ph type="title" orient="vert"/>
+          </p:nvPr>
+        </p:nvSpPr>
+        <p:spPr>
+          <a:xfrm>
+            <a:off x="9160624" y="274638"/>
+            <a:ext cx="2402380" cy="5897562"/>
           </a:xfrm>
         </p:spPr>
         <p:txBody>
@@ -511,7 +594,7 @@
               <a:rPr lang="en-US"/>
               <a:t>Click to edit Master title style</a:t>
             </a:r>
-            <a:endParaRPr lang="en-SG"/>
+            <a:endParaRPr lang="en-US" dirty="0"/>
           </a:p>
         </p:txBody>
       </p:sp>
@@ -527,8 +610,8 @@
         </p:nvSpPr>
         <p:spPr>
           <a:xfrm>
-            <a:off x="838200" y="365125"/>
-            <a:ext cx="7734300" cy="5811838"/>
+            <a:off x="838199" y="274638"/>
+            <a:ext cx="7973291" cy="5897562"/>
           </a:xfrm>
         </p:spPr>
         <p:txBody>
@@ -568,7 +651,7 @@
               <a:rPr lang="en-US"/>
               <a:t>Fifth level</a:t>
             </a:r>
-            <a:endParaRPr lang="en-SG"/>
+            <a:endParaRPr lang="en-US" dirty="0"/>
           </a:p>
         </p:txBody>
       </p:sp>
@@ -582,7 +665,12 @@
             <p:ph type="dt" sz="half" idx="10"/>
           </p:nvPr>
         </p:nvSpPr>
-        <p:spPr/>
+        <p:spPr>
+          <a:xfrm>
+            <a:off x="838200" y="6422854"/>
+            <a:ext cx="2743196" cy="365125"/>
+          </a:xfrm>
+        </p:spPr>
         <p:txBody>
           <a:bodyPr/>
           <a:lstStyle/>
@@ -605,7 +693,12 @@
             <p:ph type="ftr" sz="quarter" idx="11"/>
           </p:nvPr>
         </p:nvSpPr>
-        <p:spPr/>
+        <p:spPr>
+          <a:xfrm>
+            <a:off x="3776135" y="6422854"/>
+            <a:ext cx="4279669" cy="365125"/>
+          </a:xfrm>
+        </p:spPr>
         <p:txBody>
           <a:bodyPr/>
           <a:lstStyle/>
@@ -624,7 +717,12 @@
             <p:ph type="sldNum" sz="quarter" idx="12"/>
           </p:nvPr>
         </p:nvSpPr>
-        <p:spPr/>
+        <p:spPr>
+          <a:xfrm>
+            <a:off x="8073048" y="6422854"/>
+            <a:ext cx="879759" cy="365125"/>
+          </a:xfrm>
+        </p:spPr>
         <p:txBody>
           <a:bodyPr/>
           <a:lstStyle/>
@@ -640,7 +738,7 @@
     </p:spTree>
     <p:extLst>
       <p:ext uri="{BB962C8B-B14F-4D97-AF65-F5344CB8AC3E}">
-        <p14:creationId xmlns:p14="http://schemas.microsoft.com/office/powerpoint/2010/main" val="3857649797"/>
+        <p14:creationId xmlns:p14="http://schemas.microsoft.com/office/powerpoint/2010/main" val="358084145"/>
       </p:ext>
     </p:extLst>
   </p:cSld>
@@ -686,7 +784,7 @@
               <a:rPr lang="en-US"/>
               <a:t>Click to edit Master title style</a:t>
             </a:r>
-            <a:endParaRPr lang="en-SG"/>
+            <a:endParaRPr lang="en-US" dirty="0"/>
           </a:p>
         </p:txBody>
       </p:sp>
@@ -738,7 +836,7 @@
               <a:rPr lang="en-US"/>
               <a:t>Fifth level</a:t>
             </a:r>
-            <a:endParaRPr lang="en-SG"/>
+            <a:endParaRPr lang="en-US" dirty="0"/>
           </a:p>
         </p:txBody>
       </p:sp>
@@ -810,7 +908,7 @@
     </p:spTree>
     <p:extLst>
       <p:ext uri="{BB962C8B-B14F-4D97-AF65-F5344CB8AC3E}">
-        <p14:creationId xmlns:p14="http://schemas.microsoft.com/office/powerpoint/2010/main" val="3291355180"/>
+        <p14:creationId xmlns:p14="http://schemas.microsoft.com/office/powerpoint/2010/main" val="511228159"/>
       </p:ext>
     </p:extLst>
   </p:cSld>
@@ -821,8 +919,13 @@
 </file>
 
 <file path=ppt/slideLayouts/slideLayout3.xml><?xml version="1.0" encoding="utf-8"?>
-<p:sldLayout xmlns:a="http://schemas.openxmlformats.org/drawingml/2006/main" xmlns:r="http://schemas.openxmlformats.org/officeDocument/2006/relationships" xmlns:p="http://schemas.openxmlformats.org/presentationml/2006/main" type="secHead" preserve="1">
+<p:sldLayout xmlns:a="http://schemas.openxmlformats.org/drawingml/2006/main" xmlns:r="http://schemas.openxmlformats.org/officeDocument/2006/relationships" xmlns:p="http://schemas.openxmlformats.org/presentationml/2006/main" showMasterSp="0" type="secHead" preserve="1">
   <p:cSld name="Section Header">
+    <p:bg>
+      <p:bgRef idx="1001">
+        <a:schemeClr val="bg1"/>
+      </p:bgRef>
+    </p:bg>
     <p:spTree>
       <p:nvGrpSpPr>
         <p:cNvPr id="1" name=""/>
@@ -839,25 +942,72 @@
       </p:grpSpPr>
       <p:sp>
         <p:nvSpPr>
-          <p:cNvPr id="2" name="Title 1"/>
-          <p:cNvSpPr>
-            <a:spLocks noGrp="1"/>
-          </p:cNvSpPr>
-          <p:nvPr>
-            <p:ph type="title"/>
-          </p:nvPr>
+          <p:cNvPr id="7" name="Rectangle 6"/>
+          <p:cNvSpPr/>
+          <p:nvPr/>
         </p:nvSpPr>
         <p:spPr>
           <a:xfrm>
-            <a:off x="831850" y="1709738"/>
-            <a:ext cx="10515600" cy="2852737"/>
+            <a:off x="-6843" y="2059012"/>
+            <a:ext cx="12195668" cy="1828800"/>
+          </a:xfrm>
+          <a:prstGeom prst="rect">
+            <a:avLst/>
+          </a:prstGeom>
+          <a:solidFill>
+            <a:schemeClr val="tx2"/>
+          </a:solidFill>
+          <a:ln>
+            <a:noFill/>
+          </a:ln>
+        </p:spPr>
+        <p:style>
+          <a:lnRef idx="2">
+            <a:schemeClr val="accent1">
+              <a:shade val="50000"/>
+            </a:schemeClr>
+          </a:lnRef>
+          <a:fillRef idx="1">
+            <a:schemeClr val="accent1"/>
+          </a:fillRef>
+          <a:effectRef idx="0">
+            <a:schemeClr val="accent1"/>
+          </a:effectRef>
+          <a:fontRef idx="minor">
+            <a:schemeClr val="lt1"/>
+          </a:fontRef>
+        </p:style>
+      </p:sp>
+      <p:sp>
+        <p:nvSpPr>
+          <p:cNvPr id="2" name="Title 1"/>
+          <p:cNvSpPr>
+            <a:spLocks noGrp="1"/>
+          </p:cNvSpPr>
+          <p:nvPr>
+            <p:ph type="title"/>
+          </p:nvPr>
+        </p:nvSpPr>
+        <p:spPr>
+          <a:xfrm>
+            <a:off x="833191" y="2208879"/>
+            <a:ext cx="10515600" cy="1676400"/>
           </a:xfrm>
         </p:spPr>
         <p:txBody>
-          <a:bodyPr anchor="b"/>
+          <a:bodyPr anchor="ctr">
+            <a:noAutofit/>
+          </a:bodyPr>
           <a:lstStyle>
-            <a:lvl1pPr>
-              <a:defRPr sz="6000"/>
+            <a:lvl1pPr algn="ctr">
+              <a:lnSpc>
+                <a:spcPct val="80000"/>
+              </a:lnSpc>
+              <a:defRPr sz="6000" b="0" spc="150" baseline="0">
+                <a:solidFill>
+                  <a:schemeClr val="bg1"/>
+                </a:solidFill>
+              </a:defRPr>
             </a:lvl1pPr>
           </a:lstStyle>
           <a:p>
@@ -865,7 +1015,7 @@
               <a:rPr lang="en-US"/>
               <a:t>Click to edit Master title style</a:t>
             </a:r>
-            <a:endParaRPr lang="en-SG"/>
+            <a:endParaRPr lang="en-US" dirty="0"/>
           </a:p>
         </p:txBody>
       </p:sp>
@@ -881,26 +1031,26 @@
         </p:nvSpPr>
         <p:spPr>
           <a:xfrm>
-            <a:off x="831850" y="4589463"/>
-            <a:ext cx="10515600" cy="1500187"/>
+            <a:off x="833191" y="4010334"/>
+            <a:ext cx="10515600" cy="1174639"/>
           </a:xfrm>
         </p:spPr>
         <p:txBody>
-          <a:bodyPr/>
+          <a:bodyPr anchor="t">
+            <a:normAutofit/>
+          </a:bodyPr>
           <a:lstStyle>
-            <a:lvl1pPr marL="0" indent="0">
-              <a:buNone/>
-              <a:defRPr sz="2400">
+            <a:lvl1pPr marL="0" indent="0" algn="ctr">
+              <a:buNone/>
+              <a:defRPr sz="2000">
                 <a:solidFill>
-                  <a:schemeClr val="tx1">
-                    <a:tint val="75000"/>
-                  </a:schemeClr>
+                  <a:schemeClr val="tx2"/>
                 </a:solidFill>
               </a:defRPr>
             </a:lvl1pPr>
             <a:lvl2pPr marL="457200" indent="0">
               <a:buNone/>
-              <a:defRPr sz="2000">
+              <a:defRPr sz="1800">
                 <a:solidFill>
                   <a:schemeClr val="tx1">
                     <a:tint val="75000"/>
@@ -910,7 +1060,7 @@
             </a:lvl2pPr>
             <a:lvl3pPr marL="914400" indent="0">
               <a:buNone/>
-              <a:defRPr sz="1800">
+              <a:defRPr sz="1600">
                 <a:solidFill>
                   <a:schemeClr val="tx1">
                     <a:tint val="75000"/>
@@ -920,7 +1070,7 @@
             </a:lvl3pPr>
             <a:lvl4pPr marL="1371600" indent="0">
               <a:buNone/>
-              <a:defRPr sz="1600">
+              <a:defRPr sz="1400">
                 <a:solidFill>
                   <a:schemeClr val="tx1">
                     <a:tint val="75000"/>
@@ -930,7 +1080,7 @@
             </a:lvl4pPr>
             <a:lvl5pPr marL="1828800" indent="0">
               <a:buNone/>
-              <a:defRPr sz="1600">
+              <a:defRPr sz="1400">
                 <a:solidFill>
                   <a:schemeClr val="tx1">
                     <a:tint val="75000"/>
@@ -940,7 +1090,7 @@
             </a:lvl5pPr>
             <a:lvl6pPr marL="2286000" indent="0">
               <a:buNone/>
-              <a:defRPr sz="1600">
+              <a:defRPr sz="1400">
                 <a:solidFill>
                   <a:schemeClr val="tx1">
                     <a:tint val="75000"/>
@@ -950,7 +1100,7 @@
             </a:lvl6pPr>
             <a:lvl7pPr marL="2743200" indent="0">
               <a:buNone/>
-              <a:defRPr sz="1600">
+              <a:defRPr sz="1400">
                 <a:solidFill>
                   <a:schemeClr val="tx1">
                     <a:tint val="75000"/>
@@ -960,7 +1110,7 @@
             </a:lvl7pPr>
             <a:lvl8pPr marL="3200400" indent="0">
               <a:buNone/>
-              <a:defRPr sz="1600">
+              <a:defRPr sz="1400">
                 <a:solidFill>
                   <a:schemeClr val="tx1">
                     <a:tint val="75000"/>
@@ -970,7 +1120,7 @@
             </a:lvl8pPr>
             <a:lvl9pPr marL="3657600" indent="0">
               <a:buNone/>
-              <a:defRPr sz="1600">
+              <a:defRPr sz="1400">
                 <a:solidFill>
                   <a:schemeClr val="tx1">
                     <a:tint val="75000"/>
@@ -1001,7 +1151,15 @@
         <p:spPr/>
         <p:txBody>
           <a:bodyPr/>
-          <a:lstStyle/>
+          <a:lstStyle>
+            <a:lvl1pPr>
+              <a:defRPr>
+                <a:solidFill>
+                  <a:schemeClr val="tx2"/>
+                </a:solidFill>
+              </a:defRPr>
+            </a:lvl1pPr>
+          </a:lstStyle>
           <a:p>
             <a:fld id="{35353A16-1612-44AE-956B-9D31A9289F5F}" type="datetimeFigureOut">
               <a:rPr lang="en-SG" smtClean="0"/>
@@ -1024,7 +1182,15 @@
         <p:spPr/>
         <p:txBody>
           <a:bodyPr/>
-          <a:lstStyle/>
+          <a:lstStyle>
+            <a:lvl1pPr>
+              <a:defRPr>
+                <a:solidFill>
+                  <a:schemeClr val="tx2"/>
+                </a:solidFill>
+              </a:defRPr>
+            </a:lvl1pPr>
+          </a:lstStyle>
           <a:p>
             <a:endParaRPr lang="en-SG"/>
           </a:p>
@@ -1043,7 +1209,15 @@
         <p:spPr/>
         <p:txBody>
           <a:bodyPr/>
-          <a:lstStyle/>
+          <a:lstStyle>
+            <a:lvl1pPr>
+              <a:defRPr>
+                <a:solidFill>
+                  <a:schemeClr val="tx2"/>
+                </a:solidFill>
+              </a:defRPr>
+            </a:lvl1pPr>
+          </a:lstStyle>
           <a:p>
             <a:fld id="{644A8F60-FDB2-4C3C-9B61-80CF5FD54EAA}" type="slidenum">
               <a:rPr lang="en-SG" smtClean="0"/>
@@ -1056,12 +1230,12 @@
     </p:spTree>
     <p:extLst>
       <p:ext uri="{BB962C8B-B14F-4D97-AF65-F5344CB8AC3E}">
-        <p14:creationId xmlns:p14="http://schemas.microsoft.com/office/powerpoint/2010/main" val="1766244695"/>
+        <p14:creationId xmlns:p14="http://schemas.microsoft.com/office/powerpoint/2010/main" val="1014604654"/>
       </p:ext>
     </p:extLst>
   </p:cSld>
   <p:clrMapOvr>
-    <a:masterClrMapping/>
+    <a:overrideClrMapping bg1="lt1" tx1="dk1" bg2="lt2" tx2="dk2" accent1="accent1" accent2="accent2" accent3="accent3" accent4="accent4" accent5="accent5" accent6="accent6" hlink="hlink" folHlink="folHlink"/>
   </p:clrMapOvr>
 </p:sldLayout>
 </file>
@@ -1085,7 +1259,7 @@
       </p:grpSpPr>
       <p:sp>
         <p:nvSpPr>
-          <p:cNvPr id="2" name="Title 1"/>
+          <p:cNvPr id="8" name="Title 7"/>
           <p:cNvSpPr>
             <a:spLocks noGrp="1"/>
           </p:cNvSpPr>
@@ -1102,7 +1276,7 @@
               <a:rPr lang="en-US"/>
               <a:t>Click to edit Master title style</a:t>
             </a:r>
-            <a:endParaRPr lang="en-SG"/>
+            <a:endParaRPr lang="en-US" dirty="0"/>
           </a:p>
         </p:txBody>
       </p:sp>
@@ -1118,13 +1292,41 @@
         </p:nvSpPr>
         <p:spPr>
           <a:xfrm>
-            <a:off x="838200" y="1825625"/>
-            <a:ext cx="5181600" cy="4351338"/>
+            <a:off x="1205344" y="2011680"/>
+            <a:ext cx="4754880" cy="4206240"/>
           </a:xfrm>
         </p:spPr>
         <p:txBody>
           <a:bodyPr/>
-          <a:lstStyle/>
+          <a:lstStyle>
+            <a:lvl1pPr>
+              <a:defRPr sz="2200"/>
+            </a:lvl1pPr>
+            <a:lvl2pPr>
+              <a:defRPr sz="2000"/>
+            </a:lvl2pPr>
+            <a:lvl3pPr>
+              <a:defRPr sz="1800"/>
+            </a:lvl3pPr>
+            <a:lvl4pPr>
+              <a:defRPr sz="1600"/>
+            </a:lvl4pPr>
+            <a:lvl5pPr>
+              <a:defRPr sz="1600"/>
+            </a:lvl5pPr>
+            <a:lvl6pPr>
+              <a:defRPr sz="1600"/>
+            </a:lvl6pPr>
+            <a:lvl7pPr>
+              <a:defRPr sz="1600"/>
+            </a:lvl7pPr>
+            <a:lvl8pPr>
+              <a:defRPr sz="1600"/>
+            </a:lvl8pPr>
+            <a:lvl9pPr>
+              <a:defRPr sz="1600"/>
+            </a:lvl9pPr>
+          </a:lstStyle>
           <a:p>
             <a:pPr lvl="0"/>
             <a:r>
@@ -1159,7 +1361,7 @@
               <a:rPr lang="en-US"/>
               <a:t>Fifth level</a:t>
             </a:r>
-            <a:endParaRPr lang="en-SG"/>
+            <a:endParaRPr lang="en-US" dirty="0"/>
           </a:p>
         </p:txBody>
       </p:sp>
@@ -1175,13 +1377,41 @@
         </p:nvSpPr>
         <p:spPr>
           <a:xfrm>
-            <a:off x="6172200" y="1825625"/>
-            <a:ext cx="5181600" cy="4351338"/>
+            <a:off x="6230391" y="2011680"/>
+            <a:ext cx="4754880" cy="4206240"/>
           </a:xfrm>
         </p:spPr>
         <p:txBody>
           <a:bodyPr/>
-          <a:lstStyle/>
+          <a:lstStyle>
+            <a:lvl1pPr>
+              <a:defRPr sz="2200"/>
+            </a:lvl1pPr>
+            <a:lvl2pPr>
+              <a:defRPr sz="2000"/>
+            </a:lvl2pPr>
+            <a:lvl3pPr>
+              <a:defRPr sz="1800"/>
+            </a:lvl3pPr>
+            <a:lvl4pPr>
+              <a:defRPr sz="1600"/>
+            </a:lvl4pPr>
+            <a:lvl5pPr>
+              <a:defRPr sz="1600"/>
+            </a:lvl5pPr>
+            <a:lvl6pPr>
+              <a:defRPr sz="1600"/>
+            </a:lvl6pPr>
+            <a:lvl7pPr>
+              <a:defRPr sz="1600"/>
+            </a:lvl7pPr>
+            <a:lvl8pPr>
+              <a:defRPr sz="1600"/>
+            </a:lvl8pPr>
+            <a:lvl9pPr>
+              <a:defRPr sz="1600"/>
+            </a:lvl9pPr>
+          </a:lstStyle>
           <a:p>
             <a:pPr lvl="0"/>
             <a:r>
@@ -1216,7 +1446,7 @@
               <a:rPr lang="en-US"/>
               <a:t>Fifth level</a:t>
             </a:r>
-            <a:endParaRPr lang="en-SG"/>
+            <a:endParaRPr lang="en-US" dirty="0"/>
           </a:p>
         </p:txBody>
       </p:sp>
@@ -1288,7 +1518,7 @@
     </p:spTree>
     <p:extLst>
       <p:ext uri="{BB962C8B-B14F-4D97-AF65-F5344CB8AC3E}">
-        <p14:creationId xmlns:p14="http://schemas.microsoft.com/office/powerpoint/2010/main" val="2226425525"/>
+        <p14:creationId xmlns:p14="http://schemas.microsoft.com/office/powerpoint/2010/main" val="1599509012"/>
       </p:ext>
     </p:extLst>
   </p:cSld>
@@ -1317,54 +1547,51 @@
       </p:grpSpPr>
       <p:sp>
         <p:nvSpPr>
-          <p:cNvPr id="2" name="Title 1"/>
+          <p:cNvPr id="10" name="Title 9"/>
           <p:cNvSpPr>
             <a:spLocks noGrp="1"/>
           </p:cNvSpPr>
           <p:nvPr>
             <p:ph type="title"/>
+          </p:nvPr>
+        </p:nvSpPr>
+        <p:spPr/>
+        <p:txBody>
+          <a:bodyPr/>
+          <a:lstStyle/>
+          <a:p>
+            <a:r>
+              <a:rPr lang="en-US"/>
+              <a:t>Click to edit Master title style</a:t>
+            </a:r>
+            <a:endParaRPr lang="en-US" dirty="0"/>
+          </a:p>
+        </p:txBody>
+      </p:sp>
+      <p:sp>
+        <p:nvSpPr>
+          <p:cNvPr id="3" name="Text Placeholder 2"/>
+          <p:cNvSpPr>
+            <a:spLocks noGrp="1"/>
+          </p:cNvSpPr>
+          <p:nvPr>
+            <p:ph type="body" idx="1"/>
           </p:nvPr>
         </p:nvSpPr>
         <p:spPr>
           <a:xfrm>
-            <a:off x="839788" y="365125"/>
-            <a:ext cx="10515600" cy="1325563"/>
+            <a:off x="1207008" y="1913470"/>
+            <a:ext cx="4754880" cy="743094"/>
           </a:xfrm>
         </p:spPr>
         <p:txBody>
-          <a:bodyPr/>
-          <a:lstStyle/>
-          <a:p>
-            <a:r>
-              <a:rPr lang="en-US"/>
-              <a:t>Click to edit Master title style</a:t>
-            </a:r>
-            <a:endParaRPr lang="en-SG"/>
-          </a:p>
-        </p:txBody>
-      </p:sp>
-      <p:sp>
-        <p:nvSpPr>
-          <p:cNvPr id="3" name="Text Placeholder 2"/>
-          <p:cNvSpPr>
-            <a:spLocks noGrp="1"/>
-          </p:cNvSpPr>
-          <p:nvPr>
-            <p:ph type="body" idx="1"/>
-          </p:nvPr>
-        </p:nvSpPr>
-        <p:spPr>
-          <a:xfrm>
-            <a:off x="839788" y="1681163"/>
-            <a:ext cx="5157787" cy="823912"/>
-          </a:xfrm>
-        </p:spPr>
-        <p:txBody>
-          <a:bodyPr anchor="b"/>
+          <a:bodyPr anchor="ctr">
+            <a:normAutofit/>
+          </a:bodyPr>
           <a:lstStyle>
             <a:lvl1pPr marL="0" indent="0">
               <a:buNone/>
-              <a:defRPr sz="2400" b="1"/>
+              <a:defRPr sz="2100" b="1"/>
             </a:lvl1pPr>
             <a:lvl2pPr marL="457200" indent="0">
               <a:buNone/>
@@ -1420,13 +1647,41 @@
         </p:nvSpPr>
         <p:spPr>
           <a:xfrm>
-            <a:off x="839788" y="2505075"/>
-            <a:ext cx="5157787" cy="3684588"/>
+            <a:off x="1207008" y="2656566"/>
+            <a:ext cx="4754880" cy="3566160"/>
           </a:xfrm>
         </p:spPr>
         <p:txBody>
           <a:bodyPr/>
-          <a:lstStyle/>
+          <a:lstStyle>
+            <a:lvl1pPr>
+              <a:defRPr sz="2200"/>
+            </a:lvl1pPr>
+            <a:lvl2pPr>
+              <a:defRPr sz="2000"/>
+            </a:lvl2pPr>
+            <a:lvl3pPr>
+              <a:defRPr sz="1800"/>
+            </a:lvl3pPr>
+            <a:lvl4pPr>
+              <a:defRPr sz="1600"/>
+            </a:lvl4pPr>
+            <a:lvl5pPr>
+              <a:defRPr sz="1600"/>
+            </a:lvl5pPr>
+            <a:lvl6pPr>
+              <a:defRPr sz="1600"/>
+            </a:lvl6pPr>
+            <a:lvl7pPr>
+              <a:defRPr sz="1600"/>
+            </a:lvl7pPr>
+            <a:lvl8pPr>
+              <a:defRPr sz="1600"/>
+            </a:lvl8pPr>
+            <a:lvl9pPr>
+              <a:defRPr sz="1600"/>
+            </a:lvl9pPr>
+          </a:lstStyle>
           <a:p>
             <a:pPr lvl="0"/>
             <a:r>
@@ -1461,7 +1716,7 @@
               <a:rPr lang="en-US"/>
               <a:t>Fifth level</a:t>
             </a:r>
-            <a:endParaRPr lang="en-SG"/>
+            <a:endParaRPr lang="en-US" dirty="0"/>
           </a:p>
         </p:txBody>
       </p:sp>
@@ -1477,16 +1732,18 @@
         </p:nvSpPr>
         <p:spPr>
           <a:xfrm>
-            <a:off x="6172200" y="1681163"/>
-            <a:ext cx="5183188" cy="823912"/>
+            <a:off x="6231230" y="1913470"/>
+            <a:ext cx="4754880" cy="743094"/>
           </a:xfrm>
         </p:spPr>
         <p:txBody>
-          <a:bodyPr anchor="b"/>
+          <a:bodyPr anchor="ctr">
+            <a:normAutofit/>
+          </a:bodyPr>
           <a:lstStyle>
             <a:lvl1pPr marL="0" indent="0">
               <a:buNone/>
-              <a:defRPr sz="2400" b="1"/>
+              <a:defRPr sz="2100" b="1"/>
             </a:lvl1pPr>
             <a:lvl2pPr marL="457200" indent="0">
               <a:buNone/>
@@ -1542,13 +1799,41 @@
         </p:nvSpPr>
         <p:spPr>
           <a:xfrm>
-            <a:off x="6172200" y="2505075"/>
-            <a:ext cx="5183188" cy="3684588"/>
+            <a:off x="6231230" y="2656564"/>
+            <a:ext cx="4754880" cy="3566160"/>
           </a:xfrm>
         </p:spPr>
         <p:txBody>
           <a:bodyPr/>
-          <a:lstStyle/>
+          <a:lstStyle>
+            <a:lvl1pPr>
+              <a:defRPr sz="2200"/>
+            </a:lvl1pPr>
+            <a:lvl2pPr>
+              <a:defRPr sz="2000"/>
+            </a:lvl2pPr>
+            <a:lvl3pPr>
+              <a:defRPr sz="1800"/>
+            </a:lvl3pPr>
+            <a:lvl4pPr>
+              <a:defRPr sz="1600"/>
+            </a:lvl4pPr>
+            <a:lvl5pPr>
+              <a:defRPr sz="1600"/>
+            </a:lvl5pPr>
+            <a:lvl6pPr>
+              <a:defRPr sz="1600"/>
+            </a:lvl6pPr>
+            <a:lvl7pPr>
+              <a:defRPr sz="1600"/>
+            </a:lvl7pPr>
+            <a:lvl8pPr>
+              <a:defRPr sz="1600"/>
+            </a:lvl8pPr>
+            <a:lvl9pPr>
+              <a:defRPr sz="1600"/>
+            </a:lvl9pPr>
+          </a:lstStyle>
           <a:p>
             <a:pPr lvl="0"/>
             <a:r>
@@ -1583,7 +1868,7 @@
               <a:rPr lang="en-US"/>
               <a:t>Fifth level</a:t>
             </a:r>
-            <a:endParaRPr lang="en-SG"/>
+            <a:endParaRPr lang="en-US" dirty="0"/>
           </a:p>
         </p:txBody>
       </p:sp>
@@ -1655,7 +1940,7 @@
     </p:spTree>
     <p:extLst>
       <p:ext uri="{BB962C8B-B14F-4D97-AF65-F5344CB8AC3E}">
-        <p14:creationId xmlns:p14="http://schemas.microsoft.com/office/powerpoint/2010/main" val="3505439322"/>
+        <p14:creationId xmlns:p14="http://schemas.microsoft.com/office/powerpoint/2010/main" val="3833303618"/>
       </p:ext>
     </p:extLst>
   </p:cSld>
@@ -1701,7 +1986,7 @@
               <a:rPr lang="en-US"/>
               <a:t>Click to edit Master title style</a:t>
             </a:r>
-            <a:endParaRPr lang="en-SG"/>
+            <a:endParaRPr lang="en-US" dirty="0"/>
           </a:p>
         </p:txBody>
       </p:sp>
@@ -1773,7 +2058,7 @@
     </p:spTree>
     <p:extLst>
       <p:ext uri="{BB962C8B-B14F-4D97-AF65-F5344CB8AC3E}">
-        <p14:creationId xmlns:p14="http://schemas.microsoft.com/office/powerpoint/2010/main" val="3318803765"/>
+        <p14:creationId xmlns:p14="http://schemas.microsoft.com/office/powerpoint/2010/main" val="371629028"/>
       </p:ext>
     </p:extLst>
   </p:cSld>
@@ -1784,7 +2069,7 @@
 </file>
 
 <file path=ppt/slideLayouts/slideLayout7.xml><?xml version="1.0" encoding="utf-8"?>
-<p:sldLayout xmlns:a="http://schemas.openxmlformats.org/drawingml/2006/main" xmlns:r="http://schemas.openxmlformats.org/officeDocument/2006/relationships" xmlns:p="http://schemas.openxmlformats.org/presentationml/2006/main" type="blank" preserve="1">
+<p:sldLayout xmlns:a="http://schemas.openxmlformats.org/drawingml/2006/main" xmlns:r="http://schemas.openxmlformats.org/officeDocument/2006/relationships" xmlns:p="http://schemas.openxmlformats.org/presentationml/2006/main" showMasterSp="0" type="blank" preserve="1">
   <p:cSld name="Blank">
     <p:spTree>
       <p:nvGrpSpPr>
@@ -1868,7 +2153,7 @@
     </p:spTree>
     <p:extLst>
       <p:ext uri="{BB962C8B-B14F-4D97-AF65-F5344CB8AC3E}">
-        <p14:creationId xmlns:p14="http://schemas.microsoft.com/office/powerpoint/2010/main" val="48084120"/>
+        <p14:creationId xmlns:p14="http://schemas.microsoft.com/office/powerpoint/2010/main" val="2958324168"/>
       </p:ext>
     </p:extLst>
   </p:cSld>
@@ -1897,50 +2182,41 @@
       </p:grpSpPr>
       <p:sp>
         <p:nvSpPr>
-          <p:cNvPr id="2" name="Title 1"/>
+          <p:cNvPr id="8" name="Title 7"/>
           <p:cNvSpPr>
             <a:spLocks noGrp="1"/>
           </p:cNvSpPr>
           <p:nvPr>
             <p:ph type="title"/>
+          </p:nvPr>
+        </p:nvSpPr>
+        <p:spPr/>
+        <p:txBody>
+          <a:bodyPr/>
+          <a:lstStyle/>
+          <a:p>
+            <a:r>
+              <a:rPr lang="en-US"/>
+              <a:t>Click to edit Master title style</a:t>
+            </a:r>
+            <a:endParaRPr lang="en-US" dirty="0"/>
+          </a:p>
+        </p:txBody>
+      </p:sp>
+      <p:sp>
+        <p:nvSpPr>
+          <p:cNvPr id="3" name="Content Placeholder 2"/>
+          <p:cNvSpPr>
+            <a:spLocks noGrp="1"/>
+          </p:cNvSpPr>
+          <p:nvPr>
+            <p:ph idx="1"/>
           </p:nvPr>
         </p:nvSpPr>
         <p:spPr>
           <a:xfrm>
-            <a:off x="839788" y="457200"/>
-            <a:ext cx="3932237" cy="1600200"/>
-          </a:xfrm>
-        </p:spPr>
-        <p:txBody>
-          <a:bodyPr anchor="b"/>
-          <a:lstStyle>
-            <a:lvl1pPr>
-              <a:defRPr sz="3200"/>
-            </a:lvl1pPr>
-          </a:lstStyle>
-          <a:p>
-            <a:r>
-              <a:rPr lang="en-US"/>
-              <a:t>Click to edit Master title style</a:t>
-            </a:r>
-            <a:endParaRPr lang="en-SG"/>
-          </a:p>
-        </p:txBody>
-      </p:sp>
-      <p:sp>
-        <p:nvSpPr>
-          <p:cNvPr id="3" name="Content Placeholder 2"/>
-          <p:cNvSpPr>
-            <a:spLocks noGrp="1"/>
-          </p:cNvSpPr>
-          <p:nvPr>
-            <p:ph idx="1"/>
-          </p:nvPr>
-        </p:nvSpPr>
-        <p:spPr>
-          <a:xfrm>
-            <a:off x="5183188" y="987425"/>
-            <a:ext cx="6172200" cy="4873625"/>
+            <a:off x="1207008" y="2120054"/>
+            <a:ext cx="6126480" cy="4114800"/>
           </a:xfrm>
         </p:spPr>
         <p:txBody>
@@ -2008,7 +2284,7 @@
               <a:rPr lang="en-US"/>
               <a:t>Fifth level</a:t>
             </a:r>
-            <a:endParaRPr lang="en-SG"/>
+            <a:endParaRPr lang="en-US" dirty="0"/>
           </a:p>
         </p:txBody>
       </p:sp>
@@ -2024,48 +2300,53 @@
         </p:nvSpPr>
         <p:spPr>
           <a:xfrm>
-            <a:off x="839788" y="2057400"/>
-            <a:ext cx="3932237" cy="3811588"/>
+            <a:off x="7789023" y="2147486"/>
+            <a:ext cx="3200400" cy="3432319"/>
           </a:xfrm>
         </p:spPr>
         <p:txBody>
-          <a:bodyPr/>
+          <a:bodyPr>
+            <a:normAutofit/>
+          </a:bodyPr>
           <a:lstStyle>
             <a:lvl1pPr marL="0" indent="0">
-              <a:buNone/>
-              <a:defRPr sz="1600"/>
+              <a:lnSpc>
+                <a:spcPct val="95000"/>
+              </a:lnSpc>
+              <a:buNone/>
+              <a:defRPr sz="1800"/>
             </a:lvl1pPr>
             <a:lvl2pPr marL="457200" indent="0">
               <a:buNone/>
-              <a:defRPr sz="1400"/>
+              <a:defRPr sz="1200"/>
             </a:lvl2pPr>
             <a:lvl3pPr marL="914400" indent="0">
               <a:buNone/>
-              <a:defRPr sz="1200"/>
+              <a:defRPr sz="1000"/>
             </a:lvl3pPr>
             <a:lvl4pPr marL="1371600" indent="0">
               <a:buNone/>
-              <a:defRPr sz="1000"/>
+              <a:defRPr sz="900"/>
             </a:lvl4pPr>
             <a:lvl5pPr marL="1828800" indent="0">
               <a:buNone/>
-              <a:defRPr sz="1000"/>
+              <a:defRPr sz="900"/>
             </a:lvl5pPr>
             <a:lvl6pPr marL="2286000" indent="0">
               <a:buNone/>
-              <a:defRPr sz="1000"/>
+              <a:defRPr sz="900"/>
             </a:lvl6pPr>
             <a:lvl7pPr marL="2743200" indent="0">
               <a:buNone/>
-              <a:defRPr sz="1000"/>
+              <a:defRPr sz="900"/>
             </a:lvl7pPr>
             <a:lvl8pPr marL="3200400" indent="0">
               <a:buNone/>
-              <a:defRPr sz="1000"/>
+              <a:defRPr sz="900"/>
             </a:lvl8pPr>
             <a:lvl9pPr marL="3657600" indent="0">
               <a:buNone/>
-              <a:defRPr sz="1000"/>
+              <a:defRPr sz="900"/>
             </a:lvl9pPr>
           </a:lstStyle>
           <a:p>
@@ -2145,7 +2426,7 @@
     </p:spTree>
     <p:extLst>
       <p:ext uri="{BB962C8B-B14F-4D97-AF65-F5344CB8AC3E}">
-        <p14:creationId xmlns:p14="http://schemas.microsoft.com/office/powerpoint/2010/main" val="95782559"/>
+        <p14:creationId xmlns:p14="http://schemas.microsoft.com/office/powerpoint/2010/main" val="1003508319"/>
       </p:ext>
     </p:extLst>
   </p:cSld>
@@ -2174,58 +2455,61 @@
       </p:grpSpPr>
       <p:sp>
         <p:nvSpPr>
-          <p:cNvPr id="2" name="Title 1"/>
+          <p:cNvPr id="8" name="Title 7"/>
           <p:cNvSpPr>
             <a:spLocks noGrp="1"/>
           </p:cNvSpPr>
           <p:nvPr>
             <p:ph type="title"/>
+          </p:nvPr>
+        </p:nvSpPr>
+        <p:spPr/>
+        <p:txBody>
+          <a:bodyPr/>
+          <a:lstStyle/>
+          <a:p>
+            <a:r>
+              <a:rPr lang="en-US"/>
+              <a:t>Click to edit Master title style</a:t>
+            </a:r>
+            <a:endParaRPr lang="en-US" dirty="0"/>
+          </a:p>
+        </p:txBody>
+      </p:sp>
+      <p:sp>
+        <p:nvSpPr>
+          <p:cNvPr id="3" name="Picture Placeholder 2"/>
+          <p:cNvSpPr>
+            <a:spLocks noGrp="1" noChangeAspect="1"/>
+          </p:cNvSpPr>
+          <p:nvPr>
+            <p:ph type="pic" idx="1"/>
           </p:nvPr>
         </p:nvSpPr>
         <p:spPr>
           <a:xfrm>
-            <a:off x="839788" y="457200"/>
-            <a:ext cx="3932237" cy="1600200"/>
+            <a:off x="1280160" y="2211494"/>
+            <a:ext cx="6126480" cy="3931920"/>
           </a:xfrm>
+          <a:solidFill>
+            <a:schemeClr val="tx2">
+              <a:lumMod val="60000"/>
+              <a:lumOff val="40000"/>
+            </a:schemeClr>
+          </a:solidFill>
         </p:spPr>
         <p:txBody>
-          <a:bodyPr anchor="b"/>
+          <a:bodyPr tIns="365760" anchor="t"/>
           <a:lstStyle>
-            <a:lvl1pPr>
-              <a:defRPr sz="3200"/>
-            </a:lvl1pPr>
-          </a:lstStyle>
-          <a:p>
-            <a:r>
-              <a:rPr lang="en-US"/>
-              <a:t>Click to edit Master title style</a:t>
-            </a:r>
-            <a:endParaRPr lang="en-SG"/>
-          </a:p>
-        </p:txBody>
-      </p:sp>
-      <p:sp>
-        <p:nvSpPr>
-          <p:cNvPr id="3" name="Picture Placeholder 2"/>
-          <p:cNvSpPr>
-            <a:spLocks noGrp="1"/>
-          </p:cNvSpPr>
-          <p:nvPr>
-            <p:ph type="pic" idx="1"/>
-          </p:nvPr>
-        </p:nvSpPr>
-        <p:spPr>
-          <a:xfrm>
-            <a:off x="5183188" y="987425"/>
-            <a:ext cx="6172200" cy="4873625"/>
-          </a:xfrm>
-        </p:spPr>
-        <p:txBody>
-          <a:bodyPr/>
-          <a:lstStyle>
-            <a:lvl1pPr marL="0" indent="0">
-              <a:buNone/>
-              <a:defRPr sz="3200"/>
+            <a:lvl1pPr marL="0" indent="0" algn="ctr">
+              <a:buNone/>
+              <a:defRPr sz="3200">
+                <a:solidFill>
+                  <a:schemeClr val="tx1">
+                    <a:lumMod val="50000"/>
+                  </a:schemeClr>
+                </a:solidFill>
+              </a:defRPr>
             </a:lvl1pPr>
             <a:lvl2pPr marL="457200" indent="0">
               <a:buNone/>
@@ -2261,7 +2545,11 @@
             </a:lvl9pPr>
           </a:lstStyle>
           <a:p>
-            <a:endParaRPr lang="en-SG"/>
+            <a:r>
+              <a:rPr lang="en-US"/>
+              <a:t>Click icon to add picture</a:t>
+            </a:r>
+            <a:endParaRPr lang="en-US" dirty="0"/>
           </a:p>
         </p:txBody>
       </p:sp>
@@ -2277,48 +2565,53 @@
         </p:nvSpPr>
         <p:spPr>
           <a:xfrm>
-            <a:off x="839788" y="2057400"/>
-            <a:ext cx="3932237" cy="3811588"/>
+            <a:off x="7790688" y="2150621"/>
+            <a:ext cx="3200400" cy="3429000"/>
           </a:xfrm>
         </p:spPr>
         <p:txBody>
-          <a:bodyPr/>
+          <a:bodyPr>
+            <a:normAutofit/>
+          </a:bodyPr>
           <a:lstStyle>
             <a:lvl1pPr marL="0" indent="0">
-              <a:buNone/>
-              <a:defRPr sz="1600"/>
+              <a:lnSpc>
+                <a:spcPct val="95000"/>
+              </a:lnSpc>
+              <a:buNone/>
+              <a:defRPr sz="1800"/>
             </a:lvl1pPr>
             <a:lvl2pPr marL="457200" indent="0">
               <a:buNone/>
-              <a:defRPr sz="1400"/>
+              <a:defRPr sz="1200"/>
             </a:lvl2pPr>
             <a:lvl3pPr marL="914400" indent="0">
               <a:buNone/>
-              <a:defRPr sz="1200"/>
+              <a:defRPr sz="1000"/>
             </a:lvl3pPr>
             <a:lvl4pPr marL="1371600" indent="0">
               <a:buNone/>
-              <a:defRPr sz="1000"/>
+              <a:defRPr sz="900"/>
             </a:lvl4pPr>
             <a:lvl5pPr marL="1828800" indent="0">
               <a:buNone/>
-              <a:defRPr sz="1000"/>
+              <a:defRPr sz="900"/>
             </a:lvl5pPr>
             <a:lvl6pPr marL="2286000" indent="0">
               <a:buNone/>
-              <a:defRPr sz="1000"/>
+              <a:defRPr sz="900"/>
             </a:lvl6pPr>
             <a:lvl7pPr marL="2743200" indent="0">
               <a:buNone/>
-              <a:defRPr sz="1000"/>
+              <a:defRPr sz="900"/>
             </a:lvl7pPr>
             <a:lvl8pPr marL="3200400" indent="0">
               <a:buNone/>
-              <a:defRPr sz="1000"/>
+              <a:defRPr sz="900"/>
             </a:lvl8pPr>
             <a:lvl9pPr marL="3657600" indent="0">
               <a:buNone/>
-              <a:defRPr sz="1000"/>
+              <a:defRPr sz="900"/>
             </a:lvl9pPr>
           </a:lstStyle>
           <a:p>
@@ -2398,7 +2691,7 @@
     </p:spTree>
     <p:extLst>
       <p:ext uri="{BB962C8B-B14F-4D97-AF65-F5344CB8AC3E}">
-        <p14:creationId xmlns:p14="http://schemas.microsoft.com/office/powerpoint/2010/main" val="2659014666"/>
+        <p14:creationId xmlns:p14="http://schemas.microsoft.com/office/powerpoint/2010/main" val="1403222786"/>
       </p:ext>
     </p:extLst>
   </p:cSld>
@@ -2413,7 +2706,7 @@
   <p:cSld>
     <p:bg>
       <p:bgRef idx="1001">
-        <a:schemeClr val="bg1"/>
+        <a:schemeClr val="bg2"/>
       </p:bgRef>
     </p:bg>
     <p:spTree>
@@ -2432,18 +2725,56 @@
       </p:grpSpPr>
       <p:sp>
         <p:nvSpPr>
-          <p:cNvPr id="2" name="Title Placeholder 1"/>
-          <p:cNvSpPr>
-            <a:spLocks noGrp="1"/>
-          </p:cNvSpPr>
-          <p:nvPr>
-            <p:ph type="title"/>
-          </p:nvPr>
+          <p:cNvPr id="7" name="Rectangle 6"/>
+          <p:cNvSpPr/>
+          <p:nvPr/>
         </p:nvSpPr>
         <p:spPr>
           <a:xfrm>
-            <a:off x="838200" y="365125"/>
-            <a:ext cx="10515600" cy="1325563"/>
+            <a:off x="483" y="176109"/>
+            <a:ext cx="12188952" cy="1645919"/>
+          </a:xfrm>
+          <a:prstGeom prst="rect">
+            <a:avLst/>
+          </a:prstGeom>
+          <a:solidFill>
+            <a:schemeClr val="tx1"/>
+          </a:solidFill>
+          <a:ln>
+            <a:noFill/>
+          </a:ln>
+        </p:spPr>
+        <p:style>
+          <a:lnRef idx="2">
+            <a:schemeClr val="accent1">
+              <a:shade val="50000"/>
+            </a:schemeClr>
+          </a:lnRef>
+          <a:fillRef idx="1">
+            <a:schemeClr val="accent1"/>
+          </a:fillRef>
+          <a:effectRef idx="0">
+            <a:schemeClr val="accent1"/>
+          </a:effectRef>
+          <a:fontRef idx="minor">
+            <a:schemeClr val="lt1"/>
+          </a:fontRef>
+        </p:style>
+      </p:sp>
+      <p:sp>
+        <p:nvSpPr>
+          <p:cNvPr id="2" name="Title Placeholder 1"/>
+          <p:cNvSpPr>
+            <a:spLocks noGrp="1"/>
+          </p:cNvSpPr>
+          <p:nvPr>
+            <p:ph type="title"/>
+          </p:nvPr>
+        </p:nvSpPr>
+        <p:spPr>
+          <a:xfrm>
+            <a:off x="1202919" y="284176"/>
+            <a:ext cx="9784080" cy="1508760"/>
           </a:xfrm>
           <a:prstGeom prst="rect">
             <a:avLst/>
@@ -2459,7 +2790,7 @@
               <a:rPr lang="en-US"/>
               <a:t>Click to edit Master title style</a:t>
             </a:r>
-            <a:endParaRPr lang="en-SG"/>
+            <a:endParaRPr lang="en-US" dirty="0"/>
           </a:p>
         </p:txBody>
       </p:sp>
@@ -2475,8 +2806,8 @@
         </p:nvSpPr>
         <p:spPr>
           <a:xfrm>
-            <a:off x="838200" y="1825625"/>
-            <a:ext cx="10515600" cy="4351338"/>
+            <a:off x="1202919" y="2011680"/>
+            <a:ext cx="9784080" cy="4206240"/>
           </a:xfrm>
           <a:prstGeom prst="rect">
             <a:avLst/>
@@ -2521,7 +2852,7 @@
               <a:rPr lang="en-US"/>
               <a:t>Fifth level</a:t>
             </a:r>
-            <a:endParaRPr lang="en-SG"/>
+            <a:endParaRPr lang="en-US" dirty="0"/>
           </a:p>
         </p:txBody>
       </p:sp>
@@ -2537,22 +2868,20 @@
         </p:nvSpPr>
         <p:spPr>
           <a:xfrm>
-            <a:off x="838200" y="6356350"/>
-            <a:ext cx="2743200" cy="365125"/>
+            <a:off x="1202266" y="6422854"/>
+            <a:ext cx="3000894" cy="365125"/>
           </a:xfrm>
           <a:prstGeom prst="rect">
             <a:avLst/>
           </a:prstGeom>
         </p:spPr>
         <p:txBody>
-          <a:bodyPr vert="horz" lIns="91440" tIns="45720" rIns="91440" bIns="45720" rtlCol="0" anchor="ctr"/>
+          <a:bodyPr vert="horz" lIns="91440" tIns="45720" rIns="45720" bIns="45720" rtlCol="0" anchor="ctr"/>
           <a:lstStyle>
             <a:lvl1pPr algn="l">
-              <a:defRPr sz="1200">
+              <a:defRPr sz="1050">
                 <a:solidFill>
-                  <a:schemeClr val="tx1">
-                    <a:tint val="75000"/>
-                  </a:schemeClr>
+                  <a:schemeClr val="tx1"/>
                 </a:solidFill>
               </a:defRPr>
             </a:lvl1pPr>
@@ -2578,8 +2907,8 @@
         </p:nvSpPr>
         <p:spPr>
           <a:xfrm>
-            <a:off x="4038600" y="6356350"/>
-            <a:ext cx="4114800" cy="365125"/>
+            <a:off x="5596471" y="6422854"/>
+            <a:ext cx="5044440" cy="365125"/>
           </a:xfrm>
           <a:prstGeom prst="rect">
             <a:avLst/>
@@ -2588,12 +2917,10 @@
         <p:txBody>
           <a:bodyPr vert="horz" lIns="91440" tIns="45720" rIns="91440" bIns="45720" rtlCol="0" anchor="ctr"/>
           <a:lstStyle>
-            <a:lvl1pPr algn="ctr">
-              <a:defRPr sz="1200">
+            <a:lvl1pPr algn="r">
+              <a:defRPr sz="1050">
                 <a:solidFill>
-                  <a:schemeClr val="tx1">
-                    <a:tint val="75000"/>
-                  </a:schemeClr>
+                  <a:schemeClr val="tx1"/>
                 </a:solidFill>
               </a:defRPr>
             </a:lvl1pPr>
@@ -2615,22 +2942,20 @@
         </p:nvSpPr>
         <p:spPr>
           <a:xfrm>
-            <a:off x="8610600" y="6356350"/>
-            <a:ext cx="2743200" cy="365125"/>
+            <a:off x="10658927" y="6422854"/>
+            <a:ext cx="946264" cy="365125"/>
           </a:xfrm>
           <a:prstGeom prst="rect">
             <a:avLst/>
           </a:prstGeom>
         </p:spPr>
         <p:txBody>
-          <a:bodyPr vert="horz" lIns="91440" tIns="45720" rIns="91440" bIns="45720" rtlCol="0" anchor="ctr"/>
+          <a:bodyPr vert="horz" lIns="45720" tIns="45720" rIns="91440" bIns="45720" rtlCol="0" anchor="ctr"/>
           <a:lstStyle>
-            <a:lvl1pPr algn="r">
-              <a:defRPr sz="1200">
+            <a:lvl1pPr algn="l">
+              <a:defRPr sz="1200" b="0">
                 <a:solidFill>
-                  <a:schemeClr val="tx1">
-                    <a:tint val="75000"/>
-                  </a:schemeClr>
+                  <a:schemeClr val="tx1"/>
                 </a:solidFill>
               </a:defRPr>
             </a:lvl1pPr>
@@ -2647,37 +2972,37 @@
     </p:spTree>
     <p:extLst>
       <p:ext uri="{BB962C8B-B14F-4D97-AF65-F5344CB8AC3E}">
-        <p14:creationId xmlns:p14="http://schemas.microsoft.com/office/powerpoint/2010/main" val="1901524163"/>
+        <p14:creationId xmlns:p14="http://schemas.microsoft.com/office/powerpoint/2010/main" val="1909525558"/>
       </p:ext>
     </p:extLst>
   </p:cSld>
-  <p:clrMap bg1="lt1" tx1="dk1" bg2="lt2" tx2="dk2" accent1="accent1" accent2="accent2" accent3="accent3" accent4="accent4" accent5="accent5" accent6="accent6" hlink="hlink" folHlink="folHlink"/>
+  <p:clrMap bg1="dk1" tx1="lt1" bg2="dk2" tx2="lt2" accent1="accent1" accent2="accent2" accent3="accent3" accent4="accent4" accent5="accent5" accent6="accent6" hlink="hlink" folHlink="folHlink"/>
   <p:sldLayoutIdLst>
-    <p:sldLayoutId id="2147483649" r:id="rId1"/>
-    <p:sldLayoutId id="2147483650" r:id="rId2"/>
-    <p:sldLayoutId id="2147483651" r:id="rId3"/>
-    <p:sldLayoutId id="2147483652" r:id="rId4"/>
-    <p:sldLayoutId id="2147483653" r:id="rId5"/>
-    <p:sldLayoutId id="2147483654" r:id="rId6"/>
-    <p:sldLayoutId id="2147483655" r:id="rId7"/>
-    <p:sldLayoutId id="2147483656" r:id="rId8"/>
-    <p:sldLayoutId id="2147483657" r:id="rId9"/>
-    <p:sldLayoutId id="2147483658" r:id="rId10"/>
-    <p:sldLayoutId id="2147483659" r:id="rId11"/>
+    <p:sldLayoutId id="2147483661" r:id="rId1"/>
+    <p:sldLayoutId id="2147483662" r:id="rId2"/>
+    <p:sldLayoutId id="2147483663" r:id="rId3"/>
+    <p:sldLayoutId id="2147483664" r:id="rId4"/>
+    <p:sldLayoutId id="2147483665" r:id="rId5"/>
+    <p:sldLayoutId id="2147483666" r:id="rId6"/>
+    <p:sldLayoutId id="2147483667" r:id="rId7"/>
+    <p:sldLayoutId id="2147483668" r:id="rId8"/>
+    <p:sldLayoutId id="2147483669" r:id="rId9"/>
+    <p:sldLayoutId id="2147483670" r:id="rId10"/>
+    <p:sldLayoutId id="2147483671" r:id="rId11"/>
   </p:sldLayoutIdLst>
   <p:txStyles>
     <p:titleStyle>
       <a:lvl1pPr algn="l" defTabSz="914400" rtl="0" eaLnBrk="1" latinLnBrk="0" hangingPunct="1">
         <a:lnSpc>
-          <a:spcPct val="90000"/>
+          <a:spcPct val="85000"/>
         </a:lnSpc>
         <a:spcBef>
           <a:spcPct val="0"/>
         </a:spcBef>
         <a:buNone/>
-        <a:defRPr sz="4400" kern="1200">
+        <a:defRPr sz="4000" kern="1200" cap="all" baseline="0">
           <a:solidFill>
-            <a:schemeClr val="tx1"/>
+            <a:schemeClr val="bg2"/>
           </a:solidFill>
           <a:latin typeface="+mj-lt"/>
           <a:ea typeface="+mj-ea"/>
@@ -2686,16 +3011,22 @@
       </a:lvl1pPr>
     </p:titleStyle>
     <p:bodyStyle>
-      <a:lvl1pPr marL="228600" indent="-228600" algn="l" defTabSz="914400" rtl="0" eaLnBrk="1" latinLnBrk="0" hangingPunct="1">
+      <a:lvl1pPr marL="182880" indent="-182880" algn="l" defTabSz="914400" rtl="0" eaLnBrk="1" latinLnBrk="0" hangingPunct="1">
         <a:lnSpc>
           <a:spcPct val="90000"/>
         </a:lnSpc>
         <a:spcBef>
-          <a:spcPts val="1000"/>
+          <a:spcPts val="1200"/>
         </a:spcBef>
-        <a:buFont typeface="Arial" panose="020B0604020202020204" pitchFamily="34" charset="0"/>
-        <a:buChar char="•"/>
-        <a:defRPr sz="2800" kern="1200">
+        <a:spcAft>
+          <a:spcPts val="200"/>
+        </a:spcAft>
+        <a:buClr>
+          <a:schemeClr val="tx1"/>
+        </a:buClr>
+        <a:buFont typeface="Wingdings" pitchFamily="2" charset="2"/>
+        <a:buChar char=""/>
+        <a:defRPr sz="2200" kern="1200">
           <a:solidFill>
             <a:schemeClr val="tx1"/>
           </a:solidFill>
@@ -2704,16 +3035,22 @@
           <a:cs typeface="+mn-cs"/>
         </a:defRPr>
       </a:lvl1pPr>
-      <a:lvl2pPr marL="685800" indent="-228600" algn="l" defTabSz="914400" rtl="0" eaLnBrk="1" latinLnBrk="0" hangingPunct="1">
+      <a:lvl2pPr marL="411480" indent="-182880" algn="l" defTabSz="914400" rtl="0" eaLnBrk="1" latinLnBrk="0" hangingPunct="1">
         <a:lnSpc>
           <a:spcPct val="90000"/>
         </a:lnSpc>
         <a:spcBef>
-          <a:spcPts val="500"/>
+          <a:spcPts val="200"/>
         </a:spcBef>
-        <a:buFont typeface="Arial" panose="020B0604020202020204" pitchFamily="34" charset="0"/>
-        <a:buChar char="•"/>
-        <a:defRPr sz="2400" kern="1200">
+        <a:spcAft>
+          <a:spcPts val="400"/>
+        </a:spcAft>
+        <a:buClr>
+          <a:schemeClr val="tx1"/>
+        </a:buClr>
+        <a:buFont typeface="Wingdings" pitchFamily="2" charset="2"/>
+        <a:buChar char=""/>
+        <a:defRPr sz="2000" kern="1200">
           <a:solidFill>
             <a:schemeClr val="tx1"/>
           </a:solidFill>
@@ -2722,16 +3059,22 @@
           <a:cs typeface="+mn-cs"/>
         </a:defRPr>
       </a:lvl2pPr>
-      <a:lvl3pPr marL="1143000" indent="-228600" algn="l" defTabSz="914400" rtl="0" eaLnBrk="1" latinLnBrk="0" hangingPunct="1">
+      <a:lvl3pPr marL="640080" indent="-182880" algn="l" defTabSz="914400" rtl="0" eaLnBrk="1" latinLnBrk="0" hangingPunct="1">
         <a:lnSpc>
           <a:spcPct val="90000"/>
         </a:lnSpc>
         <a:spcBef>
-          <a:spcPts val="500"/>
+          <a:spcPts val="200"/>
         </a:spcBef>
-        <a:buFont typeface="Arial" panose="020B0604020202020204" pitchFamily="34" charset="0"/>
-        <a:buChar char="•"/>
-        <a:defRPr sz="2000" kern="1200">
+        <a:spcAft>
+          <a:spcPts val="400"/>
+        </a:spcAft>
+        <a:buClr>
+          <a:schemeClr val="tx1"/>
+        </a:buClr>
+        <a:buFont typeface="Wingdings" pitchFamily="2" charset="2"/>
+        <a:buChar char=""/>
+        <a:defRPr sz="1800" kern="1200">
           <a:solidFill>
             <a:schemeClr val="tx1"/>
           </a:solidFill>
@@ -2740,16 +3083,22 @@
           <a:cs typeface="+mn-cs"/>
         </a:defRPr>
       </a:lvl3pPr>
-      <a:lvl4pPr marL="1600200" indent="-228600" algn="l" defTabSz="914400" rtl="0" eaLnBrk="1" latinLnBrk="0" hangingPunct="1">
+      <a:lvl4pPr marL="868680" indent="-182880" algn="l" defTabSz="914400" rtl="0" eaLnBrk="1" latinLnBrk="0" hangingPunct="1">
         <a:lnSpc>
           <a:spcPct val="90000"/>
         </a:lnSpc>
         <a:spcBef>
-          <a:spcPts val="500"/>
+          <a:spcPts val="200"/>
         </a:spcBef>
-        <a:buFont typeface="Arial" panose="020B0604020202020204" pitchFamily="34" charset="0"/>
-        <a:buChar char="•"/>
-        <a:defRPr sz="1800" kern="1200">
+        <a:spcAft>
+          <a:spcPts val="400"/>
+        </a:spcAft>
+        <a:buClr>
+          <a:schemeClr val="tx1"/>
+        </a:buClr>
+        <a:buFont typeface="Wingdings" pitchFamily="2" charset="2"/>
+        <a:buChar char=""/>
+        <a:defRPr sz="1600" kern="1200">
           <a:solidFill>
             <a:schemeClr val="tx1"/>
           </a:solidFill>
@@ -2758,16 +3107,22 @@
           <a:cs typeface="+mn-cs"/>
         </a:defRPr>
       </a:lvl4pPr>
-      <a:lvl5pPr marL="2057400" indent="-228600" algn="l" defTabSz="914400" rtl="0" eaLnBrk="1" latinLnBrk="0" hangingPunct="1">
+      <a:lvl5pPr marL="1097280" indent="-182880" algn="l" defTabSz="914400" rtl="0" eaLnBrk="1" latinLnBrk="0" hangingPunct="1">
         <a:lnSpc>
           <a:spcPct val="90000"/>
         </a:lnSpc>
         <a:spcBef>
-          <a:spcPts val="500"/>
+          <a:spcPts val="200"/>
         </a:spcBef>
-        <a:buFont typeface="Arial" panose="020B0604020202020204" pitchFamily="34" charset="0"/>
-        <a:buChar char="•"/>
-        <a:defRPr sz="1800" kern="1200">
+        <a:spcAft>
+          <a:spcPts val="400"/>
+        </a:spcAft>
+        <a:buClr>
+          <a:schemeClr val="tx1"/>
+        </a:buClr>
+        <a:buFont typeface="Wingdings" pitchFamily="2" charset="2"/>
+        <a:buChar char=""/>
+        <a:defRPr sz="1600" kern="1200">
           <a:solidFill>
             <a:schemeClr val="tx1"/>
           </a:solidFill>
@@ -2776,16 +3131,22 @@
           <a:cs typeface="+mn-cs"/>
         </a:defRPr>
       </a:lvl5pPr>
-      <a:lvl6pPr marL="2514600" indent="-228600" algn="l" defTabSz="914400" rtl="0" eaLnBrk="1" latinLnBrk="0" hangingPunct="1">
+      <a:lvl6pPr marL="1284600" indent="-228600" algn="l" defTabSz="914400" rtl="0" eaLnBrk="1" latinLnBrk="0" hangingPunct="1">
         <a:lnSpc>
           <a:spcPct val="90000"/>
         </a:lnSpc>
         <a:spcBef>
-          <a:spcPts val="500"/>
+          <a:spcPts val="200"/>
         </a:spcBef>
-        <a:buFont typeface="Arial" panose="020B0604020202020204" pitchFamily="34" charset="0"/>
-        <a:buChar char="•"/>
-        <a:defRPr sz="1800" kern="1200">
+        <a:spcAft>
+          <a:spcPts val="400"/>
+        </a:spcAft>
+        <a:buClr>
+          <a:schemeClr val="tx1"/>
+        </a:buClr>
+        <a:buFont typeface="Wingdings" pitchFamily="2" charset="2"/>
+        <a:buChar char=""/>
+        <a:defRPr sz="1600" kern="1200">
           <a:solidFill>
             <a:schemeClr val="tx1"/>
           </a:solidFill>
@@ -2794,16 +3155,22 @@
           <a:cs typeface="+mn-cs"/>
         </a:defRPr>
       </a:lvl6pPr>
-      <a:lvl7pPr marL="2971800" indent="-228600" algn="l" defTabSz="914400" rtl="0" eaLnBrk="1" latinLnBrk="0" hangingPunct="1">
+      <a:lvl7pPr marL="1471800" indent="-228600" algn="l" defTabSz="914400" rtl="0" eaLnBrk="1" latinLnBrk="0" hangingPunct="1">
         <a:lnSpc>
           <a:spcPct val="90000"/>
         </a:lnSpc>
         <a:spcBef>
-          <a:spcPts val="500"/>
+          <a:spcPts val="200"/>
         </a:spcBef>
-        <a:buFont typeface="Arial" panose="020B0604020202020204" pitchFamily="34" charset="0"/>
-        <a:buChar char="•"/>
-        <a:defRPr sz="1800" kern="1200">
+        <a:spcAft>
+          <a:spcPts val="400"/>
+        </a:spcAft>
+        <a:buClr>
+          <a:schemeClr val="tx1"/>
+        </a:buClr>
+        <a:buFont typeface="Wingdings" pitchFamily="2" charset="2"/>
+        <a:buChar char=""/>
+        <a:defRPr sz="1600" kern="1200">
           <a:solidFill>
             <a:schemeClr val="tx1"/>
           </a:solidFill>
@@ -2812,16 +3179,22 @@
           <a:cs typeface="+mn-cs"/>
         </a:defRPr>
       </a:lvl7pPr>
-      <a:lvl8pPr marL="3429000" indent="-228600" algn="l" defTabSz="914400" rtl="0" eaLnBrk="1" latinLnBrk="0" hangingPunct="1">
+      <a:lvl8pPr marL="1629000" indent="-228600" algn="l" defTabSz="914400" rtl="0" eaLnBrk="1" latinLnBrk="0" hangingPunct="1">
         <a:lnSpc>
           <a:spcPct val="90000"/>
         </a:lnSpc>
         <a:spcBef>
-          <a:spcPts val="500"/>
+          <a:spcPts val="200"/>
         </a:spcBef>
-        <a:buFont typeface="Arial" panose="020B0604020202020204" pitchFamily="34" charset="0"/>
-        <a:buChar char="•"/>
-        <a:defRPr sz="1800" kern="1200">
+        <a:spcAft>
+          <a:spcPts val="400"/>
+        </a:spcAft>
+        <a:buClr>
+          <a:schemeClr val="tx1"/>
+        </a:buClr>
+        <a:buFont typeface="Wingdings" pitchFamily="2" charset="2"/>
+        <a:buChar char=""/>
+        <a:defRPr sz="1600" kern="1200">
           <a:solidFill>
             <a:schemeClr val="tx1"/>
           </a:solidFill>
@@ -2830,16 +3203,22 @@
           <a:cs typeface="+mn-cs"/>
         </a:defRPr>
       </a:lvl8pPr>
-      <a:lvl9pPr marL="3886200" indent="-228600" algn="l" defTabSz="914400" rtl="0" eaLnBrk="1" latinLnBrk="0" hangingPunct="1">
+      <a:lvl9pPr marL="1806200" indent="-228600" algn="l" defTabSz="914400" rtl="0" eaLnBrk="1" latinLnBrk="0" hangingPunct="1">
         <a:lnSpc>
           <a:spcPct val="90000"/>
         </a:lnSpc>
         <a:spcBef>
-          <a:spcPts val="500"/>
+          <a:spcPts val="200"/>
         </a:spcBef>
-        <a:buFont typeface="Arial" panose="020B0604020202020204" pitchFamily="34" charset="0"/>
-        <a:buChar char="•"/>
-        <a:defRPr sz="1800" kern="1200">
+        <a:spcAft>
+          <a:spcPts val="400"/>
+        </a:spcAft>
+        <a:buClr>
+          <a:schemeClr val="tx1"/>
+        </a:buClr>
+        <a:buFont typeface="Wingdings" pitchFamily="2" charset="2"/>
+        <a:buChar char=""/>
+        <a:defRPr sz="1600" kern="1200">
           <a:solidFill>
             <a:schemeClr val="tx1"/>
           </a:solidFill>
@@ -2980,7 +3359,10 @@
           <a:bodyPr/>
           <a:lstStyle/>
           <a:p>
-            <a:endParaRPr lang="en-SG"/>
+            <a:r>
+              <a:rPr lang="en-SG" dirty="0"/>
+              <a:t>Active Learning </a:t>
+            </a:r>
           </a:p>
         </p:txBody>
       </p:sp>
@@ -2999,7 +3381,10 @@
           <a:bodyPr/>
           <a:lstStyle/>
           <a:p>
-            <a:endParaRPr lang="en-SG"/>
+            <a:r>
+              <a:rPr lang="en-SG" dirty="0"/>
+              <a:t>Group 4</a:t>
+            </a:r>
           </a:p>
         </p:txBody>
       </p:sp>
@@ -3048,7 +3433,10 @@
           <a:bodyPr/>
           <a:lstStyle/>
           <a:p>
-            <a:endParaRPr lang="en-SG"/>
+            <a:r>
+              <a:rPr lang="en-SG" dirty="0"/>
+              <a:t>Table of contents</a:t>
+            </a:r>
           </a:p>
         </p:txBody>
       </p:sp>
@@ -3067,56 +3455,56 @@
           <a:bodyPr/>
           <a:lstStyle/>
           <a:p>
+            <a:pPr marL="0" indent="0">
+              <a:buNone/>
+            </a:pPr>
             <a:r>
               <a:rPr lang="en-SG"/>
-              <a:t>Presentation should contains:</a:t>
+              <a:t>o </a:t>
+            </a:r>
+            <a:r>
+              <a:rPr lang="en-SG" dirty="0"/>
+              <a:t>Short list of features</a:t>
             </a:r>
             <a:br>
-              <a:rPr lang="en-SG"/>
+              <a:rPr lang="en-SG" dirty="0"/>
             </a:br>
             <a:r>
-              <a:rPr lang="en-SG"/>
-              <a:t>o Short list of features</a:t>
+              <a:rPr lang="en-SG" dirty="0"/>
+              <a:t>o Database design, domain model design</a:t>
             </a:r>
             <a:br>
-              <a:rPr lang="en-SG"/>
+              <a:rPr lang="en-SG" dirty="0"/>
             </a:br>
             <a:r>
-              <a:rPr lang="en-SG"/>
-              <a:t>o Database design, domain model design</a:t>
+              <a:rPr lang="en-SG" dirty="0"/>
+              <a:t>o One sequence diagram to show the end to end flow</a:t>
             </a:r>
             <a:br>
-              <a:rPr lang="en-SG"/>
+              <a:rPr lang="en-SG" dirty="0"/>
             </a:br>
             <a:r>
-              <a:rPr lang="en-SG"/>
-              <a:t>o One sequence diagram to show the end to end flow</a:t>
+              <a:rPr lang="en-SG" dirty="0"/>
+              <a:t>o Some design choices that you want to highlight</a:t>
             </a:r>
             <a:br>
-              <a:rPr lang="en-SG"/>
+              <a:rPr lang="en-SG" dirty="0"/>
             </a:br>
             <a:r>
-              <a:rPr lang="en-SG"/>
-              <a:t>o Some design choices that you want to highlight</a:t>
+              <a:rPr lang="en-SG" dirty="0"/>
+              <a:t>o Application demonstration</a:t>
             </a:r>
             <a:br>
-              <a:rPr lang="en-SG"/>
+              <a:rPr lang="en-SG" dirty="0"/>
             </a:br>
             <a:r>
-              <a:rPr lang="en-SG"/>
-              <a:t>o Application demonstration</a:t>
+              <a:rPr lang="en-SG" dirty="0"/>
+              <a:t>o Code walkthrough</a:t>
             </a:r>
             <a:br>
-              <a:rPr lang="en-SG"/>
+              <a:rPr lang="en-SG" dirty="0"/>
             </a:br>
-            <a:r>
-              <a:rPr lang="en-SG"/>
-              <a:t>o Code walkthrough</a:t>
-            </a:r>
-            <a:br>
-              <a:rPr lang="en-SG"/>
-            </a:br>
-            <a:endParaRPr lang="en-SG"/>
+            <a:endParaRPr lang="en-SG" dirty="0"/>
           </a:p>
         </p:txBody>
       </p:sp>
@@ -3134,110 +3522,58 @@
 </file>
 
 <file path=ppt/theme/theme1.xml><?xml version="1.0" encoding="utf-8"?>
-<a:theme xmlns:a="http://schemas.openxmlformats.org/drawingml/2006/main" name="Office Theme">
+<a:theme xmlns:a="http://schemas.openxmlformats.org/drawingml/2006/main" name="Banded">
   <a:themeElements>
-    <a:clrScheme name="Office">
+    <a:clrScheme name="Banded">
       <a:dk1>
-        <a:sysClr val="windowText" lastClr="000000"/>
+        <a:srgbClr val="2C2C2C"/>
       </a:dk1>
       <a:lt1>
-        <a:sysClr val="window" lastClr="FFFFFF"/>
+        <a:srgbClr val="FFFFFF"/>
       </a:lt1>
       <a:dk2>
-        <a:srgbClr val="44546A"/>
+        <a:srgbClr val="099BDD"/>
       </a:dk2>
       <a:lt2>
-        <a:srgbClr val="E7E6E6"/>
+        <a:srgbClr val="F2F2F2"/>
       </a:lt2>
       <a:accent1>
-        <a:srgbClr val="5B9BD5"/>
+        <a:srgbClr val="FFC000"/>
       </a:accent1>
       <a:accent2>
-        <a:srgbClr val="ED7D31"/>
+        <a:srgbClr val="A5D028"/>
       </a:accent2>
       <a:accent3>
-        <a:srgbClr val="A5A5A5"/>
+        <a:srgbClr val="08CC78"/>
       </a:accent3>
       <a:accent4>
-        <a:srgbClr val="FFC000"/>
+        <a:srgbClr val="F24099"/>
       </a:accent4>
       <a:accent5>
-        <a:srgbClr val="4472C4"/>
+        <a:srgbClr val="828288"/>
       </a:accent5>
       <a:accent6>
-        <a:srgbClr val="70AD47"/>
+        <a:srgbClr val="F56617"/>
       </a:accent6>
       <a:hlink>
-        <a:srgbClr val="0563C1"/>
+        <a:srgbClr val="005DBA"/>
       </a:hlink>
       <a:folHlink>
-        <a:srgbClr val="954F72"/>
+        <a:srgbClr val="6C606A"/>
       </a:folHlink>
     </a:clrScheme>
-    <a:fontScheme name="Office">
+    <a:fontScheme name="Banded">
       <a:majorFont>
-        <a:latin typeface="Calibri Light" panose="020F0302020204030204"/>
+        <a:latin typeface="Corbel" panose="020B0503020204020204"/>
         <a:ea typeface=""/>
         <a:cs typeface=""/>
-        <a:font script="Jpan" typeface="游ゴシック Light"/>
+        <a:font script="Jpan" typeface="ＭＳ ゴシック"/>
         <a:font script="Hang" typeface="맑은 고딕"/>
-        <a:font script="Hans" typeface="等线 Light"/>
+        <a:font script="Hans" typeface="宋体"/>
         <a:font script="Hant" typeface="新細明體"/>
-        <a:font script="Arab" typeface="Times New Roman"/>
-        <a:font script="Hebr" typeface="Times New Roman"/>
-        <a:font script="Thai" typeface="Angsana New"/>
-        <a:font script="Ethi" typeface="Nyala"/>
-        <a:font script="Beng" typeface="Vrinda"/>
-        <a:font script="Gujr" typeface="Shruti"/>
-        <a:font script="Khmr" typeface="MoolBoran"/>
-        <a:font script="Knda" typeface="Tunga"/>
-        <a:font script="Guru" typeface="Raavi"/>
-        <a:font script="Cans" typeface="Euphemia"/>
-        <a:font script="Cher" typeface="Plantagenet Cherokee"/>
-        <a:font script="Yiii" typeface="Microsoft Yi Baiti"/>
-        <a:font script="Tibt" typeface="Microsoft Himalaya"/>
-        <a:font script="Thaa" typeface="MV Boli"/>
-        <a:font script="Deva" typeface="Mangal"/>
-        <a:font script="Telu" typeface="Gautami"/>
-        <a:font script="Taml" typeface="Latha"/>
-        <a:font script="Syrc" typeface="Estrangelo Edessa"/>
-        <a:font script="Orya" typeface="Kalinga"/>
-        <a:font script="Mlym" typeface="Kartika"/>
-        <a:font script="Laoo" typeface="DokChampa"/>
-        <a:font script="Sinh" typeface="Iskoola Pota"/>
-        <a:font script="Mong" typeface="Mongolian Baiti"/>
-        <a:font script="Viet" typeface="Times New Roman"/>
-        <a:font script="Uigh" typeface="Microsoft Uighur"/>
-        <a:font script="Geor" typeface="Sylfaen"/>
-        <a:font script="Armn" typeface="Arial"/>
-        <a:font script="Bugi" typeface="Leelawadee UI"/>
-        <a:font script="Bopo" typeface="Microsoft JhengHei"/>
-        <a:font script="Java" typeface="Javanese Text"/>
-        <a:font script="Lisu" typeface="Segoe UI"/>
-        <a:font script="Mymr" typeface="Myanmar Text"/>
-        <a:font script="Nkoo" typeface="Ebrima"/>
-        <a:font script="Olck" typeface="Nirmala UI"/>
-        <a:font script="Osma" typeface="Ebrima"/>
-        <a:font script="Phag" typeface="Phagspa"/>
-        <a:font script="Syrn" typeface="Estrangelo Edessa"/>
-        <a:font script="Syrj" typeface="Estrangelo Edessa"/>
-        <a:font script="Syre" typeface="Estrangelo Edessa"/>
-        <a:font script="Sora" typeface="Nirmala UI"/>
-        <a:font script="Tale" typeface="Microsoft Tai Le"/>
-        <a:font script="Talu" typeface="Microsoft New Tai Lue"/>
-        <a:font script="Tfng" typeface="Ebrima"/>
-      </a:majorFont>
-      <a:minorFont>
-        <a:latin typeface="Calibri" panose="020F0502020204030204"/>
-        <a:ea typeface=""/>
-        <a:cs typeface=""/>
-        <a:font script="Jpan" typeface="游ゴシック"/>
-        <a:font script="Hang" typeface="맑은 고딕"/>
-        <a:font script="Hans" typeface="等线"/>
-        <a:font script="Hant" typeface="新細明體"/>
-        <a:font script="Arab" typeface="Arial"/>
-        <a:font script="Hebr" typeface="Arial"/>
-        <a:font script="Thai" typeface="Cordia New"/>
+        <a:font script="Arab" typeface="Tahoma"/>
+        <a:font script="Hebr" typeface="Gisha"/>
+        <a:font script="Thai" typeface="DilleniaUPC"/>
         <a:font script="Ethi" typeface="Nyala"/>
         <a:font script="Beng" typeface="Vrinda"/>
         <a:font script="Gujr" typeface="Shruti"/>
@@ -3258,29 +3594,47 @@
         <a:font script="Laoo" typeface="DokChampa"/>
         <a:font script="Sinh" typeface="Iskoola Pota"/>
         <a:font script="Mong" typeface="Mongolian Baiti"/>
-        <a:font script="Viet" typeface="Arial"/>
+        <a:font script="Viet" typeface="Tahoma"/>
         <a:font script="Uigh" typeface="Microsoft Uighur"/>
         <a:font script="Geor" typeface="Sylfaen"/>
-        <a:font script="Armn" typeface="Arial"/>
-        <a:font script="Bugi" typeface="Leelawadee UI"/>
-        <a:font script="Bopo" typeface="Microsoft JhengHei"/>
-        <a:font script="Java" typeface="Javanese Text"/>
-        <a:font script="Lisu" typeface="Segoe UI"/>
-        <a:font script="Mymr" typeface="Myanmar Text"/>
-        <a:font script="Nkoo" typeface="Ebrima"/>
-        <a:font script="Olck" typeface="Nirmala UI"/>
-        <a:font script="Osma" typeface="Ebrima"/>
-        <a:font script="Phag" typeface="Phagspa"/>
-        <a:font script="Syrn" typeface="Estrangelo Edessa"/>
-        <a:font script="Syrj" typeface="Estrangelo Edessa"/>
-        <a:font script="Syre" typeface="Estrangelo Edessa"/>
-        <a:font script="Sora" typeface="Nirmala UI"/>
-        <a:font script="Tale" typeface="Microsoft Tai Le"/>
-        <a:font script="Talu" typeface="Microsoft New Tai Lue"/>
-        <a:font script="Tfng" typeface="Ebrima"/>
+      </a:majorFont>
+      <a:minorFont>
+        <a:latin typeface="Corbel" panose="020B0503020204020204"/>
+        <a:ea typeface=""/>
+        <a:cs typeface=""/>
+        <a:font script="Jpan" typeface="ＭＳ ゴシック"/>
+        <a:font script="Hang" typeface="맑은 고딕"/>
+        <a:font script="Hans" typeface="宋体"/>
+        <a:font script="Hant" typeface="新細明體"/>
+        <a:font script="Arab" typeface="Tahoma"/>
+        <a:font script="Hebr" typeface="Gisha"/>
+        <a:font script="Thai" typeface="DilleniaUPC"/>
+        <a:font script="Ethi" typeface="Nyala"/>
+        <a:font script="Beng" typeface="Vrinda"/>
+        <a:font script="Gujr" typeface="Shruti"/>
+        <a:font script="Khmr" typeface="DaunPenh"/>
+        <a:font script="Knda" typeface="Tunga"/>
+        <a:font script="Guru" typeface="Raavi"/>
+        <a:font script="Cans" typeface="Euphemia"/>
+        <a:font script="Cher" typeface="Plantagenet Cherokee"/>
+        <a:font script="Yiii" typeface="Microsoft Yi Baiti"/>
+        <a:font script="Tibt" typeface="Microsoft Himalaya"/>
+        <a:font script="Thaa" typeface="MV Boli"/>
+        <a:font script="Deva" typeface="Mangal"/>
+        <a:font script="Telu" typeface="Gautami"/>
+        <a:font script="Taml" typeface="Latha"/>
+        <a:font script="Syrc" typeface="Estrangelo Edessa"/>
+        <a:font script="Orya" typeface="Kalinga"/>
+        <a:font script="Mlym" typeface="Kartika"/>
+        <a:font script="Laoo" typeface="DokChampa"/>
+        <a:font script="Sinh" typeface="Iskoola Pota"/>
+        <a:font script="Mong" typeface="Mongolian Baiti"/>
+        <a:font script="Viet" typeface="Verdana"/>
+        <a:font script="Uigh" typeface="Microsoft Uighur"/>
+        <a:font script="Geor" typeface="Sylfaen"/>
       </a:minorFont>
     </a:fontScheme>
-    <a:fmtScheme name="Office">
+    <a:fmtScheme name="Banded">
       <a:fillStyleLst>
         <a:solidFill>
           <a:schemeClr val="phClr"/>
@@ -3289,23 +3643,23 @@
           <a:gsLst>
             <a:gs pos="0">
               <a:schemeClr val="phClr">
-                <a:lumMod val="110000"/>
-                <a:satMod val="105000"/>
-                <a:tint val="67000"/>
+                <a:tint val="65000"/>
+                <a:satMod val="120000"/>
+                <a:lumMod val="107000"/>
               </a:schemeClr>
             </a:gs>
             <a:gs pos="50000">
               <a:schemeClr val="phClr">
-                <a:lumMod val="105000"/>
-                <a:satMod val="103000"/>
-                <a:tint val="73000"/>
+                <a:tint val="70000"/>
+                <a:satMod val="124000"/>
+                <a:lumMod val="103000"/>
               </a:schemeClr>
             </a:gs>
             <a:gs pos="100000">
               <a:schemeClr val="phClr">
-                <a:lumMod val="105000"/>
-                <a:satMod val="109000"/>
-                <a:tint val="81000"/>
+                <a:tint val="85000"/>
+                <a:satMod val="120000"/>
+                <a:lumMod val="100000"/>
               </a:schemeClr>
             </a:gs>
           </a:gsLst>
@@ -3315,23 +3669,24 @@
           <a:gsLst>
             <a:gs pos="0">
               <a:schemeClr val="phClr">
-                <a:satMod val="103000"/>
-                <a:lumMod val="102000"/>
-                <a:tint val="94000"/>
+                <a:tint val="85000"/>
+                <a:shade val="98000"/>
+                <a:satMod val="110000"/>
+                <a:lumMod val="103000"/>
               </a:schemeClr>
             </a:gs>
             <a:gs pos="50000">
               <a:schemeClr val="phClr">
-                <a:satMod val="110000"/>
+                <a:shade val="85000"/>
+                <a:satMod val="105000"/>
                 <a:lumMod val="100000"/>
-                <a:shade val="100000"/>
               </a:schemeClr>
             </a:gs>
             <a:gs pos="100000">
               <a:schemeClr val="phClr">
-                <a:lumMod val="99000"/>
+                <a:shade val="60000"/>
                 <a:satMod val="120000"/>
-                <a:shade val="78000"/>
+                <a:lumMod val="100000"/>
               </a:schemeClr>
             </a:gs>
           </a:gsLst>
@@ -3339,26 +3694,23 @@
         </a:gradFill>
       </a:fillStyleLst>
       <a:lnStyleLst>
-        <a:ln w="6350" cap="flat" cmpd="sng" algn="ctr">
+        <a:ln w="9525" cap="flat" cmpd="sng" algn="ctr">
           <a:solidFill>
             <a:schemeClr val="phClr"/>
           </a:solidFill>
           <a:prstDash val="solid"/>
-          <a:miter lim="800000"/>
         </a:ln>
         <a:ln w="12700" cap="flat" cmpd="sng" algn="ctr">
           <a:solidFill>
             <a:schemeClr val="phClr"/>
           </a:solidFill>
           <a:prstDash val="solid"/>
-          <a:miter lim="800000"/>
         </a:ln>
-        <a:ln w="19050" cap="flat" cmpd="sng" algn="ctr">
+        <a:ln w="25400" cap="flat" cmpd="sng" algn="ctr">
           <a:solidFill>
             <a:schemeClr val="phClr"/>
           </a:solidFill>
           <a:prstDash val="solid"/>
-          <a:miter lim="800000"/>
         </a:ln>
       </a:lnStyleLst>
       <a:effectStyleLst>
@@ -3366,11 +3718,17 @@
           <a:effectLst/>
         </a:effectStyle>
         <a:effectStyle>
-          <a:effectLst/>
+          <a:effectLst>
+            <a:outerShdw blurRad="50800" dist="15875" dir="5400000" algn="ctr" rotWithShape="0">
+              <a:srgbClr val="000000">
+                <a:alpha val="68000"/>
+              </a:srgbClr>
+            </a:outerShdw>
+          </a:effectLst>
         </a:effectStyle>
         <a:effectStyle>
           <a:effectLst>
-            <a:outerShdw blurRad="57150" dist="19050" dir="5400000" algn="ctr" rotWithShape="0">
+            <a:outerShdw blurRad="88900" dist="27940" dir="5400000" algn="ctr" rotWithShape="0">
               <a:srgbClr val="000000">
                 <a:alpha val="63000"/>
               </a:srgbClr>
@@ -3382,34 +3740,31 @@
         <a:solidFill>
           <a:schemeClr val="phClr"/>
         </a:solidFill>
-        <a:solidFill>
-          <a:schemeClr val="phClr">
-            <a:tint val="95000"/>
-            <a:satMod val="170000"/>
-          </a:schemeClr>
-        </a:solidFill>
+        <a:blipFill rotWithShape="1">
+          <a:blip xmlns:r="http://schemas.openxmlformats.org/officeDocument/2006/relationships" r:embed="rId1">
+            <a:duotone>
+              <a:schemeClr val="phClr"/>
+              <a:schemeClr val="phClr">
+                <a:shade val="91000"/>
+                <a:satMod val="105000"/>
+              </a:schemeClr>
+            </a:duotone>
+          </a:blip>
+          <a:tile tx="0" ty="0" sx="100000" sy="100000" flip="none" algn="tl"/>
+        </a:blipFill>
         <a:gradFill rotWithShape="1">
           <a:gsLst>
             <a:gs pos="0">
               <a:schemeClr val="phClr">
-                <a:tint val="93000"/>
-                <a:satMod val="150000"/>
-                <a:shade val="98000"/>
-                <a:lumMod val="102000"/>
-              </a:schemeClr>
-            </a:gs>
-            <a:gs pos="50000">
-              <a:schemeClr val="phClr">
-                <a:tint val="98000"/>
-                <a:satMod val="130000"/>
-                <a:shade val="90000"/>
-                <a:lumMod val="103000"/>
+                <a:tint val="100000"/>
+                <a:shade val="0"/>
+                <a:satMod val="100000"/>
               </a:schemeClr>
             </a:gs>
             <a:gs pos="100000">
               <a:schemeClr val="phClr">
-                <a:shade val="63000"/>
-                <a:satMod val="120000"/>
+                <a:shade val="100000"/>
+                <a:satMod val="100000"/>
               </a:schemeClr>
             </a:gs>
           </a:gsLst>
@@ -3422,7 +3777,7 @@
   <a:extraClrSchemeLst/>
   <a:extLst>
     <a:ext uri="{05A4C25C-085E-4340-85A3-A5531E510DB2}">
-      <thm15:themeFamily xmlns:thm15="http://schemas.microsoft.com/office/thememl/2012/main" name="Office Theme" id="{62F939B6-93AF-4DB8-9C6B-D6C7DFDC589F}" vid="{4A3C46E8-61CC-4603-A589-7422A47A8E4A}"/>
+      <thm15:themeFamily xmlns:thm15="http://schemas.microsoft.com/office/thememl/2012/main" name="Banded" id="{98DFF888-2449-4D28-977C-6306C017633E}" vid="{9792607F-9579-4224-82FF-9C88C3E1E53D}"/>
     </a:ext>
   </a:extLst>
 </a:theme>

--- a/Doc/Active_Learning_Group4_Presentation.pptx
+++ b/Doc/Active_Learning_Group4_Presentation.pptx
@@ -7,6 +7,11 @@
   <p:sldIdLst>
     <p:sldId id="256" r:id="rId2"/>
     <p:sldId id="257" r:id="rId3"/>
+    <p:sldId id="258" r:id="rId4"/>
+    <p:sldId id="259" r:id="rId5"/>
+    <p:sldId id="260" r:id="rId6"/>
+    <p:sldId id="261" r:id="rId7"/>
+    <p:sldId id="262" r:id="rId8"/>
   </p:sldIdLst>
   <p:sldSz cx="12192000" cy="6858000"/>
   <p:notesSz cx="6858000" cy="9144000"/>
@@ -105,6 +110,11 @@
       </a:defRPr>
     </a:lvl9pPr>
   </p:defaultTextStyle>
+  <p:extLst>
+    <p:ext uri="{EFAFB233-063F-42B5-8137-9DF3F51BA10A}">
+      <p15:sldGuideLst xmlns:p15="http://schemas.microsoft.com/office/powerpoint/2012/main"/>
+    </p:ext>
+  </p:extLst>
 </p:presentation>
 </file>
 
@@ -3521,6 +3531,1093 @@
 </p:sld>
 </file>
 
+<file path=ppt/slides/slide3.xml><?xml version="1.0" encoding="utf-8"?>
+<p:sld xmlns:a="http://schemas.openxmlformats.org/drawingml/2006/main" xmlns:r="http://schemas.openxmlformats.org/officeDocument/2006/relationships" xmlns:p="http://schemas.openxmlformats.org/presentationml/2006/main">
+  <p:cSld>
+    <p:spTree>
+      <p:nvGrpSpPr>
+        <p:cNvPr id="1" name=""/>
+        <p:cNvGrpSpPr/>
+        <p:nvPr/>
+      </p:nvGrpSpPr>
+      <p:grpSpPr>
+        <a:xfrm>
+          <a:off x="0" y="0"/>
+          <a:ext cx="0" cy="0"/>
+          <a:chOff x="0" y="0"/>
+          <a:chExt cx="0" cy="0"/>
+        </a:xfrm>
+      </p:grpSpPr>
+      <p:sp>
+        <p:nvSpPr>
+          <p:cNvPr id="2" name="Title 1"/>
+          <p:cNvSpPr>
+            <a:spLocks noGrp="1"/>
+          </p:cNvSpPr>
+          <p:nvPr>
+            <p:ph type="title"/>
+          </p:nvPr>
+        </p:nvSpPr>
+        <p:spPr/>
+        <p:txBody>
+          <a:bodyPr/>
+          <a:lstStyle/>
+          <a:p>
+            <a:r>
+              <a:rPr lang="en-SG" dirty="0" smtClean="0"/>
+              <a:t>Features</a:t>
+            </a:r>
+            <a:endParaRPr lang="en-SG" dirty="0"/>
+          </a:p>
+        </p:txBody>
+      </p:sp>
+      <p:sp>
+        <p:nvSpPr>
+          <p:cNvPr id="3" name="Content Placeholder 2"/>
+          <p:cNvSpPr>
+            <a:spLocks noGrp="1"/>
+          </p:cNvSpPr>
+          <p:nvPr>
+            <p:ph idx="1"/>
+          </p:nvPr>
+        </p:nvSpPr>
+        <p:spPr/>
+        <p:txBody>
+          <a:bodyPr/>
+          <a:lstStyle/>
+          <a:p>
+            <a:endParaRPr lang="en-SG"/>
+          </a:p>
+        </p:txBody>
+      </p:sp>
+    </p:spTree>
+    <p:extLst>
+      <p:ext uri="{BB962C8B-B14F-4D97-AF65-F5344CB8AC3E}">
+        <p14:creationId xmlns:p14="http://schemas.microsoft.com/office/powerpoint/2010/main" val="1114802336"/>
+      </p:ext>
+    </p:extLst>
+  </p:cSld>
+  <p:clrMapOvr>
+    <a:masterClrMapping/>
+  </p:clrMapOvr>
+</p:sld>
+</file>
+
+<file path=ppt/slides/slide4.xml><?xml version="1.0" encoding="utf-8"?>
+<p:sld xmlns:a="http://schemas.openxmlformats.org/drawingml/2006/main" xmlns:r="http://schemas.openxmlformats.org/officeDocument/2006/relationships" xmlns:p="http://schemas.openxmlformats.org/presentationml/2006/main">
+  <p:cSld>
+    <p:spTree>
+      <p:nvGrpSpPr>
+        <p:cNvPr id="1" name=""/>
+        <p:cNvGrpSpPr/>
+        <p:nvPr/>
+      </p:nvGrpSpPr>
+      <p:grpSpPr>
+        <a:xfrm>
+          <a:off x="0" y="0"/>
+          <a:ext cx="0" cy="0"/>
+          <a:chOff x="0" y="0"/>
+          <a:chExt cx="0" cy="0"/>
+        </a:xfrm>
+      </p:grpSpPr>
+      <p:sp>
+        <p:nvSpPr>
+          <p:cNvPr id="2" name="Title 1"/>
+          <p:cNvSpPr>
+            <a:spLocks noGrp="1"/>
+          </p:cNvSpPr>
+          <p:nvPr>
+            <p:ph type="title"/>
+          </p:nvPr>
+        </p:nvSpPr>
+        <p:spPr/>
+        <p:txBody>
+          <a:bodyPr/>
+          <a:lstStyle/>
+          <a:p>
+            <a:r>
+              <a:rPr lang="en-SG" dirty="0" smtClean="0"/>
+              <a:t>Database design</a:t>
+            </a:r>
+            <a:endParaRPr lang="en-SG" dirty="0"/>
+          </a:p>
+        </p:txBody>
+      </p:sp>
+      <p:sp>
+        <p:nvSpPr>
+          <p:cNvPr id="3" name="Content Placeholder 2"/>
+          <p:cNvSpPr>
+            <a:spLocks noGrp="1"/>
+          </p:cNvSpPr>
+          <p:nvPr>
+            <p:ph idx="1"/>
+          </p:nvPr>
+        </p:nvSpPr>
+        <p:spPr/>
+        <p:txBody>
+          <a:bodyPr/>
+          <a:lstStyle/>
+          <a:p>
+            <a:endParaRPr lang="en-SG"/>
+          </a:p>
+        </p:txBody>
+      </p:sp>
+    </p:spTree>
+    <p:extLst>
+      <p:ext uri="{BB962C8B-B14F-4D97-AF65-F5344CB8AC3E}">
+        <p14:creationId xmlns:p14="http://schemas.microsoft.com/office/powerpoint/2010/main" val="3183287787"/>
+      </p:ext>
+    </p:extLst>
+  </p:cSld>
+  <p:clrMapOvr>
+    <a:masterClrMapping/>
+  </p:clrMapOvr>
+  <p:timing>
+    <p:tnLst>
+      <p:par>
+        <p:cTn id="1" dur="indefinite" restart="never" nodeType="tmRoot"/>
+      </p:par>
+    </p:tnLst>
+  </p:timing>
+</p:sld>
+</file>
+
+<file path=ppt/slides/slide5.xml><?xml version="1.0" encoding="utf-8"?>
+<p:sld xmlns:a="http://schemas.openxmlformats.org/drawingml/2006/main" xmlns:r="http://schemas.openxmlformats.org/officeDocument/2006/relationships" xmlns:p="http://schemas.openxmlformats.org/presentationml/2006/main">
+  <p:cSld>
+    <p:spTree>
+      <p:nvGrpSpPr>
+        <p:cNvPr id="1" name=""/>
+        <p:cNvGrpSpPr/>
+        <p:nvPr/>
+      </p:nvGrpSpPr>
+      <p:grpSpPr>
+        <a:xfrm>
+          <a:off x="0" y="0"/>
+          <a:ext cx="0" cy="0"/>
+          <a:chOff x="0" y="0"/>
+          <a:chExt cx="0" cy="0"/>
+        </a:xfrm>
+      </p:grpSpPr>
+      <p:sp>
+        <p:nvSpPr>
+          <p:cNvPr id="2" name="Title 1"/>
+          <p:cNvSpPr>
+            <a:spLocks noGrp="1"/>
+          </p:cNvSpPr>
+          <p:nvPr>
+            <p:ph type="title"/>
+          </p:nvPr>
+        </p:nvSpPr>
+        <p:spPr/>
+        <p:txBody>
+          <a:bodyPr/>
+          <a:lstStyle/>
+          <a:p>
+            <a:r>
+              <a:rPr lang="en-SG" dirty="0" smtClean="0"/>
+              <a:t>Architecture design</a:t>
+            </a:r>
+            <a:endParaRPr lang="en-SG" dirty="0"/>
+          </a:p>
+        </p:txBody>
+      </p:sp>
+      <p:sp>
+        <p:nvSpPr>
+          <p:cNvPr id="3" name="Content Placeholder 2"/>
+          <p:cNvSpPr>
+            <a:spLocks noGrp="1"/>
+          </p:cNvSpPr>
+          <p:nvPr>
+            <p:ph idx="1"/>
+          </p:nvPr>
+        </p:nvSpPr>
+        <p:spPr/>
+        <p:txBody>
+          <a:bodyPr/>
+          <a:lstStyle/>
+          <a:p>
+            <a:endParaRPr lang="en-SG"/>
+          </a:p>
+        </p:txBody>
+      </p:sp>
+      <p:grpSp>
+        <p:nvGrpSpPr>
+          <p:cNvPr id="4" name="Group 3"/>
+          <p:cNvGrpSpPr/>
+          <p:nvPr/>
+        </p:nvGrpSpPr>
+        <p:grpSpPr>
+          <a:xfrm>
+            <a:off x="540289" y="2386620"/>
+            <a:ext cx="10916875" cy="4050044"/>
+            <a:chOff x="413289" y="1217963"/>
+            <a:chExt cx="10916875" cy="4050044"/>
+          </a:xfrm>
+        </p:grpSpPr>
+        <p:sp>
+          <p:nvSpPr>
+            <p:cNvPr id="5" name="Rectangle 4"/>
+            <p:cNvSpPr/>
+            <p:nvPr/>
+          </p:nvSpPr>
+          <p:spPr>
+            <a:xfrm>
+              <a:off x="413289" y="1237954"/>
+              <a:ext cx="1942454" cy="2532939"/>
+            </a:xfrm>
+            <a:prstGeom prst="rect">
+              <a:avLst/>
+            </a:prstGeom>
+            <a:solidFill>
+              <a:schemeClr val="bg1"/>
+            </a:solidFill>
+          </p:spPr>
+          <p:style>
+            <a:lnRef idx="2">
+              <a:schemeClr val="accent1">
+                <a:shade val="50000"/>
+              </a:schemeClr>
+            </a:lnRef>
+            <a:fillRef idx="1">
+              <a:schemeClr val="accent1"/>
+            </a:fillRef>
+            <a:effectRef idx="0">
+              <a:schemeClr val="accent1"/>
+            </a:effectRef>
+            <a:fontRef idx="minor">
+              <a:schemeClr val="lt1"/>
+            </a:fontRef>
+          </p:style>
+          <p:txBody>
+            <a:bodyPr rtlCol="0" anchor="t"/>
+            <a:lstStyle/>
+            <a:p>
+              <a:pPr algn="ctr"/>
+              <a:r>
+                <a:rPr lang="en-SG" dirty="0" smtClean="0">
+                  <a:solidFill>
+                    <a:schemeClr val="tx1"/>
+                  </a:solidFill>
+                </a:rPr>
+                <a:t>Presentation Layer</a:t>
+              </a:r>
+              <a:endParaRPr lang="en-SG" dirty="0">
+                <a:solidFill>
+                  <a:schemeClr val="tx1"/>
+                </a:solidFill>
+              </a:endParaRPr>
+            </a:p>
+          </p:txBody>
+        </p:sp>
+        <p:sp>
+          <p:nvSpPr>
+            <p:cNvPr id="6" name="Rectangle 5"/>
+            <p:cNvSpPr/>
+            <p:nvPr/>
+          </p:nvSpPr>
+          <p:spPr>
+            <a:xfrm>
+              <a:off x="5267325" y="1217963"/>
+              <a:ext cx="3747469" cy="2552930"/>
+            </a:xfrm>
+            <a:prstGeom prst="rect">
+              <a:avLst/>
+            </a:prstGeom>
+            <a:solidFill>
+              <a:schemeClr val="bg1"/>
+            </a:solidFill>
+          </p:spPr>
+          <p:style>
+            <a:lnRef idx="2">
+              <a:schemeClr val="accent1">
+                <a:shade val="50000"/>
+              </a:schemeClr>
+            </a:lnRef>
+            <a:fillRef idx="1">
+              <a:schemeClr val="accent1"/>
+            </a:fillRef>
+            <a:effectRef idx="0">
+              <a:schemeClr val="accent1"/>
+            </a:effectRef>
+            <a:fontRef idx="minor">
+              <a:schemeClr val="lt1"/>
+            </a:fontRef>
+          </p:style>
+          <p:txBody>
+            <a:bodyPr rtlCol="0" anchor="t"/>
+            <a:lstStyle/>
+            <a:p>
+              <a:pPr algn="ctr"/>
+              <a:r>
+                <a:rPr lang="en-SG" dirty="0" smtClean="0">
+                  <a:solidFill>
+                    <a:schemeClr val="tx1"/>
+                  </a:solidFill>
+                </a:rPr>
+                <a:t>Repository</a:t>
+              </a:r>
+              <a:endParaRPr lang="en-SG" dirty="0">
+                <a:solidFill>
+                  <a:schemeClr val="tx1"/>
+                </a:solidFill>
+              </a:endParaRPr>
+            </a:p>
+          </p:txBody>
+        </p:sp>
+        <p:sp>
+          <p:nvSpPr>
+            <p:cNvPr id="7" name="Rectangle 6"/>
+            <p:cNvSpPr/>
+            <p:nvPr/>
+          </p:nvSpPr>
+          <p:spPr>
+            <a:xfrm>
+              <a:off x="5539404" y="1922721"/>
+              <a:ext cx="1294108" cy="671076"/>
+            </a:xfrm>
+            <a:prstGeom prst="rect">
+              <a:avLst/>
+            </a:prstGeom>
+            <a:solidFill>
+              <a:schemeClr val="bg1"/>
+            </a:solidFill>
+          </p:spPr>
+          <p:style>
+            <a:lnRef idx="2">
+              <a:schemeClr val="accent1">
+                <a:shade val="50000"/>
+              </a:schemeClr>
+            </a:lnRef>
+            <a:fillRef idx="1">
+              <a:schemeClr val="accent1"/>
+            </a:fillRef>
+            <a:effectRef idx="0">
+              <a:schemeClr val="accent1"/>
+            </a:effectRef>
+            <a:fontRef idx="minor">
+              <a:schemeClr val="lt1"/>
+            </a:fontRef>
+          </p:style>
+          <p:txBody>
+            <a:bodyPr rtlCol="0" anchor="ctr"/>
+            <a:lstStyle/>
+            <a:p>
+              <a:pPr algn="ctr"/>
+              <a:r>
+                <a:rPr lang="en-SG" dirty="0" smtClean="0">
+                  <a:solidFill>
+                    <a:schemeClr val="tx1"/>
+                  </a:solidFill>
+                </a:rPr>
+                <a:t>Repository</a:t>
+              </a:r>
+              <a:endParaRPr lang="en-SG" dirty="0">
+                <a:solidFill>
+                  <a:schemeClr val="tx1"/>
+                </a:solidFill>
+              </a:endParaRPr>
+            </a:p>
+          </p:txBody>
+        </p:sp>
+        <p:sp>
+          <p:nvSpPr>
+            <p:cNvPr id="8" name="Rectangle 7"/>
+            <p:cNvSpPr/>
+            <p:nvPr/>
+          </p:nvSpPr>
+          <p:spPr>
+            <a:xfrm>
+              <a:off x="7253542" y="1922721"/>
+              <a:ext cx="1294108" cy="671076"/>
+            </a:xfrm>
+            <a:prstGeom prst="rect">
+              <a:avLst/>
+            </a:prstGeom>
+            <a:solidFill>
+              <a:schemeClr val="bg1"/>
+            </a:solidFill>
+          </p:spPr>
+          <p:style>
+            <a:lnRef idx="2">
+              <a:schemeClr val="accent1">
+                <a:shade val="50000"/>
+              </a:schemeClr>
+            </a:lnRef>
+            <a:fillRef idx="1">
+              <a:schemeClr val="accent1"/>
+            </a:fillRef>
+            <a:effectRef idx="0">
+              <a:schemeClr val="accent1"/>
+            </a:effectRef>
+            <a:fontRef idx="minor">
+              <a:schemeClr val="lt1"/>
+            </a:fontRef>
+          </p:style>
+          <p:txBody>
+            <a:bodyPr rtlCol="0" anchor="ctr"/>
+            <a:lstStyle/>
+            <a:p>
+              <a:pPr algn="ctr"/>
+              <a:r>
+                <a:rPr lang="en-SG" dirty="0" smtClean="0">
+                  <a:solidFill>
+                    <a:schemeClr val="tx1"/>
+                  </a:solidFill>
+                </a:rPr>
+                <a:t>Repository</a:t>
+              </a:r>
+              <a:endParaRPr lang="en-SG" dirty="0">
+                <a:solidFill>
+                  <a:schemeClr val="tx1"/>
+                </a:solidFill>
+              </a:endParaRPr>
+            </a:p>
+          </p:txBody>
+        </p:sp>
+        <p:sp>
+          <p:nvSpPr>
+            <p:cNvPr id="9" name="Rectangle 8"/>
+            <p:cNvSpPr/>
+            <p:nvPr/>
+          </p:nvSpPr>
+          <p:spPr>
+            <a:xfrm>
+              <a:off x="6452457" y="2936181"/>
+              <a:ext cx="1294108" cy="671076"/>
+            </a:xfrm>
+            <a:prstGeom prst="rect">
+              <a:avLst/>
+            </a:prstGeom>
+            <a:solidFill>
+              <a:schemeClr val="bg1"/>
+            </a:solidFill>
+          </p:spPr>
+          <p:style>
+            <a:lnRef idx="2">
+              <a:schemeClr val="accent1">
+                <a:shade val="50000"/>
+              </a:schemeClr>
+            </a:lnRef>
+            <a:fillRef idx="1">
+              <a:schemeClr val="accent1"/>
+            </a:fillRef>
+            <a:effectRef idx="0">
+              <a:schemeClr val="accent1"/>
+            </a:effectRef>
+            <a:fontRef idx="minor">
+              <a:schemeClr val="lt1"/>
+            </a:fontRef>
+          </p:style>
+          <p:txBody>
+            <a:bodyPr rtlCol="0" anchor="ctr"/>
+            <a:lstStyle/>
+            <a:p>
+              <a:pPr algn="ctr"/>
+              <a:r>
+                <a:rPr lang="en-SG" dirty="0" err="1" smtClean="0">
+                  <a:solidFill>
+                    <a:schemeClr val="tx1"/>
+                  </a:solidFill>
+                </a:rPr>
+                <a:t>DbContext</a:t>
+              </a:r>
+              <a:endParaRPr lang="en-SG" dirty="0">
+                <a:solidFill>
+                  <a:schemeClr val="tx1"/>
+                </a:solidFill>
+              </a:endParaRPr>
+            </a:p>
+          </p:txBody>
+        </p:sp>
+        <p:sp>
+          <p:nvSpPr>
+            <p:cNvPr id="10" name="Rectangle 9"/>
+            <p:cNvSpPr/>
+            <p:nvPr/>
+          </p:nvSpPr>
+          <p:spPr>
+            <a:xfrm>
+              <a:off x="2904019" y="1217963"/>
+              <a:ext cx="1942454" cy="2532939"/>
+            </a:xfrm>
+            <a:prstGeom prst="rect">
+              <a:avLst/>
+            </a:prstGeom>
+            <a:solidFill>
+              <a:schemeClr val="bg1"/>
+            </a:solidFill>
+          </p:spPr>
+          <p:style>
+            <a:lnRef idx="2">
+              <a:schemeClr val="accent1">
+                <a:shade val="50000"/>
+              </a:schemeClr>
+            </a:lnRef>
+            <a:fillRef idx="1">
+              <a:schemeClr val="accent1"/>
+            </a:fillRef>
+            <a:effectRef idx="0">
+              <a:schemeClr val="accent1"/>
+            </a:effectRef>
+            <a:fontRef idx="minor">
+              <a:schemeClr val="lt1"/>
+            </a:fontRef>
+          </p:style>
+          <p:txBody>
+            <a:bodyPr rtlCol="0" anchor="t"/>
+            <a:lstStyle/>
+            <a:p>
+              <a:pPr algn="ctr"/>
+              <a:r>
+                <a:rPr lang="en-SG" dirty="0" smtClean="0">
+                  <a:solidFill>
+                    <a:schemeClr val="tx1"/>
+                  </a:solidFill>
+                </a:rPr>
+                <a:t>Business Layer</a:t>
+              </a:r>
+              <a:endParaRPr lang="en-SG" dirty="0">
+                <a:solidFill>
+                  <a:schemeClr val="tx1"/>
+                </a:solidFill>
+              </a:endParaRPr>
+            </a:p>
+          </p:txBody>
+        </p:sp>
+        <p:sp>
+          <p:nvSpPr>
+            <p:cNvPr id="11" name="Rectangle 10"/>
+            <p:cNvSpPr/>
+            <p:nvPr/>
+          </p:nvSpPr>
+          <p:spPr>
+            <a:xfrm>
+              <a:off x="9387710" y="1237954"/>
+              <a:ext cx="1942454" cy="2532939"/>
+            </a:xfrm>
+            <a:prstGeom prst="rect">
+              <a:avLst/>
+            </a:prstGeom>
+            <a:solidFill>
+              <a:schemeClr val="bg1"/>
+            </a:solidFill>
+          </p:spPr>
+          <p:style>
+            <a:lnRef idx="2">
+              <a:schemeClr val="accent1">
+                <a:shade val="50000"/>
+              </a:schemeClr>
+            </a:lnRef>
+            <a:fillRef idx="1">
+              <a:schemeClr val="accent1"/>
+            </a:fillRef>
+            <a:effectRef idx="0">
+              <a:schemeClr val="accent1"/>
+            </a:effectRef>
+            <a:fontRef idx="minor">
+              <a:schemeClr val="lt1"/>
+            </a:fontRef>
+          </p:style>
+          <p:txBody>
+            <a:bodyPr rtlCol="0" anchor="t"/>
+            <a:lstStyle/>
+            <a:p>
+              <a:pPr algn="ctr"/>
+              <a:r>
+                <a:rPr lang="en-SG" dirty="0" smtClean="0">
+                  <a:solidFill>
+                    <a:schemeClr val="tx1"/>
+                  </a:solidFill>
+                </a:rPr>
+                <a:t>Data Access Layer</a:t>
+              </a:r>
+              <a:endParaRPr lang="en-SG" dirty="0">
+                <a:solidFill>
+                  <a:schemeClr val="tx1"/>
+                </a:solidFill>
+              </a:endParaRPr>
+            </a:p>
+          </p:txBody>
+        </p:sp>
+        <p:sp>
+          <p:nvSpPr>
+            <p:cNvPr id="12" name="Rectangle 11"/>
+            <p:cNvSpPr/>
+            <p:nvPr/>
+          </p:nvSpPr>
+          <p:spPr>
+            <a:xfrm>
+              <a:off x="9711883" y="2107387"/>
+              <a:ext cx="1294108" cy="671076"/>
+            </a:xfrm>
+            <a:prstGeom prst="rect">
+              <a:avLst/>
+            </a:prstGeom>
+            <a:solidFill>
+              <a:schemeClr val="bg1"/>
+            </a:solidFill>
+          </p:spPr>
+          <p:style>
+            <a:lnRef idx="2">
+              <a:schemeClr val="accent1">
+                <a:shade val="50000"/>
+              </a:schemeClr>
+            </a:lnRef>
+            <a:fillRef idx="1">
+              <a:schemeClr val="accent1"/>
+            </a:fillRef>
+            <a:effectRef idx="0">
+              <a:schemeClr val="accent1"/>
+            </a:effectRef>
+            <a:fontRef idx="minor">
+              <a:schemeClr val="lt1"/>
+            </a:fontRef>
+          </p:style>
+          <p:txBody>
+            <a:bodyPr rtlCol="0" anchor="ctr"/>
+            <a:lstStyle/>
+            <a:p>
+              <a:pPr algn="ctr"/>
+              <a:r>
+                <a:rPr lang="en-SG" dirty="0" smtClean="0">
+                  <a:solidFill>
+                    <a:schemeClr val="tx1"/>
+                  </a:solidFill>
+                </a:rPr>
+                <a:t>Entity Framework</a:t>
+              </a:r>
+              <a:endParaRPr lang="en-SG" dirty="0">
+                <a:solidFill>
+                  <a:schemeClr val="tx1"/>
+                </a:solidFill>
+              </a:endParaRPr>
+            </a:p>
+          </p:txBody>
+        </p:sp>
+        <p:sp>
+          <p:nvSpPr>
+            <p:cNvPr id="13" name="Rectangle 12"/>
+            <p:cNvSpPr/>
+            <p:nvPr/>
+          </p:nvSpPr>
+          <p:spPr>
+            <a:xfrm>
+              <a:off x="688719" y="2251956"/>
+              <a:ext cx="1294108" cy="671076"/>
+            </a:xfrm>
+            <a:prstGeom prst="rect">
+              <a:avLst/>
+            </a:prstGeom>
+            <a:solidFill>
+              <a:schemeClr val="bg1"/>
+            </a:solidFill>
+          </p:spPr>
+          <p:style>
+            <a:lnRef idx="2">
+              <a:schemeClr val="accent1">
+                <a:shade val="50000"/>
+              </a:schemeClr>
+            </a:lnRef>
+            <a:fillRef idx="1">
+              <a:schemeClr val="accent1"/>
+            </a:fillRef>
+            <a:effectRef idx="0">
+              <a:schemeClr val="accent1"/>
+            </a:effectRef>
+            <a:fontRef idx="minor">
+              <a:schemeClr val="lt1"/>
+            </a:fontRef>
+          </p:style>
+          <p:txBody>
+            <a:bodyPr rtlCol="0" anchor="ctr"/>
+            <a:lstStyle/>
+            <a:p>
+              <a:pPr algn="ctr"/>
+              <a:r>
+                <a:rPr lang="en-SG" dirty="0" smtClean="0">
+                  <a:solidFill>
+                    <a:schemeClr val="tx1"/>
+                  </a:solidFill>
+                </a:rPr>
+                <a:t>MVC</a:t>
+              </a:r>
+              <a:endParaRPr lang="en-SG" dirty="0">
+                <a:solidFill>
+                  <a:schemeClr val="tx1"/>
+                </a:solidFill>
+              </a:endParaRPr>
+            </a:p>
+          </p:txBody>
+        </p:sp>
+        <p:cxnSp>
+          <p:nvCxnSpPr>
+            <p:cNvPr id="14" name="Straight Arrow Connector 13"/>
+            <p:cNvCxnSpPr>
+              <a:stCxn id="5" idx="3"/>
+              <a:endCxn id="10" idx="1"/>
+            </p:cNvCxnSpPr>
+            <p:nvPr/>
+          </p:nvCxnSpPr>
+          <p:spPr>
+            <a:xfrm flipV="1">
+              <a:off x="2355743" y="2484433"/>
+              <a:ext cx="548276" cy="19991"/>
+            </a:xfrm>
+            <a:prstGeom prst="straightConnector1">
+              <a:avLst/>
+            </a:prstGeom>
+            <a:ln w="38100">
+              <a:headEnd type="triangle"/>
+              <a:tailEnd type="triangle"/>
+            </a:ln>
+          </p:spPr>
+          <p:style>
+            <a:lnRef idx="1">
+              <a:schemeClr val="accent1"/>
+            </a:lnRef>
+            <a:fillRef idx="0">
+              <a:schemeClr val="accent1"/>
+            </a:fillRef>
+            <a:effectRef idx="0">
+              <a:schemeClr val="accent1"/>
+            </a:effectRef>
+            <a:fontRef idx="minor">
+              <a:schemeClr val="tx1"/>
+            </a:fontRef>
+          </p:style>
+        </p:cxnSp>
+        <p:cxnSp>
+          <p:nvCxnSpPr>
+            <p:cNvPr id="15" name="Straight Arrow Connector 14"/>
+            <p:cNvCxnSpPr>
+              <a:stCxn id="10" idx="3"/>
+              <a:endCxn id="6" idx="1"/>
+            </p:cNvCxnSpPr>
+            <p:nvPr/>
+          </p:nvCxnSpPr>
+          <p:spPr>
+            <a:xfrm>
+              <a:off x="4846473" y="2484433"/>
+              <a:ext cx="420852" cy="9995"/>
+            </a:xfrm>
+            <a:prstGeom prst="straightConnector1">
+              <a:avLst/>
+            </a:prstGeom>
+            <a:ln w="38100">
+              <a:headEnd type="triangle"/>
+              <a:tailEnd type="triangle"/>
+            </a:ln>
+          </p:spPr>
+          <p:style>
+            <a:lnRef idx="1">
+              <a:schemeClr val="accent1"/>
+            </a:lnRef>
+            <a:fillRef idx="0">
+              <a:schemeClr val="accent1"/>
+            </a:fillRef>
+            <a:effectRef idx="0">
+              <a:schemeClr val="accent1"/>
+            </a:effectRef>
+            <a:fontRef idx="minor">
+              <a:schemeClr val="tx1"/>
+            </a:fontRef>
+          </p:style>
+        </p:cxnSp>
+        <p:cxnSp>
+          <p:nvCxnSpPr>
+            <p:cNvPr id="16" name="Straight Arrow Connector 15"/>
+            <p:cNvCxnSpPr/>
+            <p:nvPr/>
+          </p:nvCxnSpPr>
+          <p:spPr>
+            <a:xfrm>
+              <a:off x="8998922" y="2420284"/>
+              <a:ext cx="420852" cy="9995"/>
+            </a:xfrm>
+            <a:prstGeom prst="straightConnector1">
+              <a:avLst/>
+            </a:prstGeom>
+            <a:ln w="38100">
+              <a:headEnd type="triangle"/>
+              <a:tailEnd type="triangle"/>
+            </a:ln>
+          </p:spPr>
+          <p:style>
+            <a:lnRef idx="1">
+              <a:schemeClr val="accent1"/>
+            </a:lnRef>
+            <a:fillRef idx="0">
+              <a:schemeClr val="accent1"/>
+            </a:fillRef>
+            <a:effectRef idx="0">
+              <a:schemeClr val="accent1"/>
+            </a:effectRef>
+            <a:fontRef idx="minor">
+              <a:schemeClr val="tx1"/>
+            </a:fontRef>
+          </p:style>
+        </p:cxnSp>
+        <p:sp>
+          <p:nvSpPr>
+            <p:cNvPr id="17" name="Flowchart: Magnetic Disk 16"/>
+            <p:cNvSpPr/>
+            <p:nvPr/>
+          </p:nvSpPr>
+          <p:spPr>
+            <a:xfrm>
+              <a:off x="9844716" y="4415600"/>
+              <a:ext cx="1028442" cy="852407"/>
+            </a:xfrm>
+            <a:prstGeom prst="flowChartMagneticDisk">
+              <a:avLst/>
+            </a:prstGeom>
+            <a:solidFill>
+              <a:schemeClr val="bg1"/>
+            </a:solidFill>
+          </p:spPr>
+          <p:style>
+            <a:lnRef idx="2">
+              <a:schemeClr val="accent1">
+                <a:shade val="50000"/>
+              </a:schemeClr>
+            </a:lnRef>
+            <a:fillRef idx="1">
+              <a:schemeClr val="accent1"/>
+            </a:fillRef>
+            <a:effectRef idx="0">
+              <a:schemeClr val="accent1"/>
+            </a:effectRef>
+            <a:fontRef idx="minor">
+              <a:schemeClr val="lt1"/>
+            </a:fontRef>
+          </p:style>
+          <p:txBody>
+            <a:bodyPr rtlCol="0" anchor="ctr"/>
+            <a:lstStyle/>
+            <a:p>
+              <a:pPr algn="ctr"/>
+              <a:r>
+                <a:rPr lang="en-SG" dirty="0" smtClean="0">
+                  <a:solidFill>
+                    <a:schemeClr val="tx1"/>
+                  </a:solidFill>
+                </a:rPr>
+                <a:t>DB</a:t>
+              </a:r>
+              <a:endParaRPr lang="en-SG" dirty="0">
+                <a:solidFill>
+                  <a:schemeClr val="tx1"/>
+                </a:solidFill>
+              </a:endParaRPr>
+            </a:p>
+          </p:txBody>
+        </p:sp>
+        <p:cxnSp>
+          <p:nvCxnSpPr>
+            <p:cNvPr id="18" name="Straight Arrow Connector 17"/>
+            <p:cNvCxnSpPr>
+              <a:stCxn id="11" idx="2"/>
+              <a:endCxn id="17" idx="1"/>
+            </p:cNvCxnSpPr>
+            <p:nvPr/>
+          </p:nvCxnSpPr>
+          <p:spPr>
+            <a:xfrm>
+              <a:off x="10358937" y="3770893"/>
+              <a:ext cx="0" cy="644707"/>
+            </a:xfrm>
+            <a:prstGeom prst="straightConnector1">
+              <a:avLst/>
+            </a:prstGeom>
+            <a:ln w="38100">
+              <a:headEnd type="triangle"/>
+              <a:tailEnd type="triangle"/>
+            </a:ln>
+          </p:spPr>
+          <p:style>
+            <a:lnRef idx="1">
+              <a:schemeClr val="accent1"/>
+            </a:lnRef>
+            <a:fillRef idx="0">
+              <a:schemeClr val="accent1"/>
+            </a:fillRef>
+            <a:effectRef idx="0">
+              <a:schemeClr val="accent1"/>
+            </a:effectRef>
+            <a:fontRef idx="minor">
+              <a:schemeClr val="tx1"/>
+            </a:fontRef>
+          </p:style>
+        </p:cxnSp>
+      </p:grpSp>
+    </p:spTree>
+    <p:extLst>
+      <p:ext uri="{BB962C8B-B14F-4D97-AF65-F5344CB8AC3E}">
+        <p14:creationId xmlns:p14="http://schemas.microsoft.com/office/powerpoint/2010/main" val="687545403"/>
+      </p:ext>
+    </p:extLst>
+  </p:cSld>
+  <p:clrMapOvr>
+    <a:masterClrMapping/>
+  </p:clrMapOvr>
+  <p:timing>
+    <p:tnLst>
+      <p:par>
+        <p:cTn id="1" dur="indefinite" restart="never" nodeType="tmRoot"/>
+      </p:par>
+    </p:tnLst>
+  </p:timing>
+</p:sld>
+</file>
+
+<file path=ppt/slides/slide6.xml><?xml version="1.0" encoding="utf-8"?>
+<p:sld xmlns:a="http://schemas.openxmlformats.org/drawingml/2006/main" xmlns:r="http://schemas.openxmlformats.org/officeDocument/2006/relationships" xmlns:p="http://schemas.openxmlformats.org/presentationml/2006/main">
+  <p:cSld>
+    <p:spTree>
+      <p:nvGrpSpPr>
+        <p:cNvPr id="1" name=""/>
+        <p:cNvGrpSpPr/>
+        <p:nvPr/>
+      </p:nvGrpSpPr>
+      <p:grpSpPr>
+        <a:xfrm>
+          <a:off x="0" y="0"/>
+          <a:ext cx="0" cy="0"/>
+          <a:chOff x="0" y="0"/>
+          <a:chExt cx="0" cy="0"/>
+        </a:xfrm>
+      </p:grpSpPr>
+      <p:sp>
+        <p:nvSpPr>
+          <p:cNvPr id="2" name="Title 1"/>
+          <p:cNvSpPr>
+            <a:spLocks noGrp="1"/>
+          </p:cNvSpPr>
+          <p:nvPr>
+            <p:ph type="title"/>
+          </p:nvPr>
+        </p:nvSpPr>
+        <p:spPr/>
+        <p:txBody>
+          <a:bodyPr/>
+          <a:lstStyle/>
+          <a:p>
+            <a:r>
+              <a:rPr lang="en-SG" dirty="0" smtClean="0"/>
+              <a:t>Sequence diagram</a:t>
+            </a:r>
+            <a:endParaRPr lang="en-SG" dirty="0"/>
+          </a:p>
+        </p:txBody>
+      </p:sp>
+      <p:sp>
+        <p:nvSpPr>
+          <p:cNvPr id="3" name="Content Placeholder 2"/>
+          <p:cNvSpPr>
+            <a:spLocks noGrp="1"/>
+          </p:cNvSpPr>
+          <p:nvPr>
+            <p:ph idx="1"/>
+          </p:nvPr>
+        </p:nvSpPr>
+        <p:spPr/>
+        <p:txBody>
+          <a:bodyPr/>
+          <a:lstStyle/>
+          <a:p>
+            <a:endParaRPr lang="en-SG"/>
+          </a:p>
+        </p:txBody>
+      </p:sp>
+    </p:spTree>
+    <p:extLst>
+      <p:ext uri="{BB962C8B-B14F-4D97-AF65-F5344CB8AC3E}">
+        <p14:creationId xmlns:p14="http://schemas.microsoft.com/office/powerpoint/2010/main" val="558473976"/>
+      </p:ext>
+    </p:extLst>
+  </p:cSld>
+  <p:clrMapOvr>
+    <a:masterClrMapping/>
+  </p:clrMapOvr>
+  <p:timing>
+    <p:tnLst>
+      <p:par>
+        <p:cTn id="1" dur="indefinite" restart="never" nodeType="tmRoot"/>
+      </p:par>
+    </p:tnLst>
+  </p:timing>
+</p:sld>
+</file>
+
+<file path=ppt/slides/slide7.xml><?xml version="1.0" encoding="utf-8"?>
+<p:sld xmlns:a="http://schemas.openxmlformats.org/drawingml/2006/main" xmlns:r="http://schemas.openxmlformats.org/officeDocument/2006/relationships" xmlns:p="http://schemas.openxmlformats.org/presentationml/2006/main">
+  <p:cSld>
+    <p:spTree>
+      <p:nvGrpSpPr>
+        <p:cNvPr id="1" name=""/>
+        <p:cNvGrpSpPr/>
+        <p:nvPr/>
+      </p:nvGrpSpPr>
+      <p:grpSpPr>
+        <a:xfrm>
+          <a:off x="0" y="0"/>
+          <a:ext cx="0" cy="0"/>
+          <a:chOff x="0" y="0"/>
+          <a:chExt cx="0" cy="0"/>
+        </a:xfrm>
+      </p:grpSpPr>
+      <p:sp>
+        <p:nvSpPr>
+          <p:cNvPr id="2" name="Title 1"/>
+          <p:cNvSpPr>
+            <a:spLocks noGrp="1"/>
+          </p:cNvSpPr>
+          <p:nvPr>
+            <p:ph type="title"/>
+          </p:nvPr>
+        </p:nvSpPr>
+        <p:spPr/>
+        <p:txBody>
+          <a:bodyPr/>
+          <a:lstStyle/>
+          <a:p>
+            <a:endParaRPr lang="en-SG"/>
+          </a:p>
+        </p:txBody>
+      </p:sp>
+      <p:sp>
+        <p:nvSpPr>
+          <p:cNvPr id="3" name="Content Placeholder 2"/>
+          <p:cNvSpPr>
+            <a:spLocks noGrp="1"/>
+          </p:cNvSpPr>
+          <p:nvPr>
+            <p:ph idx="1"/>
+          </p:nvPr>
+        </p:nvSpPr>
+        <p:spPr/>
+        <p:txBody>
+          <a:bodyPr/>
+          <a:lstStyle/>
+          <a:p>
+            <a:endParaRPr lang="en-SG"/>
+          </a:p>
+        </p:txBody>
+      </p:sp>
+    </p:spTree>
+    <p:extLst>
+      <p:ext uri="{BB962C8B-B14F-4D97-AF65-F5344CB8AC3E}">
+        <p14:creationId xmlns:p14="http://schemas.microsoft.com/office/powerpoint/2010/main" val="3928359497"/>
+      </p:ext>
+    </p:extLst>
+  </p:cSld>
+  <p:clrMapOvr>
+    <a:masterClrMapping/>
+  </p:clrMapOvr>
+</p:sld>
+</file>
+
 <file path=ppt/theme/theme1.xml><?xml version="1.0" encoding="utf-8"?>
 <a:theme xmlns:a="http://schemas.openxmlformats.org/drawingml/2006/main" name="Banded">
   <a:themeElements>

--- a/Doc/Active_Learning_Group4_Presentation.pptx
+++ b/Doc/Active_Learning_Group4_Presentation.pptx
@@ -2,7 +2,7 @@
 <file path=ppt/presentation.xml><?xml version="1.0" encoding="utf-8"?>
 <p:presentation xmlns:a="http://schemas.openxmlformats.org/drawingml/2006/main" xmlns:r="http://schemas.openxmlformats.org/officeDocument/2006/relationships" xmlns:p="http://schemas.openxmlformats.org/presentationml/2006/main" saveSubsetFonts="1">
   <p:sldMasterIdLst>
-    <p:sldMasterId id="2147483660" r:id="rId1"/>
+    <p:sldMasterId id="2147483732" r:id="rId1"/>
   </p:sldMasterIdLst>
   <p:sldIdLst>
     <p:sldId id="256" r:id="rId2"/>
@@ -119,7 +119,7 @@
 </file>
 
 <file path=ppt/slideLayouts/slideLayout1.xml><?xml version="1.0" encoding="utf-8"?>
-<p:sldLayout xmlns:a="http://schemas.openxmlformats.org/drawingml/2006/main" xmlns:r="http://schemas.openxmlformats.org/officeDocument/2006/relationships" xmlns:p="http://schemas.openxmlformats.org/presentationml/2006/main" showMasterSp="0" type="title" preserve="1">
+<p:sldLayout xmlns:a="http://schemas.openxmlformats.org/drawingml/2006/main" xmlns:r="http://schemas.openxmlformats.org/officeDocument/2006/relationships" xmlns:p="http://schemas.openxmlformats.org/presentationml/2006/main" type="title" preserve="1">
   <p:cSld name="Title Slide">
     <p:spTree>
       <p:nvGrpSpPr>
@@ -135,44 +135,36 @@
           <a:chExt cx="0" cy="0"/>
         </a:xfrm>
       </p:grpSpPr>
-      <p:sp>
-        <p:nvSpPr>
-          <p:cNvPr id="7" name="Rectangle 6"/>
-          <p:cNvSpPr/>
+      <p:pic>
+        <p:nvPicPr>
+          <p:cNvPr id="7" name="Picture 6" descr="Droplets-HD-Title-R1d.png"/>
+          <p:cNvPicPr>
+            <a:picLocks noChangeAspect="1"/>
+          </p:cNvPicPr>
           <p:nvPr/>
-        </p:nvSpPr>
+        </p:nvPicPr>
+        <p:blipFill>
+          <a:blip r:embed="rId2">
+            <a:extLst>
+              <a:ext uri="{28A0092B-C50C-407E-A947-70E740481C1C}">
+                <a14:useLocalDpi xmlns:a14="http://schemas.microsoft.com/office/drawing/2010/main" val="0"/>
+              </a:ext>
+            </a:extLst>
+          </a:blip>
+          <a:stretch>
+            <a:fillRect/>
+          </a:stretch>
+        </p:blipFill>
         <p:spPr>
           <a:xfrm>
-            <a:off x="-6843" y="2059012"/>
-            <a:ext cx="12195668" cy="1828800"/>
+            <a:off x="0" y="0"/>
+            <a:ext cx="12192000" cy="6858000"/>
           </a:xfrm>
           <a:prstGeom prst="rect">
             <a:avLst/>
           </a:prstGeom>
-          <a:solidFill>
-            <a:schemeClr val="tx1"/>
-          </a:solidFill>
-          <a:ln>
-            <a:noFill/>
-          </a:ln>
         </p:spPr>
-        <p:style>
-          <a:lnRef idx="2">
-            <a:schemeClr val="accent1">
-              <a:shade val="50000"/>
-            </a:schemeClr>
-          </a:lnRef>
-          <a:fillRef idx="1">
-            <a:schemeClr val="accent1"/>
-          </a:fillRef>
-          <a:effectRef idx="0">
-            <a:schemeClr val="accent1"/>
-          </a:effectRef>
-          <a:fontRef idx="minor">
-            <a:schemeClr val="lt1"/>
-          </a:fontRef>
-        </p:style>
-      </p:sp>
+      </p:pic>
       <p:sp>
         <p:nvSpPr>
           <p:cNvPr id="2" name="Title 1"/>
@@ -185,25 +177,22 @@
         </p:nvSpPr>
         <p:spPr>
           <a:xfrm>
-            <a:off x="365759" y="2166364"/>
-            <a:ext cx="11471565" cy="1739347"/>
+            <a:off x="1751012" y="1300785"/>
+            <a:ext cx="8689976" cy="2509213"/>
           </a:xfrm>
         </p:spPr>
         <p:txBody>
-          <a:bodyPr tIns="45720" bIns="45720" anchor="ctr">
+          <a:bodyPr anchor="b">
             <a:normAutofit/>
           </a:bodyPr>
           <a:lstStyle>
             <a:lvl1pPr algn="ctr">
-              <a:lnSpc>
-                <a:spcPct val="80000"/>
-              </a:lnSpc>
-              <a:defRPr sz="6000" spc="150" baseline="0"/>
+              <a:defRPr sz="4800"/>
             </a:lvl1pPr>
           </a:lstStyle>
           <a:p>
             <a:r>
-              <a:rPr lang="en-US"/>
+              <a:rPr lang="en-US" smtClean="0"/>
               <a:t>Click to edit Master title style</a:t>
             </a:r>
             <a:endParaRPr lang="en-US" dirty="0"/>
@@ -222,8 +211,8 @@
         </p:nvSpPr>
         <p:spPr>
           <a:xfrm>
-            <a:off x="1524000" y="3996250"/>
-            <a:ext cx="9144000" cy="1309255"/>
+            <a:off x="1751012" y="3886200"/>
+            <a:ext cx="8689976" cy="1371599"/>
           </a:xfrm>
         </p:spPr>
         <p:txBody>
@@ -233,7 +222,13 @@
           <a:lstStyle>
             <a:lvl1pPr marL="0" indent="0" algn="ctr">
               <a:buNone/>
-              <a:defRPr sz="2000"/>
+              <a:defRPr sz="2200">
+                <a:solidFill>
+                  <a:schemeClr val="bg1">
+                    <a:lumMod val="50000"/>
+                  </a:schemeClr>
+                </a:solidFill>
+              </a:defRPr>
             </a:lvl1pPr>
             <a:lvl2pPr marL="457200" indent="0" algn="ctr">
               <a:buNone/>
@@ -241,36 +236,36 @@
             </a:lvl2pPr>
             <a:lvl3pPr marL="914400" indent="0" algn="ctr">
               <a:buNone/>
-              <a:defRPr sz="2000"/>
+              <a:defRPr sz="1800"/>
             </a:lvl3pPr>
             <a:lvl4pPr marL="1371600" indent="0" algn="ctr">
               <a:buNone/>
-              <a:defRPr sz="2000"/>
+              <a:defRPr sz="1600"/>
             </a:lvl4pPr>
             <a:lvl5pPr marL="1828800" indent="0" algn="ctr">
               <a:buNone/>
-              <a:defRPr sz="2000"/>
+              <a:defRPr sz="1600"/>
             </a:lvl5pPr>
             <a:lvl6pPr marL="2286000" indent="0" algn="ctr">
               <a:buNone/>
-              <a:defRPr sz="2000"/>
+              <a:defRPr sz="1600"/>
             </a:lvl6pPr>
             <a:lvl7pPr marL="2743200" indent="0" algn="ctr">
               <a:buNone/>
-              <a:defRPr sz="2000"/>
+              <a:defRPr sz="1600"/>
             </a:lvl7pPr>
             <a:lvl8pPr marL="3200400" indent="0" algn="ctr">
               <a:buNone/>
-              <a:defRPr sz="2000"/>
+              <a:defRPr sz="1600"/>
             </a:lvl8pPr>
             <a:lvl9pPr marL="3657600" indent="0" algn="ctr">
               <a:buNone/>
-              <a:defRPr sz="2000"/>
+              <a:defRPr sz="1600"/>
             </a:lvl9pPr>
           </a:lstStyle>
           <a:p>
             <a:r>
-              <a:rPr lang="en-US"/>
+              <a:rPr lang="en-US" smtClean="0"/>
               <a:t>Click to edit Master subtitle style</a:t>
             </a:r>
             <a:endParaRPr lang="en-US" dirty="0"/>
@@ -345,7 +340,7 @@
     </p:spTree>
     <p:extLst>
       <p:ext uri="{BB962C8B-B14F-4D97-AF65-F5344CB8AC3E}">
-        <p14:creationId xmlns:p14="http://schemas.microsoft.com/office/powerpoint/2010/main" val="1093093524"/>
+        <p14:creationId xmlns:p14="http://schemas.microsoft.com/office/powerpoint/2010/main" val="1921666817"/>
       </p:ext>
     </p:extLst>
   </p:cSld>
@@ -356,6 +351,2713 @@
 </file>
 
 <file path=ppt/slideLayouts/slideLayout10.xml><?xml version="1.0" encoding="utf-8"?>
+<p:sldLayout xmlns:a="http://schemas.openxmlformats.org/drawingml/2006/main" xmlns:r="http://schemas.openxmlformats.org/officeDocument/2006/relationships" xmlns:p="http://schemas.openxmlformats.org/presentationml/2006/main" preserve="1">
+  <p:cSld name="Panoramic Picture with Caption">
+    <p:spTree>
+      <p:nvGrpSpPr>
+        <p:cNvPr id="1" name=""/>
+        <p:cNvGrpSpPr/>
+        <p:nvPr/>
+      </p:nvGrpSpPr>
+      <p:grpSpPr>
+        <a:xfrm>
+          <a:off x="0" y="0"/>
+          <a:ext cx="0" cy="0"/>
+          <a:chOff x="0" y="0"/>
+          <a:chExt cx="0" cy="0"/>
+        </a:xfrm>
+      </p:grpSpPr>
+      <p:pic>
+        <p:nvPicPr>
+          <p:cNvPr id="10" name="Picture 9" descr="Droplets-HD-Content-R1d.png"/>
+          <p:cNvPicPr>
+            <a:picLocks noChangeAspect="1"/>
+          </p:cNvPicPr>
+          <p:nvPr/>
+        </p:nvPicPr>
+        <p:blipFill>
+          <a:blip r:embed="rId2">
+            <a:extLst>
+              <a:ext uri="{28A0092B-C50C-407E-A947-70E740481C1C}">
+                <a14:useLocalDpi xmlns:a14="http://schemas.microsoft.com/office/drawing/2010/main" val="0"/>
+              </a:ext>
+            </a:extLst>
+          </a:blip>
+          <a:stretch>
+            <a:fillRect/>
+          </a:stretch>
+        </p:blipFill>
+        <p:spPr>
+          <a:xfrm>
+            <a:off x="0" y="0"/>
+            <a:ext cx="12192000" cy="6858000"/>
+          </a:xfrm>
+          <a:prstGeom prst="rect">
+            <a:avLst/>
+          </a:prstGeom>
+        </p:spPr>
+      </p:pic>
+      <p:sp>
+        <p:nvSpPr>
+          <p:cNvPr id="2" name="Title 1"/>
+          <p:cNvSpPr>
+            <a:spLocks noGrp="1"/>
+          </p:cNvSpPr>
+          <p:nvPr>
+            <p:ph type="title"/>
+          </p:nvPr>
+        </p:nvSpPr>
+        <p:spPr>
+          <a:xfrm>
+            <a:off x="913794" y="4289374"/>
+            <a:ext cx="10364432" cy="811610"/>
+          </a:xfrm>
+        </p:spPr>
+        <p:txBody>
+          <a:bodyPr anchor="b"/>
+          <a:lstStyle>
+            <a:lvl1pPr>
+              <a:defRPr sz="3200"/>
+            </a:lvl1pPr>
+          </a:lstStyle>
+          <a:p>
+            <a:r>
+              <a:rPr lang="en-US" smtClean="0"/>
+              <a:t>Click to edit Master title style</a:t>
+            </a:r>
+            <a:endParaRPr lang="en-US" dirty="0"/>
+          </a:p>
+        </p:txBody>
+      </p:sp>
+      <p:sp>
+        <p:nvSpPr>
+          <p:cNvPr id="3" name="Picture Placeholder 2"/>
+          <p:cNvSpPr>
+            <a:spLocks noGrp="1" noChangeAspect="1"/>
+          </p:cNvSpPr>
+          <p:nvPr>
+            <p:ph type="pic" idx="1"/>
+          </p:nvPr>
+        </p:nvSpPr>
+        <p:spPr>
+          <a:xfrm>
+            <a:off x="1184744" y="698261"/>
+            <a:ext cx="9822532" cy="3214136"/>
+          </a:xfrm>
+          <a:prstGeom prst="roundRect">
+            <a:avLst>
+              <a:gd name="adj" fmla="val 4944"/>
+            </a:avLst>
+          </a:prstGeom>
+          <a:noFill/>
+          <a:ln w="82550" cap="sq">
+            <a:solidFill>
+              <a:srgbClr val="EAEAEA"/>
+            </a:solidFill>
+            <a:miter lim="800000"/>
+          </a:ln>
+          <a:effectLst/>
+          <a:scene3d>
+            <a:camera prst="orthographicFront"/>
+            <a:lightRig rig="threePt" dir="t">
+              <a:rot lat="0" lon="0" rev="2700000"/>
+            </a:lightRig>
+          </a:scene3d>
+          <a:sp3d contourW="6350">
+            <a:bevelT h="38100"/>
+            <a:contourClr>
+              <a:srgbClr val="C0C0C0"/>
+            </a:contourClr>
+          </a:sp3d>
+        </p:spPr>
+        <p:txBody>
+          <a:bodyPr anchor="t"/>
+          <a:lstStyle>
+            <a:lvl1pPr marL="0" indent="0" algn="ctr">
+              <a:buNone/>
+              <a:defRPr sz="3200"/>
+            </a:lvl1pPr>
+            <a:lvl2pPr marL="457200" indent="0">
+              <a:buNone/>
+              <a:defRPr sz="2800"/>
+            </a:lvl2pPr>
+            <a:lvl3pPr marL="914400" indent="0">
+              <a:buNone/>
+              <a:defRPr sz="2400"/>
+            </a:lvl3pPr>
+            <a:lvl4pPr marL="1371600" indent="0">
+              <a:buNone/>
+              <a:defRPr sz="2000"/>
+            </a:lvl4pPr>
+            <a:lvl5pPr marL="1828800" indent="0">
+              <a:buNone/>
+              <a:defRPr sz="2000"/>
+            </a:lvl5pPr>
+            <a:lvl6pPr marL="2286000" indent="0">
+              <a:buNone/>
+              <a:defRPr sz="2000"/>
+            </a:lvl6pPr>
+            <a:lvl7pPr marL="2743200" indent="0">
+              <a:buNone/>
+              <a:defRPr sz="2000"/>
+            </a:lvl7pPr>
+            <a:lvl8pPr marL="3200400" indent="0">
+              <a:buNone/>
+              <a:defRPr sz="2000"/>
+            </a:lvl8pPr>
+            <a:lvl9pPr marL="3657600" indent="0">
+              <a:buNone/>
+              <a:defRPr sz="2000"/>
+            </a:lvl9pPr>
+          </a:lstStyle>
+          <a:p>
+            <a:r>
+              <a:rPr lang="en-US" smtClean="0"/>
+              <a:t>Click icon to add picture</a:t>
+            </a:r>
+            <a:endParaRPr lang="en-US" dirty="0"/>
+          </a:p>
+        </p:txBody>
+      </p:sp>
+      <p:sp>
+        <p:nvSpPr>
+          <p:cNvPr id="4" name="Text Placeholder 3"/>
+          <p:cNvSpPr>
+            <a:spLocks noGrp="1"/>
+          </p:cNvSpPr>
+          <p:nvPr>
+            <p:ph type="body" sz="half" idx="2"/>
+          </p:nvPr>
+        </p:nvSpPr>
+        <p:spPr>
+          <a:xfrm>
+            <a:off x="913774" y="5108728"/>
+            <a:ext cx="10364452" cy="682472"/>
+          </a:xfrm>
+        </p:spPr>
+        <p:txBody>
+          <a:bodyPr/>
+          <a:lstStyle>
+            <a:lvl1pPr marL="0" indent="0" algn="ctr">
+              <a:buNone/>
+              <a:defRPr sz="1600"/>
+            </a:lvl1pPr>
+            <a:lvl2pPr marL="457200" indent="0">
+              <a:buNone/>
+              <a:defRPr sz="1400"/>
+            </a:lvl2pPr>
+            <a:lvl3pPr marL="914400" indent="0">
+              <a:buNone/>
+              <a:defRPr sz="1200"/>
+            </a:lvl3pPr>
+            <a:lvl4pPr marL="1371600" indent="0">
+              <a:buNone/>
+              <a:defRPr sz="1000"/>
+            </a:lvl4pPr>
+            <a:lvl5pPr marL="1828800" indent="0">
+              <a:buNone/>
+              <a:defRPr sz="1000"/>
+            </a:lvl5pPr>
+            <a:lvl6pPr marL="2286000" indent="0">
+              <a:buNone/>
+              <a:defRPr sz="1000"/>
+            </a:lvl6pPr>
+            <a:lvl7pPr marL="2743200" indent="0">
+              <a:buNone/>
+              <a:defRPr sz="1000"/>
+            </a:lvl7pPr>
+            <a:lvl8pPr marL="3200400" indent="0">
+              <a:buNone/>
+              <a:defRPr sz="1000"/>
+            </a:lvl8pPr>
+            <a:lvl9pPr marL="3657600" indent="0">
+              <a:buNone/>
+              <a:defRPr sz="1000"/>
+            </a:lvl9pPr>
+          </a:lstStyle>
+          <a:p>
+            <a:pPr lvl="0"/>
+            <a:r>
+              <a:rPr lang="en-US" smtClean="0"/>
+              <a:t>Click to edit Master text styles</a:t>
+            </a:r>
+          </a:p>
+        </p:txBody>
+      </p:sp>
+      <p:sp>
+        <p:nvSpPr>
+          <p:cNvPr id="5" name="Date Placeholder 4"/>
+          <p:cNvSpPr>
+            <a:spLocks noGrp="1"/>
+          </p:cNvSpPr>
+          <p:nvPr>
+            <p:ph type="dt" sz="half" idx="10"/>
+          </p:nvPr>
+        </p:nvSpPr>
+        <p:spPr/>
+        <p:txBody>
+          <a:bodyPr/>
+          <a:lstStyle/>
+          <a:p>
+            <a:fld id="{35353A16-1612-44AE-956B-9D31A9289F5F}" type="datetimeFigureOut">
+              <a:rPr lang="en-SG" smtClean="0"/>
+              <a:t>23/4/2016</a:t>
+            </a:fld>
+            <a:endParaRPr lang="en-SG"/>
+          </a:p>
+        </p:txBody>
+      </p:sp>
+      <p:sp>
+        <p:nvSpPr>
+          <p:cNvPr id="6" name="Footer Placeholder 5"/>
+          <p:cNvSpPr>
+            <a:spLocks noGrp="1"/>
+          </p:cNvSpPr>
+          <p:nvPr>
+            <p:ph type="ftr" sz="quarter" idx="11"/>
+          </p:nvPr>
+        </p:nvSpPr>
+        <p:spPr/>
+        <p:txBody>
+          <a:bodyPr/>
+          <a:lstStyle/>
+          <a:p>
+            <a:endParaRPr lang="en-SG"/>
+          </a:p>
+        </p:txBody>
+      </p:sp>
+      <p:sp>
+        <p:nvSpPr>
+          <p:cNvPr id="7" name="Slide Number Placeholder 6"/>
+          <p:cNvSpPr>
+            <a:spLocks noGrp="1"/>
+          </p:cNvSpPr>
+          <p:nvPr>
+            <p:ph type="sldNum" sz="quarter" idx="12"/>
+          </p:nvPr>
+        </p:nvSpPr>
+        <p:spPr/>
+        <p:txBody>
+          <a:bodyPr/>
+          <a:lstStyle/>
+          <a:p>
+            <a:fld id="{644A8F60-FDB2-4C3C-9B61-80CF5FD54EAA}" type="slidenum">
+              <a:rPr lang="en-SG" smtClean="0"/>
+              <a:t>‹#›</a:t>
+            </a:fld>
+            <a:endParaRPr lang="en-SG"/>
+          </a:p>
+        </p:txBody>
+      </p:sp>
+    </p:spTree>
+    <p:extLst>
+      <p:ext uri="{BB962C8B-B14F-4D97-AF65-F5344CB8AC3E}">
+        <p14:creationId xmlns:p14="http://schemas.microsoft.com/office/powerpoint/2010/main" val="3463410163"/>
+      </p:ext>
+    </p:extLst>
+  </p:cSld>
+  <p:clrMapOvr>
+    <a:masterClrMapping/>
+  </p:clrMapOvr>
+</p:sldLayout>
+</file>
+
+<file path=ppt/slideLayouts/slideLayout11.xml><?xml version="1.0" encoding="utf-8"?>
+<p:sldLayout xmlns:a="http://schemas.openxmlformats.org/drawingml/2006/main" xmlns:r="http://schemas.openxmlformats.org/officeDocument/2006/relationships" xmlns:p="http://schemas.openxmlformats.org/presentationml/2006/main" preserve="1">
+  <p:cSld name="Title and Caption">
+    <p:spTree>
+      <p:nvGrpSpPr>
+        <p:cNvPr id="1" name=""/>
+        <p:cNvGrpSpPr/>
+        <p:nvPr/>
+      </p:nvGrpSpPr>
+      <p:grpSpPr>
+        <a:xfrm>
+          <a:off x="0" y="0"/>
+          <a:ext cx="0" cy="0"/>
+          <a:chOff x="0" y="0"/>
+          <a:chExt cx="0" cy="0"/>
+        </a:xfrm>
+      </p:grpSpPr>
+      <p:pic>
+        <p:nvPicPr>
+          <p:cNvPr id="8" name="Picture 7" descr="Droplets-HD-Content-R1d.png"/>
+          <p:cNvPicPr>
+            <a:picLocks noChangeAspect="1"/>
+          </p:cNvPicPr>
+          <p:nvPr/>
+        </p:nvPicPr>
+        <p:blipFill>
+          <a:blip r:embed="rId2">
+            <a:extLst>
+              <a:ext uri="{28A0092B-C50C-407E-A947-70E740481C1C}">
+                <a14:useLocalDpi xmlns:a14="http://schemas.microsoft.com/office/drawing/2010/main" val="0"/>
+              </a:ext>
+            </a:extLst>
+          </a:blip>
+          <a:stretch>
+            <a:fillRect/>
+          </a:stretch>
+        </p:blipFill>
+        <p:spPr>
+          <a:xfrm>
+            <a:off x="0" y="0"/>
+            <a:ext cx="12192000" cy="6858000"/>
+          </a:xfrm>
+          <a:prstGeom prst="rect">
+            <a:avLst/>
+          </a:prstGeom>
+        </p:spPr>
+      </p:pic>
+      <p:sp>
+        <p:nvSpPr>
+          <p:cNvPr id="2" name="Title 1"/>
+          <p:cNvSpPr>
+            <a:spLocks noGrp="1"/>
+          </p:cNvSpPr>
+          <p:nvPr>
+            <p:ph type="title"/>
+          </p:nvPr>
+        </p:nvSpPr>
+        <p:spPr>
+          <a:xfrm>
+            <a:off x="913774" y="609599"/>
+            <a:ext cx="10364452" cy="3427245"/>
+          </a:xfrm>
+        </p:spPr>
+        <p:txBody>
+          <a:bodyPr anchor="ctr"/>
+          <a:lstStyle>
+            <a:lvl1pPr algn="ctr">
+              <a:defRPr sz="3200"/>
+            </a:lvl1pPr>
+          </a:lstStyle>
+          <a:p>
+            <a:r>
+              <a:rPr lang="en-US" smtClean="0"/>
+              <a:t>Click to edit Master title style</a:t>
+            </a:r>
+            <a:endParaRPr lang="en-US" dirty="0"/>
+          </a:p>
+        </p:txBody>
+      </p:sp>
+      <p:sp>
+        <p:nvSpPr>
+          <p:cNvPr id="4" name="Text Placeholder 3"/>
+          <p:cNvSpPr>
+            <a:spLocks noGrp="1"/>
+          </p:cNvSpPr>
+          <p:nvPr>
+            <p:ph type="body" sz="half" idx="2"/>
+          </p:nvPr>
+        </p:nvSpPr>
+        <p:spPr>
+          <a:xfrm>
+            <a:off x="913775" y="4204821"/>
+            <a:ext cx="10364452" cy="1586380"/>
+          </a:xfrm>
+        </p:spPr>
+        <p:txBody>
+          <a:bodyPr anchor="ctr"/>
+          <a:lstStyle>
+            <a:lvl1pPr marL="0" indent="0" algn="ctr">
+              <a:buNone/>
+              <a:defRPr sz="1600"/>
+            </a:lvl1pPr>
+            <a:lvl2pPr marL="457200" indent="0">
+              <a:buNone/>
+              <a:defRPr sz="1400"/>
+            </a:lvl2pPr>
+            <a:lvl3pPr marL="914400" indent="0">
+              <a:buNone/>
+              <a:defRPr sz="1200"/>
+            </a:lvl3pPr>
+            <a:lvl4pPr marL="1371600" indent="0">
+              <a:buNone/>
+              <a:defRPr sz="1000"/>
+            </a:lvl4pPr>
+            <a:lvl5pPr marL="1828800" indent="0">
+              <a:buNone/>
+              <a:defRPr sz="1000"/>
+            </a:lvl5pPr>
+            <a:lvl6pPr marL="2286000" indent="0">
+              <a:buNone/>
+              <a:defRPr sz="1000"/>
+            </a:lvl6pPr>
+            <a:lvl7pPr marL="2743200" indent="0">
+              <a:buNone/>
+              <a:defRPr sz="1000"/>
+            </a:lvl7pPr>
+            <a:lvl8pPr marL="3200400" indent="0">
+              <a:buNone/>
+              <a:defRPr sz="1000"/>
+            </a:lvl8pPr>
+            <a:lvl9pPr marL="3657600" indent="0">
+              <a:buNone/>
+              <a:defRPr sz="1000"/>
+            </a:lvl9pPr>
+          </a:lstStyle>
+          <a:p>
+            <a:pPr lvl="0"/>
+            <a:r>
+              <a:rPr lang="en-US" smtClean="0"/>
+              <a:t>Click to edit Master text styles</a:t>
+            </a:r>
+          </a:p>
+        </p:txBody>
+      </p:sp>
+      <p:sp>
+        <p:nvSpPr>
+          <p:cNvPr id="5" name="Date Placeholder 4"/>
+          <p:cNvSpPr>
+            <a:spLocks noGrp="1"/>
+          </p:cNvSpPr>
+          <p:nvPr>
+            <p:ph type="dt" sz="half" idx="10"/>
+          </p:nvPr>
+        </p:nvSpPr>
+        <p:spPr/>
+        <p:txBody>
+          <a:bodyPr/>
+          <a:lstStyle/>
+          <a:p>
+            <a:fld id="{35353A16-1612-44AE-956B-9D31A9289F5F}" type="datetimeFigureOut">
+              <a:rPr lang="en-SG" smtClean="0"/>
+              <a:t>23/4/2016</a:t>
+            </a:fld>
+            <a:endParaRPr lang="en-SG"/>
+          </a:p>
+        </p:txBody>
+      </p:sp>
+      <p:sp>
+        <p:nvSpPr>
+          <p:cNvPr id="6" name="Footer Placeholder 5"/>
+          <p:cNvSpPr>
+            <a:spLocks noGrp="1"/>
+          </p:cNvSpPr>
+          <p:nvPr>
+            <p:ph type="ftr" sz="quarter" idx="11"/>
+          </p:nvPr>
+        </p:nvSpPr>
+        <p:spPr/>
+        <p:txBody>
+          <a:bodyPr/>
+          <a:lstStyle/>
+          <a:p>
+            <a:endParaRPr lang="en-SG"/>
+          </a:p>
+        </p:txBody>
+      </p:sp>
+      <p:sp>
+        <p:nvSpPr>
+          <p:cNvPr id="7" name="Slide Number Placeholder 6"/>
+          <p:cNvSpPr>
+            <a:spLocks noGrp="1"/>
+          </p:cNvSpPr>
+          <p:nvPr>
+            <p:ph type="sldNum" sz="quarter" idx="12"/>
+          </p:nvPr>
+        </p:nvSpPr>
+        <p:spPr/>
+        <p:txBody>
+          <a:bodyPr/>
+          <a:lstStyle/>
+          <a:p>
+            <a:fld id="{644A8F60-FDB2-4C3C-9B61-80CF5FD54EAA}" type="slidenum">
+              <a:rPr lang="en-SG" smtClean="0"/>
+              <a:t>‹#›</a:t>
+            </a:fld>
+            <a:endParaRPr lang="en-SG"/>
+          </a:p>
+        </p:txBody>
+      </p:sp>
+    </p:spTree>
+    <p:extLst>
+      <p:ext uri="{BB962C8B-B14F-4D97-AF65-F5344CB8AC3E}">
+        <p14:creationId xmlns:p14="http://schemas.microsoft.com/office/powerpoint/2010/main" val="3027539511"/>
+      </p:ext>
+    </p:extLst>
+  </p:cSld>
+  <p:clrMapOvr>
+    <a:masterClrMapping/>
+  </p:clrMapOvr>
+</p:sldLayout>
+</file>
+
+<file path=ppt/slideLayouts/slideLayout12.xml><?xml version="1.0" encoding="utf-8"?>
+<p:sldLayout xmlns:a="http://schemas.openxmlformats.org/drawingml/2006/main" xmlns:r="http://schemas.openxmlformats.org/officeDocument/2006/relationships" xmlns:p="http://schemas.openxmlformats.org/presentationml/2006/main" preserve="1">
+  <p:cSld name="Quote with Caption">
+    <p:spTree>
+      <p:nvGrpSpPr>
+        <p:cNvPr id="1" name=""/>
+        <p:cNvGrpSpPr/>
+        <p:nvPr/>
+      </p:nvGrpSpPr>
+      <p:grpSpPr>
+        <a:xfrm>
+          <a:off x="0" y="0"/>
+          <a:ext cx="0" cy="0"/>
+          <a:chOff x="0" y="0"/>
+          <a:chExt cx="0" cy="0"/>
+        </a:xfrm>
+      </p:grpSpPr>
+      <p:pic>
+        <p:nvPicPr>
+          <p:cNvPr id="11" name="Picture 10" descr="Droplets-HD-Content-R1d.png"/>
+          <p:cNvPicPr>
+            <a:picLocks noChangeAspect="1"/>
+          </p:cNvPicPr>
+          <p:nvPr/>
+        </p:nvPicPr>
+        <p:blipFill>
+          <a:blip r:embed="rId2">
+            <a:extLst>
+              <a:ext uri="{28A0092B-C50C-407E-A947-70E740481C1C}">
+                <a14:useLocalDpi xmlns:a14="http://schemas.microsoft.com/office/drawing/2010/main" val="0"/>
+              </a:ext>
+            </a:extLst>
+          </a:blip>
+          <a:stretch>
+            <a:fillRect/>
+          </a:stretch>
+        </p:blipFill>
+        <p:spPr>
+          <a:xfrm>
+            <a:off x="0" y="0"/>
+            <a:ext cx="12192000" cy="6858000"/>
+          </a:xfrm>
+          <a:prstGeom prst="rect">
+            <a:avLst/>
+          </a:prstGeom>
+        </p:spPr>
+      </p:pic>
+      <p:sp>
+        <p:nvSpPr>
+          <p:cNvPr id="2" name="Title 1"/>
+          <p:cNvSpPr>
+            <a:spLocks noGrp="1"/>
+          </p:cNvSpPr>
+          <p:nvPr>
+            <p:ph type="title"/>
+          </p:nvPr>
+        </p:nvSpPr>
+        <p:spPr>
+          <a:xfrm>
+            <a:off x="1446212" y="609600"/>
+            <a:ext cx="9302752" cy="2992904"/>
+          </a:xfrm>
+        </p:spPr>
+        <p:txBody>
+          <a:bodyPr anchor="ctr"/>
+          <a:lstStyle>
+            <a:lvl1pPr>
+              <a:defRPr sz="3200"/>
+            </a:lvl1pPr>
+          </a:lstStyle>
+          <a:p>
+            <a:r>
+              <a:rPr lang="en-US" smtClean="0"/>
+              <a:t>Click to edit Master title style</a:t>
+            </a:r>
+            <a:endParaRPr lang="en-US" dirty="0"/>
+          </a:p>
+        </p:txBody>
+      </p:sp>
+      <p:sp>
+        <p:nvSpPr>
+          <p:cNvPr id="12" name="Text Placeholder 3"/>
+          <p:cNvSpPr>
+            <a:spLocks noGrp="1"/>
+          </p:cNvSpPr>
+          <p:nvPr>
+            <p:ph type="body" sz="half" idx="13"/>
+          </p:nvPr>
+        </p:nvSpPr>
+        <p:spPr>
+          <a:xfrm>
+            <a:off x="1720644" y="3610032"/>
+            <a:ext cx="8752299" cy="594788"/>
+          </a:xfrm>
+        </p:spPr>
+        <p:txBody>
+          <a:bodyPr anchor="t">
+            <a:normAutofit/>
+          </a:bodyPr>
+          <a:lstStyle>
+            <a:lvl1pPr marL="0" indent="0">
+              <a:buNone/>
+              <a:defRPr sz="1400"/>
+            </a:lvl1pPr>
+            <a:lvl2pPr marL="457200" indent="0">
+              <a:buNone/>
+              <a:defRPr sz="1400"/>
+            </a:lvl2pPr>
+            <a:lvl3pPr marL="914400" indent="0">
+              <a:buNone/>
+              <a:defRPr sz="1200"/>
+            </a:lvl3pPr>
+            <a:lvl4pPr marL="1371600" indent="0">
+              <a:buNone/>
+              <a:defRPr sz="1000"/>
+            </a:lvl4pPr>
+            <a:lvl5pPr marL="1828800" indent="0">
+              <a:buNone/>
+              <a:defRPr sz="1000"/>
+            </a:lvl5pPr>
+            <a:lvl6pPr marL="2286000" indent="0">
+              <a:buNone/>
+              <a:defRPr sz="1000"/>
+            </a:lvl6pPr>
+            <a:lvl7pPr marL="2743200" indent="0">
+              <a:buNone/>
+              <a:defRPr sz="1000"/>
+            </a:lvl7pPr>
+            <a:lvl8pPr marL="3200400" indent="0">
+              <a:buNone/>
+              <a:defRPr sz="1000"/>
+            </a:lvl8pPr>
+            <a:lvl9pPr marL="3657600" indent="0">
+              <a:buNone/>
+              <a:defRPr sz="1000"/>
+            </a:lvl9pPr>
+          </a:lstStyle>
+          <a:p>
+            <a:pPr lvl="0"/>
+            <a:r>
+              <a:rPr lang="en-US" smtClean="0"/>
+              <a:t>Click to edit Master text styles</a:t>
+            </a:r>
+          </a:p>
+        </p:txBody>
+      </p:sp>
+      <p:sp>
+        <p:nvSpPr>
+          <p:cNvPr id="4" name="Text Placeholder 3"/>
+          <p:cNvSpPr>
+            <a:spLocks noGrp="1"/>
+          </p:cNvSpPr>
+          <p:nvPr>
+            <p:ph type="body" sz="half" idx="2"/>
+          </p:nvPr>
+        </p:nvSpPr>
+        <p:spPr>
+          <a:xfrm>
+            <a:off x="913774" y="4372796"/>
+            <a:ext cx="10364452" cy="1421053"/>
+          </a:xfrm>
+        </p:spPr>
+        <p:txBody>
+          <a:bodyPr anchor="ctr">
+            <a:normAutofit/>
+          </a:bodyPr>
+          <a:lstStyle>
+            <a:lvl1pPr marL="0" indent="0" algn="ctr">
+              <a:buNone/>
+              <a:defRPr sz="1600"/>
+            </a:lvl1pPr>
+            <a:lvl2pPr marL="457200" indent="0">
+              <a:buNone/>
+              <a:defRPr sz="1400"/>
+            </a:lvl2pPr>
+            <a:lvl3pPr marL="914400" indent="0">
+              <a:buNone/>
+              <a:defRPr sz="1200"/>
+            </a:lvl3pPr>
+            <a:lvl4pPr marL="1371600" indent="0">
+              <a:buNone/>
+              <a:defRPr sz="1000"/>
+            </a:lvl4pPr>
+            <a:lvl5pPr marL="1828800" indent="0">
+              <a:buNone/>
+              <a:defRPr sz="1000"/>
+            </a:lvl5pPr>
+            <a:lvl6pPr marL="2286000" indent="0">
+              <a:buNone/>
+              <a:defRPr sz="1000"/>
+            </a:lvl6pPr>
+            <a:lvl7pPr marL="2743200" indent="0">
+              <a:buNone/>
+              <a:defRPr sz="1000"/>
+            </a:lvl7pPr>
+            <a:lvl8pPr marL="3200400" indent="0">
+              <a:buNone/>
+              <a:defRPr sz="1000"/>
+            </a:lvl8pPr>
+            <a:lvl9pPr marL="3657600" indent="0">
+              <a:buNone/>
+              <a:defRPr sz="1000"/>
+            </a:lvl9pPr>
+          </a:lstStyle>
+          <a:p>
+            <a:pPr lvl="0"/>
+            <a:r>
+              <a:rPr lang="en-US" smtClean="0"/>
+              <a:t>Click to edit Master text styles</a:t>
+            </a:r>
+          </a:p>
+        </p:txBody>
+      </p:sp>
+      <p:sp>
+        <p:nvSpPr>
+          <p:cNvPr id="5" name="Date Placeholder 4"/>
+          <p:cNvSpPr>
+            <a:spLocks noGrp="1"/>
+          </p:cNvSpPr>
+          <p:nvPr>
+            <p:ph type="dt" sz="half" idx="10"/>
+          </p:nvPr>
+        </p:nvSpPr>
+        <p:spPr/>
+        <p:txBody>
+          <a:bodyPr/>
+          <a:lstStyle/>
+          <a:p>
+            <a:fld id="{35353A16-1612-44AE-956B-9D31A9289F5F}" type="datetimeFigureOut">
+              <a:rPr lang="en-SG" smtClean="0"/>
+              <a:t>23/4/2016</a:t>
+            </a:fld>
+            <a:endParaRPr lang="en-SG"/>
+          </a:p>
+        </p:txBody>
+      </p:sp>
+      <p:sp>
+        <p:nvSpPr>
+          <p:cNvPr id="6" name="Footer Placeholder 5"/>
+          <p:cNvSpPr>
+            <a:spLocks noGrp="1"/>
+          </p:cNvSpPr>
+          <p:nvPr>
+            <p:ph type="ftr" sz="quarter" idx="11"/>
+          </p:nvPr>
+        </p:nvSpPr>
+        <p:spPr/>
+        <p:txBody>
+          <a:bodyPr/>
+          <a:lstStyle/>
+          <a:p>
+            <a:endParaRPr lang="en-SG"/>
+          </a:p>
+        </p:txBody>
+      </p:sp>
+      <p:sp>
+        <p:nvSpPr>
+          <p:cNvPr id="7" name="Slide Number Placeholder 6"/>
+          <p:cNvSpPr>
+            <a:spLocks noGrp="1"/>
+          </p:cNvSpPr>
+          <p:nvPr>
+            <p:ph type="sldNum" sz="quarter" idx="12"/>
+          </p:nvPr>
+        </p:nvSpPr>
+        <p:spPr/>
+        <p:txBody>
+          <a:bodyPr/>
+          <a:lstStyle/>
+          <a:p>
+            <a:fld id="{644A8F60-FDB2-4C3C-9B61-80CF5FD54EAA}" type="slidenum">
+              <a:rPr lang="en-SG" smtClean="0"/>
+              <a:t>‹#›</a:t>
+            </a:fld>
+            <a:endParaRPr lang="en-SG"/>
+          </a:p>
+        </p:txBody>
+      </p:sp>
+      <p:sp>
+        <p:nvSpPr>
+          <p:cNvPr id="13" name="TextBox 12"/>
+          <p:cNvSpPr txBox="1"/>
+          <p:nvPr/>
+        </p:nvSpPr>
+        <p:spPr>
+          <a:xfrm>
+            <a:off x="1001488" y="754166"/>
+            <a:ext cx="609600" cy="584776"/>
+          </a:xfrm>
+          <a:prstGeom prst="rect">
+            <a:avLst/>
+          </a:prstGeom>
+        </p:spPr>
+        <p:txBody>
+          <a:bodyPr vert="horz" lIns="91440" tIns="45720" rIns="91440" bIns="45720" rtlCol="0" anchor="ctr">
+            <a:noAutofit/>
+          </a:bodyPr>
+          <a:lstStyle>
+            <a:lvl1pPr>
+              <a:spcBef>
+                <a:spcPct val="0"/>
+              </a:spcBef>
+              <a:buNone/>
+              <a:defRPr sz="3200" b="0" cap="all">
+                <a:ln w="3175" cmpd="sng">
+                  <a:noFill/>
+                </a:ln>
+                <a:effectLst>
+                  <a:glow rad="38100">
+                    <a:schemeClr val="bg1">
+                      <a:lumMod val="65000"/>
+                      <a:lumOff val="35000"/>
+                      <a:alpha val="40000"/>
+                    </a:schemeClr>
+                  </a:glow>
+                  <a:outerShdw blurRad="28575" dist="38100" dir="14040000" algn="tl" rotWithShape="0">
+                    <a:srgbClr val="000000">
+                      <a:alpha val="25000"/>
+                    </a:srgbClr>
+                  </a:outerShdw>
+                </a:effectLst>
+              </a:defRPr>
+            </a:lvl1pPr>
+            <a:lvl2pPr>
+              <a:defRPr>
+                <a:solidFill>
+                  <a:schemeClr val="tx2"/>
+                </a:solidFill>
+              </a:defRPr>
+            </a:lvl2pPr>
+            <a:lvl3pPr>
+              <a:defRPr>
+                <a:solidFill>
+                  <a:schemeClr val="tx2"/>
+                </a:solidFill>
+              </a:defRPr>
+            </a:lvl3pPr>
+            <a:lvl4pPr>
+              <a:defRPr>
+                <a:solidFill>
+                  <a:schemeClr val="tx2"/>
+                </a:solidFill>
+              </a:defRPr>
+            </a:lvl4pPr>
+            <a:lvl5pPr>
+              <a:defRPr>
+                <a:solidFill>
+                  <a:schemeClr val="tx2"/>
+                </a:solidFill>
+              </a:defRPr>
+            </a:lvl5pPr>
+            <a:lvl6pPr>
+              <a:defRPr>
+                <a:solidFill>
+                  <a:schemeClr val="tx2"/>
+                </a:solidFill>
+              </a:defRPr>
+            </a:lvl6pPr>
+            <a:lvl7pPr>
+              <a:defRPr>
+                <a:solidFill>
+                  <a:schemeClr val="tx2"/>
+                </a:solidFill>
+              </a:defRPr>
+            </a:lvl7pPr>
+            <a:lvl8pPr>
+              <a:defRPr>
+                <a:solidFill>
+                  <a:schemeClr val="tx2"/>
+                </a:solidFill>
+              </a:defRPr>
+            </a:lvl8pPr>
+            <a:lvl9pPr>
+              <a:defRPr>
+                <a:solidFill>
+                  <a:schemeClr val="tx2"/>
+                </a:solidFill>
+              </a:defRPr>
+            </a:lvl9pPr>
+          </a:lstStyle>
+          <a:p>
+            <a:pPr lvl="0"/>
+            <a:r>
+              <a:rPr lang="en-US" sz="8000" dirty="0">
+                <a:solidFill>
+                  <a:schemeClr val="tx1"/>
+                </a:solidFill>
+                <a:effectLst/>
+              </a:rPr>
+              <a:t>“</a:t>
+            </a:r>
+          </a:p>
+        </p:txBody>
+      </p:sp>
+      <p:sp>
+        <p:nvSpPr>
+          <p:cNvPr id="14" name="TextBox 13"/>
+          <p:cNvSpPr txBox="1"/>
+          <p:nvPr/>
+        </p:nvSpPr>
+        <p:spPr>
+          <a:xfrm>
+            <a:off x="10557558" y="2993578"/>
+            <a:ext cx="609600" cy="584776"/>
+          </a:xfrm>
+          <a:prstGeom prst="rect">
+            <a:avLst/>
+          </a:prstGeom>
+        </p:spPr>
+        <p:txBody>
+          <a:bodyPr vert="horz" lIns="91440" tIns="45720" rIns="91440" bIns="45720" rtlCol="0" anchor="ctr">
+            <a:noAutofit/>
+          </a:bodyPr>
+          <a:lstStyle>
+            <a:lvl1pPr>
+              <a:spcBef>
+                <a:spcPct val="0"/>
+              </a:spcBef>
+              <a:buNone/>
+              <a:defRPr sz="3200" b="0" cap="all">
+                <a:ln w="3175" cmpd="sng">
+                  <a:noFill/>
+                </a:ln>
+                <a:effectLst>
+                  <a:glow rad="38100">
+                    <a:schemeClr val="bg1">
+                      <a:lumMod val="65000"/>
+                      <a:lumOff val="35000"/>
+                      <a:alpha val="40000"/>
+                    </a:schemeClr>
+                  </a:glow>
+                  <a:outerShdw blurRad="28575" dist="38100" dir="14040000" algn="tl" rotWithShape="0">
+                    <a:srgbClr val="000000">
+                      <a:alpha val="25000"/>
+                    </a:srgbClr>
+                  </a:outerShdw>
+                </a:effectLst>
+              </a:defRPr>
+            </a:lvl1pPr>
+            <a:lvl2pPr>
+              <a:defRPr>
+                <a:solidFill>
+                  <a:schemeClr val="tx2"/>
+                </a:solidFill>
+              </a:defRPr>
+            </a:lvl2pPr>
+            <a:lvl3pPr>
+              <a:defRPr>
+                <a:solidFill>
+                  <a:schemeClr val="tx2"/>
+                </a:solidFill>
+              </a:defRPr>
+            </a:lvl3pPr>
+            <a:lvl4pPr>
+              <a:defRPr>
+                <a:solidFill>
+                  <a:schemeClr val="tx2"/>
+                </a:solidFill>
+              </a:defRPr>
+            </a:lvl4pPr>
+            <a:lvl5pPr>
+              <a:defRPr>
+                <a:solidFill>
+                  <a:schemeClr val="tx2"/>
+                </a:solidFill>
+              </a:defRPr>
+            </a:lvl5pPr>
+            <a:lvl6pPr>
+              <a:defRPr>
+                <a:solidFill>
+                  <a:schemeClr val="tx2"/>
+                </a:solidFill>
+              </a:defRPr>
+            </a:lvl6pPr>
+            <a:lvl7pPr>
+              <a:defRPr>
+                <a:solidFill>
+                  <a:schemeClr val="tx2"/>
+                </a:solidFill>
+              </a:defRPr>
+            </a:lvl7pPr>
+            <a:lvl8pPr>
+              <a:defRPr>
+                <a:solidFill>
+                  <a:schemeClr val="tx2"/>
+                </a:solidFill>
+              </a:defRPr>
+            </a:lvl8pPr>
+            <a:lvl9pPr>
+              <a:defRPr>
+                <a:solidFill>
+                  <a:schemeClr val="tx2"/>
+                </a:solidFill>
+              </a:defRPr>
+            </a:lvl9pPr>
+          </a:lstStyle>
+          <a:p>
+            <a:pPr lvl="0" algn="r"/>
+            <a:r>
+              <a:rPr lang="en-US" sz="8000" dirty="0">
+                <a:solidFill>
+                  <a:schemeClr val="tx1"/>
+                </a:solidFill>
+                <a:effectLst/>
+              </a:rPr>
+              <a:t>”</a:t>
+            </a:r>
+          </a:p>
+        </p:txBody>
+      </p:sp>
+    </p:spTree>
+    <p:extLst>
+      <p:ext uri="{BB962C8B-B14F-4D97-AF65-F5344CB8AC3E}">
+        <p14:creationId xmlns:p14="http://schemas.microsoft.com/office/powerpoint/2010/main" val="3045616206"/>
+      </p:ext>
+    </p:extLst>
+  </p:cSld>
+  <p:clrMapOvr>
+    <a:masterClrMapping/>
+  </p:clrMapOvr>
+</p:sldLayout>
+</file>
+
+<file path=ppt/slideLayouts/slideLayout13.xml><?xml version="1.0" encoding="utf-8"?>
+<p:sldLayout xmlns:a="http://schemas.openxmlformats.org/drawingml/2006/main" xmlns:r="http://schemas.openxmlformats.org/officeDocument/2006/relationships" xmlns:p="http://schemas.openxmlformats.org/presentationml/2006/main" preserve="1">
+  <p:cSld name="Name Card">
+    <p:spTree>
+      <p:nvGrpSpPr>
+        <p:cNvPr id="1" name=""/>
+        <p:cNvGrpSpPr/>
+        <p:nvPr/>
+      </p:nvGrpSpPr>
+      <p:grpSpPr>
+        <a:xfrm>
+          <a:off x="0" y="0"/>
+          <a:ext cx="0" cy="0"/>
+          <a:chOff x="0" y="0"/>
+          <a:chExt cx="0" cy="0"/>
+        </a:xfrm>
+      </p:grpSpPr>
+      <p:pic>
+        <p:nvPicPr>
+          <p:cNvPr id="8" name="Picture 7" descr="Droplets-HD-Content-R1d.png"/>
+          <p:cNvPicPr>
+            <a:picLocks noChangeAspect="1"/>
+          </p:cNvPicPr>
+          <p:nvPr/>
+        </p:nvPicPr>
+        <p:blipFill>
+          <a:blip r:embed="rId2">
+            <a:extLst>
+              <a:ext uri="{28A0092B-C50C-407E-A947-70E740481C1C}">
+                <a14:useLocalDpi xmlns:a14="http://schemas.microsoft.com/office/drawing/2010/main" val="0"/>
+              </a:ext>
+            </a:extLst>
+          </a:blip>
+          <a:stretch>
+            <a:fillRect/>
+          </a:stretch>
+        </p:blipFill>
+        <p:spPr>
+          <a:xfrm>
+            <a:off x="0" y="0"/>
+            <a:ext cx="12192000" cy="6858000"/>
+          </a:xfrm>
+          <a:prstGeom prst="rect">
+            <a:avLst/>
+          </a:prstGeom>
+        </p:spPr>
+      </p:pic>
+      <p:sp>
+        <p:nvSpPr>
+          <p:cNvPr id="2" name="Title 1"/>
+          <p:cNvSpPr>
+            <a:spLocks noGrp="1"/>
+          </p:cNvSpPr>
+          <p:nvPr>
+            <p:ph type="title"/>
+          </p:nvPr>
+        </p:nvSpPr>
+        <p:spPr>
+          <a:xfrm>
+            <a:off x="913775" y="2138721"/>
+            <a:ext cx="10364452" cy="2511835"/>
+          </a:xfrm>
+        </p:spPr>
+        <p:txBody>
+          <a:bodyPr anchor="b"/>
+          <a:lstStyle>
+            <a:lvl1pPr algn="ctr">
+              <a:defRPr sz="3200"/>
+            </a:lvl1pPr>
+          </a:lstStyle>
+          <a:p>
+            <a:r>
+              <a:rPr lang="en-US" smtClean="0"/>
+              <a:t>Click to edit Master title style</a:t>
+            </a:r>
+            <a:endParaRPr lang="en-US" dirty="0"/>
+          </a:p>
+        </p:txBody>
+      </p:sp>
+      <p:sp>
+        <p:nvSpPr>
+          <p:cNvPr id="4" name="Text Placeholder 3"/>
+          <p:cNvSpPr>
+            <a:spLocks noGrp="1"/>
+          </p:cNvSpPr>
+          <p:nvPr>
+            <p:ph type="body" sz="half" idx="2"/>
+          </p:nvPr>
+        </p:nvSpPr>
+        <p:spPr>
+          <a:xfrm>
+            <a:off x="913775" y="4662335"/>
+            <a:ext cx="10364452" cy="1140644"/>
+          </a:xfrm>
+        </p:spPr>
+        <p:txBody>
+          <a:bodyPr anchor="t"/>
+          <a:lstStyle>
+            <a:lvl1pPr marL="0" indent="0" algn="ctr">
+              <a:buNone/>
+              <a:defRPr sz="1600"/>
+            </a:lvl1pPr>
+            <a:lvl2pPr marL="457200" indent="0">
+              <a:buNone/>
+              <a:defRPr sz="1400"/>
+            </a:lvl2pPr>
+            <a:lvl3pPr marL="914400" indent="0">
+              <a:buNone/>
+              <a:defRPr sz="1200"/>
+            </a:lvl3pPr>
+            <a:lvl4pPr marL="1371600" indent="0">
+              <a:buNone/>
+              <a:defRPr sz="1000"/>
+            </a:lvl4pPr>
+            <a:lvl5pPr marL="1828800" indent="0">
+              <a:buNone/>
+              <a:defRPr sz="1000"/>
+            </a:lvl5pPr>
+            <a:lvl6pPr marL="2286000" indent="0">
+              <a:buNone/>
+              <a:defRPr sz="1000"/>
+            </a:lvl6pPr>
+            <a:lvl7pPr marL="2743200" indent="0">
+              <a:buNone/>
+              <a:defRPr sz="1000"/>
+            </a:lvl7pPr>
+            <a:lvl8pPr marL="3200400" indent="0">
+              <a:buNone/>
+              <a:defRPr sz="1000"/>
+            </a:lvl8pPr>
+            <a:lvl9pPr marL="3657600" indent="0">
+              <a:buNone/>
+              <a:defRPr sz="1000"/>
+            </a:lvl9pPr>
+          </a:lstStyle>
+          <a:p>
+            <a:pPr lvl="0"/>
+            <a:r>
+              <a:rPr lang="en-US" smtClean="0"/>
+              <a:t>Click to edit Master text styles</a:t>
+            </a:r>
+          </a:p>
+        </p:txBody>
+      </p:sp>
+      <p:sp>
+        <p:nvSpPr>
+          <p:cNvPr id="5" name="Date Placeholder 4"/>
+          <p:cNvSpPr>
+            <a:spLocks noGrp="1"/>
+          </p:cNvSpPr>
+          <p:nvPr>
+            <p:ph type="dt" sz="half" idx="10"/>
+          </p:nvPr>
+        </p:nvSpPr>
+        <p:spPr/>
+        <p:txBody>
+          <a:bodyPr/>
+          <a:lstStyle/>
+          <a:p>
+            <a:fld id="{35353A16-1612-44AE-956B-9D31A9289F5F}" type="datetimeFigureOut">
+              <a:rPr lang="en-SG" smtClean="0"/>
+              <a:t>23/4/2016</a:t>
+            </a:fld>
+            <a:endParaRPr lang="en-SG"/>
+          </a:p>
+        </p:txBody>
+      </p:sp>
+      <p:sp>
+        <p:nvSpPr>
+          <p:cNvPr id="6" name="Footer Placeholder 5"/>
+          <p:cNvSpPr>
+            <a:spLocks noGrp="1"/>
+          </p:cNvSpPr>
+          <p:nvPr>
+            <p:ph type="ftr" sz="quarter" idx="11"/>
+          </p:nvPr>
+        </p:nvSpPr>
+        <p:spPr/>
+        <p:txBody>
+          <a:bodyPr/>
+          <a:lstStyle/>
+          <a:p>
+            <a:endParaRPr lang="en-SG"/>
+          </a:p>
+        </p:txBody>
+      </p:sp>
+      <p:sp>
+        <p:nvSpPr>
+          <p:cNvPr id="7" name="Slide Number Placeholder 6"/>
+          <p:cNvSpPr>
+            <a:spLocks noGrp="1"/>
+          </p:cNvSpPr>
+          <p:nvPr>
+            <p:ph type="sldNum" sz="quarter" idx="12"/>
+          </p:nvPr>
+        </p:nvSpPr>
+        <p:spPr/>
+        <p:txBody>
+          <a:bodyPr/>
+          <a:lstStyle/>
+          <a:p>
+            <a:fld id="{644A8F60-FDB2-4C3C-9B61-80CF5FD54EAA}" type="slidenum">
+              <a:rPr lang="en-SG" smtClean="0"/>
+              <a:t>‹#›</a:t>
+            </a:fld>
+            <a:endParaRPr lang="en-SG"/>
+          </a:p>
+        </p:txBody>
+      </p:sp>
+    </p:spTree>
+    <p:extLst>
+      <p:ext uri="{BB962C8B-B14F-4D97-AF65-F5344CB8AC3E}">
+        <p14:creationId xmlns:p14="http://schemas.microsoft.com/office/powerpoint/2010/main" val="233355800"/>
+      </p:ext>
+    </p:extLst>
+  </p:cSld>
+  <p:clrMapOvr>
+    <a:masterClrMapping/>
+  </p:clrMapOvr>
+</p:sldLayout>
+</file>
+
+<file path=ppt/slideLayouts/slideLayout14.xml><?xml version="1.0" encoding="utf-8"?>
+<p:sldLayout xmlns:a="http://schemas.openxmlformats.org/drawingml/2006/main" xmlns:r="http://schemas.openxmlformats.org/officeDocument/2006/relationships" xmlns:p="http://schemas.openxmlformats.org/presentationml/2006/main" preserve="1">
+  <p:cSld name="3 Column">
+    <p:spTree>
+      <p:nvGrpSpPr>
+        <p:cNvPr id="1" name=""/>
+        <p:cNvGrpSpPr/>
+        <p:nvPr/>
+      </p:nvGrpSpPr>
+      <p:grpSpPr>
+        <a:xfrm>
+          <a:off x="0" y="0"/>
+          <a:ext cx="0" cy="0"/>
+          <a:chOff x="0" y="0"/>
+          <a:chExt cx="0" cy="0"/>
+        </a:xfrm>
+      </p:grpSpPr>
+      <p:pic>
+        <p:nvPicPr>
+          <p:cNvPr id="13" name="Picture 12" descr="Droplets-HD-Content-R1d.png"/>
+          <p:cNvPicPr>
+            <a:picLocks noChangeAspect="1"/>
+          </p:cNvPicPr>
+          <p:nvPr/>
+        </p:nvPicPr>
+        <p:blipFill>
+          <a:blip r:embed="rId2">
+            <a:extLst>
+              <a:ext uri="{28A0092B-C50C-407E-A947-70E740481C1C}">
+                <a14:useLocalDpi xmlns:a14="http://schemas.microsoft.com/office/drawing/2010/main" val="0"/>
+              </a:ext>
+            </a:extLst>
+          </a:blip>
+          <a:stretch>
+            <a:fillRect/>
+          </a:stretch>
+        </p:blipFill>
+        <p:spPr>
+          <a:xfrm>
+            <a:off x="0" y="0"/>
+            <a:ext cx="12192000" cy="6858000"/>
+          </a:xfrm>
+          <a:prstGeom prst="rect">
+            <a:avLst/>
+          </a:prstGeom>
+        </p:spPr>
+      </p:pic>
+      <p:sp>
+        <p:nvSpPr>
+          <p:cNvPr id="15" name="Title 1"/>
+          <p:cNvSpPr>
+            <a:spLocks noGrp="1"/>
+          </p:cNvSpPr>
+          <p:nvPr>
+            <p:ph type="title"/>
+          </p:nvPr>
+        </p:nvSpPr>
+        <p:spPr>
+          <a:xfrm>
+            <a:off x="913774" y="609600"/>
+            <a:ext cx="10364452" cy="1605094"/>
+          </a:xfrm>
+        </p:spPr>
+        <p:txBody>
+          <a:bodyPr/>
+          <a:lstStyle/>
+          <a:p>
+            <a:r>
+              <a:rPr lang="en-US" smtClean="0"/>
+              <a:t>Click to edit Master title style</a:t>
+            </a:r>
+            <a:endParaRPr lang="en-US" dirty="0"/>
+          </a:p>
+        </p:txBody>
+      </p:sp>
+      <p:sp>
+        <p:nvSpPr>
+          <p:cNvPr id="7" name="Text Placeholder 2"/>
+          <p:cNvSpPr>
+            <a:spLocks noGrp="1"/>
+          </p:cNvSpPr>
+          <p:nvPr>
+            <p:ph type="body" idx="1"/>
+          </p:nvPr>
+        </p:nvSpPr>
+        <p:spPr>
+          <a:xfrm>
+            <a:off x="913774" y="2367093"/>
+            <a:ext cx="3298976" cy="576262"/>
+          </a:xfrm>
+        </p:spPr>
+        <p:txBody>
+          <a:bodyPr anchor="b">
+            <a:noAutofit/>
+          </a:bodyPr>
+          <a:lstStyle>
+            <a:lvl1pPr marL="0" indent="0" algn="ctr">
+              <a:lnSpc>
+                <a:spcPct val="85000"/>
+              </a:lnSpc>
+              <a:buNone/>
+              <a:defRPr sz="2400" b="0">
+                <a:solidFill>
+                  <a:schemeClr val="tx1"/>
+                </a:solidFill>
+              </a:defRPr>
+            </a:lvl1pPr>
+            <a:lvl2pPr marL="457200" indent="0">
+              <a:buNone/>
+              <a:defRPr sz="2000" b="1"/>
+            </a:lvl2pPr>
+            <a:lvl3pPr marL="914400" indent="0">
+              <a:buNone/>
+              <a:defRPr sz="1800" b="1"/>
+            </a:lvl3pPr>
+            <a:lvl4pPr marL="1371600" indent="0">
+              <a:buNone/>
+              <a:defRPr sz="1600" b="1"/>
+            </a:lvl4pPr>
+            <a:lvl5pPr marL="1828800" indent="0">
+              <a:buNone/>
+              <a:defRPr sz="1600" b="1"/>
+            </a:lvl5pPr>
+            <a:lvl6pPr marL="2286000" indent="0">
+              <a:buNone/>
+              <a:defRPr sz="1600" b="1"/>
+            </a:lvl6pPr>
+            <a:lvl7pPr marL="2743200" indent="0">
+              <a:buNone/>
+              <a:defRPr sz="1600" b="1"/>
+            </a:lvl7pPr>
+            <a:lvl8pPr marL="3200400" indent="0">
+              <a:buNone/>
+              <a:defRPr sz="1600" b="1"/>
+            </a:lvl8pPr>
+            <a:lvl9pPr marL="3657600" indent="0">
+              <a:buNone/>
+              <a:defRPr sz="1600" b="1"/>
+            </a:lvl9pPr>
+          </a:lstStyle>
+          <a:p>
+            <a:pPr lvl="0"/>
+            <a:r>
+              <a:rPr lang="en-US" smtClean="0"/>
+              <a:t>Click to edit Master text styles</a:t>
+            </a:r>
+          </a:p>
+        </p:txBody>
+      </p:sp>
+      <p:sp>
+        <p:nvSpPr>
+          <p:cNvPr id="8" name="Text Placeholder 3"/>
+          <p:cNvSpPr>
+            <a:spLocks noGrp="1"/>
+          </p:cNvSpPr>
+          <p:nvPr>
+            <p:ph type="body" sz="half" idx="15"/>
+          </p:nvPr>
+        </p:nvSpPr>
+        <p:spPr>
+          <a:xfrm>
+            <a:off x="913774" y="2943355"/>
+            <a:ext cx="3298976" cy="2847845"/>
+          </a:xfrm>
+        </p:spPr>
+        <p:txBody>
+          <a:bodyPr anchor="t">
+            <a:normAutofit/>
+          </a:bodyPr>
+          <a:lstStyle>
+            <a:lvl1pPr marL="0" indent="0" algn="ctr">
+              <a:buNone/>
+              <a:defRPr sz="1400"/>
+            </a:lvl1pPr>
+            <a:lvl2pPr marL="457200" indent="0">
+              <a:buNone/>
+              <a:defRPr sz="1200"/>
+            </a:lvl2pPr>
+            <a:lvl3pPr marL="914400" indent="0">
+              <a:buNone/>
+              <a:defRPr sz="1000"/>
+            </a:lvl3pPr>
+            <a:lvl4pPr marL="1371600" indent="0">
+              <a:buNone/>
+              <a:defRPr sz="900"/>
+            </a:lvl4pPr>
+            <a:lvl5pPr marL="1828800" indent="0">
+              <a:buNone/>
+              <a:defRPr sz="900"/>
+            </a:lvl5pPr>
+            <a:lvl6pPr marL="2286000" indent="0">
+              <a:buNone/>
+              <a:defRPr sz="900"/>
+            </a:lvl6pPr>
+            <a:lvl7pPr marL="2743200" indent="0">
+              <a:buNone/>
+              <a:defRPr sz="900"/>
+            </a:lvl7pPr>
+            <a:lvl8pPr marL="3200400" indent="0">
+              <a:buNone/>
+              <a:defRPr sz="900"/>
+            </a:lvl8pPr>
+            <a:lvl9pPr marL="3657600" indent="0">
+              <a:buNone/>
+              <a:defRPr sz="900"/>
+            </a:lvl9pPr>
+          </a:lstStyle>
+          <a:p>
+            <a:pPr lvl="0"/>
+            <a:r>
+              <a:rPr lang="en-US" smtClean="0"/>
+              <a:t>Click to edit Master text styles</a:t>
+            </a:r>
+          </a:p>
+        </p:txBody>
+      </p:sp>
+      <p:sp>
+        <p:nvSpPr>
+          <p:cNvPr id="9" name="Text Placeholder 4"/>
+          <p:cNvSpPr>
+            <a:spLocks noGrp="1"/>
+          </p:cNvSpPr>
+          <p:nvPr>
+            <p:ph type="body" sz="quarter" idx="3"/>
+          </p:nvPr>
+        </p:nvSpPr>
+        <p:spPr>
+          <a:xfrm>
+            <a:off x="4452389" y="2367093"/>
+            <a:ext cx="3291521" cy="576262"/>
+          </a:xfrm>
+        </p:spPr>
+        <p:txBody>
+          <a:bodyPr anchor="b">
+            <a:noAutofit/>
+          </a:bodyPr>
+          <a:lstStyle>
+            <a:lvl1pPr marL="0" indent="0" algn="ctr">
+              <a:lnSpc>
+                <a:spcPct val="85000"/>
+              </a:lnSpc>
+              <a:buNone/>
+              <a:defRPr sz="2400" b="0">
+                <a:solidFill>
+                  <a:schemeClr val="tx1"/>
+                </a:solidFill>
+              </a:defRPr>
+            </a:lvl1pPr>
+            <a:lvl2pPr marL="457200" indent="0">
+              <a:buNone/>
+              <a:defRPr sz="2000" b="1"/>
+            </a:lvl2pPr>
+            <a:lvl3pPr marL="914400" indent="0">
+              <a:buNone/>
+              <a:defRPr sz="1800" b="1"/>
+            </a:lvl3pPr>
+            <a:lvl4pPr marL="1371600" indent="0">
+              <a:buNone/>
+              <a:defRPr sz="1600" b="1"/>
+            </a:lvl4pPr>
+            <a:lvl5pPr marL="1828800" indent="0">
+              <a:buNone/>
+              <a:defRPr sz="1600" b="1"/>
+            </a:lvl5pPr>
+            <a:lvl6pPr marL="2286000" indent="0">
+              <a:buNone/>
+              <a:defRPr sz="1600" b="1"/>
+            </a:lvl6pPr>
+            <a:lvl7pPr marL="2743200" indent="0">
+              <a:buNone/>
+              <a:defRPr sz="1600" b="1"/>
+            </a:lvl7pPr>
+            <a:lvl8pPr marL="3200400" indent="0">
+              <a:buNone/>
+              <a:defRPr sz="1600" b="1"/>
+            </a:lvl8pPr>
+            <a:lvl9pPr marL="3657600" indent="0">
+              <a:buNone/>
+              <a:defRPr sz="1600" b="1"/>
+            </a:lvl9pPr>
+          </a:lstStyle>
+          <a:p>
+            <a:pPr lvl="0"/>
+            <a:r>
+              <a:rPr lang="en-US" smtClean="0"/>
+              <a:t>Click to edit Master text styles</a:t>
+            </a:r>
+          </a:p>
+        </p:txBody>
+      </p:sp>
+      <p:sp>
+        <p:nvSpPr>
+          <p:cNvPr id="10" name="Text Placeholder 3"/>
+          <p:cNvSpPr>
+            <a:spLocks noGrp="1"/>
+          </p:cNvSpPr>
+          <p:nvPr>
+            <p:ph type="body" sz="half" idx="16"/>
+          </p:nvPr>
+        </p:nvSpPr>
+        <p:spPr>
+          <a:xfrm>
+            <a:off x="4441348" y="2943355"/>
+            <a:ext cx="3303351" cy="2847845"/>
+          </a:xfrm>
+        </p:spPr>
+        <p:txBody>
+          <a:bodyPr anchor="t">
+            <a:normAutofit/>
+          </a:bodyPr>
+          <a:lstStyle>
+            <a:lvl1pPr marL="0" indent="0" algn="ctr">
+              <a:buNone/>
+              <a:defRPr sz="1400"/>
+            </a:lvl1pPr>
+            <a:lvl2pPr marL="457200" indent="0">
+              <a:buNone/>
+              <a:defRPr sz="1200"/>
+            </a:lvl2pPr>
+            <a:lvl3pPr marL="914400" indent="0">
+              <a:buNone/>
+              <a:defRPr sz="1000"/>
+            </a:lvl3pPr>
+            <a:lvl4pPr marL="1371600" indent="0">
+              <a:buNone/>
+              <a:defRPr sz="900"/>
+            </a:lvl4pPr>
+            <a:lvl5pPr marL="1828800" indent="0">
+              <a:buNone/>
+              <a:defRPr sz="900"/>
+            </a:lvl5pPr>
+            <a:lvl6pPr marL="2286000" indent="0">
+              <a:buNone/>
+              <a:defRPr sz="900"/>
+            </a:lvl6pPr>
+            <a:lvl7pPr marL="2743200" indent="0">
+              <a:buNone/>
+              <a:defRPr sz="900"/>
+            </a:lvl7pPr>
+            <a:lvl8pPr marL="3200400" indent="0">
+              <a:buNone/>
+              <a:defRPr sz="900"/>
+            </a:lvl8pPr>
+            <a:lvl9pPr marL="3657600" indent="0">
+              <a:buNone/>
+              <a:defRPr sz="900"/>
+            </a:lvl9pPr>
+          </a:lstStyle>
+          <a:p>
+            <a:pPr lvl="0"/>
+            <a:r>
+              <a:rPr lang="en-US" smtClean="0"/>
+              <a:t>Click to edit Master text styles</a:t>
+            </a:r>
+          </a:p>
+        </p:txBody>
+      </p:sp>
+      <p:sp>
+        <p:nvSpPr>
+          <p:cNvPr id="11" name="Text Placeholder 4"/>
+          <p:cNvSpPr>
+            <a:spLocks noGrp="1"/>
+          </p:cNvSpPr>
+          <p:nvPr>
+            <p:ph type="body" sz="quarter" idx="13"/>
+          </p:nvPr>
+        </p:nvSpPr>
+        <p:spPr>
+          <a:xfrm>
+            <a:off x="7973298" y="2367093"/>
+            <a:ext cx="3304928" cy="576262"/>
+          </a:xfrm>
+        </p:spPr>
+        <p:txBody>
+          <a:bodyPr anchor="b">
+            <a:noAutofit/>
+          </a:bodyPr>
+          <a:lstStyle>
+            <a:lvl1pPr marL="0" indent="0" algn="ctr">
+              <a:lnSpc>
+                <a:spcPct val="85000"/>
+              </a:lnSpc>
+              <a:buNone/>
+              <a:defRPr sz="2400" b="0">
+                <a:solidFill>
+                  <a:schemeClr val="tx1"/>
+                </a:solidFill>
+              </a:defRPr>
+            </a:lvl1pPr>
+            <a:lvl2pPr marL="457200" indent="0">
+              <a:buNone/>
+              <a:defRPr sz="2000" b="1"/>
+            </a:lvl2pPr>
+            <a:lvl3pPr marL="914400" indent="0">
+              <a:buNone/>
+              <a:defRPr sz="1800" b="1"/>
+            </a:lvl3pPr>
+            <a:lvl4pPr marL="1371600" indent="0">
+              <a:buNone/>
+              <a:defRPr sz="1600" b="1"/>
+            </a:lvl4pPr>
+            <a:lvl5pPr marL="1828800" indent="0">
+              <a:buNone/>
+              <a:defRPr sz="1600" b="1"/>
+            </a:lvl5pPr>
+            <a:lvl6pPr marL="2286000" indent="0">
+              <a:buNone/>
+              <a:defRPr sz="1600" b="1"/>
+            </a:lvl6pPr>
+            <a:lvl7pPr marL="2743200" indent="0">
+              <a:buNone/>
+              <a:defRPr sz="1600" b="1"/>
+            </a:lvl7pPr>
+            <a:lvl8pPr marL="3200400" indent="0">
+              <a:buNone/>
+              <a:defRPr sz="1600" b="1"/>
+            </a:lvl8pPr>
+            <a:lvl9pPr marL="3657600" indent="0">
+              <a:buNone/>
+              <a:defRPr sz="1600" b="1"/>
+            </a:lvl9pPr>
+          </a:lstStyle>
+          <a:p>
+            <a:pPr lvl="0"/>
+            <a:r>
+              <a:rPr lang="en-US" smtClean="0"/>
+              <a:t>Click to edit Master text styles</a:t>
+            </a:r>
+          </a:p>
+        </p:txBody>
+      </p:sp>
+      <p:sp>
+        <p:nvSpPr>
+          <p:cNvPr id="12" name="Text Placeholder 3"/>
+          <p:cNvSpPr>
+            <a:spLocks noGrp="1"/>
+          </p:cNvSpPr>
+          <p:nvPr>
+            <p:ph type="body" sz="half" idx="17"/>
+          </p:nvPr>
+        </p:nvSpPr>
+        <p:spPr>
+          <a:xfrm>
+            <a:off x="7973298" y="2943355"/>
+            <a:ext cx="3304928" cy="2847845"/>
+          </a:xfrm>
+        </p:spPr>
+        <p:txBody>
+          <a:bodyPr anchor="t">
+            <a:normAutofit/>
+          </a:bodyPr>
+          <a:lstStyle>
+            <a:lvl1pPr marL="0" indent="0" algn="ctr">
+              <a:buNone/>
+              <a:defRPr sz="1400"/>
+            </a:lvl1pPr>
+            <a:lvl2pPr marL="457200" indent="0">
+              <a:buNone/>
+              <a:defRPr sz="1200"/>
+            </a:lvl2pPr>
+            <a:lvl3pPr marL="914400" indent="0">
+              <a:buNone/>
+              <a:defRPr sz="1000"/>
+            </a:lvl3pPr>
+            <a:lvl4pPr marL="1371600" indent="0">
+              <a:buNone/>
+              <a:defRPr sz="900"/>
+            </a:lvl4pPr>
+            <a:lvl5pPr marL="1828800" indent="0">
+              <a:buNone/>
+              <a:defRPr sz="900"/>
+            </a:lvl5pPr>
+            <a:lvl6pPr marL="2286000" indent="0">
+              <a:buNone/>
+              <a:defRPr sz="900"/>
+            </a:lvl6pPr>
+            <a:lvl7pPr marL="2743200" indent="0">
+              <a:buNone/>
+              <a:defRPr sz="900"/>
+            </a:lvl7pPr>
+            <a:lvl8pPr marL="3200400" indent="0">
+              <a:buNone/>
+              <a:defRPr sz="900"/>
+            </a:lvl8pPr>
+            <a:lvl9pPr marL="3657600" indent="0">
+              <a:buNone/>
+              <a:defRPr sz="900"/>
+            </a:lvl9pPr>
+          </a:lstStyle>
+          <a:p>
+            <a:pPr lvl="0"/>
+            <a:r>
+              <a:rPr lang="en-US" smtClean="0"/>
+              <a:t>Click to edit Master text styles</a:t>
+            </a:r>
+          </a:p>
+        </p:txBody>
+      </p:sp>
+      <p:sp>
+        <p:nvSpPr>
+          <p:cNvPr id="3" name="Date Placeholder 2"/>
+          <p:cNvSpPr>
+            <a:spLocks noGrp="1"/>
+          </p:cNvSpPr>
+          <p:nvPr>
+            <p:ph type="dt" sz="half" idx="10"/>
+          </p:nvPr>
+        </p:nvSpPr>
+        <p:spPr/>
+        <p:txBody>
+          <a:bodyPr/>
+          <a:lstStyle/>
+          <a:p>
+            <a:fld id="{35353A16-1612-44AE-956B-9D31A9289F5F}" type="datetimeFigureOut">
+              <a:rPr lang="en-SG" smtClean="0"/>
+              <a:t>23/4/2016</a:t>
+            </a:fld>
+            <a:endParaRPr lang="en-SG"/>
+          </a:p>
+        </p:txBody>
+      </p:sp>
+      <p:sp>
+        <p:nvSpPr>
+          <p:cNvPr id="4" name="Footer Placeholder 3"/>
+          <p:cNvSpPr>
+            <a:spLocks noGrp="1"/>
+          </p:cNvSpPr>
+          <p:nvPr>
+            <p:ph type="ftr" sz="quarter" idx="11"/>
+          </p:nvPr>
+        </p:nvSpPr>
+        <p:spPr/>
+        <p:txBody>
+          <a:bodyPr/>
+          <a:lstStyle/>
+          <a:p>
+            <a:endParaRPr lang="en-SG"/>
+          </a:p>
+        </p:txBody>
+      </p:sp>
+      <p:sp>
+        <p:nvSpPr>
+          <p:cNvPr id="5" name="Slide Number Placeholder 4"/>
+          <p:cNvSpPr>
+            <a:spLocks noGrp="1"/>
+          </p:cNvSpPr>
+          <p:nvPr>
+            <p:ph type="sldNum" sz="quarter" idx="12"/>
+          </p:nvPr>
+        </p:nvSpPr>
+        <p:spPr/>
+        <p:txBody>
+          <a:bodyPr/>
+          <a:lstStyle/>
+          <a:p>
+            <a:fld id="{644A8F60-FDB2-4C3C-9B61-80CF5FD54EAA}" type="slidenum">
+              <a:rPr lang="en-SG" smtClean="0"/>
+              <a:t>‹#›</a:t>
+            </a:fld>
+            <a:endParaRPr lang="en-SG"/>
+          </a:p>
+        </p:txBody>
+      </p:sp>
+    </p:spTree>
+    <p:extLst>
+      <p:ext uri="{BB962C8B-B14F-4D97-AF65-F5344CB8AC3E}">
+        <p14:creationId xmlns:p14="http://schemas.microsoft.com/office/powerpoint/2010/main" val="2730726768"/>
+      </p:ext>
+    </p:extLst>
+  </p:cSld>
+  <p:clrMapOvr>
+    <a:masterClrMapping/>
+  </p:clrMapOvr>
+</p:sldLayout>
+</file>
+
+<file path=ppt/slideLayouts/slideLayout15.xml><?xml version="1.0" encoding="utf-8"?>
+<p:sldLayout xmlns:a="http://schemas.openxmlformats.org/drawingml/2006/main" xmlns:r="http://schemas.openxmlformats.org/officeDocument/2006/relationships" xmlns:p="http://schemas.openxmlformats.org/presentationml/2006/main" preserve="1">
+  <p:cSld name="3 Picture Column">
+    <p:spTree>
+      <p:nvGrpSpPr>
+        <p:cNvPr id="1" name=""/>
+        <p:cNvGrpSpPr/>
+        <p:nvPr/>
+      </p:nvGrpSpPr>
+      <p:grpSpPr>
+        <a:xfrm>
+          <a:off x="0" y="0"/>
+          <a:ext cx="0" cy="0"/>
+          <a:chOff x="0" y="0"/>
+          <a:chExt cx="0" cy="0"/>
+        </a:xfrm>
+      </p:grpSpPr>
+      <p:pic>
+        <p:nvPicPr>
+          <p:cNvPr id="16" name="Picture 15" descr="Droplets-HD-Content-R1d.png"/>
+          <p:cNvPicPr>
+            <a:picLocks noChangeAspect="1"/>
+          </p:cNvPicPr>
+          <p:nvPr/>
+        </p:nvPicPr>
+        <p:blipFill>
+          <a:blip r:embed="rId2">
+            <a:extLst>
+              <a:ext uri="{28A0092B-C50C-407E-A947-70E740481C1C}">
+                <a14:useLocalDpi xmlns:a14="http://schemas.microsoft.com/office/drawing/2010/main" val="0"/>
+              </a:ext>
+            </a:extLst>
+          </a:blip>
+          <a:stretch>
+            <a:fillRect/>
+          </a:stretch>
+        </p:blipFill>
+        <p:spPr>
+          <a:xfrm>
+            <a:off x="0" y="0"/>
+            <a:ext cx="12192000" cy="6858000"/>
+          </a:xfrm>
+          <a:prstGeom prst="rect">
+            <a:avLst/>
+          </a:prstGeom>
+        </p:spPr>
+      </p:pic>
+      <p:sp>
+        <p:nvSpPr>
+          <p:cNvPr id="30" name="Title 1"/>
+          <p:cNvSpPr>
+            <a:spLocks noGrp="1"/>
+          </p:cNvSpPr>
+          <p:nvPr>
+            <p:ph type="title"/>
+          </p:nvPr>
+        </p:nvSpPr>
+        <p:spPr>
+          <a:xfrm>
+            <a:off x="913774" y="610772"/>
+            <a:ext cx="10364452" cy="1603922"/>
+          </a:xfrm>
+        </p:spPr>
+        <p:txBody>
+          <a:bodyPr/>
+          <a:lstStyle/>
+          <a:p>
+            <a:r>
+              <a:rPr lang="en-US" smtClean="0"/>
+              <a:t>Click to edit Master title style</a:t>
+            </a:r>
+            <a:endParaRPr lang="en-US" dirty="0"/>
+          </a:p>
+        </p:txBody>
+      </p:sp>
+      <p:sp>
+        <p:nvSpPr>
+          <p:cNvPr id="19" name="Text Placeholder 2"/>
+          <p:cNvSpPr>
+            <a:spLocks noGrp="1"/>
+          </p:cNvSpPr>
+          <p:nvPr>
+            <p:ph type="body" idx="1"/>
+          </p:nvPr>
+        </p:nvSpPr>
+        <p:spPr>
+          <a:xfrm>
+            <a:off x="913774" y="4204820"/>
+            <a:ext cx="3296409" cy="576262"/>
+          </a:xfrm>
+        </p:spPr>
+        <p:txBody>
+          <a:bodyPr anchor="b">
+            <a:noAutofit/>
+          </a:bodyPr>
+          <a:lstStyle>
+            <a:lvl1pPr marL="0" indent="0" algn="ctr">
+              <a:lnSpc>
+                <a:spcPct val="85000"/>
+              </a:lnSpc>
+              <a:buNone/>
+              <a:defRPr sz="2200" b="0">
+                <a:solidFill>
+                  <a:schemeClr val="tx1"/>
+                </a:solidFill>
+              </a:defRPr>
+            </a:lvl1pPr>
+            <a:lvl2pPr marL="457200" indent="0">
+              <a:buNone/>
+              <a:defRPr sz="2000" b="1"/>
+            </a:lvl2pPr>
+            <a:lvl3pPr marL="914400" indent="0">
+              <a:buNone/>
+              <a:defRPr sz="1800" b="1"/>
+            </a:lvl3pPr>
+            <a:lvl4pPr marL="1371600" indent="0">
+              <a:buNone/>
+              <a:defRPr sz="1600" b="1"/>
+            </a:lvl4pPr>
+            <a:lvl5pPr marL="1828800" indent="0">
+              <a:buNone/>
+              <a:defRPr sz="1600" b="1"/>
+            </a:lvl5pPr>
+            <a:lvl6pPr marL="2286000" indent="0">
+              <a:buNone/>
+              <a:defRPr sz="1600" b="1"/>
+            </a:lvl6pPr>
+            <a:lvl7pPr marL="2743200" indent="0">
+              <a:buNone/>
+              <a:defRPr sz="1600" b="1"/>
+            </a:lvl7pPr>
+            <a:lvl8pPr marL="3200400" indent="0">
+              <a:buNone/>
+              <a:defRPr sz="1600" b="1"/>
+            </a:lvl8pPr>
+            <a:lvl9pPr marL="3657600" indent="0">
+              <a:buNone/>
+              <a:defRPr sz="1600" b="1"/>
+            </a:lvl9pPr>
+          </a:lstStyle>
+          <a:p>
+            <a:pPr lvl="0"/>
+            <a:r>
+              <a:rPr lang="en-US" smtClean="0"/>
+              <a:t>Click to edit Master text styles</a:t>
+            </a:r>
+          </a:p>
+        </p:txBody>
+      </p:sp>
+      <p:sp>
+        <p:nvSpPr>
+          <p:cNvPr id="20" name="Picture Placeholder 2"/>
+          <p:cNvSpPr>
+            <a:spLocks noGrp="1" noChangeAspect="1"/>
+          </p:cNvSpPr>
+          <p:nvPr>
+            <p:ph type="pic" idx="15"/>
+          </p:nvPr>
+        </p:nvSpPr>
+        <p:spPr>
+          <a:xfrm>
+            <a:off x="913774" y="2367093"/>
+            <a:ext cx="3296409" cy="1524000"/>
+          </a:xfrm>
+          <a:prstGeom prst="roundRect">
+            <a:avLst>
+              <a:gd name="adj" fmla="val 9363"/>
+            </a:avLst>
+          </a:prstGeom>
+          <a:noFill/>
+          <a:ln w="82550" cap="sq">
+            <a:solidFill>
+              <a:srgbClr val="EAEAEA"/>
+            </a:solidFill>
+            <a:miter lim="800000"/>
+          </a:ln>
+          <a:effectLst/>
+          <a:scene3d>
+            <a:camera prst="orthographicFront"/>
+            <a:lightRig rig="threePt" dir="t">
+              <a:rot lat="0" lon="0" rev="2700000"/>
+            </a:lightRig>
+          </a:scene3d>
+          <a:sp3d contourW="6350">
+            <a:bevelT h="38100"/>
+            <a:contourClr>
+              <a:srgbClr val="C0C0C0"/>
+            </a:contourClr>
+          </a:sp3d>
+        </p:spPr>
+        <p:txBody>
+          <a:bodyPr anchor="t">
+            <a:normAutofit/>
+          </a:bodyPr>
+          <a:lstStyle>
+            <a:lvl1pPr marL="0" indent="0" algn="ctr">
+              <a:buNone/>
+              <a:defRPr sz="1600"/>
+            </a:lvl1pPr>
+            <a:lvl2pPr marL="457200" indent="0">
+              <a:buNone/>
+              <a:defRPr sz="1600"/>
+            </a:lvl2pPr>
+            <a:lvl3pPr marL="914400" indent="0">
+              <a:buNone/>
+              <a:defRPr sz="1600"/>
+            </a:lvl3pPr>
+            <a:lvl4pPr marL="1371600" indent="0">
+              <a:buNone/>
+              <a:defRPr sz="1600"/>
+            </a:lvl4pPr>
+            <a:lvl5pPr marL="1828800" indent="0">
+              <a:buNone/>
+              <a:defRPr sz="1600"/>
+            </a:lvl5pPr>
+            <a:lvl6pPr marL="2286000" indent="0">
+              <a:buNone/>
+              <a:defRPr sz="1600"/>
+            </a:lvl6pPr>
+            <a:lvl7pPr marL="2743200" indent="0">
+              <a:buNone/>
+              <a:defRPr sz="1600"/>
+            </a:lvl7pPr>
+            <a:lvl8pPr marL="3200400" indent="0">
+              <a:buNone/>
+              <a:defRPr sz="1600"/>
+            </a:lvl8pPr>
+            <a:lvl9pPr marL="3657600" indent="0">
+              <a:buNone/>
+              <a:defRPr sz="1600"/>
+            </a:lvl9pPr>
+          </a:lstStyle>
+          <a:p>
+            <a:r>
+              <a:rPr lang="en-US" smtClean="0"/>
+              <a:t>Click icon to add picture</a:t>
+            </a:r>
+            <a:endParaRPr lang="en-US" dirty="0"/>
+          </a:p>
+        </p:txBody>
+      </p:sp>
+      <p:sp>
+        <p:nvSpPr>
+          <p:cNvPr id="21" name="Text Placeholder 3"/>
+          <p:cNvSpPr>
+            <a:spLocks noGrp="1"/>
+          </p:cNvSpPr>
+          <p:nvPr>
+            <p:ph type="body" sz="half" idx="18"/>
+          </p:nvPr>
+        </p:nvSpPr>
+        <p:spPr>
+          <a:xfrm>
+            <a:off x="913774" y="4781082"/>
+            <a:ext cx="3296409" cy="1010118"/>
+          </a:xfrm>
+        </p:spPr>
+        <p:txBody>
+          <a:bodyPr anchor="t">
+            <a:normAutofit/>
+          </a:bodyPr>
+          <a:lstStyle>
+            <a:lvl1pPr marL="0" indent="0" algn="ctr">
+              <a:buNone/>
+              <a:defRPr sz="1400"/>
+            </a:lvl1pPr>
+            <a:lvl2pPr marL="457200" indent="0">
+              <a:buNone/>
+              <a:defRPr sz="1200"/>
+            </a:lvl2pPr>
+            <a:lvl3pPr marL="914400" indent="0">
+              <a:buNone/>
+              <a:defRPr sz="1000"/>
+            </a:lvl3pPr>
+            <a:lvl4pPr marL="1371600" indent="0">
+              <a:buNone/>
+              <a:defRPr sz="900"/>
+            </a:lvl4pPr>
+            <a:lvl5pPr marL="1828800" indent="0">
+              <a:buNone/>
+              <a:defRPr sz="900"/>
+            </a:lvl5pPr>
+            <a:lvl6pPr marL="2286000" indent="0">
+              <a:buNone/>
+              <a:defRPr sz="900"/>
+            </a:lvl6pPr>
+            <a:lvl7pPr marL="2743200" indent="0">
+              <a:buNone/>
+              <a:defRPr sz="900"/>
+            </a:lvl7pPr>
+            <a:lvl8pPr marL="3200400" indent="0">
+              <a:buNone/>
+              <a:defRPr sz="900"/>
+            </a:lvl8pPr>
+            <a:lvl9pPr marL="3657600" indent="0">
+              <a:buNone/>
+              <a:defRPr sz="900"/>
+            </a:lvl9pPr>
+          </a:lstStyle>
+          <a:p>
+            <a:pPr lvl="0"/>
+            <a:r>
+              <a:rPr lang="en-US" smtClean="0"/>
+              <a:t>Click to edit Master text styles</a:t>
+            </a:r>
+          </a:p>
+        </p:txBody>
+      </p:sp>
+      <p:sp>
+        <p:nvSpPr>
+          <p:cNvPr id="22" name="Text Placeholder 4"/>
+          <p:cNvSpPr>
+            <a:spLocks noGrp="1"/>
+          </p:cNvSpPr>
+          <p:nvPr>
+            <p:ph type="body" sz="quarter" idx="3"/>
+          </p:nvPr>
+        </p:nvSpPr>
+        <p:spPr>
+          <a:xfrm>
+            <a:off x="4442759" y="4204820"/>
+            <a:ext cx="3301828" cy="576262"/>
+          </a:xfrm>
+        </p:spPr>
+        <p:txBody>
+          <a:bodyPr anchor="b">
+            <a:noAutofit/>
+          </a:bodyPr>
+          <a:lstStyle>
+            <a:lvl1pPr marL="0" indent="0" algn="ctr">
+              <a:lnSpc>
+                <a:spcPct val="85000"/>
+              </a:lnSpc>
+              <a:buNone/>
+              <a:defRPr sz="2200" b="0">
+                <a:solidFill>
+                  <a:schemeClr val="tx1"/>
+                </a:solidFill>
+              </a:defRPr>
+            </a:lvl1pPr>
+            <a:lvl2pPr marL="457200" indent="0">
+              <a:buNone/>
+              <a:defRPr sz="2000" b="1"/>
+            </a:lvl2pPr>
+            <a:lvl3pPr marL="914400" indent="0">
+              <a:buNone/>
+              <a:defRPr sz="1800" b="1"/>
+            </a:lvl3pPr>
+            <a:lvl4pPr marL="1371600" indent="0">
+              <a:buNone/>
+              <a:defRPr sz="1600" b="1"/>
+            </a:lvl4pPr>
+            <a:lvl5pPr marL="1828800" indent="0">
+              <a:buNone/>
+              <a:defRPr sz="1600" b="1"/>
+            </a:lvl5pPr>
+            <a:lvl6pPr marL="2286000" indent="0">
+              <a:buNone/>
+              <a:defRPr sz="1600" b="1"/>
+            </a:lvl6pPr>
+            <a:lvl7pPr marL="2743200" indent="0">
+              <a:buNone/>
+              <a:defRPr sz="1600" b="1"/>
+            </a:lvl7pPr>
+            <a:lvl8pPr marL="3200400" indent="0">
+              <a:buNone/>
+              <a:defRPr sz="1600" b="1"/>
+            </a:lvl8pPr>
+            <a:lvl9pPr marL="3657600" indent="0">
+              <a:buNone/>
+              <a:defRPr sz="1600" b="1"/>
+            </a:lvl9pPr>
+          </a:lstStyle>
+          <a:p>
+            <a:pPr lvl="0"/>
+            <a:r>
+              <a:rPr lang="en-US" smtClean="0"/>
+              <a:t>Click to edit Master text styles</a:t>
+            </a:r>
+          </a:p>
+        </p:txBody>
+      </p:sp>
+      <p:sp>
+        <p:nvSpPr>
+          <p:cNvPr id="23" name="Picture Placeholder 2"/>
+          <p:cNvSpPr>
+            <a:spLocks noGrp="1" noChangeAspect="1"/>
+          </p:cNvSpPr>
+          <p:nvPr>
+            <p:ph type="pic" idx="21"/>
+          </p:nvPr>
+        </p:nvSpPr>
+        <p:spPr>
+          <a:xfrm>
+            <a:off x="4441348" y="2367093"/>
+            <a:ext cx="3303352" cy="1524000"/>
+          </a:xfrm>
+          <a:prstGeom prst="roundRect">
+            <a:avLst>
+              <a:gd name="adj" fmla="val 8841"/>
+            </a:avLst>
+          </a:prstGeom>
+          <a:noFill/>
+          <a:ln w="82550" cap="sq">
+            <a:solidFill>
+              <a:srgbClr val="EAEAEA"/>
+            </a:solidFill>
+            <a:miter lim="800000"/>
+          </a:ln>
+          <a:effectLst/>
+          <a:scene3d>
+            <a:camera prst="orthographicFront"/>
+            <a:lightRig rig="threePt" dir="t">
+              <a:rot lat="0" lon="0" rev="2700000"/>
+            </a:lightRig>
+          </a:scene3d>
+          <a:sp3d contourW="6350">
+            <a:bevelT h="38100"/>
+            <a:contourClr>
+              <a:srgbClr val="C0C0C0"/>
+            </a:contourClr>
+          </a:sp3d>
+        </p:spPr>
+        <p:txBody>
+          <a:bodyPr anchor="t">
+            <a:normAutofit/>
+          </a:bodyPr>
+          <a:lstStyle>
+            <a:lvl1pPr marL="0" indent="0" algn="ctr">
+              <a:buNone/>
+              <a:defRPr sz="1600"/>
+            </a:lvl1pPr>
+            <a:lvl2pPr marL="457200" indent="0">
+              <a:buNone/>
+              <a:defRPr sz="1600"/>
+            </a:lvl2pPr>
+            <a:lvl3pPr marL="914400" indent="0">
+              <a:buNone/>
+              <a:defRPr sz="1600"/>
+            </a:lvl3pPr>
+            <a:lvl4pPr marL="1371600" indent="0">
+              <a:buNone/>
+              <a:defRPr sz="1600"/>
+            </a:lvl4pPr>
+            <a:lvl5pPr marL="1828800" indent="0">
+              <a:buNone/>
+              <a:defRPr sz="1600"/>
+            </a:lvl5pPr>
+            <a:lvl6pPr marL="2286000" indent="0">
+              <a:buNone/>
+              <a:defRPr sz="1600"/>
+            </a:lvl6pPr>
+            <a:lvl7pPr marL="2743200" indent="0">
+              <a:buNone/>
+              <a:defRPr sz="1600"/>
+            </a:lvl7pPr>
+            <a:lvl8pPr marL="3200400" indent="0">
+              <a:buNone/>
+              <a:defRPr sz="1600"/>
+            </a:lvl8pPr>
+            <a:lvl9pPr marL="3657600" indent="0">
+              <a:buNone/>
+              <a:defRPr sz="1600"/>
+            </a:lvl9pPr>
+          </a:lstStyle>
+          <a:p>
+            <a:r>
+              <a:rPr lang="en-US" smtClean="0"/>
+              <a:t>Click icon to add picture</a:t>
+            </a:r>
+            <a:endParaRPr lang="en-US" dirty="0"/>
+          </a:p>
+        </p:txBody>
+      </p:sp>
+      <p:sp>
+        <p:nvSpPr>
+          <p:cNvPr id="24" name="Text Placeholder 3"/>
+          <p:cNvSpPr>
+            <a:spLocks noGrp="1"/>
+          </p:cNvSpPr>
+          <p:nvPr>
+            <p:ph type="body" sz="half" idx="19"/>
+          </p:nvPr>
+        </p:nvSpPr>
+        <p:spPr>
+          <a:xfrm>
+            <a:off x="4441348" y="4781080"/>
+            <a:ext cx="3303352" cy="1010119"/>
+          </a:xfrm>
+        </p:spPr>
+        <p:txBody>
+          <a:bodyPr anchor="t">
+            <a:normAutofit/>
+          </a:bodyPr>
+          <a:lstStyle>
+            <a:lvl1pPr marL="0" indent="0" algn="ctr">
+              <a:buNone/>
+              <a:defRPr sz="1400"/>
+            </a:lvl1pPr>
+            <a:lvl2pPr marL="457200" indent="0">
+              <a:buNone/>
+              <a:defRPr sz="1200"/>
+            </a:lvl2pPr>
+            <a:lvl3pPr marL="914400" indent="0">
+              <a:buNone/>
+              <a:defRPr sz="1000"/>
+            </a:lvl3pPr>
+            <a:lvl4pPr marL="1371600" indent="0">
+              <a:buNone/>
+              <a:defRPr sz="900"/>
+            </a:lvl4pPr>
+            <a:lvl5pPr marL="1828800" indent="0">
+              <a:buNone/>
+              <a:defRPr sz="900"/>
+            </a:lvl5pPr>
+            <a:lvl6pPr marL="2286000" indent="0">
+              <a:buNone/>
+              <a:defRPr sz="900"/>
+            </a:lvl6pPr>
+            <a:lvl7pPr marL="2743200" indent="0">
+              <a:buNone/>
+              <a:defRPr sz="900"/>
+            </a:lvl7pPr>
+            <a:lvl8pPr marL="3200400" indent="0">
+              <a:buNone/>
+              <a:defRPr sz="900"/>
+            </a:lvl8pPr>
+            <a:lvl9pPr marL="3657600" indent="0">
+              <a:buNone/>
+              <a:defRPr sz="900"/>
+            </a:lvl9pPr>
+          </a:lstStyle>
+          <a:p>
+            <a:pPr lvl="0"/>
+            <a:r>
+              <a:rPr lang="en-US" smtClean="0"/>
+              <a:t>Click to edit Master text styles</a:t>
+            </a:r>
+          </a:p>
+        </p:txBody>
+      </p:sp>
+      <p:sp>
+        <p:nvSpPr>
+          <p:cNvPr id="25" name="Text Placeholder 4"/>
+          <p:cNvSpPr>
+            <a:spLocks noGrp="1"/>
+          </p:cNvSpPr>
+          <p:nvPr>
+            <p:ph type="body" sz="quarter" idx="13"/>
+          </p:nvPr>
+        </p:nvSpPr>
+        <p:spPr>
+          <a:xfrm>
+            <a:off x="7973298" y="4204820"/>
+            <a:ext cx="3300681" cy="576262"/>
+          </a:xfrm>
+        </p:spPr>
+        <p:txBody>
+          <a:bodyPr anchor="b">
+            <a:noAutofit/>
+          </a:bodyPr>
+          <a:lstStyle>
+            <a:lvl1pPr marL="0" indent="0" algn="ctr">
+              <a:lnSpc>
+                <a:spcPct val="85000"/>
+              </a:lnSpc>
+              <a:buNone/>
+              <a:defRPr sz="2200" b="0">
+                <a:solidFill>
+                  <a:schemeClr val="tx1"/>
+                </a:solidFill>
+              </a:defRPr>
+            </a:lvl1pPr>
+            <a:lvl2pPr marL="457200" indent="0">
+              <a:buNone/>
+              <a:defRPr sz="2000" b="1"/>
+            </a:lvl2pPr>
+            <a:lvl3pPr marL="914400" indent="0">
+              <a:buNone/>
+              <a:defRPr sz="1800" b="1"/>
+            </a:lvl3pPr>
+            <a:lvl4pPr marL="1371600" indent="0">
+              <a:buNone/>
+              <a:defRPr sz="1600" b="1"/>
+            </a:lvl4pPr>
+            <a:lvl5pPr marL="1828800" indent="0">
+              <a:buNone/>
+              <a:defRPr sz="1600" b="1"/>
+            </a:lvl5pPr>
+            <a:lvl6pPr marL="2286000" indent="0">
+              <a:buNone/>
+              <a:defRPr sz="1600" b="1"/>
+            </a:lvl6pPr>
+            <a:lvl7pPr marL="2743200" indent="0">
+              <a:buNone/>
+              <a:defRPr sz="1600" b="1"/>
+            </a:lvl7pPr>
+            <a:lvl8pPr marL="3200400" indent="0">
+              <a:buNone/>
+              <a:defRPr sz="1600" b="1"/>
+            </a:lvl8pPr>
+            <a:lvl9pPr marL="3657600" indent="0">
+              <a:buNone/>
+              <a:defRPr sz="1600" b="1"/>
+            </a:lvl9pPr>
+          </a:lstStyle>
+          <a:p>
+            <a:pPr lvl="0"/>
+            <a:r>
+              <a:rPr lang="en-US" smtClean="0"/>
+              <a:t>Click to edit Master text styles</a:t>
+            </a:r>
+          </a:p>
+        </p:txBody>
+      </p:sp>
+      <p:sp>
+        <p:nvSpPr>
+          <p:cNvPr id="26" name="Picture Placeholder 2"/>
+          <p:cNvSpPr>
+            <a:spLocks noGrp="1" noChangeAspect="1"/>
+          </p:cNvSpPr>
+          <p:nvPr>
+            <p:ph type="pic" idx="22"/>
+          </p:nvPr>
+        </p:nvSpPr>
+        <p:spPr>
+          <a:xfrm>
+            <a:off x="7973298" y="2367093"/>
+            <a:ext cx="3304928" cy="1524000"/>
+          </a:xfrm>
+          <a:prstGeom prst="roundRect">
+            <a:avLst>
+              <a:gd name="adj" fmla="val 8841"/>
+            </a:avLst>
+          </a:prstGeom>
+          <a:noFill/>
+          <a:ln w="82550" cap="sq">
+            <a:solidFill>
+              <a:srgbClr val="EAEAEA"/>
+            </a:solidFill>
+            <a:miter lim="800000"/>
+          </a:ln>
+          <a:effectLst/>
+          <a:scene3d>
+            <a:camera prst="orthographicFront"/>
+            <a:lightRig rig="threePt" dir="t">
+              <a:rot lat="0" lon="0" rev="2700000"/>
+            </a:lightRig>
+          </a:scene3d>
+          <a:sp3d contourW="6350">
+            <a:bevelT h="38100"/>
+            <a:contourClr>
+              <a:srgbClr val="C0C0C0"/>
+            </a:contourClr>
+          </a:sp3d>
+        </p:spPr>
+        <p:txBody>
+          <a:bodyPr anchor="t">
+            <a:normAutofit/>
+          </a:bodyPr>
+          <a:lstStyle>
+            <a:lvl1pPr marL="0" indent="0" algn="ctr">
+              <a:buNone/>
+              <a:defRPr sz="1600"/>
+            </a:lvl1pPr>
+            <a:lvl2pPr marL="457200" indent="0">
+              <a:buNone/>
+              <a:defRPr sz="1600"/>
+            </a:lvl2pPr>
+            <a:lvl3pPr marL="914400" indent="0">
+              <a:buNone/>
+              <a:defRPr sz="1600"/>
+            </a:lvl3pPr>
+            <a:lvl4pPr marL="1371600" indent="0">
+              <a:buNone/>
+              <a:defRPr sz="1600"/>
+            </a:lvl4pPr>
+            <a:lvl5pPr marL="1828800" indent="0">
+              <a:buNone/>
+              <a:defRPr sz="1600"/>
+            </a:lvl5pPr>
+            <a:lvl6pPr marL="2286000" indent="0">
+              <a:buNone/>
+              <a:defRPr sz="1600"/>
+            </a:lvl6pPr>
+            <a:lvl7pPr marL="2743200" indent="0">
+              <a:buNone/>
+              <a:defRPr sz="1600"/>
+            </a:lvl7pPr>
+            <a:lvl8pPr marL="3200400" indent="0">
+              <a:buNone/>
+              <a:defRPr sz="1600"/>
+            </a:lvl8pPr>
+            <a:lvl9pPr marL="3657600" indent="0">
+              <a:buNone/>
+              <a:defRPr sz="1600"/>
+            </a:lvl9pPr>
+          </a:lstStyle>
+          <a:p>
+            <a:r>
+              <a:rPr lang="en-US" smtClean="0"/>
+              <a:t>Click icon to add picture</a:t>
+            </a:r>
+            <a:endParaRPr lang="en-US" dirty="0"/>
+          </a:p>
+        </p:txBody>
+      </p:sp>
+      <p:sp>
+        <p:nvSpPr>
+          <p:cNvPr id="27" name="Text Placeholder 3"/>
+          <p:cNvSpPr>
+            <a:spLocks noGrp="1"/>
+          </p:cNvSpPr>
+          <p:nvPr>
+            <p:ph type="body" sz="half" idx="20"/>
+          </p:nvPr>
+        </p:nvSpPr>
+        <p:spPr>
+          <a:xfrm>
+            <a:off x="7973173" y="4781078"/>
+            <a:ext cx="3305053" cy="1010121"/>
+          </a:xfrm>
+        </p:spPr>
+        <p:txBody>
+          <a:bodyPr anchor="t">
+            <a:normAutofit/>
+          </a:bodyPr>
+          <a:lstStyle>
+            <a:lvl1pPr marL="0" indent="0" algn="ctr">
+              <a:buNone/>
+              <a:defRPr sz="1400"/>
+            </a:lvl1pPr>
+            <a:lvl2pPr marL="457200" indent="0">
+              <a:buNone/>
+              <a:defRPr sz="1200"/>
+            </a:lvl2pPr>
+            <a:lvl3pPr marL="914400" indent="0">
+              <a:buNone/>
+              <a:defRPr sz="1000"/>
+            </a:lvl3pPr>
+            <a:lvl4pPr marL="1371600" indent="0">
+              <a:buNone/>
+              <a:defRPr sz="900"/>
+            </a:lvl4pPr>
+            <a:lvl5pPr marL="1828800" indent="0">
+              <a:buNone/>
+              <a:defRPr sz="900"/>
+            </a:lvl5pPr>
+            <a:lvl6pPr marL="2286000" indent="0">
+              <a:buNone/>
+              <a:defRPr sz="900"/>
+            </a:lvl6pPr>
+            <a:lvl7pPr marL="2743200" indent="0">
+              <a:buNone/>
+              <a:defRPr sz="900"/>
+            </a:lvl7pPr>
+            <a:lvl8pPr marL="3200400" indent="0">
+              <a:buNone/>
+              <a:defRPr sz="900"/>
+            </a:lvl8pPr>
+            <a:lvl9pPr marL="3657600" indent="0">
+              <a:buNone/>
+              <a:defRPr sz="900"/>
+            </a:lvl9pPr>
+          </a:lstStyle>
+          <a:p>
+            <a:pPr lvl="0"/>
+            <a:r>
+              <a:rPr lang="en-US" smtClean="0"/>
+              <a:t>Click to edit Master text styles</a:t>
+            </a:r>
+          </a:p>
+        </p:txBody>
+      </p:sp>
+      <p:sp>
+        <p:nvSpPr>
+          <p:cNvPr id="3" name="Date Placeholder 2"/>
+          <p:cNvSpPr>
+            <a:spLocks noGrp="1"/>
+          </p:cNvSpPr>
+          <p:nvPr>
+            <p:ph type="dt" sz="half" idx="10"/>
+          </p:nvPr>
+        </p:nvSpPr>
+        <p:spPr/>
+        <p:txBody>
+          <a:bodyPr/>
+          <a:lstStyle/>
+          <a:p>
+            <a:fld id="{35353A16-1612-44AE-956B-9D31A9289F5F}" type="datetimeFigureOut">
+              <a:rPr lang="en-SG" smtClean="0"/>
+              <a:t>23/4/2016</a:t>
+            </a:fld>
+            <a:endParaRPr lang="en-SG"/>
+          </a:p>
+        </p:txBody>
+      </p:sp>
+      <p:sp>
+        <p:nvSpPr>
+          <p:cNvPr id="4" name="Footer Placeholder 3"/>
+          <p:cNvSpPr>
+            <a:spLocks noGrp="1"/>
+          </p:cNvSpPr>
+          <p:nvPr>
+            <p:ph type="ftr" sz="quarter" idx="11"/>
+          </p:nvPr>
+        </p:nvSpPr>
+        <p:spPr/>
+        <p:txBody>
+          <a:bodyPr/>
+          <a:lstStyle/>
+          <a:p>
+            <a:endParaRPr lang="en-SG"/>
+          </a:p>
+        </p:txBody>
+      </p:sp>
+      <p:sp>
+        <p:nvSpPr>
+          <p:cNvPr id="5" name="Slide Number Placeholder 4"/>
+          <p:cNvSpPr>
+            <a:spLocks noGrp="1"/>
+          </p:cNvSpPr>
+          <p:nvPr>
+            <p:ph type="sldNum" sz="quarter" idx="12"/>
+          </p:nvPr>
+        </p:nvSpPr>
+        <p:spPr/>
+        <p:txBody>
+          <a:bodyPr/>
+          <a:lstStyle/>
+          <a:p>
+            <a:fld id="{644A8F60-FDB2-4C3C-9B61-80CF5FD54EAA}" type="slidenum">
+              <a:rPr lang="en-SG" smtClean="0"/>
+              <a:t>‹#›</a:t>
+            </a:fld>
+            <a:endParaRPr lang="en-SG"/>
+          </a:p>
+        </p:txBody>
+      </p:sp>
+    </p:spTree>
+    <p:extLst>
+      <p:ext uri="{BB962C8B-B14F-4D97-AF65-F5344CB8AC3E}">
+        <p14:creationId xmlns:p14="http://schemas.microsoft.com/office/powerpoint/2010/main" val="539693654"/>
+      </p:ext>
+    </p:extLst>
+  </p:cSld>
+  <p:clrMapOvr>
+    <a:masterClrMapping/>
+  </p:clrMapOvr>
+</p:sldLayout>
+</file>
+
+<file path=ppt/slideLayouts/slideLayout16.xml><?xml version="1.0" encoding="utf-8"?>
 <p:sldLayout xmlns:a="http://schemas.openxmlformats.org/drawingml/2006/main" xmlns:r="http://schemas.openxmlformats.org/officeDocument/2006/relationships" xmlns:p="http://schemas.openxmlformats.org/presentationml/2006/main" type="vertTx" preserve="1">
   <p:cSld name="Title and Vertical Text">
     <p:spTree>
@@ -372,6 +3074,36 @@
           <a:chExt cx="0" cy="0"/>
         </a:xfrm>
       </p:grpSpPr>
+      <p:pic>
+        <p:nvPicPr>
+          <p:cNvPr id="8" name="Picture 7" descr="Droplets-HD-Content-R1d.png"/>
+          <p:cNvPicPr>
+            <a:picLocks noChangeAspect="1"/>
+          </p:cNvPicPr>
+          <p:nvPr/>
+        </p:nvPicPr>
+        <p:blipFill>
+          <a:blip r:embed="rId2">
+            <a:extLst>
+              <a:ext uri="{28A0092B-C50C-407E-A947-70E740481C1C}">
+                <a14:useLocalDpi xmlns:a14="http://schemas.microsoft.com/office/drawing/2010/main" val="0"/>
+              </a:ext>
+            </a:extLst>
+          </a:blip>
+          <a:stretch>
+            <a:fillRect/>
+          </a:stretch>
+        </p:blipFill>
+        <p:spPr>
+          <a:xfrm>
+            <a:off x="0" y="0"/>
+            <a:ext cx="12192000" cy="6858000"/>
+          </a:xfrm>
+          <a:prstGeom prst="rect">
+            <a:avLst/>
+          </a:prstGeom>
+        </p:spPr>
+      </p:pic>
       <p:sp>
         <p:nvSpPr>
           <p:cNvPr id="2" name="Title 1"/>
@@ -388,7 +3120,7 @@
           <a:lstStyle/>
           <a:p>
             <a:r>
-              <a:rPr lang="en-US"/>
+              <a:rPr lang="en-US" smtClean="0"/>
               <a:t>Click to edit Master title style</a:t>
             </a:r>
             <a:endParaRPr lang="en-US" dirty="0"/>
@@ -397,50 +3129,55 @@
       </p:sp>
       <p:sp>
         <p:nvSpPr>
-          <p:cNvPr id="3" name="Vertical Text Placeholder 2"/>
-          <p:cNvSpPr>
-            <a:spLocks noGrp="1"/>
-          </p:cNvSpPr>
-          <p:nvPr>
-            <p:ph type="body" orient="vert" idx="1"/>
-          </p:nvPr>
-        </p:nvSpPr>
-        <p:spPr/>
+          <p:cNvPr id="11" name="Vertical Text Placeholder 2"/>
+          <p:cNvSpPr>
+            <a:spLocks noGrp="1"/>
+          </p:cNvSpPr>
+          <p:nvPr>
+            <p:ph type="body" orient="vert" sz="quarter" idx="13"/>
+          </p:nvPr>
+        </p:nvSpPr>
+        <p:spPr>
+          <a:xfrm>
+            <a:off x="913775" y="2367093"/>
+            <a:ext cx="10364452" cy="3424107"/>
+          </a:xfrm>
+        </p:spPr>
         <p:txBody>
           <a:bodyPr vert="eaVert"/>
           <a:lstStyle/>
           <a:p>
             <a:pPr lvl="0"/>
             <a:r>
-              <a:rPr lang="en-US"/>
-              <a:t>Edit Master text styles</a:t>
+              <a:rPr lang="en-US" smtClean="0"/>
+              <a:t>Click to edit Master text styles</a:t>
             </a:r>
           </a:p>
           <a:p>
             <a:pPr lvl="1"/>
             <a:r>
-              <a:rPr lang="en-US"/>
+              <a:rPr lang="en-US" smtClean="0"/>
               <a:t>Second level</a:t>
             </a:r>
           </a:p>
           <a:p>
             <a:pPr lvl="2"/>
             <a:r>
-              <a:rPr lang="en-US"/>
+              <a:rPr lang="en-US" smtClean="0"/>
               <a:t>Third level</a:t>
             </a:r>
           </a:p>
           <a:p>
             <a:pPr lvl="3"/>
             <a:r>
-              <a:rPr lang="en-US"/>
+              <a:rPr lang="en-US" smtClean="0"/>
               <a:t>Fourth level</a:t>
             </a:r>
           </a:p>
           <a:p>
             <a:pPr lvl="4"/>
             <a:r>
-              <a:rPr lang="en-US"/>
+              <a:rPr lang="en-US" smtClean="0"/>
               <a:t>Fifth level</a:t>
             </a:r>
             <a:endParaRPr lang="en-US" dirty="0"/>
@@ -515,7 +3252,7 @@
     </p:spTree>
     <p:extLst>
       <p:ext uri="{BB962C8B-B14F-4D97-AF65-F5344CB8AC3E}">
-        <p14:creationId xmlns:p14="http://schemas.microsoft.com/office/powerpoint/2010/main" val="1901714832"/>
+        <p14:creationId xmlns:p14="http://schemas.microsoft.com/office/powerpoint/2010/main" val="802168169"/>
       </p:ext>
     </p:extLst>
   </p:cSld>
@@ -525,8 +3262,8 @@
 </p:sldLayout>
 </file>
 
-<file path=ppt/slideLayouts/slideLayout11.xml><?xml version="1.0" encoding="utf-8"?>
-<p:sldLayout xmlns:a="http://schemas.openxmlformats.org/drawingml/2006/main" xmlns:r="http://schemas.openxmlformats.org/officeDocument/2006/relationships" xmlns:p="http://schemas.openxmlformats.org/presentationml/2006/main" showMasterSp="0" type="vertTitleAndTx" preserve="1">
+<file path=ppt/slideLayouts/slideLayout17.xml><?xml version="1.0" encoding="utf-8"?>
+<p:sldLayout xmlns:a="http://schemas.openxmlformats.org/drawingml/2006/main" xmlns:r="http://schemas.openxmlformats.org/officeDocument/2006/relationships" xmlns:p="http://schemas.openxmlformats.org/presentationml/2006/main" type="vertTitleAndTx" preserve="1">
   <p:cSld name="Vertical Title and Text">
     <p:spTree>
       <p:nvGrpSpPr>
@@ -542,44 +3279,36 @@
           <a:chExt cx="0" cy="0"/>
         </a:xfrm>
       </p:grpSpPr>
-      <p:sp>
-        <p:nvSpPr>
-          <p:cNvPr id="7" name="Rectangle 6"/>
-          <p:cNvSpPr/>
+      <p:pic>
+        <p:nvPicPr>
+          <p:cNvPr id="9" name="Picture 8" descr="Droplets-HD-Content-R1d.png"/>
+          <p:cNvPicPr>
+            <a:picLocks noChangeAspect="1"/>
+          </p:cNvPicPr>
           <p:nvPr/>
-        </p:nvSpPr>
+        </p:nvPicPr>
+        <p:blipFill>
+          <a:blip r:embed="rId2">
+            <a:extLst>
+              <a:ext uri="{28A0092B-C50C-407E-A947-70E740481C1C}">
+                <a14:useLocalDpi xmlns:a14="http://schemas.microsoft.com/office/drawing/2010/main" val="0"/>
+              </a:ext>
+            </a:extLst>
+          </a:blip>
+          <a:stretch>
+            <a:fillRect/>
+          </a:stretch>
+        </p:blipFill>
         <p:spPr>
           <a:xfrm>
-            <a:off x="9019312" y="0"/>
-            <a:ext cx="2743200" cy="6858000"/>
+            <a:off x="0" y="0"/>
+            <a:ext cx="12192000" cy="6858000"/>
           </a:xfrm>
           <a:prstGeom prst="rect">
             <a:avLst/>
           </a:prstGeom>
-          <a:solidFill>
-            <a:schemeClr val="tx1"/>
-          </a:solidFill>
-          <a:ln>
-            <a:noFill/>
-          </a:ln>
         </p:spPr>
-        <p:style>
-          <a:lnRef idx="2">
-            <a:schemeClr val="accent1">
-              <a:shade val="50000"/>
-            </a:schemeClr>
-          </a:lnRef>
-          <a:fillRef idx="1">
-            <a:schemeClr val="accent1"/>
-          </a:fillRef>
-          <a:effectRef idx="0">
-            <a:schemeClr val="accent1"/>
-          </a:effectRef>
-          <a:fontRef idx="minor">
-            <a:schemeClr val="lt1"/>
-          </a:fontRef>
-        </p:style>
-      </p:sp>
+      </p:pic>
       <p:sp>
         <p:nvSpPr>
           <p:cNvPr id="2" name="Vertical Title 1"/>
@@ -592,16 +3321,20 @@
         </p:nvSpPr>
         <p:spPr>
           <a:xfrm>
-            <a:off x="9160624" y="274638"/>
-            <a:ext cx="2402380" cy="5897562"/>
+            <a:off x="8724900" y="609601"/>
+            <a:ext cx="2553326" cy="5181599"/>
           </a:xfrm>
         </p:spPr>
         <p:txBody>
           <a:bodyPr vert="eaVert"/>
-          <a:lstStyle/>
-          <a:p>
-            <a:r>
-              <a:rPr lang="en-US"/>
+          <a:lstStyle>
+            <a:lvl1pPr algn="l">
+              <a:defRPr/>
+            </a:lvl1pPr>
+          </a:lstStyle>
+          <a:p>
+            <a:r>
+              <a:rPr lang="en-US" smtClean="0"/>
               <a:t>Click to edit Master title style</a:t>
             </a:r>
             <a:endParaRPr lang="en-US" dirty="0"/>
@@ -610,18 +3343,18 @@
       </p:sp>
       <p:sp>
         <p:nvSpPr>
-          <p:cNvPr id="3" name="Vertical Text Placeholder 2"/>
-          <p:cNvSpPr>
-            <a:spLocks noGrp="1"/>
-          </p:cNvSpPr>
-          <p:nvPr>
-            <p:ph type="body" orient="vert" idx="1"/>
+          <p:cNvPr id="8" name="Vertical Text Placeholder 2"/>
+          <p:cNvSpPr>
+            <a:spLocks noGrp="1"/>
+          </p:cNvSpPr>
+          <p:nvPr>
+            <p:ph type="body" orient="vert" sz="quarter" idx="13"/>
           </p:nvPr>
         </p:nvSpPr>
         <p:spPr>
           <a:xfrm>
-            <a:off x="838199" y="274638"/>
-            <a:ext cx="7973291" cy="5897562"/>
+            <a:off x="913775" y="609601"/>
+            <a:ext cx="7658724" cy="5181599"/>
           </a:xfrm>
         </p:spPr>
         <p:txBody>
@@ -630,35 +3363,35 @@
           <a:p>
             <a:pPr lvl="0"/>
             <a:r>
-              <a:rPr lang="en-US"/>
-              <a:t>Edit Master text styles</a:t>
+              <a:rPr lang="en-US" smtClean="0"/>
+              <a:t>Click to edit Master text styles</a:t>
             </a:r>
           </a:p>
           <a:p>
             <a:pPr lvl="1"/>
             <a:r>
-              <a:rPr lang="en-US"/>
+              <a:rPr lang="en-US" smtClean="0"/>
               <a:t>Second level</a:t>
             </a:r>
           </a:p>
           <a:p>
             <a:pPr lvl="2"/>
             <a:r>
-              <a:rPr lang="en-US"/>
+              <a:rPr lang="en-US" smtClean="0"/>
               <a:t>Third level</a:t>
             </a:r>
           </a:p>
           <a:p>
             <a:pPr lvl="3"/>
             <a:r>
-              <a:rPr lang="en-US"/>
+              <a:rPr lang="en-US" smtClean="0"/>
               <a:t>Fourth level</a:t>
             </a:r>
           </a:p>
           <a:p>
             <a:pPr lvl="4"/>
             <a:r>
-              <a:rPr lang="en-US"/>
+              <a:rPr lang="en-US" smtClean="0"/>
               <a:t>Fifth level</a:t>
             </a:r>
             <a:endParaRPr lang="en-US" dirty="0"/>
@@ -675,12 +3408,7 @@
             <p:ph type="dt" sz="half" idx="10"/>
           </p:nvPr>
         </p:nvSpPr>
-        <p:spPr>
-          <a:xfrm>
-            <a:off x="838200" y="6422854"/>
-            <a:ext cx="2743196" cy="365125"/>
-          </a:xfrm>
-        </p:spPr>
+        <p:spPr/>
         <p:txBody>
           <a:bodyPr/>
           <a:lstStyle/>
@@ -703,12 +3431,7 @@
             <p:ph type="ftr" sz="quarter" idx="11"/>
           </p:nvPr>
         </p:nvSpPr>
-        <p:spPr>
-          <a:xfrm>
-            <a:off x="3776135" y="6422854"/>
-            <a:ext cx="4279669" cy="365125"/>
-          </a:xfrm>
-        </p:spPr>
+        <p:spPr/>
         <p:txBody>
           <a:bodyPr/>
           <a:lstStyle/>
@@ -727,12 +3450,7 @@
             <p:ph type="sldNum" sz="quarter" idx="12"/>
           </p:nvPr>
         </p:nvSpPr>
-        <p:spPr>
-          <a:xfrm>
-            <a:off x="8073048" y="6422854"/>
-            <a:ext cx="879759" cy="365125"/>
-          </a:xfrm>
-        </p:spPr>
+        <p:spPr/>
         <p:txBody>
           <a:bodyPr/>
           <a:lstStyle/>
@@ -748,7 +3466,7 @@
     </p:spTree>
     <p:extLst>
       <p:ext uri="{BB962C8B-B14F-4D97-AF65-F5344CB8AC3E}">
-        <p14:creationId xmlns:p14="http://schemas.microsoft.com/office/powerpoint/2010/main" val="358084145"/>
+        <p14:creationId xmlns:p14="http://schemas.microsoft.com/office/powerpoint/2010/main" val="4222018797"/>
       </p:ext>
     </p:extLst>
   </p:cSld>
@@ -775,6 +3493,36 @@
           <a:chExt cx="0" cy="0"/>
         </a:xfrm>
       </p:grpSpPr>
+      <p:pic>
+        <p:nvPicPr>
+          <p:cNvPr id="3" name="Picture 2" descr="Droplets-HD-Content-R1d.png"/>
+          <p:cNvPicPr>
+            <a:picLocks noChangeAspect="1"/>
+          </p:cNvPicPr>
+          <p:nvPr/>
+        </p:nvPicPr>
+        <p:blipFill>
+          <a:blip r:embed="rId2">
+            <a:extLst>
+              <a:ext uri="{28A0092B-C50C-407E-A947-70E740481C1C}">
+                <a14:useLocalDpi xmlns:a14="http://schemas.microsoft.com/office/drawing/2010/main" val="0"/>
+              </a:ext>
+            </a:extLst>
+          </a:blip>
+          <a:stretch>
+            <a:fillRect/>
+          </a:stretch>
+        </p:blipFill>
+        <p:spPr>
+          <a:xfrm>
+            <a:off x="0" y="0"/>
+            <a:ext cx="12192000" cy="6858000"/>
+          </a:xfrm>
+          <a:prstGeom prst="rect">
+            <a:avLst/>
+          </a:prstGeom>
+        </p:spPr>
+      </p:pic>
       <p:sp>
         <p:nvSpPr>
           <p:cNvPr id="2" name="Title 1"/>
@@ -791,7 +3539,7 @@
           <a:lstStyle/>
           <a:p>
             <a:r>
-              <a:rPr lang="en-US"/>
+              <a:rPr lang="en-US" smtClean="0"/>
               <a:t>Click to edit Master title style</a:t>
             </a:r>
             <a:endParaRPr lang="en-US" dirty="0"/>
@@ -800,50 +3548,55 @@
       </p:sp>
       <p:sp>
         <p:nvSpPr>
-          <p:cNvPr id="3" name="Content Placeholder 2"/>
-          <p:cNvSpPr>
-            <a:spLocks noGrp="1"/>
-          </p:cNvSpPr>
-          <p:nvPr>
-            <p:ph idx="1"/>
-          </p:nvPr>
-        </p:nvSpPr>
-        <p:spPr/>
+          <p:cNvPr id="12" name="Content Placeholder 2"/>
+          <p:cNvSpPr>
+            <a:spLocks noGrp="1"/>
+          </p:cNvSpPr>
+          <p:nvPr>
+            <p:ph sz="quarter" idx="13"/>
+          </p:nvPr>
+        </p:nvSpPr>
+        <p:spPr>
+          <a:xfrm>
+            <a:off x="913774" y="2367092"/>
+            <a:ext cx="10363826" cy="3424107"/>
+          </a:xfrm>
+        </p:spPr>
         <p:txBody>
           <a:bodyPr/>
           <a:lstStyle/>
           <a:p>
             <a:pPr lvl="0"/>
             <a:r>
-              <a:rPr lang="en-US"/>
-              <a:t>Edit Master text styles</a:t>
+              <a:rPr lang="en-US" smtClean="0"/>
+              <a:t>Click to edit Master text styles</a:t>
             </a:r>
           </a:p>
           <a:p>
             <a:pPr lvl="1"/>
             <a:r>
-              <a:rPr lang="en-US"/>
+              <a:rPr lang="en-US" smtClean="0"/>
               <a:t>Second level</a:t>
             </a:r>
           </a:p>
           <a:p>
             <a:pPr lvl="2"/>
             <a:r>
-              <a:rPr lang="en-US"/>
+              <a:rPr lang="en-US" smtClean="0"/>
               <a:t>Third level</a:t>
             </a:r>
           </a:p>
           <a:p>
             <a:pPr lvl="3"/>
             <a:r>
-              <a:rPr lang="en-US"/>
+              <a:rPr lang="en-US" smtClean="0"/>
               <a:t>Fourth level</a:t>
             </a:r>
           </a:p>
           <a:p>
             <a:pPr lvl="4"/>
             <a:r>
-              <a:rPr lang="en-US"/>
+              <a:rPr lang="en-US" smtClean="0"/>
               <a:t>Fifth level</a:t>
             </a:r>
             <a:endParaRPr lang="en-US" dirty="0"/>
@@ -918,7 +3671,7 @@
     </p:spTree>
     <p:extLst>
       <p:ext uri="{BB962C8B-B14F-4D97-AF65-F5344CB8AC3E}">
-        <p14:creationId xmlns:p14="http://schemas.microsoft.com/office/powerpoint/2010/main" val="511228159"/>
+        <p14:creationId xmlns:p14="http://schemas.microsoft.com/office/powerpoint/2010/main" val="917923943"/>
       </p:ext>
     </p:extLst>
   </p:cSld>
@@ -929,13 +3682,8 @@
 </file>
 
 <file path=ppt/slideLayouts/slideLayout3.xml><?xml version="1.0" encoding="utf-8"?>
-<p:sldLayout xmlns:a="http://schemas.openxmlformats.org/drawingml/2006/main" xmlns:r="http://schemas.openxmlformats.org/officeDocument/2006/relationships" xmlns:p="http://schemas.openxmlformats.org/presentationml/2006/main" showMasterSp="0" type="secHead" preserve="1">
+<p:sldLayout xmlns:a="http://schemas.openxmlformats.org/drawingml/2006/main" xmlns:r="http://schemas.openxmlformats.org/officeDocument/2006/relationships" xmlns:p="http://schemas.openxmlformats.org/presentationml/2006/main" type="secHead" preserve="1">
   <p:cSld name="Section Header">
-    <p:bg>
-      <p:bgRef idx="1001">
-        <a:schemeClr val="bg1"/>
-      </p:bgRef>
-    </p:bg>
     <p:spTree>
       <p:nvGrpSpPr>
         <p:cNvPr id="1" name=""/>
@@ -950,44 +3698,36 @@
           <a:chExt cx="0" cy="0"/>
         </a:xfrm>
       </p:grpSpPr>
-      <p:sp>
-        <p:nvSpPr>
-          <p:cNvPr id="7" name="Rectangle 6"/>
-          <p:cNvSpPr/>
+      <p:pic>
+        <p:nvPicPr>
+          <p:cNvPr id="9" name="Picture 8" descr="Droplets-HD-Content-R1d.png"/>
+          <p:cNvPicPr>
+            <a:picLocks noChangeAspect="1"/>
+          </p:cNvPicPr>
           <p:nvPr/>
-        </p:nvSpPr>
+        </p:nvPicPr>
+        <p:blipFill>
+          <a:blip r:embed="rId2">
+            <a:extLst>
+              <a:ext uri="{28A0092B-C50C-407E-A947-70E740481C1C}">
+                <a14:useLocalDpi xmlns:a14="http://schemas.microsoft.com/office/drawing/2010/main" val="0"/>
+              </a:ext>
+            </a:extLst>
+          </a:blip>
+          <a:stretch>
+            <a:fillRect/>
+          </a:stretch>
+        </p:blipFill>
         <p:spPr>
           <a:xfrm>
-            <a:off x="-6843" y="2059012"/>
-            <a:ext cx="12195668" cy="1828800"/>
+            <a:off x="0" y="0"/>
+            <a:ext cx="12192000" cy="6858000"/>
           </a:xfrm>
           <a:prstGeom prst="rect">
             <a:avLst/>
           </a:prstGeom>
-          <a:solidFill>
-            <a:schemeClr val="tx2"/>
-          </a:solidFill>
-          <a:ln>
-            <a:noFill/>
-          </a:ln>
         </p:spPr>
-        <p:style>
-          <a:lnRef idx="2">
-            <a:schemeClr val="accent1">
-              <a:shade val="50000"/>
-            </a:schemeClr>
-          </a:lnRef>
-          <a:fillRef idx="1">
-            <a:schemeClr val="accent1"/>
-          </a:fillRef>
-          <a:effectRef idx="0">
-            <a:schemeClr val="accent1"/>
-          </a:effectRef>
-          <a:fontRef idx="minor">
-            <a:schemeClr val="lt1"/>
-          </a:fontRef>
-        </p:style>
-      </p:sp>
+      </p:pic>
       <p:sp>
         <p:nvSpPr>
           <p:cNvPr id="2" name="Title 1"/>
@@ -1000,29 +3740,22 @@
         </p:nvSpPr>
         <p:spPr>
           <a:xfrm>
-            <a:off x="833191" y="2208879"/>
-            <a:ext cx="10515600" cy="1676400"/>
+            <a:off x="913774" y="828563"/>
+            <a:ext cx="10351752" cy="2736819"/>
           </a:xfrm>
         </p:spPr>
         <p:txBody>
-          <a:bodyPr anchor="ctr">
-            <a:noAutofit/>
+          <a:bodyPr anchor="b">
+            <a:normAutofit/>
           </a:bodyPr>
           <a:lstStyle>
-            <a:lvl1pPr algn="ctr">
-              <a:lnSpc>
-                <a:spcPct val="80000"/>
-              </a:lnSpc>
-              <a:defRPr sz="6000" b="0" spc="150" baseline="0">
-                <a:solidFill>
-                  <a:schemeClr val="bg1"/>
-                </a:solidFill>
-              </a:defRPr>
+            <a:lvl1pPr>
+              <a:defRPr sz="4000"/>
             </a:lvl1pPr>
           </a:lstStyle>
           <a:p>
             <a:r>
-              <a:rPr lang="en-US"/>
+              <a:rPr lang="en-US" smtClean="0"/>
               <a:t>Click to edit Master title style</a:t>
             </a:r>
             <a:endParaRPr lang="en-US" dirty="0"/>
@@ -1041,12 +3774,12 @@
         </p:nvSpPr>
         <p:spPr>
           <a:xfrm>
-            <a:off x="833191" y="4010334"/>
-            <a:ext cx="10515600" cy="1174639"/>
+            <a:off x="913774" y="3657457"/>
+            <a:ext cx="10351752" cy="1368183"/>
           </a:xfrm>
         </p:spPr>
         <p:txBody>
-          <a:bodyPr anchor="t">
+          <a:bodyPr>
             <a:normAutofit/>
           </a:bodyPr>
           <a:lstStyle>
@@ -1054,13 +3787,15 @@
               <a:buNone/>
               <a:defRPr sz="2000">
                 <a:solidFill>
-                  <a:schemeClr val="tx2"/>
+                  <a:schemeClr val="bg1">
+                    <a:lumMod val="50000"/>
+                  </a:schemeClr>
                 </a:solidFill>
               </a:defRPr>
             </a:lvl1pPr>
             <a:lvl2pPr marL="457200" indent="0">
               <a:buNone/>
-              <a:defRPr sz="1800">
+              <a:defRPr sz="2000">
                 <a:solidFill>
                   <a:schemeClr val="tx1">
                     <a:tint val="75000"/>
@@ -1070,7 +3805,7 @@
             </a:lvl2pPr>
             <a:lvl3pPr marL="914400" indent="0">
               <a:buNone/>
-              <a:defRPr sz="1600">
+              <a:defRPr sz="1800">
                 <a:solidFill>
                   <a:schemeClr val="tx1">
                     <a:tint val="75000"/>
@@ -1080,7 +3815,7 @@
             </a:lvl3pPr>
             <a:lvl4pPr marL="1371600" indent="0">
               <a:buNone/>
-              <a:defRPr sz="1400">
+              <a:defRPr sz="1600">
                 <a:solidFill>
                   <a:schemeClr val="tx1">
                     <a:tint val="75000"/>
@@ -1090,7 +3825,7 @@
             </a:lvl4pPr>
             <a:lvl5pPr marL="1828800" indent="0">
               <a:buNone/>
-              <a:defRPr sz="1400">
+              <a:defRPr sz="1600">
                 <a:solidFill>
                   <a:schemeClr val="tx1">
                     <a:tint val="75000"/>
@@ -1100,7 +3835,7 @@
             </a:lvl5pPr>
             <a:lvl6pPr marL="2286000" indent="0">
               <a:buNone/>
-              <a:defRPr sz="1400">
+              <a:defRPr sz="1600">
                 <a:solidFill>
                   <a:schemeClr val="tx1">
                     <a:tint val="75000"/>
@@ -1110,7 +3845,7 @@
             </a:lvl6pPr>
             <a:lvl7pPr marL="2743200" indent="0">
               <a:buNone/>
-              <a:defRPr sz="1400">
+              <a:defRPr sz="1600">
                 <a:solidFill>
                   <a:schemeClr val="tx1">
                     <a:tint val="75000"/>
@@ -1120,7 +3855,7 @@
             </a:lvl7pPr>
             <a:lvl8pPr marL="3200400" indent="0">
               <a:buNone/>
-              <a:defRPr sz="1400">
+              <a:defRPr sz="1600">
                 <a:solidFill>
                   <a:schemeClr val="tx1">
                     <a:tint val="75000"/>
@@ -1130,7 +3865,7 @@
             </a:lvl8pPr>
             <a:lvl9pPr marL="3657600" indent="0">
               <a:buNone/>
-              <a:defRPr sz="1400">
+              <a:defRPr sz="1600">
                 <a:solidFill>
                   <a:schemeClr val="tx1">
                     <a:tint val="75000"/>
@@ -1142,8 +3877,8 @@
           <a:p>
             <a:pPr lvl="0"/>
             <a:r>
-              <a:rPr lang="en-US"/>
-              <a:t>Edit Master text styles</a:t>
+              <a:rPr lang="en-US" smtClean="0"/>
+              <a:t>Click to edit Master text styles</a:t>
             </a:r>
           </a:p>
         </p:txBody>
@@ -1161,15 +3896,7 @@
         <p:spPr/>
         <p:txBody>
           <a:bodyPr/>
-          <a:lstStyle>
-            <a:lvl1pPr>
-              <a:defRPr>
-                <a:solidFill>
-                  <a:schemeClr val="tx2"/>
-                </a:solidFill>
-              </a:defRPr>
-            </a:lvl1pPr>
-          </a:lstStyle>
+          <a:lstStyle/>
           <a:p>
             <a:fld id="{35353A16-1612-44AE-956B-9D31A9289F5F}" type="datetimeFigureOut">
               <a:rPr lang="en-SG" smtClean="0"/>
@@ -1192,15 +3919,7 @@
         <p:spPr/>
         <p:txBody>
           <a:bodyPr/>
-          <a:lstStyle>
-            <a:lvl1pPr>
-              <a:defRPr>
-                <a:solidFill>
-                  <a:schemeClr val="tx2"/>
-                </a:solidFill>
-              </a:defRPr>
-            </a:lvl1pPr>
-          </a:lstStyle>
+          <a:lstStyle/>
           <a:p>
             <a:endParaRPr lang="en-SG"/>
           </a:p>
@@ -1219,15 +3938,7 @@
         <p:spPr/>
         <p:txBody>
           <a:bodyPr/>
-          <a:lstStyle>
-            <a:lvl1pPr>
-              <a:defRPr>
-                <a:solidFill>
-                  <a:schemeClr val="tx2"/>
-                </a:solidFill>
-              </a:defRPr>
-            </a:lvl1pPr>
-          </a:lstStyle>
+          <a:lstStyle/>
           <a:p>
             <a:fld id="{644A8F60-FDB2-4C3C-9B61-80CF5FD54EAA}" type="slidenum">
               <a:rPr lang="en-SG" smtClean="0"/>
@@ -1240,12 +3951,12 @@
     </p:spTree>
     <p:extLst>
       <p:ext uri="{BB962C8B-B14F-4D97-AF65-F5344CB8AC3E}">
-        <p14:creationId xmlns:p14="http://schemas.microsoft.com/office/powerpoint/2010/main" val="1014604654"/>
+        <p14:creationId xmlns:p14="http://schemas.microsoft.com/office/powerpoint/2010/main" val="302573485"/>
       </p:ext>
     </p:extLst>
   </p:cSld>
   <p:clrMapOvr>
-    <a:overrideClrMapping bg1="lt1" tx1="dk1" bg2="lt2" tx2="dk2" accent1="accent1" accent2="accent2" accent3="accent3" accent4="accent4" accent5="accent5" accent6="accent6" hlink="hlink" folHlink="folHlink"/>
+    <a:masterClrMapping/>
   </p:clrMapOvr>
 </p:sldLayout>
 </file>
@@ -1267,109 +3978,59 @@
           <a:chExt cx="0" cy="0"/>
         </a:xfrm>
       </p:grpSpPr>
-      <p:sp>
-        <p:nvSpPr>
-          <p:cNvPr id="8" name="Title 7"/>
-          <p:cNvSpPr>
-            <a:spLocks noGrp="1"/>
-          </p:cNvSpPr>
-          <p:nvPr>
-            <p:ph type="title"/>
-          </p:nvPr>
-        </p:nvSpPr>
-        <p:spPr/>
-        <p:txBody>
-          <a:bodyPr/>
-          <a:lstStyle/>
-          <a:p>
-            <a:r>
-              <a:rPr lang="en-US"/>
-              <a:t>Click to edit Master title style</a:t>
-            </a:r>
-            <a:endParaRPr lang="en-US" dirty="0"/>
-          </a:p>
-        </p:txBody>
-      </p:sp>
-      <p:sp>
-        <p:nvSpPr>
-          <p:cNvPr id="3" name="Content Placeholder 2"/>
-          <p:cNvSpPr>
-            <a:spLocks noGrp="1"/>
-          </p:cNvSpPr>
-          <p:nvPr>
-            <p:ph sz="half" idx="1"/>
-          </p:nvPr>
-        </p:nvSpPr>
+      <p:pic>
+        <p:nvPicPr>
+          <p:cNvPr id="10" name="Picture 9" descr="Droplets-HD-Content-R1d.png"/>
+          <p:cNvPicPr>
+            <a:picLocks noChangeAspect="1"/>
+          </p:cNvPicPr>
+          <p:nvPr/>
+        </p:nvPicPr>
+        <p:blipFill>
+          <a:blip r:embed="rId2">
+            <a:extLst>
+              <a:ext uri="{28A0092B-C50C-407E-A947-70E740481C1C}">
+                <a14:useLocalDpi xmlns:a14="http://schemas.microsoft.com/office/drawing/2010/main" val="0"/>
+              </a:ext>
+            </a:extLst>
+          </a:blip>
+          <a:stretch>
+            <a:fillRect/>
+          </a:stretch>
+        </p:blipFill>
         <p:spPr>
           <a:xfrm>
-            <a:off x="1205344" y="2011680"/>
-            <a:ext cx="4754880" cy="4206240"/>
+            <a:off x="0" y="0"/>
+            <a:ext cx="12192000" cy="6858000"/>
+          </a:xfrm>
+          <a:prstGeom prst="rect">
+            <a:avLst/>
+          </a:prstGeom>
+        </p:spPr>
+      </p:pic>
+      <p:sp>
+        <p:nvSpPr>
+          <p:cNvPr id="14" name="Title 1"/>
+          <p:cNvSpPr>
+            <a:spLocks noGrp="1"/>
+          </p:cNvSpPr>
+          <p:nvPr>
+            <p:ph type="title"/>
+          </p:nvPr>
+        </p:nvSpPr>
+        <p:spPr>
+          <a:xfrm>
+            <a:off x="913775" y="618517"/>
+            <a:ext cx="10364451" cy="1596177"/>
           </a:xfrm>
         </p:spPr>
         <p:txBody>
           <a:bodyPr/>
-          <a:lstStyle>
-            <a:lvl1pPr>
-              <a:defRPr sz="2200"/>
-            </a:lvl1pPr>
-            <a:lvl2pPr>
-              <a:defRPr sz="2000"/>
-            </a:lvl2pPr>
-            <a:lvl3pPr>
-              <a:defRPr sz="1800"/>
-            </a:lvl3pPr>
-            <a:lvl4pPr>
-              <a:defRPr sz="1600"/>
-            </a:lvl4pPr>
-            <a:lvl5pPr>
-              <a:defRPr sz="1600"/>
-            </a:lvl5pPr>
-            <a:lvl6pPr>
-              <a:defRPr sz="1600"/>
-            </a:lvl6pPr>
-            <a:lvl7pPr>
-              <a:defRPr sz="1600"/>
-            </a:lvl7pPr>
-            <a:lvl8pPr>
-              <a:defRPr sz="1600"/>
-            </a:lvl8pPr>
-            <a:lvl9pPr>
-              <a:defRPr sz="1600"/>
-            </a:lvl9pPr>
-          </a:lstStyle>
-          <a:p>
-            <a:pPr lvl="0"/>
-            <a:r>
-              <a:rPr lang="en-US"/>
-              <a:t>Edit Master text styles</a:t>
-            </a:r>
-          </a:p>
-          <a:p>
-            <a:pPr lvl="1"/>
-            <a:r>
-              <a:rPr lang="en-US"/>
-              <a:t>Second level</a:t>
-            </a:r>
-          </a:p>
-          <a:p>
-            <a:pPr lvl="2"/>
-            <a:r>
-              <a:rPr lang="en-US"/>
-              <a:t>Third level</a:t>
-            </a:r>
-          </a:p>
-          <a:p>
-            <a:pPr lvl="3"/>
-            <a:r>
-              <a:rPr lang="en-US"/>
-              <a:t>Fourth level</a:t>
-            </a:r>
-          </a:p>
-          <a:p>
-            <a:pPr lvl="4"/>
-            <a:r>
-              <a:rPr lang="en-US"/>
-              <a:t>Fifth level</a:t>
+          <a:lstStyle/>
+          <a:p>
+            <a:r>
+              <a:rPr lang="en-US" smtClean="0"/>
+              <a:t>Click to edit Master title style</a:t>
             </a:r>
             <a:endParaRPr lang="en-US" dirty="0"/>
           </a:p>
@@ -1377,83 +4038,112 @@
       </p:sp>
       <p:sp>
         <p:nvSpPr>
-          <p:cNvPr id="4" name="Content Placeholder 3"/>
-          <p:cNvSpPr>
-            <a:spLocks noGrp="1"/>
-          </p:cNvSpPr>
-          <p:nvPr>
-            <p:ph sz="half" idx="2"/>
+          <p:cNvPr id="12" name="Content Placeholder 2"/>
+          <p:cNvSpPr>
+            <a:spLocks noGrp="1"/>
+          </p:cNvSpPr>
+          <p:nvPr>
+            <p:ph sz="quarter" idx="13"/>
           </p:nvPr>
         </p:nvSpPr>
         <p:spPr>
           <a:xfrm>
-            <a:off x="6230391" y="2011680"/>
-            <a:ext cx="4754880" cy="4206240"/>
+            <a:off x="913774" y="2367092"/>
+            <a:ext cx="5106026" cy="3424107"/>
           </a:xfrm>
         </p:spPr>
         <p:txBody>
           <a:bodyPr/>
-          <a:lstStyle>
-            <a:lvl1pPr>
-              <a:defRPr sz="2200"/>
-            </a:lvl1pPr>
-            <a:lvl2pPr>
-              <a:defRPr sz="2000"/>
-            </a:lvl2pPr>
-            <a:lvl3pPr>
-              <a:defRPr sz="1800"/>
-            </a:lvl3pPr>
-            <a:lvl4pPr>
-              <a:defRPr sz="1600"/>
-            </a:lvl4pPr>
-            <a:lvl5pPr>
-              <a:defRPr sz="1600"/>
-            </a:lvl5pPr>
-            <a:lvl6pPr>
-              <a:defRPr sz="1600"/>
-            </a:lvl6pPr>
-            <a:lvl7pPr>
-              <a:defRPr sz="1600"/>
-            </a:lvl7pPr>
-            <a:lvl8pPr>
-              <a:defRPr sz="1600"/>
-            </a:lvl8pPr>
-            <a:lvl9pPr>
-              <a:defRPr sz="1600"/>
-            </a:lvl9pPr>
-          </a:lstStyle>
+          <a:lstStyle/>
           <a:p>
             <a:pPr lvl="0"/>
             <a:r>
-              <a:rPr lang="en-US"/>
-              <a:t>Edit Master text styles</a:t>
+              <a:rPr lang="en-US" smtClean="0"/>
+              <a:t>Click to edit Master text styles</a:t>
             </a:r>
           </a:p>
           <a:p>
             <a:pPr lvl="1"/>
             <a:r>
-              <a:rPr lang="en-US"/>
+              <a:rPr lang="en-US" smtClean="0"/>
               <a:t>Second level</a:t>
             </a:r>
           </a:p>
           <a:p>
             <a:pPr lvl="2"/>
             <a:r>
-              <a:rPr lang="en-US"/>
+              <a:rPr lang="en-US" smtClean="0"/>
               <a:t>Third level</a:t>
             </a:r>
           </a:p>
           <a:p>
             <a:pPr lvl="3"/>
             <a:r>
-              <a:rPr lang="en-US"/>
+              <a:rPr lang="en-US" smtClean="0"/>
               <a:t>Fourth level</a:t>
             </a:r>
           </a:p>
           <a:p>
             <a:pPr lvl="4"/>
             <a:r>
-              <a:rPr lang="en-US"/>
+              <a:rPr lang="en-US" smtClean="0"/>
+              <a:t>Fifth level</a:t>
+            </a:r>
+            <a:endParaRPr lang="en-US" dirty="0"/>
+          </a:p>
+        </p:txBody>
+      </p:sp>
+      <p:sp>
+        <p:nvSpPr>
+          <p:cNvPr id="13" name="Content Placeholder 3"/>
+          <p:cNvSpPr>
+            <a:spLocks noGrp="1"/>
+          </p:cNvSpPr>
+          <p:nvPr>
+            <p:ph sz="quarter" idx="14"/>
+          </p:nvPr>
+        </p:nvSpPr>
+        <p:spPr>
+          <a:xfrm>
+            <a:off x="6172200" y="2367092"/>
+            <a:ext cx="5105400" cy="3424107"/>
+          </a:xfrm>
+        </p:spPr>
+        <p:txBody>
+          <a:bodyPr/>
+          <a:lstStyle/>
+          <a:p>
+            <a:pPr lvl="0"/>
+            <a:r>
+              <a:rPr lang="en-US" smtClean="0"/>
+              <a:t>Click to edit Master text styles</a:t>
+            </a:r>
+          </a:p>
+          <a:p>
+            <a:pPr lvl="1"/>
+            <a:r>
+              <a:rPr lang="en-US" smtClean="0"/>
+              <a:t>Second level</a:t>
+            </a:r>
+          </a:p>
+          <a:p>
+            <a:pPr lvl="2"/>
+            <a:r>
+              <a:rPr lang="en-US" smtClean="0"/>
+              <a:t>Third level</a:t>
+            </a:r>
+          </a:p>
+          <a:p>
+            <a:pPr lvl="3"/>
+            <a:r>
+              <a:rPr lang="en-US" smtClean="0"/>
+              <a:t>Fourth level</a:t>
+            </a:r>
+          </a:p>
+          <a:p>
+            <a:pPr lvl="4"/>
+            <a:r>
+              <a:rPr lang="en-US" smtClean="0"/>
               <a:t>Fifth level</a:t>
             </a:r>
             <a:endParaRPr lang="en-US" dirty="0"/>
@@ -1528,7 +4218,7 @@
     </p:spTree>
     <p:extLst>
       <p:ext uri="{BB962C8B-B14F-4D97-AF65-F5344CB8AC3E}">
-        <p14:creationId xmlns:p14="http://schemas.microsoft.com/office/powerpoint/2010/main" val="1599509012"/>
+        <p14:creationId xmlns:p14="http://schemas.microsoft.com/office/powerpoint/2010/main" val="2401493001"/>
       </p:ext>
     </p:extLst>
   </p:cSld>
@@ -1555,53 +4245,95 @@
           <a:chExt cx="0" cy="0"/>
         </a:xfrm>
       </p:grpSpPr>
-      <p:sp>
-        <p:nvSpPr>
-          <p:cNvPr id="10" name="Title 9"/>
-          <p:cNvSpPr>
-            <a:spLocks noGrp="1"/>
-          </p:cNvSpPr>
-          <p:nvPr>
-            <p:ph type="title"/>
-          </p:nvPr>
-        </p:nvSpPr>
-        <p:spPr/>
-        <p:txBody>
-          <a:bodyPr/>
-          <a:lstStyle/>
-          <a:p>
-            <a:r>
-              <a:rPr lang="en-US"/>
-              <a:t>Click to edit Master title style</a:t>
-            </a:r>
-            <a:endParaRPr lang="en-US" dirty="0"/>
-          </a:p>
-        </p:txBody>
-      </p:sp>
-      <p:sp>
-        <p:nvSpPr>
-          <p:cNvPr id="3" name="Text Placeholder 2"/>
-          <p:cNvSpPr>
-            <a:spLocks noGrp="1"/>
-          </p:cNvSpPr>
-          <p:nvPr>
-            <p:ph type="body" idx="1"/>
-          </p:nvPr>
-        </p:nvSpPr>
+      <p:pic>
+        <p:nvPicPr>
+          <p:cNvPr id="15" name="Picture 14" descr="Droplets-HD-Content-R1d.png"/>
+          <p:cNvPicPr>
+            <a:picLocks noChangeAspect="1"/>
+          </p:cNvPicPr>
+          <p:nvPr/>
+        </p:nvPicPr>
+        <p:blipFill>
+          <a:blip r:embed="rId2">
+            <a:extLst>
+              <a:ext uri="{28A0092B-C50C-407E-A947-70E740481C1C}">
+                <a14:useLocalDpi xmlns:a14="http://schemas.microsoft.com/office/drawing/2010/main" val="0"/>
+              </a:ext>
+            </a:extLst>
+          </a:blip>
+          <a:stretch>
+            <a:fillRect/>
+          </a:stretch>
+        </p:blipFill>
         <p:spPr>
           <a:xfrm>
-            <a:off x="1207008" y="1913470"/>
-            <a:ext cx="4754880" cy="743094"/>
+            <a:off x="0" y="0"/>
+            <a:ext cx="12192000" cy="6858000"/>
+          </a:xfrm>
+          <a:prstGeom prst="rect">
+            <a:avLst/>
+          </a:prstGeom>
+        </p:spPr>
+      </p:pic>
+      <p:sp>
+        <p:nvSpPr>
+          <p:cNvPr id="14" name="Title 1"/>
+          <p:cNvSpPr>
+            <a:spLocks noGrp="1"/>
+          </p:cNvSpPr>
+          <p:nvPr>
+            <p:ph type="title"/>
+          </p:nvPr>
+        </p:nvSpPr>
+        <p:spPr>
+          <a:xfrm>
+            <a:off x="913775" y="618517"/>
+            <a:ext cx="10364451" cy="1596177"/>
           </a:xfrm>
         </p:spPr>
         <p:txBody>
-          <a:bodyPr anchor="ctr">
-            <a:normAutofit/>
+          <a:bodyPr/>
+          <a:lstStyle/>
+          <a:p>
+            <a:r>
+              <a:rPr lang="en-US" smtClean="0"/>
+              <a:t>Click to edit Master title style</a:t>
+            </a:r>
+            <a:endParaRPr lang="en-US" dirty="0"/>
+          </a:p>
+        </p:txBody>
+      </p:sp>
+      <p:sp>
+        <p:nvSpPr>
+          <p:cNvPr id="3" name="Text Placeholder 2"/>
+          <p:cNvSpPr>
+            <a:spLocks noGrp="1"/>
+          </p:cNvSpPr>
+          <p:nvPr>
+            <p:ph type="body" idx="1"/>
+          </p:nvPr>
+        </p:nvSpPr>
+        <p:spPr>
+          <a:xfrm>
+            <a:off x="1146328" y="2371018"/>
+            <a:ext cx="4873474" cy="679994"/>
+          </a:xfrm>
+        </p:spPr>
+        <p:txBody>
+          <a:bodyPr anchor="b">
+            <a:noAutofit/>
           </a:bodyPr>
           <a:lstStyle>
             <a:lvl1pPr marL="0" indent="0">
-              <a:buNone/>
-              <a:defRPr sz="2100" b="1"/>
+              <a:lnSpc>
+                <a:spcPct val="85000"/>
+              </a:lnSpc>
+              <a:buNone/>
+              <a:defRPr sz="2600" b="0">
+                <a:solidFill>
+                  <a:schemeClr val="tx1"/>
+                </a:solidFill>
+              </a:defRPr>
             </a:lvl1pPr>
             <a:lvl2pPr marL="457200" indent="0">
               <a:buNone/>
@@ -1639,91 +4371,63 @@
           <a:p>
             <a:pPr lvl="0"/>
             <a:r>
-              <a:rPr lang="en-US"/>
-              <a:t>Edit Master text styles</a:t>
-            </a:r>
-          </a:p>
-        </p:txBody>
-      </p:sp>
-      <p:sp>
-        <p:nvSpPr>
-          <p:cNvPr id="4" name="Content Placeholder 3"/>
-          <p:cNvSpPr>
-            <a:spLocks noGrp="1"/>
-          </p:cNvSpPr>
-          <p:nvPr>
-            <p:ph sz="half" idx="2"/>
+              <a:rPr lang="en-US" smtClean="0"/>
+              <a:t>Click to edit Master text styles</a:t>
+            </a:r>
+          </a:p>
+        </p:txBody>
+      </p:sp>
+      <p:sp>
+        <p:nvSpPr>
+          <p:cNvPr id="12" name="Content Placeholder 3"/>
+          <p:cNvSpPr>
+            <a:spLocks noGrp="1"/>
+          </p:cNvSpPr>
+          <p:nvPr>
+            <p:ph sz="quarter" idx="13"/>
           </p:nvPr>
         </p:nvSpPr>
         <p:spPr>
           <a:xfrm>
-            <a:off x="1207008" y="2656566"/>
-            <a:ext cx="4754880" cy="3566160"/>
+            <a:off x="913774" y="3051012"/>
+            <a:ext cx="5106027" cy="2740187"/>
           </a:xfrm>
         </p:spPr>
         <p:txBody>
           <a:bodyPr/>
-          <a:lstStyle>
-            <a:lvl1pPr>
-              <a:defRPr sz="2200"/>
-            </a:lvl1pPr>
-            <a:lvl2pPr>
-              <a:defRPr sz="2000"/>
-            </a:lvl2pPr>
-            <a:lvl3pPr>
-              <a:defRPr sz="1800"/>
-            </a:lvl3pPr>
-            <a:lvl4pPr>
-              <a:defRPr sz="1600"/>
-            </a:lvl4pPr>
-            <a:lvl5pPr>
-              <a:defRPr sz="1600"/>
-            </a:lvl5pPr>
-            <a:lvl6pPr>
-              <a:defRPr sz="1600"/>
-            </a:lvl6pPr>
-            <a:lvl7pPr>
-              <a:defRPr sz="1600"/>
-            </a:lvl7pPr>
-            <a:lvl8pPr>
-              <a:defRPr sz="1600"/>
-            </a:lvl8pPr>
-            <a:lvl9pPr>
-              <a:defRPr sz="1600"/>
-            </a:lvl9pPr>
-          </a:lstStyle>
+          <a:lstStyle/>
           <a:p>
             <a:pPr lvl="0"/>
             <a:r>
-              <a:rPr lang="en-US"/>
-              <a:t>Edit Master text styles</a:t>
+              <a:rPr lang="en-US" smtClean="0"/>
+              <a:t>Click to edit Master text styles</a:t>
             </a:r>
           </a:p>
           <a:p>
             <a:pPr lvl="1"/>
             <a:r>
-              <a:rPr lang="en-US"/>
+              <a:rPr lang="en-US" smtClean="0"/>
               <a:t>Second level</a:t>
             </a:r>
           </a:p>
           <a:p>
             <a:pPr lvl="2"/>
             <a:r>
-              <a:rPr lang="en-US"/>
+              <a:rPr lang="en-US" smtClean="0"/>
               <a:t>Third level</a:t>
             </a:r>
           </a:p>
           <a:p>
             <a:pPr lvl="3"/>
             <a:r>
-              <a:rPr lang="en-US"/>
+              <a:rPr lang="en-US" smtClean="0"/>
               <a:t>Fourth level</a:t>
             </a:r>
           </a:p>
           <a:p>
             <a:pPr lvl="4"/>
             <a:r>
-              <a:rPr lang="en-US"/>
+              <a:rPr lang="en-US" smtClean="0"/>
               <a:t>Fifth level</a:t>
             </a:r>
             <a:endParaRPr lang="en-US" dirty="0"/>
@@ -1742,18 +4446,25 @@
         </p:nvSpPr>
         <p:spPr>
           <a:xfrm>
-            <a:off x="6231230" y="1913470"/>
-            <a:ext cx="4754880" cy="743094"/>
+            <a:off x="6396423" y="2371018"/>
+            <a:ext cx="4881804" cy="679994"/>
           </a:xfrm>
         </p:spPr>
         <p:txBody>
-          <a:bodyPr anchor="ctr">
-            <a:normAutofit/>
+          <a:bodyPr anchor="b">
+            <a:noAutofit/>
           </a:bodyPr>
           <a:lstStyle>
             <a:lvl1pPr marL="0" indent="0">
-              <a:buNone/>
-              <a:defRPr sz="2100" b="1"/>
+              <a:lnSpc>
+                <a:spcPct val="85000"/>
+              </a:lnSpc>
+              <a:buNone/>
+              <a:defRPr sz="2600" b="0">
+                <a:solidFill>
+                  <a:schemeClr val="tx1"/>
+                </a:solidFill>
+              </a:defRPr>
             </a:lvl1pPr>
             <a:lvl2pPr marL="457200" indent="0">
               <a:buNone/>
@@ -1791,91 +4502,63 @@
           <a:p>
             <a:pPr lvl="0"/>
             <a:r>
-              <a:rPr lang="en-US"/>
-              <a:t>Edit Master text styles</a:t>
-            </a:r>
-          </a:p>
-        </p:txBody>
-      </p:sp>
-      <p:sp>
-        <p:nvSpPr>
-          <p:cNvPr id="6" name="Content Placeholder 5"/>
-          <p:cNvSpPr>
-            <a:spLocks noGrp="1"/>
-          </p:cNvSpPr>
-          <p:nvPr>
-            <p:ph sz="quarter" idx="4"/>
+              <a:rPr lang="en-US" smtClean="0"/>
+              <a:t>Click to edit Master text styles</a:t>
+            </a:r>
+          </a:p>
+        </p:txBody>
+      </p:sp>
+      <p:sp>
+        <p:nvSpPr>
+          <p:cNvPr id="13" name="Content Placeholder 5"/>
+          <p:cNvSpPr>
+            <a:spLocks noGrp="1"/>
+          </p:cNvSpPr>
+          <p:nvPr>
+            <p:ph sz="quarter" idx="14"/>
           </p:nvPr>
         </p:nvSpPr>
         <p:spPr>
           <a:xfrm>
-            <a:off x="6231230" y="2656564"/>
-            <a:ext cx="4754880" cy="3566160"/>
+            <a:off x="6172200" y="3051012"/>
+            <a:ext cx="5105401" cy="2740187"/>
           </a:xfrm>
         </p:spPr>
         <p:txBody>
           <a:bodyPr/>
-          <a:lstStyle>
-            <a:lvl1pPr>
-              <a:defRPr sz="2200"/>
-            </a:lvl1pPr>
-            <a:lvl2pPr>
-              <a:defRPr sz="2000"/>
-            </a:lvl2pPr>
-            <a:lvl3pPr>
-              <a:defRPr sz="1800"/>
-            </a:lvl3pPr>
-            <a:lvl4pPr>
-              <a:defRPr sz="1600"/>
-            </a:lvl4pPr>
-            <a:lvl5pPr>
-              <a:defRPr sz="1600"/>
-            </a:lvl5pPr>
-            <a:lvl6pPr>
-              <a:defRPr sz="1600"/>
-            </a:lvl6pPr>
-            <a:lvl7pPr>
-              <a:defRPr sz="1600"/>
-            </a:lvl7pPr>
-            <a:lvl8pPr>
-              <a:defRPr sz="1600"/>
-            </a:lvl8pPr>
-            <a:lvl9pPr>
-              <a:defRPr sz="1600"/>
-            </a:lvl9pPr>
-          </a:lstStyle>
+          <a:lstStyle/>
           <a:p>
             <a:pPr lvl="0"/>
             <a:r>
-              <a:rPr lang="en-US"/>
-              <a:t>Edit Master text styles</a:t>
+              <a:rPr lang="en-US" smtClean="0"/>
+              <a:t>Click to edit Master text styles</a:t>
             </a:r>
           </a:p>
           <a:p>
             <a:pPr lvl="1"/>
             <a:r>
-              <a:rPr lang="en-US"/>
+              <a:rPr lang="en-US" smtClean="0"/>
               <a:t>Second level</a:t>
             </a:r>
           </a:p>
           <a:p>
             <a:pPr lvl="2"/>
             <a:r>
-              <a:rPr lang="en-US"/>
+              <a:rPr lang="en-US" smtClean="0"/>
               <a:t>Third level</a:t>
             </a:r>
           </a:p>
           <a:p>
             <a:pPr lvl="3"/>
             <a:r>
-              <a:rPr lang="en-US"/>
+              <a:rPr lang="en-US" smtClean="0"/>
               <a:t>Fourth level</a:t>
             </a:r>
           </a:p>
           <a:p>
             <a:pPr lvl="4"/>
             <a:r>
-              <a:rPr lang="en-US"/>
+              <a:rPr lang="en-US" smtClean="0"/>
               <a:t>Fifth level</a:t>
             </a:r>
             <a:endParaRPr lang="en-US" dirty="0"/>
@@ -1950,7 +4633,7 @@
     </p:spTree>
     <p:extLst>
       <p:ext uri="{BB962C8B-B14F-4D97-AF65-F5344CB8AC3E}">
-        <p14:creationId xmlns:p14="http://schemas.microsoft.com/office/powerpoint/2010/main" val="3833303618"/>
+        <p14:creationId xmlns:p14="http://schemas.microsoft.com/office/powerpoint/2010/main" val="145864892"/>
       </p:ext>
     </p:extLst>
   </p:cSld>
@@ -1977,6 +4660,36 @@
           <a:chExt cx="0" cy="0"/>
         </a:xfrm>
       </p:grpSpPr>
+      <p:pic>
+        <p:nvPicPr>
+          <p:cNvPr id="8" name="Picture 7" descr="Droplets-HD-Content-R1d.png"/>
+          <p:cNvPicPr>
+            <a:picLocks noChangeAspect="1"/>
+          </p:cNvPicPr>
+          <p:nvPr/>
+        </p:nvPicPr>
+        <p:blipFill>
+          <a:blip r:embed="rId2">
+            <a:extLst>
+              <a:ext uri="{28A0092B-C50C-407E-A947-70E740481C1C}">
+                <a14:useLocalDpi xmlns:a14="http://schemas.microsoft.com/office/drawing/2010/main" val="0"/>
+              </a:ext>
+            </a:extLst>
+          </a:blip>
+          <a:stretch>
+            <a:fillRect/>
+          </a:stretch>
+        </p:blipFill>
+        <p:spPr>
+          <a:xfrm>
+            <a:off x="0" y="0"/>
+            <a:ext cx="12192000" cy="6858000"/>
+          </a:xfrm>
+          <a:prstGeom prst="rect">
+            <a:avLst/>
+          </a:prstGeom>
+        </p:spPr>
+      </p:pic>
       <p:sp>
         <p:nvSpPr>
           <p:cNvPr id="2" name="Title 1"/>
@@ -1993,7 +4706,7 @@
           <a:lstStyle/>
           <a:p>
             <a:r>
-              <a:rPr lang="en-US"/>
+              <a:rPr lang="en-US" smtClean="0"/>
               <a:t>Click to edit Master title style</a:t>
             </a:r>
             <a:endParaRPr lang="en-US" dirty="0"/>
@@ -2068,7 +4781,7 @@
     </p:spTree>
     <p:extLst>
       <p:ext uri="{BB962C8B-B14F-4D97-AF65-F5344CB8AC3E}">
-        <p14:creationId xmlns:p14="http://schemas.microsoft.com/office/powerpoint/2010/main" val="371629028"/>
+        <p14:creationId xmlns:p14="http://schemas.microsoft.com/office/powerpoint/2010/main" val="3910467984"/>
       </p:ext>
     </p:extLst>
   </p:cSld>
@@ -2079,7 +4792,7 @@
 </file>
 
 <file path=ppt/slideLayouts/slideLayout7.xml><?xml version="1.0" encoding="utf-8"?>
-<p:sldLayout xmlns:a="http://schemas.openxmlformats.org/drawingml/2006/main" xmlns:r="http://schemas.openxmlformats.org/officeDocument/2006/relationships" xmlns:p="http://schemas.openxmlformats.org/presentationml/2006/main" showMasterSp="0" type="blank" preserve="1">
+<p:sldLayout xmlns:a="http://schemas.openxmlformats.org/drawingml/2006/main" xmlns:r="http://schemas.openxmlformats.org/officeDocument/2006/relationships" xmlns:p="http://schemas.openxmlformats.org/presentationml/2006/main" type="blank" preserve="1">
   <p:cSld name="Blank">
     <p:spTree>
       <p:nvGrpSpPr>
@@ -2095,6 +4808,36 @@
           <a:chExt cx="0" cy="0"/>
         </a:xfrm>
       </p:grpSpPr>
+      <p:pic>
+        <p:nvPicPr>
+          <p:cNvPr id="7" name="Picture 6" descr="Droplets-HD-Content-R1d.png"/>
+          <p:cNvPicPr>
+            <a:picLocks noChangeAspect="1"/>
+          </p:cNvPicPr>
+          <p:nvPr/>
+        </p:nvPicPr>
+        <p:blipFill>
+          <a:blip r:embed="rId2">
+            <a:extLst>
+              <a:ext uri="{28A0092B-C50C-407E-A947-70E740481C1C}">
+                <a14:useLocalDpi xmlns:a14="http://schemas.microsoft.com/office/drawing/2010/main" val="0"/>
+              </a:ext>
+            </a:extLst>
+          </a:blip>
+          <a:stretch>
+            <a:fillRect/>
+          </a:stretch>
+        </p:blipFill>
+        <p:spPr>
+          <a:xfrm>
+            <a:off x="0" y="0"/>
+            <a:ext cx="12192000" cy="6858000"/>
+          </a:xfrm>
+          <a:prstGeom prst="rect">
+            <a:avLst/>
+          </a:prstGeom>
+        </p:spPr>
+      </p:pic>
       <p:sp>
         <p:nvSpPr>
           <p:cNvPr id="2" name="Date Placeholder 1"/>
@@ -2163,7 +4906,7 @@
     </p:spTree>
     <p:extLst>
       <p:ext uri="{BB962C8B-B14F-4D97-AF65-F5344CB8AC3E}">
-        <p14:creationId xmlns:p14="http://schemas.microsoft.com/office/powerpoint/2010/main" val="2958324168"/>
+        <p14:creationId xmlns:p14="http://schemas.microsoft.com/office/powerpoint/2010/main" val="2840550133"/>
       </p:ext>
     </p:extLst>
   </p:cSld>
@@ -2190,180 +4933,186 @@
           <a:chExt cx="0" cy="0"/>
         </a:xfrm>
       </p:grpSpPr>
-      <p:sp>
-        <p:nvSpPr>
-          <p:cNvPr id="8" name="Title 7"/>
-          <p:cNvSpPr>
-            <a:spLocks noGrp="1"/>
-          </p:cNvSpPr>
-          <p:nvPr>
-            <p:ph type="title"/>
-          </p:nvPr>
-        </p:nvSpPr>
-        <p:spPr/>
-        <p:txBody>
-          <a:bodyPr/>
-          <a:lstStyle/>
-          <a:p>
-            <a:r>
-              <a:rPr lang="en-US"/>
-              <a:t>Click to edit Master title style</a:t>
-            </a:r>
-            <a:endParaRPr lang="en-US" dirty="0"/>
-          </a:p>
-        </p:txBody>
-      </p:sp>
-      <p:sp>
-        <p:nvSpPr>
-          <p:cNvPr id="3" name="Content Placeholder 2"/>
-          <p:cNvSpPr>
-            <a:spLocks noGrp="1"/>
-          </p:cNvSpPr>
-          <p:nvPr>
-            <p:ph idx="1"/>
-          </p:nvPr>
-        </p:nvSpPr>
+      <p:pic>
+        <p:nvPicPr>
+          <p:cNvPr id="11" name="Picture 10" descr="Droplets-HD-Content-R1d.png"/>
+          <p:cNvPicPr>
+            <a:picLocks noChangeAspect="1"/>
+          </p:cNvPicPr>
+          <p:nvPr/>
+        </p:nvPicPr>
+        <p:blipFill>
+          <a:blip r:embed="rId2">
+            <a:extLst>
+              <a:ext uri="{28A0092B-C50C-407E-A947-70E740481C1C}">
+                <a14:useLocalDpi xmlns:a14="http://schemas.microsoft.com/office/drawing/2010/main" val="0"/>
+              </a:ext>
+            </a:extLst>
+          </a:blip>
+          <a:stretch>
+            <a:fillRect/>
+          </a:stretch>
+        </p:blipFill>
         <p:spPr>
           <a:xfrm>
-            <a:off x="1207008" y="2120054"/>
-            <a:ext cx="6126480" cy="4114800"/>
+            <a:off x="0" y="0"/>
+            <a:ext cx="12192000" cy="6858000"/>
+          </a:xfrm>
+          <a:prstGeom prst="rect">
+            <a:avLst/>
+          </a:prstGeom>
+        </p:spPr>
+      </p:pic>
+      <p:sp>
+        <p:nvSpPr>
+          <p:cNvPr id="2" name="Title 1"/>
+          <p:cNvSpPr>
+            <a:spLocks noGrp="1"/>
+          </p:cNvSpPr>
+          <p:nvPr>
+            <p:ph type="title"/>
+          </p:nvPr>
+        </p:nvSpPr>
+        <p:spPr>
+          <a:xfrm>
+            <a:off x="913775" y="609600"/>
+            <a:ext cx="3935688" cy="2023252"/>
           </a:xfrm>
         </p:spPr>
         <p:txBody>
-          <a:bodyPr/>
+          <a:bodyPr anchor="b"/>
           <a:lstStyle>
-            <a:lvl1pPr>
+            <a:lvl1pPr algn="ctr">
               <a:defRPr sz="3200"/>
             </a:lvl1pPr>
-            <a:lvl2pPr>
-              <a:defRPr sz="2800"/>
+          </a:lstStyle>
+          <a:p>
+            <a:r>
+              <a:rPr lang="en-US" smtClean="0"/>
+              <a:t>Click to edit Master title style</a:t>
+            </a:r>
+            <a:endParaRPr lang="en-US" dirty="0"/>
+          </a:p>
+        </p:txBody>
+      </p:sp>
+      <p:sp>
+        <p:nvSpPr>
+          <p:cNvPr id="10" name="Content Placeholder 2"/>
+          <p:cNvSpPr>
+            <a:spLocks noGrp="1"/>
+          </p:cNvSpPr>
+          <p:nvPr>
+            <p:ph sz="quarter" idx="13"/>
+          </p:nvPr>
+        </p:nvSpPr>
+        <p:spPr>
+          <a:xfrm>
+            <a:off x="5078062" y="609600"/>
+            <a:ext cx="6200163" cy="5181599"/>
+          </a:xfrm>
+        </p:spPr>
+        <p:txBody>
+          <a:bodyPr/>
+          <a:lstStyle/>
+          <a:p>
+            <a:pPr lvl="0"/>
+            <a:r>
+              <a:rPr lang="en-US" smtClean="0"/>
+              <a:t>Click to edit Master text styles</a:t>
+            </a:r>
+          </a:p>
+          <a:p>
+            <a:pPr lvl="1"/>
+            <a:r>
+              <a:rPr lang="en-US" smtClean="0"/>
+              <a:t>Second level</a:t>
+            </a:r>
+          </a:p>
+          <a:p>
+            <a:pPr lvl="2"/>
+            <a:r>
+              <a:rPr lang="en-US" smtClean="0"/>
+              <a:t>Third level</a:t>
+            </a:r>
+          </a:p>
+          <a:p>
+            <a:pPr lvl="3"/>
+            <a:r>
+              <a:rPr lang="en-US" smtClean="0"/>
+              <a:t>Fourth level</a:t>
+            </a:r>
+          </a:p>
+          <a:p>
+            <a:pPr lvl="4"/>
+            <a:r>
+              <a:rPr lang="en-US" smtClean="0"/>
+              <a:t>Fifth level</a:t>
+            </a:r>
+            <a:endParaRPr lang="en-US" dirty="0"/>
+          </a:p>
+        </p:txBody>
+      </p:sp>
+      <p:sp>
+        <p:nvSpPr>
+          <p:cNvPr id="4" name="Text Placeholder 3"/>
+          <p:cNvSpPr>
+            <a:spLocks noGrp="1"/>
+          </p:cNvSpPr>
+          <p:nvPr>
+            <p:ph type="body" sz="half" idx="2"/>
+          </p:nvPr>
+        </p:nvSpPr>
+        <p:spPr>
+          <a:xfrm>
+            <a:off x="913774" y="2632852"/>
+            <a:ext cx="3935689" cy="3158348"/>
+          </a:xfrm>
+        </p:spPr>
+        <p:txBody>
+          <a:bodyPr/>
+          <a:lstStyle>
+            <a:lvl1pPr marL="0" indent="0" algn="ctr">
+              <a:buNone/>
+              <a:defRPr sz="1600"/>
+            </a:lvl1pPr>
+            <a:lvl2pPr marL="457200" indent="0">
+              <a:buNone/>
+              <a:defRPr sz="1400"/>
             </a:lvl2pPr>
-            <a:lvl3pPr>
-              <a:defRPr sz="2400"/>
+            <a:lvl3pPr marL="914400" indent="0">
+              <a:buNone/>
+              <a:defRPr sz="1200"/>
             </a:lvl3pPr>
-            <a:lvl4pPr>
-              <a:defRPr sz="2000"/>
+            <a:lvl4pPr marL="1371600" indent="0">
+              <a:buNone/>
+              <a:defRPr sz="1000"/>
             </a:lvl4pPr>
-            <a:lvl5pPr>
-              <a:defRPr sz="2000"/>
+            <a:lvl5pPr marL="1828800" indent="0">
+              <a:buNone/>
+              <a:defRPr sz="1000"/>
             </a:lvl5pPr>
-            <a:lvl6pPr>
-              <a:defRPr sz="2000"/>
+            <a:lvl6pPr marL="2286000" indent="0">
+              <a:buNone/>
+              <a:defRPr sz="1000"/>
             </a:lvl6pPr>
-            <a:lvl7pPr>
-              <a:defRPr sz="2000"/>
+            <a:lvl7pPr marL="2743200" indent="0">
+              <a:buNone/>
+              <a:defRPr sz="1000"/>
             </a:lvl7pPr>
-            <a:lvl8pPr>
-              <a:defRPr sz="2000"/>
+            <a:lvl8pPr marL="3200400" indent="0">
+              <a:buNone/>
+              <a:defRPr sz="1000"/>
             </a:lvl8pPr>
-            <a:lvl9pPr>
-              <a:defRPr sz="2000"/>
+            <a:lvl9pPr marL="3657600" indent="0">
+              <a:buNone/>
+              <a:defRPr sz="1000"/>
             </a:lvl9pPr>
           </a:lstStyle>
           <a:p>
             <a:pPr lvl="0"/>
             <a:r>
-              <a:rPr lang="en-US"/>
-              <a:t>Edit Master text styles</a:t>
-            </a:r>
-          </a:p>
-          <a:p>
-            <a:pPr lvl="1"/>
-            <a:r>
-              <a:rPr lang="en-US"/>
-              <a:t>Second level</a:t>
-            </a:r>
-          </a:p>
-          <a:p>
-            <a:pPr lvl="2"/>
-            <a:r>
-              <a:rPr lang="en-US"/>
-              <a:t>Third level</a:t>
-            </a:r>
-          </a:p>
-          <a:p>
-            <a:pPr lvl="3"/>
-            <a:r>
-              <a:rPr lang="en-US"/>
-              <a:t>Fourth level</a:t>
-            </a:r>
-          </a:p>
-          <a:p>
-            <a:pPr lvl="4"/>
-            <a:r>
-              <a:rPr lang="en-US"/>
-              <a:t>Fifth level</a:t>
-            </a:r>
-            <a:endParaRPr lang="en-US" dirty="0"/>
-          </a:p>
-        </p:txBody>
-      </p:sp>
-      <p:sp>
-        <p:nvSpPr>
-          <p:cNvPr id="4" name="Text Placeholder 3"/>
-          <p:cNvSpPr>
-            <a:spLocks noGrp="1"/>
-          </p:cNvSpPr>
-          <p:nvPr>
-            <p:ph type="body" sz="half" idx="2"/>
-          </p:nvPr>
-        </p:nvSpPr>
-        <p:spPr>
-          <a:xfrm>
-            <a:off x="7789023" y="2147486"/>
-            <a:ext cx="3200400" cy="3432319"/>
-          </a:xfrm>
-        </p:spPr>
-        <p:txBody>
-          <a:bodyPr>
-            <a:normAutofit/>
-          </a:bodyPr>
-          <a:lstStyle>
-            <a:lvl1pPr marL="0" indent="0">
-              <a:lnSpc>
-                <a:spcPct val="95000"/>
-              </a:lnSpc>
-              <a:buNone/>
-              <a:defRPr sz="1800"/>
-            </a:lvl1pPr>
-            <a:lvl2pPr marL="457200" indent="0">
-              <a:buNone/>
-              <a:defRPr sz="1200"/>
-            </a:lvl2pPr>
-            <a:lvl3pPr marL="914400" indent="0">
-              <a:buNone/>
-              <a:defRPr sz="1000"/>
-            </a:lvl3pPr>
-            <a:lvl4pPr marL="1371600" indent="0">
-              <a:buNone/>
-              <a:defRPr sz="900"/>
-            </a:lvl4pPr>
-            <a:lvl5pPr marL="1828800" indent="0">
-              <a:buNone/>
-              <a:defRPr sz="900"/>
-            </a:lvl5pPr>
-            <a:lvl6pPr marL="2286000" indent="0">
-              <a:buNone/>
-              <a:defRPr sz="900"/>
-            </a:lvl6pPr>
-            <a:lvl7pPr marL="2743200" indent="0">
-              <a:buNone/>
-              <a:defRPr sz="900"/>
-            </a:lvl7pPr>
-            <a:lvl8pPr marL="3200400" indent="0">
-              <a:buNone/>
-              <a:defRPr sz="900"/>
-            </a:lvl8pPr>
-            <a:lvl9pPr marL="3657600" indent="0">
-              <a:buNone/>
-              <a:defRPr sz="900"/>
-            </a:lvl9pPr>
-          </a:lstStyle>
-          <a:p>
-            <a:pPr lvl="0"/>
-            <a:r>
-              <a:rPr lang="en-US"/>
-              <a:t>Edit Master text styles</a:t>
+              <a:rPr lang="en-US" smtClean="0"/>
+              <a:t>Click to edit Master text styles</a:t>
             </a:r>
           </a:p>
         </p:txBody>
@@ -2436,7 +5185,7 @@
     </p:spTree>
     <p:extLst>
       <p:ext uri="{BB962C8B-B14F-4D97-AF65-F5344CB8AC3E}">
-        <p14:creationId xmlns:p14="http://schemas.microsoft.com/office/powerpoint/2010/main" val="1003508319"/>
+        <p14:creationId xmlns:p14="http://schemas.microsoft.com/office/powerpoint/2010/main" val="2365297788"/>
       </p:ext>
     </p:extLst>
   </p:cSld>
@@ -2463,63 +5212,115 @@
           <a:chExt cx="0" cy="0"/>
         </a:xfrm>
       </p:grpSpPr>
-      <p:sp>
-        <p:nvSpPr>
-          <p:cNvPr id="8" name="Title 7"/>
-          <p:cNvSpPr>
-            <a:spLocks noGrp="1"/>
-          </p:cNvSpPr>
-          <p:nvPr>
-            <p:ph type="title"/>
-          </p:nvPr>
-        </p:nvSpPr>
-        <p:spPr/>
-        <p:txBody>
-          <a:bodyPr/>
-          <a:lstStyle/>
-          <a:p>
-            <a:r>
-              <a:rPr lang="en-US"/>
-              <a:t>Click to edit Master title style</a:t>
-            </a:r>
-            <a:endParaRPr lang="en-US" dirty="0"/>
-          </a:p>
-        </p:txBody>
-      </p:sp>
-      <p:sp>
-        <p:nvSpPr>
-          <p:cNvPr id="3" name="Picture Placeholder 2"/>
-          <p:cNvSpPr>
-            <a:spLocks noGrp="1" noChangeAspect="1"/>
-          </p:cNvSpPr>
-          <p:nvPr>
-            <p:ph type="pic" idx="1"/>
-          </p:nvPr>
-        </p:nvSpPr>
+      <p:pic>
+        <p:nvPicPr>
+          <p:cNvPr id="10" name="Picture 9" descr="Droplets-HD-Content-R1d.png"/>
+          <p:cNvPicPr>
+            <a:picLocks noChangeAspect="1"/>
+          </p:cNvPicPr>
+          <p:nvPr/>
+        </p:nvPicPr>
+        <p:blipFill>
+          <a:blip r:embed="rId2">
+            <a:extLst>
+              <a:ext uri="{28A0092B-C50C-407E-A947-70E740481C1C}">
+                <a14:useLocalDpi xmlns:a14="http://schemas.microsoft.com/office/drawing/2010/main" val="0"/>
+              </a:ext>
+            </a:extLst>
+          </a:blip>
+          <a:stretch>
+            <a:fillRect/>
+          </a:stretch>
+        </p:blipFill>
         <p:spPr>
           <a:xfrm>
-            <a:off x="1280160" y="2211494"/>
-            <a:ext cx="6126480" cy="3931920"/>
+            <a:off x="0" y="0"/>
+            <a:ext cx="12192000" cy="6858000"/>
           </a:xfrm>
-          <a:solidFill>
-            <a:schemeClr val="tx2">
-              <a:lumMod val="60000"/>
-              <a:lumOff val="40000"/>
-            </a:schemeClr>
-          </a:solidFill>
+          <a:prstGeom prst="rect">
+            <a:avLst/>
+          </a:prstGeom>
         </p:spPr>
-        <p:txBody>
-          <a:bodyPr tIns="365760" anchor="t"/>
+      </p:pic>
+      <p:sp>
+        <p:nvSpPr>
+          <p:cNvPr id="2" name="Title 1"/>
+          <p:cNvSpPr>
+            <a:spLocks noGrp="1"/>
+          </p:cNvSpPr>
+          <p:nvPr>
+            <p:ph type="title"/>
+          </p:nvPr>
+        </p:nvSpPr>
+        <p:spPr>
+          <a:xfrm>
+            <a:off x="913774" y="609600"/>
+            <a:ext cx="5934969" cy="2023254"/>
+          </a:xfrm>
+        </p:spPr>
+        <p:txBody>
+          <a:bodyPr anchor="b"/>
           <a:lstStyle>
-            <a:lvl1pPr marL="0" indent="0" algn="ctr">
-              <a:buNone/>
-              <a:defRPr sz="3200">
-                <a:solidFill>
-                  <a:schemeClr val="tx1">
-                    <a:lumMod val="50000"/>
-                  </a:schemeClr>
-                </a:solidFill>
-              </a:defRPr>
+            <a:lvl1pPr algn="ctr">
+              <a:defRPr sz="3200"/>
+            </a:lvl1pPr>
+          </a:lstStyle>
+          <a:p>
+            <a:r>
+              <a:rPr lang="en-US" smtClean="0"/>
+              <a:t>Click to edit Master title style</a:t>
+            </a:r>
+            <a:endParaRPr lang="en-US" dirty="0"/>
+          </a:p>
+        </p:txBody>
+      </p:sp>
+      <p:sp>
+        <p:nvSpPr>
+          <p:cNvPr id="3" name="Picture Placeholder 2"/>
+          <p:cNvSpPr>
+            <a:spLocks noGrp="1" noChangeAspect="1"/>
+          </p:cNvSpPr>
+          <p:nvPr>
+            <p:ph type="pic" idx="1"/>
+          </p:nvPr>
+        </p:nvSpPr>
+        <p:spPr>
+          <a:xfrm>
+            <a:off x="7424803" y="609601"/>
+            <a:ext cx="3255358" cy="5181600"/>
+          </a:xfrm>
+          <a:prstGeom prst="roundRect">
+            <a:avLst>
+              <a:gd name="adj" fmla="val 4943"/>
+            </a:avLst>
+          </a:prstGeom>
+          <a:noFill/>
+          <a:ln w="82550" cap="sq">
+            <a:solidFill>
+              <a:srgbClr val="EAEAEA"/>
+            </a:solidFill>
+            <a:miter lim="800000"/>
+          </a:ln>
+          <a:effectLst/>
+          <a:scene3d>
+            <a:camera prst="orthographicFront"/>
+            <a:lightRig rig="threePt" dir="t">
+              <a:rot lat="0" lon="0" rev="2700000"/>
+            </a:lightRig>
+          </a:scene3d>
+          <a:sp3d contourW="6350">
+            <a:bevelT h="38100"/>
+            <a:contourClr>
+              <a:srgbClr val="C0C0C0"/>
+            </a:contourClr>
+          </a:sp3d>
+        </p:spPr>
+        <p:txBody>
+          <a:bodyPr anchor="t"/>
+          <a:lstStyle>
+            <a:lvl1pPr marL="0" indent="0">
+              <a:buNone/>
+              <a:defRPr sz="3200"/>
             </a:lvl1pPr>
             <a:lvl2pPr marL="457200" indent="0">
               <a:buNone/>
@@ -2556,7 +5357,7 @@
           </a:lstStyle>
           <a:p>
             <a:r>
-              <a:rPr lang="en-US"/>
+              <a:rPr lang="en-US" smtClean="0"/>
               <a:t>Click icon to add picture</a:t>
             </a:r>
             <a:endParaRPr lang="en-US" dirty="0"/>
@@ -2575,60 +5376,55 @@
         </p:nvSpPr>
         <p:spPr>
           <a:xfrm>
-            <a:off x="7790688" y="2150621"/>
-            <a:ext cx="3200400" cy="3429000"/>
+            <a:off x="913794" y="2632852"/>
+            <a:ext cx="5934949" cy="3158347"/>
           </a:xfrm>
         </p:spPr>
         <p:txBody>
-          <a:bodyPr>
-            <a:normAutofit/>
-          </a:bodyPr>
+          <a:bodyPr/>
           <a:lstStyle>
-            <a:lvl1pPr marL="0" indent="0">
-              <a:lnSpc>
-                <a:spcPct val="95000"/>
-              </a:lnSpc>
-              <a:buNone/>
-              <a:defRPr sz="1800"/>
+            <a:lvl1pPr marL="0" indent="0" algn="ctr">
+              <a:buNone/>
+              <a:defRPr sz="1600"/>
             </a:lvl1pPr>
             <a:lvl2pPr marL="457200" indent="0">
               <a:buNone/>
-              <a:defRPr sz="1200"/>
+              <a:defRPr sz="1400"/>
             </a:lvl2pPr>
             <a:lvl3pPr marL="914400" indent="0">
               <a:buNone/>
-              <a:defRPr sz="1000"/>
+              <a:defRPr sz="1200"/>
             </a:lvl3pPr>
             <a:lvl4pPr marL="1371600" indent="0">
               <a:buNone/>
-              <a:defRPr sz="900"/>
+              <a:defRPr sz="1000"/>
             </a:lvl4pPr>
             <a:lvl5pPr marL="1828800" indent="0">
               <a:buNone/>
-              <a:defRPr sz="900"/>
+              <a:defRPr sz="1000"/>
             </a:lvl5pPr>
             <a:lvl6pPr marL="2286000" indent="0">
               <a:buNone/>
-              <a:defRPr sz="900"/>
+              <a:defRPr sz="1000"/>
             </a:lvl6pPr>
             <a:lvl7pPr marL="2743200" indent="0">
               <a:buNone/>
-              <a:defRPr sz="900"/>
+              <a:defRPr sz="1000"/>
             </a:lvl7pPr>
             <a:lvl8pPr marL="3200400" indent="0">
               <a:buNone/>
-              <a:defRPr sz="900"/>
+              <a:defRPr sz="1000"/>
             </a:lvl8pPr>
             <a:lvl9pPr marL="3657600" indent="0">
               <a:buNone/>
-              <a:defRPr sz="900"/>
+              <a:defRPr sz="1000"/>
             </a:lvl9pPr>
           </a:lstStyle>
           <a:p>
             <a:pPr lvl="0"/>
             <a:r>
-              <a:rPr lang="en-US"/>
-              <a:t>Edit Master text styles</a:t>
+              <a:rPr lang="en-US" smtClean="0"/>
+              <a:t>Click to edit Master text styles</a:t>
             </a:r>
           </a:p>
         </p:txBody>
@@ -2701,7 +5497,7 @@
     </p:spTree>
     <p:extLst>
       <p:ext uri="{BB962C8B-B14F-4D97-AF65-F5344CB8AC3E}">
-        <p14:creationId xmlns:p14="http://schemas.microsoft.com/office/powerpoint/2010/main" val="1403222786"/>
+        <p14:creationId xmlns:p14="http://schemas.microsoft.com/office/powerpoint/2010/main" val="4018209205"/>
       </p:ext>
     </p:extLst>
   </p:cSld>
@@ -2715,8 +5511,8 @@
 <p:sldMaster xmlns:a="http://schemas.openxmlformats.org/drawingml/2006/main" xmlns:r="http://schemas.openxmlformats.org/officeDocument/2006/relationships" xmlns:p="http://schemas.openxmlformats.org/presentationml/2006/main">
   <p:cSld>
     <p:bg>
-      <p:bgRef idx="1001">
-        <a:schemeClr val="bg2"/>
+      <p:bgRef idx="1002">
+        <a:schemeClr val="bg1"/>
       </p:bgRef>
     </p:bg>
     <p:spTree>
@@ -2733,44 +5529,48 @@
           <a:chExt cx="0" cy="0"/>
         </a:xfrm>
       </p:grpSpPr>
-      <p:sp>
-        <p:nvSpPr>
-          <p:cNvPr id="7" name="Rectangle 6"/>
-          <p:cNvSpPr/>
+      <p:pic>
+        <p:nvPicPr>
+          <p:cNvPr id="1026" name="Picture 2" descr="\\DROBO-FS\QuickDrops\JB\PPTX NG\Droplets\LightingOverlay.png"/>
+          <p:cNvPicPr>
+            <a:picLocks noChangeAspect="1" noChangeArrowheads="1"/>
+          </p:cNvPicPr>
           <p:nvPr/>
-        </p:nvSpPr>
-        <p:spPr>
+        </p:nvPicPr>
+        <p:blipFill>
+          <a:blip r:embed="rId19">
+            <a:alphaModFix/>
+            <a:extLst>
+              <a:ext uri="{28A0092B-C50C-407E-A947-70E740481C1C}">
+                <a14:useLocalDpi xmlns:a14="http://schemas.microsoft.com/office/drawing/2010/main" val="0"/>
+              </a:ext>
+            </a:extLst>
+          </a:blip>
+          <a:srcRect/>
+          <a:stretch>
+            <a:fillRect/>
+          </a:stretch>
+        </p:blipFill>
+        <p:spPr bwMode="auto">
           <a:xfrm>
-            <a:off x="483" y="176109"/>
-            <a:ext cx="12188952" cy="1645919"/>
+            <a:off x="0" y="-1"/>
+            <a:ext cx="12192003" cy="6858001"/>
           </a:xfrm>
           <a:prstGeom prst="rect">
             <a:avLst/>
           </a:prstGeom>
-          <a:solidFill>
-            <a:schemeClr val="tx1"/>
-          </a:solidFill>
-          <a:ln>
-            <a:noFill/>
-          </a:ln>
+          <a:noFill/>
+          <a:extLst>
+            <a:ext uri="{909E8E84-426E-40DD-AFC4-6F175D3DCCD1}">
+              <a14:hiddenFill xmlns:a14="http://schemas.microsoft.com/office/drawing/2010/main">
+                <a:solidFill>
+                  <a:srgbClr val="FFFFFF"/>
+                </a:solidFill>
+              </a14:hiddenFill>
+            </a:ext>
+          </a:extLst>
         </p:spPr>
-        <p:style>
-          <a:lnRef idx="2">
-            <a:schemeClr val="accent1">
-              <a:shade val="50000"/>
-            </a:schemeClr>
-          </a:lnRef>
-          <a:fillRef idx="1">
-            <a:schemeClr val="accent1"/>
-          </a:fillRef>
-          <a:effectRef idx="0">
-            <a:schemeClr val="accent1"/>
-          </a:effectRef>
-          <a:fontRef idx="minor">
-            <a:schemeClr val="lt1"/>
-          </a:fontRef>
-        </p:style>
-      </p:sp>
+      </p:pic>
       <p:sp>
         <p:nvSpPr>
           <p:cNvPr id="2" name="Title Placeholder 1"/>
@@ -2783,8 +5583,8 @@
         </p:nvSpPr>
         <p:spPr>
           <a:xfrm>
-            <a:off x="1202919" y="284176"/>
-            <a:ext cx="9784080" cy="1508760"/>
+            <a:off x="913775" y="618517"/>
+            <a:ext cx="10364451" cy="1596177"/>
           </a:xfrm>
           <a:prstGeom prst="rect">
             <a:avLst/>
@@ -2797,7 +5597,7 @@
           <a:lstStyle/>
           <a:p>
             <a:r>
-              <a:rPr lang="en-US"/>
+              <a:rPr lang="en-US" smtClean="0"/>
               <a:t>Click to edit Master title style</a:t>
             </a:r>
             <a:endParaRPr lang="en-US" dirty="0"/>
@@ -2816,8 +5616,8 @@
         </p:nvSpPr>
         <p:spPr>
           <a:xfrm>
-            <a:off x="1202919" y="2011680"/>
-            <a:ext cx="9784080" cy="4206240"/>
+            <a:off x="913775" y="2367093"/>
+            <a:ext cx="10364452" cy="3424107"/>
           </a:xfrm>
           <a:prstGeom prst="rect">
             <a:avLst/>
@@ -2831,35 +5631,35 @@
           <a:p>
             <a:pPr lvl="0"/>
             <a:r>
-              <a:rPr lang="en-US"/>
-              <a:t>Edit Master text styles</a:t>
+              <a:rPr lang="en-US" smtClean="0"/>
+              <a:t>Click to edit Master text styles</a:t>
             </a:r>
           </a:p>
           <a:p>
             <a:pPr lvl="1"/>
             <a:r>
-              <a:rPr lang="en-US"/>
+              <a:rPr lang="en-US" smtClean="0"/>
               <a:t>Second level</a:t>
             </a:r>
           </a:p>
           <a:p>
             <a:pPr lvl="2"/>
             <a:r>
-              <a:rPr lang="en-US"/>
+              <a:rPr lang="en-US" smtClean="0"/>
               <a:t>Third level</a:t>
             </a:r>
           </a:p>
           <a:p>
             <a:pPr lvl="3"/>
             <a:r>
-              <a:rPr lang="en-US"/>
+              <a:rPr lang="en-US" smtClean="0"/>
               <a:t>Fourth level</a:t>
             </a:r>
           </a:p>
           <a:p>
             <a:pPr lvl="4"/>
             <a:r>
-              <a:rPr lang="en-US"/>
+              <a:rPr lang="en-US" smtClean="0"/>
               <a:t>Fifth level</a:t>
             </a:r>
             <a:endParaRPr lang="en-US" dirty="0"/>
@@ -2878,18 +5678,18 @@
         </p:nvSpPr>
         <p:spPr>
           <a:xfrm>
-            <a:off x="1202266" y="6422854"/>
-            <a:ext cx="3000894" cy="365125"/>
+            <a:off x="7678737" y="5883275"/>
+            <a:ext cx="2743200" cy="365125"/>
           </a:xfrm>
           <a:prstGeom prst="rect">
             <a:avLst/>
           </a:prstGeom>
         </p:spPr>
         <p:txBody>
-          <a:bodyPr vert="horz" lIns="91440" tIns="45720" rIns="45720" bIns="45720" rtlCol="0" anchor="ctr"/>
+          <a:bodyPr vert="horz" lIns="91440" tIns="45720" rIns="91440" bIns="45720" rtlCol="0" anchor="ctr"/>
           <a:lstStyle>
-            <a:lvl1pPr algn="l">
-              <a:defRPr sz="1050">
+            <a:lvl1pPr algn="r">
+              <a:defRPr sz="1000">
                 <a:solidFill>
                   <a:schemeClr val="tx1"/>
                 </a:solidFill>
@@ -2917,8 +5717,8 @@
         </p:nvSpPr>
         <p:spPr>
           <a:xfrm>
-            <a:off x="5596471" y="6422854"/>
-            <a:ext cx="5044440" cy="365125"/>
+            <a:off x="913774" y="5883275"/>
+            <a:ext cx="6672887" cy="365125"/>
           </a:xfrm>
           <a:prstGeom prst="rect">
             <a:avLst/>
@@ -2927,8 +5727,8 @@
         <p:txBody>
           <a:bodyPr vert="horz" lIns="91440" tIns="45720" rIns="91440" bIns="45720" rtlCol="0" anchor="ctr"/>
           <a:lstStyle>
-            <a:lvl1pPr algn="r">
-              <a:defRPr sz="1050">
+            <a:lvl1pPr algn="l">
+              <a:defRPr sz="1000">
                 <a:solidFill>
                   <a:schemeClr val="tx1"/>
                 </a:solidFill>
@@ -2952,18 +5752,18 @@
         </p:nvSpPr>
         <p:spPr>
           <a:xfrm>
-            <a:off x="10658927" y="6422854"/>
-            <a:ext cx="946264" cy="365125"/>
+            <a:off x="10514011" y="5883275"/>
+            <a:ext cx="764215" cy="365125"/>
           </a:xfrm>
           <a:prstGeom prst="rect">
             <a:avLst/>
           </a:prstGeom>
         </p:spPr>
         <p:txBody>
-          <a:bodyPr vert="horz" lIns="45720" tIns="45720" rIns="91440" bIns="45720" rtlCol="0" anchor="ctr"/>
+          <a:bodyPr vert="horz" lIns="91440" tIns="45720" rIns="91440" bIns="45720" rtlCol="0" anchor="ctr"/>
           <a:lstStyle>
-            <a:lvl1pPr algn="l">
-              <a:defRPr sz="1200" b="0">
+            <a:lvl1pPr algn="r">
+              <a:defRPr sz="1000">
                 <a:solidFill>
                   <a:schemeClr val="tx1"/>
                 </a:solidFill>
@@ -2982,38 +5782,45 @@
     </p:spTree>
     <p:extLst>
       <p:ext uri="{BB962C8B-B14F-4D97-AF65-F5344CB8AC3E}">
-        <p14:creationId xmlns:p14="http://schemas.microsoft.com/office/powerpoint/2010/main" val="1909525558"/>
+        <p14:creationId xmlns:p14="http://schemas.microsoft.com/office/powerpoint/2010/main" val="4278997508"/>
       </p:ext>
     </p:extLst>
   </p:cSld>
-  <p:clrMap bg1="dk1" tx1="lt1" bg2="dk2" tx2="lt2" accent1="accent1" accent2="accent2" accent3="accent3" accent4="accent4" accent5="accent5" accent6="accent6" hlink="hlink" folHlink="folHlink"/>
+  <p:clrMap bg1="lt1" tx1="dk1" bg2="lt2" tx2="dk2" accent1="accent1" accent2="accent2" accent3="accent3" accent4="accent4" accent5="accent5" accent6="accent6" hlink="hlink" folHlink="folHlink"/>
   <p:sldLayoutIdLst>
-    <p:sldLayoutId id="2147483661" r:id="rId1"/>
-    <p:sldLayoutId id="2147483662" r:id="rId2"/>
-    <p:sldLayoutId id="2147483663" r:id="rId3"/>
-    <p:sldLayoutId id="2147483664" r:id="rId4"/>
-    <p:sldLayoutId id="2147483665" r:id="rId5"/>
-    <p:sldLayoutId id="2147483666" r:id="rId6"/>
-    <p:sldLayoutId id="2147483667" r:id="rId7"/>
-    <p:sldLayoutId id="2147483668" r:id="rId8"/>
-    <p:sldLayoutId id="2147483669" r:id="rId9"/>
-    <p:sldLayoutId id="2147483670" r:id="rId10"/>
-    <p:sldLayoutId id="2147483671" r:id="rId11"/>
+    <p:sldLayoutId id="2147483733" r:id="rId1"/>
+    <p:sldLayoutId id="2147483734" r:id="rId2"/>
+    <p:sldLayoutId id="2147483735" r:id="rId3"/>
+    <p:sldLayoutId id="2147483736" r:id="rId4"/>
+    <p:sldLayoutId id="2147483737" r:id="rId5"/>
+    <p:sldLayoutId id="2147483738" r:id="rId6"/>
+    <p:sldLayoutId id="2147483739" r:id="rId7"/>
+    <p:sldLayoutId id="2147483740" r:id="rId8"/>
+    <p:sldLayoutId id="2147483741" r:id="rId9"/>
+    <p:sldLayoutId id="2147483742" r:id="rId10"/>
+    <p:sldLayoutId id="2147483743" r:id="rId11"/>
+    <p:sldLayoutId id="2147483744" r:id="rId12"/>
+    <p:sldLayoutId id="2147483745" r:id="rId13"/>
+    <p:sldLayoutId id="2147483746" r:id="rId14"/>
+    <p:sldLayoutId id="2147483747" r:id="rId15"/>
+    <p:sldLayoutId id="2147483748" r:id="rId16"/>
+    <p:sldLayoutId id="2147483749" r:id="rId17"/>
   </p:sldLayoutIdLst>
   <p:txStyles>
     <p:titleStyle>
-      <a:lvl1pPr algn="l" defTabSz="914400" rtl="0" eaLnBrk="1" latinLnBrk="0" hangingPunct="1">
+      <a:lvl1pPr algn="ctr" defTabSz="914400" rtl="0" eaLnBrk="1" latinLnBrk="0" hangingPunct="1">
         <a:lnSpc>
-          <a:spcPct val="85000"/>
+          <a:spcPct val="90000"/>
         </a:lnSpc>
         <a:spcBef>
           <a:spcPct val="0"/>
         </a:spcBef>
         <a:buNone/>
-        <a:defRPr sz="4000" kern="1200" cap="all" baseline="0">
+        <a:defRPr sz="3600" kern="1200" cap="all" baseline="0">
           <a:solidFill>
-            <a:schemeClr val="bg2"/>
+            <a:schemeClr val="tx1"/>
           </a:solidFill>
+          <a:effectLst/>
           <a:latin typeface="+mj-lt"/>
           <a:ea typeface="+mj-ea"/>
           <a:cs typeface="+mj-cs"/>
@@ -3021,217 +5828,199 @@
       </a:lvl1pPr>
     </p:titleStyle>
     <p:bodyStyle>
-      <a:lvl1pPr marL="182880" indent="-182880" algn="l" defTabSz="914400" rtl="0" eaLnBrk="1" latinLnBrk="0" hangingPunct="1">
+      <a:lvl1pPr marL="228600" indent="-228600" algn="l" defTabSz="914400" rtl="0" eaLnBrk="1" latinLnBrk="0" hangingPunct="1">
         <a:lnSpc>
-          <a:spcPct val="90000"/>
+          <a:spcPct val="120000"/>
         </a:lnSpc>
         <a:spcBef>
-          <a:spcPts val="1200"/>
+          <a:spcPts val="1000"/>
         </a:spcBef>
-        <a:spcAft>
-          <a:spcPts val="200"/>
-        </a:spcAft>
         <a:buClr>
           <a:schemeClr val="tx1"/>
         </a:buClr>
-        <a:buFont typeface="Wingdings" pitchFamily="2" charset="2"/>
-        <a:buChar char=""/>
-        <a:defRPr sz="2200" kern="1200">
+        <a:buFont typeface="Arial" panose="020B0604020202020204" pitchFamily="34" charset="0"/>
+        <a:buChar char="•"/>
+        <a:defRPr sz="2000" kern="1200" cap="all" baseline="0">
           <a:solidFill>
             <a:schemeClr val="tx1"/>
           </a:solidFill>
+          <a:effectLst/>
           <a:latin typeface="+mn-lt"/>
           <a:ea typeface="+mn-ea"/>
           <a:cs typeface="+mn-cs"/>
         </a:defRPr>
       </a:lvl1pPr>
-      <a:lvl2pPr marL="411480" indent="-182880" algn="l" defTabSz="914400" rtl="0" eaLnBrk="1" latinLnBrk="0" hangingPunct="1">
+      <a:lvl2pPr marL="685800" indent="-228600" algn="l" defTabSz="914400" rtl="0" eaLnBrk="1" latinLnBrk="0" hangingPunct="1">
         <a:lnSpc>
-          <a:spcPct val="90000"/>
+          <a:spcPct val="120000"/>
         </a:lnSpc>
         <a:spcBef>
-          <a:spcPts val="200"/>
+          <a:spcPts val="500"/>
         </a:spcBef>
-        <a:spcAft>
-          <a:spcPts val="400"/>
-        </a:spcAft>
         <a:buClr>
           <a:schemeClr val="tx1"/>
         </a:buClr>
-        <a:buFont typeface="Wingdings" pitchFamily="2" charset="2"/>
-        <a:buChar char=""/>
-        <a:defRPr sz="2000" kern="1200">
+        <a:buFont typeface="Arial" panose="020B0604020202020204" pitchFamily="34" charset="0"/>
+        <a:buChar char="•"/>
+        <a:defRPr sz="1800" kern="1200" cap="all" baseline="0">
           <a:solidFill>
             <a:schemeClr val="tx1"/>
           </a:solidFill>
+          <a:effectLst/>
           <a:latin typeface="+mn-lt"/>
           <a:ea typeface="+mn-ea"/>
           <a:cs typeface="+mn-cs"/>
         </a:defRPr>
       </a:lvl2pPr>
-      <a:lvl3pPr marL="640080" indent="-182880" algn="l" defTabSz="914400" rtl="0" eaLnBrk="1" latinLnBrk="0" hangingPunct="1">
+      <a:lvl3pPr marL="1143000" indent="-228600" algn="l" defTabSz="914400" rtl="0" eaLnBrk="1" latinLnBrk="0" hangingPunct="1">
         <a:lnSpc>
-          <a:spcPct val="90000"/>
+          <a:spcPct val="120000"/>
         </a:lnSpc>
         <a:spcBef>
-          <a:spcPts val="200"/>
+          <a:spcPts val="500"/>
         </a:spcBef>
-        <a:spcAft>
-          <a:spcPts val="400"/>
-        </a:spcAft>
         <a:buClr>
           <a:schemeClr val="tx1"/>
         </a:buClr>
-        <a:buFont typeface="Wingdings" pitchFamily="2" charset="2"/>
-        <a:buChar char=""/>
-        <a:defRPr sz="1800" kern="1200">
+        <a:buFont typeface="Arial" panose="020B0604020202020204" pitchFamily="34" charset="0"/>
+        <a:buChar char="•"/>
+        <a:defRPr sz="1600" kern="1200" cap="all" baseline="0">
           <a:solidFill>
             <a:schemeClr val="tx1"/>
           </a:solidFill>
+          <a:effectLst/>
           <a:latin typeface="+mn-lt"/>
           <a:ea typeface="+mn-ea"/>
           <a:cs typeface="+mn-cs"/>
         </a:defRPr>
       </a:lvl3pPr>
-      <a:lvl4pPr marL="868680" indent="-182880" algn="l" defTabSz="914400" rtl="0" eaLnBrk="1" latinLnBrk="0" hangingPunct="1">
+      <a:lvl4pPr marL="1600200" indent="-228600" algn="l" defTabSz="914400" rtl="0" eaLnBrk="1" latinLnBrk="0" hangingPunct="1">
         <a:lnSpc>
-          <a:spcPct val="90000"/>
+          <a:spcPct val="120000"/>
         </a:lnSpc>
         <a:spcBef>
-          <a:spcPts val="200"/>
+          <a:spcPts val="500"/>
         </a:spcBef>
-        <a:spcAft>
-          <a:spcPts val="400"/>
-        </a:spcAft>
         <a:buClr>
           <a:schemeClr val="tx1"/>
         </a:buClr>
-        <a:buFont typeface="Wingdings" pitchFamily="2" charset="2"/>
-        <a:buChar char=""/>
-        <a:defRPr sz="1600" kern="1200">
+        <a:buFont typeface="Arial" panose="020B0604020202020204" pitchFamily="34" charset="0"/>
+        <a:buChar char="•"/>
+        <a:defRPr sz="1400" kern="1200" cap="all" baseline="0">
           <a:solidFill>
             <a:schemeClr val="tx1"/>
           </a:solidFill>
+          <a:effectLst/>
           <a:latin typeface="+mn-lt"/>
           <a:ea typeface="+mn-ea"/>
           <a:cs typeface="+mn-cs"/>
         </a:defRPr>
       </a:lvl4pPr>
-      <a:lvl5pPr marL="1097280" indent="-182880" algn="l" defTabSz="914400" rtl="0" eaLnBrk="1" latinLnBrk="0" hangingPunct="1">
+      <a:lvl5pPr marL="2057400" indent="-228600" algn="l" defTabSz="914400" rtl="0" eaLnBrk="1" latinLnBrk="0" hangingPunct="1">
         <a:lnSpc>
-          <a:spcPct val="90000"/>
+          <a:spcPct val="120000"/>
         </a:lnSpc>
         <a:spcBef>
-          <a:spcPts val="200"/>
+          <a:spcPts val="500"/>
         </a:spcBef>
-        <a:spcAft>
-          <a:spcPts val="400"/>
-        </a:spcAft>
         <a:buClr>
           <a:schemeClr val="tx1"/>
         </a:buClr>
-        <a:buFont typeface="Wingdings" pitchFamily="2" charset="2"/>
-        <a:buChar char=""/>
-        <a:defRPr sz="1600" kern="1200">
+        <a:buFont typeface="Arial" panose="020B0604020202020204" pitchFamily="34" charset="0"/>
+        <a:buChar char="•"/>
+        <a:defRPr sz="1400" kern="1200" cap="all" baseline="0">
           <a:solidFill>
             <a:schemeClr val="tx1"/>
           </a:solidFill>
+          <a:effectLst/>
           <a:latin typeface="+mn-lt"/>
           <a:ea typeface="+mn-ea"/>
           <a:cs typeface="+mn-cs"/>
         </a:defRPr>
       </a:lvl5pPr>
-      <a:lvl6pPr marL="1284600" indent="-228600" algn="l" defTabSz="914400" rtl="0" eaLnBrk="1" latinLnBrk="0" hangingPunct="1">
+      <a:lvl6pPr marL="2514600" indent="-228600" algn="l" defTabSz="914400" rtl="0" eaLnBrk="1" latinLnBrk="0" hangingPunct="1">
         <a:lnSpc>
-          <a:spcPct val="90000"/>
+          <a:spcPct val="120000"/>
         </a:lnSpc>
         <a:spcBef>
-          <a:spcPts val="200"/>
+          <a:spcPts val="500"/>
         </a:spcBef>
-        <a:spcAft>
-          <a:spcPts val="400"/>
-        </a:spcAft>
         <a:buClr>
           <a:schemeClr val="tx1"/>
         </a:buClr>
-        <a:buFont typeface="Wingdings" pitchFamily="2" charset="2"/>
-        <a:buChar char=""/>
-        <a:defRPr sz="1600" kern="1200">
+        <a:buFont typeface="Arial" panose="020B0604020202020204" pitchFamily="34" charset="0"/>
+        <a:buChar char="•"/>
+        <a:defRPr sz="1400" kern="1200" cap="all" baseline="0">
           <a:solidFill>
             <a:schemeClr val="tx1"/>
           </a:solidFill>
+          <a:effectLst/>
           <a:latin typeface="+mn-lt"/>
           <a:ea typeface="+mn-ea"/>
           <a:cs typeface="+mn-cs"/>
         </a:defRPr>
       </a:lvl6pPr>
-      <a:lvl7pPr marL="1471800" indent="-228600" algn="l" defTabSz="914400" rtl="0" eaLnBrk="1" latinLnBrk="0" hangingPunct="1">
+      <a:lvl7pPr marL="2971800" indent="-228600" algn="l" defTabSz="914400" rtl="0" eaLnBrk="1" latinLnBrk="0" hangingPunct="1">
         <a:lnSpc>
-          <a:spcPct val="90000"/>
+          <a:spcPct val="120000"/>
         </a:lnSpc>
         <a:spcBef>
-          <a:spcPts val="200"/>
+          <a:spcPts val="500"/>
         </a:spcBef>
-        <a:spcAft>
-          <a:spcPts val="400"/>
-        </a:spcAft>
         <a:buClr>
           <a:schemeClr val="tx1"/>
         </a:buClr>
-        <a:buFont typeface="Wingdings" pitchFamily="2" charset="2"/>
-        <a:buChar char=""/>
-        <a:defRPr sz="1600" kern="1200">
+        <a:buFont typeface="Arial" panose="020B0604020202020204" pitchFamily="34" charset="0"/>
+        <a:buChar char="•"/>
+        <a:defRPr sz="1400" kern="1200" cap="all" baseline="0">
           <a:solidFill>
             <a:schemeClr val="tx1"/>
           </a:solidFill>
+          <a:effectLst/>
           <a:latin typeface="+mn-lt"/>
           <a:ea typeface="+mn-ea"/>
           <a:cs typeface="+mn-cs"/>
         </a:defRPr>
       </a:lvl7pPr>
-      <a:lvl8pPr marL="1629000" indent="-228600" algn="l" defTabSz="914400" rtl="0" eaLnBrk="1" latinLnBrk="0" hangingPunct="1">
+      <a:lvl8pPr marL="3429000" indent="-228600" algn="l" defTabSz="914400" rtl="0" eaLnBrk="1" latinLnBrk="0" hangingPunct="1">
         <a:lnSpc>
-          <a:spcPct val="90000"/>
+          <a:spcPct val="120000"/>
         </a:lnSpc>
         <a:spcBef>
-          <a:spcPts val="200"/>
+          <a:spcPts val="500"/>
         </a:spcBef>
-        <a:spcAft>
-          <a:spcPts val="400"/>
-        </a:spcAft>
         <a:buClr>
           <a:schemeClr val="tx1"/>
         </a:buClr>
-        <a:buFont typeface="Wingdings" pitchFamily="2" charset="2"/>
-        <a:buChar char=""/>
-        <a:defRPr sz="1600" kern="1200">
+        <a:buFont typeface="Arial" panose="020B0604020202020204" pitchFamily="34" charset="0"/>
+        <a:buChar char="•"/>
+        <a:defRPr sz="1400" kern="1200" cap="all" baseline="0">
           <a:solidFill>
             <a:schemeClr val="tx1"/>
           </a:solidFill>
+          <a:effectLst/>
           <a:latin typeface="+mn-lt"/>
           <a:ea typeface="+mn-ea"/>
           <a:cs typeface="+mn-cs"/>
         </a:defRPr>
       </a:lvl8pPr>
-      <a:lvl9pPr marL="1806200" indent="-228600" algn="l" defTabSz="914400" rtl="0" eaLnBrk="1" latinLnBrk="0" hangingPunct="1">
+      <a:lvl9pPr marL="3886200" indent="-228600" algn="l" defTabSz="914400" rtl="0" eaLnBrk="1" latinLnBrk="0" hangingPunct="1">
         <a:lnSpc>
-          <a:spcPct val="90000"/>
+          <a:spcPct val="120000"/>
         </a:lnSpc>
         <a:spcBef>
-          <a:spcPts val="200"/>
+          <a:spcPts val="500"/>
         </a:spcBef>
-        <a:spcAft>
-          <a:spcPts val="400"/>
-        </a:spcAft>
         <a:buClr>
           <a:schemeClr val="tx1"/>
         </a:buClr>
-        <a:buFont typeface="Wingdings" pitchFamily="2" charset="2"/>
-        <a:buChar char=""/>
-        <a:defRPr sz="1600" kern="1200">
+        <a:buFont typeface="Arial" panose="020B0604020202020204" pitchFamily="34" charset="0"/>
+        <a:buChar char="•"/>
+        <a:defRPr sz="1400" kern="1200" cap="all" baseline="0">
           <a:solidFill>
             <a:schemeClr val="tx1"/>
           </a:solidFill>
+          <a:effectLst/>
           <a:latin typeface="+mn-lt"/>
           <a:ea typeface="+mn-ea"/>
           <a:cs typeface="+mn-cs"/>
@@ -3457,7 +6246,7 @@
             <a:spLocks noGrp="1"/>
           </p:cNvSpPr>
           <p:nvPr>
-            <p:ph idx="1"/>
+            <p:ph sz="quarter" idx="13"/>
           </p:nvPr>
         </p:nvSpPr>
         <p:spPr/>
@@ -3578,7 +6367,7 @@
             <a:spLocks noGrp="1"/>
           </p:cNvSpPr>
           <p:nvPr>
-            <p:ph idx="1"/>
+            <p:ph sz="quarter" idx="13"/>
           </p:nvPr>
         </p:nvSpPr>
         <p:spPr/>
@@ -3650,7 +6439,7 @@
             <a:spLocks noGrp="1"/>
           </p:cNvSpPr>
           <p:nvPr>
-            <p:ph idx="1"/>
+            <p:ph sz="quarter" idx="13"/>
           </p:nvPr>
         </p:nvSpPr>
         <p:spPr/>
@@ -3719,25 +6508,6 @@
               <a:t>Architecture design</a:t>
             </a:r>
             <a:endParaRPr lang="en-SG" dirty="0"/>
-          </a:p>
-        </p:txBody>
-      </p:sp>
-      <p:sp>
-        <p:nvSpPr>
-          <p:cNvPr id="3" name="Content Placeholder 2"/>
-          <p:cNvSpPr>
-            <a:spLocks noGrp="1"/>
-          </p:cNvSpPr>
-          <p:nvPr>
-            <p:ph idx="1"/>
-          </p:nvPr>
-        </p:nvSpPr>
-        <p:spPr/>
-        <p:txBody>
-          <a:bodyPr/>
-          <a:lstStyle/>
-          <a:p>
-            <a:endParaRPr lang="en-SG"/>
           </a:p>
         </p:txBody>
       </p:sp>
@@ -3873,8 +6643,8 @@
           </p:nvSpPr>
           <p:spPr>
             <a:xfrm>
-              <a:off x="5539404" y="1922721"/>
-              <a:ext cx="1294108" cy="671076"/>
+              <a:off x="5539403" y="1922721"/>
+              <a:ext cx="1422029" cy="671076"/>
             </a:xfrm>
             <a:prstGeom prst="rect">
               <a:avLst/>
@@ -3928,8 +6698,8 @@
           </p:nvSpPr>
           <p:spPr>
             <a:xfrm>
-              <a:off x="7253542" y="1922721"/>
-              <a:ext cx="1294108" cy="671076"/>
+              <a:off x="7253541" y="1922721"/>
+              <a:ext cx="1453271" cy="671076"/>
             </a:xfrm>
             <a:prstGeom prst="rect">
               <a:avLst/>
@@ -3983,8 +6753,8 @@
           </p:nvSpPr>
           <p:spPr>
             <a:xfrm>
-              <a:off x="6452457" y="2936181"/>
-              <a:ext cx="1294108" cy="671076"/>
+              <a:off x="6452456" y="2936181"/>
+              <a:ext cx="1446943" cy="671076"/>
             </a:xfrm>
             <a:prstGeom prst="rect">
               <a:avLst/>
@@ -4148,8 +6918,8 @@
           </p:nvSpPr>
           <p:spPr>
             <a:xfrm>
-              <a:off x="9711883" y="2107387"/>
-              <a:ext cx="1294108" cy="671076"/>
+              <a:off x="9711882" y="2107387"/>
+              <a:ext cx="1439343" cy="671076"/>
             </a:xfrm>
             <a:prstGeom prst="rect">
               <a:avLst/>
@@ -4451,6 +7221,61 @@
           </p:style>
         </p:cxnSp>
       </p:grpSp>
+      <p:sp>
+        <p:nvSpPr>
+          <p:cNvPr id="19" name="Rectangle 18"/>
+          <p:cNvSpPr/>
+          <p:nvPr/>
+        </p:nvSpPr>
+        <p:spPr>
+          <a:xfrm>
+            <a:off x="3317124" y="3443724"/>
+            <a:ext cx="1294108" cy="671076"/>
+          </a:xfrm>
+          <a:prstGeom prst="rect">
+            <a:avLst/>
+          </a:prstGeom>
+          <a:solidFill>
+            <a:schemeClr val="bg1"/>
+          </a:solidFill>
+        </p:spPr>
+        <p:style>
+          <a:lnRef idx="2">
+            <a:schemeClr val="accent1">
+              <a:shade val="50000"/>
+            </a:schemeClr>
+          </a:lnRef>
+          <a:fillRef idx="1">
+            <a:schemeClr val="accent1"/>
+          </a:fillRef>
+          <a:effectRef idx="0">
+            <a:schemeClr val="accent1"/>
+          </a:effectRef>
+          <a:fontRef idx="minor">
+            <a:schemeClr val="lt1"/>
+          </a:fontRef>
+        </p:style>
+        <p:txBody>
+          <a:bodyPr rtlCol="0" anchor="ctr"/>
+          <a:lstStyle/>
+          <a:p>
+            <a:pPr algn="ctr"/>
+            <a:r>
+              <a:rPr lang="en-SG" dirty="0" smtClean="0">
+                <a:solidFill>
+                  <a:schemeClr val="tx1"/>
+                </a:solidFill>
+              </a:rPr>
+              <a:t>Façade Pattern</a:t>
+            </a:r>
+            <a:endParaRPr lang="en-SG" dirty="0">
+              <a:solidFill>
+                <a:schemeClr val="tx1"/>
+              </a:solidFill>
+            </a:endParaRPr>
+          </a:p>
+        </p:txBody>
+      </p:sp>
     </p:spTree>
     <p:extLst>
       <p:ext uri="{BB962C8B-B14F-4D97-AF65-F5344CB8AC3E}">
@@ -4511,25 +7336,30 @@
           </a:p>
         </p:txBody>
       </p:sp>
-      <p:sp>
-        <p:nvSpPr>
-          <p:cNvPr id="3" name="Content Placeholder 2"/>
-          <p:cNvSpPr>
-            <a:spLocks noGrp="1"/>
-          </p:cNvSpPr>
-          <p:nvPr>
-            <p:ph idx="1"/>
-          </p:nvPr>
-        </p:nvSpPr>
-        <p:spPr/>
-        <p:txBody>
-          <a:bodyPr/>
-          <a:lstStyle/>
-          <a:p>
-            <a:endParaRPr lang="en-SG"/>
-          </a:p>
-        </p:txBody>
-      </p:sp>
+      <p:pic>
+        <p:nvPicPr>
+          <p:cNvPr id="5" name="Picture 4"/>
+          <p:cNvPicPr>
+            <a:picLocks noChangeAspect="1"/>
+          </p:cNvPicPr>
+          <p:nvPr/>
+        </p:nvPicPr>
+        <p:blipFill>
+          <a:blip r:embed="rId2"/>
+          <a:stretch>
+            <a:fillRect/>
+          </a:stretch>
+        </p:blipFill>
+        <p:spPr>
+          <a:xfrm>
+            <a:off x="2709162" y="1851990"/>
+            <a:ext cx="6595875" cy="4220820"/>
+          </a:xfrm>
+          <a:prstGeom prst="rect">
+            <a:avLst/>
+          </a:prstGeom>
+        </p:spPr>
+      </p:pic>
     </p:spTree>
     <p:extLst>
       <p:ext uri="{BB962C8B-B14F-4D97-AF65-F5344CB8AC3E}">
@@ -4593,7 +7423,7 @@
             <a:spLocks noGrp="1"/>
           </p:cNvSpPr>
           <p:nvPr>
-            <p:ph idx="1"/>
+            <p:ph sz="quarter" idx="13"/>
           </p:nvPr>
         </p:nvSpPr>
         <p:spPr/>
@@ -4615,62 +7445,104 @@
   <p:clrMapOvr>
     <a:masterClrMapping/>
   </p:clrMapOvr>
+  <p:timing>
+    <p:tnLst>
+      <p:par>
+        <p:cTn id="1" dur="indefinite" restart="never" nodeType="tmRoot"/>
+      </p:par>
+    </p:tnLst>
+  </p:timing>
 </p:sld>
 </file>
 
 <file path=ppt/theme/theme1.xml><?xml version="1.0" encoding="utf-8"?>
-<a:theme xmlns:a="http://schemas.openxmlformats.org/drawingml/2006/main" name="Banded">
+<a:theme xmlns:a="http://schemas.openxmlformats.org/drawingml/2006/main" name="Droplet">
   <a:themeElements>
-    <a:clrScheme name="Banded">
+    <a:clrScheme name="Droplet">
       <a:dk1>
-        <a:srgbClr val="2C2C2C"/>
+        <a:sysClr val="windowText" lastClr="000000"/>
       </a:dk1>
       <a:lt1>
-        <a:srgbClr val="FFFFFF"/>
+        <a:sysClr val="window" lastClr="FFFFFF"/>
       </a:lt1>
       <a:dk2>
-        <a:srgbClr val="099BDD"/>
+        <a:srgbClr val="355071"/>
       </a:dk2>
       <a:lt2>
-        <a:srgbClr val="F2F2F2"/>
+        <a:srgbClr val="AABED7"/>
       </a:lt2>
       <a:accent1>
-        <a:srgbClr val="FFC000"/>
+        <a:srgbClr val="2FA3EE"/>
       </a:accent1>
       <a:accent2>
-        <a:srgbClr val="A5D028"/>
+        <a:srgbClr val="4BCAAD"/>
       </a:accent2>
       <a:accent3>
-        <a:srgbClr val="08CC78"/>
+        <a:srgbClr val="86C157"/>
       </a:accent3>
       <a:accent4>
-        <a:srgbClr val="F24099"/>
+        <a:srgbClr val="D99C3F"/>
       </a:accent4>
       <a:accent5>
-        <a:srgbClr val="828288"/>
+        <a:srgbClr val="CE6633"/>
       </a:accent5>
       <a:accent6>
-        <a:srgbClr val="F56617"/>
+        <a:srgbClr val="A35DD1"/>
       </a:accent6>
       <a:hlink>
-        <a:srgbClr val="005DBA"/>
+        <a:srgbClr val="56BCFE"/>
       </a:hlink>
       <a:folHlink>
-        <a:srgbClr val="6C606A"/>
+        <a:srgbClr val="97C5E3"/>
       </a:folHlink>
     </a:clrScheme>
-    <a:fontScheme name="Banded">
+    <a:fontScheme name="Droplet">
       <a:majorFont>
-        <a:latin typeface="Corbel" panose="020B0503020204020204"/>
+        <a:latin typeface="Tw Cen MT" panose="020B0602020104020603"/>
         <a:ea typeface=""/>
         <a:cs typeface=""/>
-        <a:font script="Jpan" typeface="ＭＳ ゴシック"/>
+        <a:font script="Jpan" typeface="ＭＳ Ｐゴシック"/>
         <a:font script="Hang" typeface="맑은 고딕"/>
         <a:font script="Hans" typeface="宋体"/>
         <a:font script="Hant" typeface="新細明體"/>
-        <a:font script="Arab" typeface="Tahoma"/>
-        <a:font script="Hebr" typeface="Gisha"/>
-        <a:font script="Thai" typeface="DilleniaUPC"/>
+        <a:font script="Arab" typeface="Times New Roman"/>
+        <a:font script="Hebr" typeface="Times New Roman"/>
+        <a:font script="Thai" typeface="Angsana New"/>
+        <a:font script="Ethi" typeface="Nyala"/>
+        <a:font script="Beng" typeface="Vrinda"/>
+        <a:font script="Gujr" typeface="Shruti"/>
+        <a:font script="Khmr" typeface="MoolBoran"/>
+        <a:font script="Knda" typeface="Tunga"/>
+        <a:font script="Guru" typeface="Raavi"/>
+        <a:font script="Cans" typeface="Euphemia"/>
+        <a:font script="Cher" typeface="Plantagenet Cherokee"/>
+        <a:font script="Yiii" typeface="Microsoft Yi Baiti"/>
+        <a:font script="Tibt" typeface="Microsoft Himalaya"/>
+        <a:font script="Thaa" typeface="MV Boli"/>
+        <a:font script="Deva" typeface="Mangal"/>
+        <a:font script="Telu" typeface="Gautami"/>
+        <a:font script="Taml" typeface="Latha"/>
+        <a:font script="Syrc" typeface="Estrangelo Edessa"/>
+        <a:font script="Orya" typeface="Kalinga"/>
+        <a:font script="Mlym" typeface="Kartika"/>
+        <a:font script="Laoo" typeface="DokChampa"/>
+        <a:font script="Sinh" typeface="Iskoola Pota"/>
+        <a:font script="Mong" typeface="Mongolian Baiti"/>
+        <a:font script="Viet" typeface="Times New Roman"/>
+        <a:font script="Uigh" typeface="Microsoft Uighur"/>
+        <a:font script="Geor" typeface="Sylfaen"/>
+      </a:majorFont>
+      <a:minorFont>
+        <a:latin typeface="Tw Cen MT" panose="020B0602020104020603"/>
+        <a:ea typeface=""/>
+        <a:cs typeface=""/>
+        <a:font script="Jpan" typeface="ＭＳ Ｐゴシック"/>
+        <a:font script="Hang" typeface="맑은 고딕"/>
+        <a:font script="Hans" typeface="宋体"/>
+        <a:font script="Hant" typeface="新細明體"/>
+        <a:font script="Arab" typeface="Arial"/>
+        <a:font script="Hebr" typeface="Arial"/>
+        <a:font script="Thai" typeface="Cordia New"/>
         <a:font script="Ethi" typeface="Nyala"/>
         <a:font script="Beng" typeface="Vrinda"/>
         <a:font script="Gujr" typeface="Shruti"/>
@@ -4691,97 +7563,43 @@
         <a:font script="Laoo" typeface="DokChampa"/>
         <a:font script="Sinh" typeface="Iskoola Pota"/>
         <a:font script="Mong" typeface="Mongolian Baiti"/>
-        <a:font script="Viet" typeface="Tahoma"/>
-        <a:font script="Uigh" typeface="Microsoft Uighur"/>
-        <a:font script="Geor" typeface="Sylfaen"/>
-      </a:majorFont>
-      <a:minorFont>
-        <a:latin typeface="Corbel" panose="020B0503020204020204"/>
-        <a:ea typeface=""/>
-        <a:cs typeface=""/>
-        <a:font script="Jpan" typeface="ＭＳ ゴシック"/>
-        <a:font script="Hang" typeface="맑은 고딕"/>
-        <a:font script="Hans" typeface="宋体"/>
-        <a:font script="Hant" typeface="新細明體"/>
-        <a:font script="Arab" typeface="Tahoma"/>
-        <a:font script="Hebr" typeface="Gisha"/>
-        <a:font script="Thai" typeface="DilleniaUPC"/>
-        <a:font script="Ethi" typeface="Nyala"/>
-        <a:font script="Beng" typeface="Vrinda"/>
-        <a:font script="Gujr" typeface="Shruti"/>
-        <a:font script="Khmr" typeface="DaunPenh"/>
-        <a:font script="Knda" typeface="Tunga"/>
-        <a:font script="Guru" typeface="Raavi"/>
-        <a:font script="Cans" typeface="Euphemia"/>
-        <a:font script="Cher" typeface="Plantagenet Cherokee"/>
-        <a:font script="Yiii" typeface="Microsoft Yi Baiti"/>
-        <a:font script="Tibt" typeface="Microsoft Himalaya"/>
-        <a:font script="Thaa" typeface="MV Boli"/>
-        <a:font script="Deva" typeface="Mangal"/>
-        <a:font script="Telu" typeface="Gautami"/>
-        <a:font script="Taml" typeface="Latha"/>
-        <a:font script="Syrc" typeface="Estrangelo Edessa"/>
-        <a:font script="Orya" typeface="Kalinga"/>
-        <a:font script="Mlym" typeface="Kartika"/>
-        <a:font script="Laoo" typeface="DokChampa"/>
-        <a:font script="Sinh" typeface="Iskoola Pota"/>
-        <a:font script="Mong" typeface="Mongolian Baiti"/>
-        <a:font script="Viet" typeface="Verdana"/>
+        <a:font script="Viet" typeface="Arial"/>
         <a:font script="Uigh" typeface="Microsoft Uighur"/>
         <a:font script="Geor" typeface="Sylfaen"/>
       </a:minorFont>
     </a:fontScheme>
-    <a:fmtScheme name="Banded">
+    <a:fmtScheme name="Droplet">
       <a:fillStyleLst>
         <a:solidFill>
           <a:schemeClr val="phClr"/>
+        </a:solidFill>
+        <a:solidFill>
+          <a:schemeClr val="phClr">
+            <a:tint val="69000"/>
+            <a:satMod val="105000"/>
+            <a:lumMod val="110000"/>
+          </a:schemeClr>
         </a:solidFill>
         <a:gradFill rotWithShape="1">
           <a:gsLst>
             <a:gs pos="0">
               <a:schemeClr val="phClr">
-                <a:tint val="65000"/>
-                <a:satMod val="120000"/>
-                <a:lumMod val="107000"/>
+                <a:tint val="94000"/>
+                <a:satMod val="100000"/>
+                <a:lumMod val="108000"/>
               </a:schemeClr>
             </a:gs>
             <a:gs pos="50000">
               <a:schemeClr val="phClr">
-                <a:tint val="70000"/>
-                <a:satMod val="124000"/>
-                <a:lumMod val="103000"/>
-              </a:schemeClr>
-            </a:gs>
-            <a:gs pos="100000">
-              <a:schemeClr val="phClr">
-                <a:tint val="85000"/>
-                <a:satMod val="120000"/>
-                <a:lumMod val="100000"/>
-              </a:schemeClr>
-            </a:gs>
-          </a:gsLst>
-          <a:lin ang="5400000" scaled="0"/>
-        </a:gradFill>
-        <a:gradFill rotWithShape="1">
-          <a:gsLst>
-            <a:gs pos="0">
-              <a:schemeClr val="phClr">
-                <a:tint val="85000"/>
-                <a:shade val="98000"/>
-                <a:satMod val="110000"/>
-                <a:lumMod val="103000"/>
-              </a:schemeClr>
-            </a:gs>
-            <a:gs pos="50000">
-              <a:schemeClr val="phClr">
-                <a:shade val="85000"/>
-                <a:satMod val="105000"/>
+                <a:tint val="98000"/>
+                <a:shade val="100000"/>
+                <a:satMod val="100000"/>
                 <a:lumMod val="100000"/>
               </a:schemeClr>
             </a:gs>
             <a:gs pos="100000">
               <a:schemeClr val="phClr">
-                <a:shade val="60000"/>
+                <a:shade val="72000"/>
                 <a:satMod val="120000"/>
                 <a:lumMod val="100000"/>
               </a:schemeClr>
@@ -4793,17 +7611,19 @@
       <a:lnStyleLst>
         <a:ln w="9525" cap="flat" cmpd="sng" algn="ctr">
           <a:solidFill>
-            <a:schemeClr val="phClr"/>
+            <a:schemeClr val="phClr">
+              <a:shade val="60000"/>
+            </a:schemeClr>
           </a:solidFill>
           <a:prstDash val="solid"/>
         </a:ln>
-        <a:ln w="12700" cap="flat" cmpd="sng" algn="ctr">
+        <a:ln w="15875" cap="flat" cmpd="sng" algn="ctr">
           <a:solidFill>
             <a:schemeClr val="phClr"/>
           </a:solidFill>
           <a:prstDash val="solid"/>
         </a:ln>
-        <a:ln w="25400" cap="flat" cmpd="sng" algn="ctr">
+        <a:ln w="22225" cap="flat" cmpd="sng" algn="ctr">
           <a:solidFill>
             <a:schemeClr val="phClr"/>
           </a:solidFill>
@@ -4816,52 +7636,71 @@
         </a:effectStyle>
         <a:effectStyle>
           <a:effectLst>
-            <a:outerShdw blurRad="50800" dist="15875" dir="5400000" algn="ctr" rotWithShape="0">
+            <a:outerShdw blurRad="50800" dist="25400" dir="5400000" rotWithShape="0">
               <a:srgbClr val="000000">
-                <a:alpha val="68000"/>
+                <a:alpha val="28000"/>
               </a:srgbClr>
             </a:outerShdw>
           </a:effectLst>
         </a:effectStyle>
         <a:effectStyle>
           <a:effectLst>
-            <a:outerShdw blurRad="88900" dist="27940" dir="5400000" algn="ctr" rotWithShape="0">
+            <a:outerShdw blurRad="63500" dist="25400" dir="5400000" algn="ctr" rotWithShape="0">
               <a:srgbClr val="000000">
-                <a:alpha val="63000"/>
+                <a:alpha val="69000"/>
               </a:srgbClr>
             </a:outerShdw>
           </a:effectLst>
+          <a:scene3d>
+            <a:camera prst="orthographicFront">
+              <a:rot lat="0" lon="0" rev="0"/>
+            </a:camera>
+            <a:lightRig rig="balanced" dir="t">
+              <a:rot lat="0" lon="0" rev="1200000"/>
+            </a:lightRig>
+          </a:scene3d>
+          <a:sp3d prstMaterial="plastic">
+            <a:bevelT w="25400" h="25400"/>
+          </a:sp3d>
         </a:effectStyle>
       </a:effectStyleLst>
       <a:bgFillStyleLst>
         <a:solidFill>
           <a:schemeClr val="phClr"/>
         </a:solidFill>
-        <a:blipFill rotWithShape="1">
-          <a:blip xmlns:r="http://schemas.openxmlformats.org/officeDocument/2006/relationships" r:embed="rId1">
-            <a:duotone>
-              <a:schemeClr val="phClr"/>
-              <a:schemeClr val="phClr">
-                <a:shade val="91000"/>
-                <a:satMod val="105000"/>
-              </a:schemeClr>
-            </a:duotone>
-          </a:blip>
-          <a:tile tx="0" ty="0" sx="100000" sy="100000" flip="none" algn="tl"/>
-        </a:blipFill>
         <a:gradFill rotWithShape="1">
           <a:gsLst>
             <a:gs pos="0">
               <a:schemeClr val="phClr">
-                <a:tint val="100000"/>
-                <a:shade val="0"/>
-                <a:satMod val="100000"/>
+                <a:tint val="90000"/>
+                <a:lumMod val="110000"/>
               </a:schemeClr>
             </a:gs>
             <a:gs pos="100000">
               <a:schemeClr val="phClr">
+                <a:shade val="64000"/>
+                <a:lumMod val="88000"/>
+              </a:schemeClr>
+            </a:gs>
+          </a:gsLst>
+          <a:lin ang="5400000" scaled="0"/>
+        </a:gradFill>
+        <a:gradFill rotWithShape="1">
+          <a:gsLst>
+            <a:gs pos="0">
+              <a:schemeClr val="phClr">
+                <a:tint val="84000"/>
                 <a:shade val="100000"/>
-                <a:satMod val="100000"/>
+                <a:hueMod val="130000"/>
+                <a:satMod val="150000"/>
+                <a:lumMod val="112000"/>
+              </a:schemeClr>
+            </a:gs>
+            <a:gs pos="100000">
+              <a:schemeClr val="phClr">
+                <a:shade val="92000"/>
+                <a:satMod val="140000"/>
+                <a:lumMod val="110000"/>
               </a:schemeClr>
             </a:gs>
           </a:gsLst>
@@ -4874,7 +7713,7 @@
   <a:extraClrSchemeLst/>
   <a:extLst>
     <a:ext uri="{05A4C25C-085E-4340-85A3-A5531E510DB2}">
-      <thm15:themeFamily xmlns:thm15="http://schemas.microsoft.com/office/thememl/2012/main" name="Banded" id="{98DFF888-2449-4D28-977C-6306C017633E}" vid="{9792607F-9579-4224-82FF-9C88C3E1E53D}"/>
+      <thm15:themeFamily xmlns:thm15="http://schemas.microsoft.com/office/thememl/2012/main" name="Droplet" id="{8984A317-299A-4E50-B45D-BFC9EDE2337A}" vid="{A633B6A3-9E7F-4C10-9C98-2517A3134361}"/>
     </a:ext>
   </a:extLst>
 </a:theme>

--- a/Doc/Active_Learning_Group4_Presentation.pptx
+++ b/Doc/Active_Learning_Group4_Presentation.pptx
@@ -6,7 +6,7 @@
   </p:sldMasterIdLst>
   <p:sldIdLst>
     <p:sldId id="256" r:id="rId2"/>
-    <p:sldId id="257" r:id="rId3"/>
+    <p:sldId id="263" r:id="rId3"/>
     <p:sldId id="258" r:id="rId4"/>
     <p:sldId id="259" r:id="rId5"/>
     <p:sldId id="260" r:id="rId6"/>
@@ -289,7 +289,7 @@
           <a:p>
             <a:fld id="{35353A16-1612-44AE-956B-9D31A9289F5F}" type="datetimeFigureOut">
               <a:rPr lang="en-SG" smtClean="0"/>
-              <a:t>23/4/2016</a:t>
+              <a:t>24/4/2016</a:t>
             </a:fld>
             <a:endParaRPr lang="en-SG"/>
           </a:p>
@@ -601,7 +601,7 @@
           <a:p>
             <a:fld id="{35353A16-1612-44AE-956B-9D31A9289F5F}" type="datetimeFigureOut">
               <a:rPr lang="en-SG" smtClean="0"/>
-              <a:t>23/4/2016</a:t>
+              <a:t>24/4/2016</a:t>
             </a:fld>
             <a:endParaRPr lang="en-SG"/>
           </a:p>
@@ -823,7 +823,7 @@
           <a:p>
             <a:fld id="{35353A16-1612-44AE-956B-9D31A9289F5F}" type="datetimeFigureOut">
               <a:rPr lang="en-SG" smtClean="0"/>
-              <a:t>23/4/2016</a:t>
+              <a:t>24/4/2016</a:t>
             </a:fld>
             <a:endParaRPr lang="en-SG"/>
           </a:p>
@@ -1114,7 +1114,7 @@
           <a:p>
             <a:fld id="{35353A16-1612-44AE-956B-9D31A9289F5F}" type="datetimeFigureOut">
               <a:rPr lang="en-SG" smtClean="0"/>
-              <a:t>23/4/2016</a:t>
+              <a:t>24/4/2016</a:t>
             </a:fld>
             <a:endParaRPr lang="en-SG"/>
           </a:p>
@@ -1568,7 +1568,7 @@
           <a:p>
             <a:fld id="{35353A16-1612-44AE-956B-9D31A9289F5F}" type="datetimeFigureOut">
               <a:rPr lang="en-SG" smtClean="0"/>
-              <a:t>23/4/2016</a:t>
+              <a:t>24/4/2016</a:t>
             </a:fld>
             <a:endParaRPr lang="en-SG"/>
           </a:p>
@@ -2144,7 +2144,7 @@
           <a:p>
             <a:fld id="{35353A16-1612-44AE-956B-9D31A9289F5F}" type="datetimeFigureOut">
               <a:rPr lang="en-SG" smtClean="0"/>
-              <a:t>23/4/2016</a:t>
+              <a:t>24/4/2016</a:t>
             </a:fld>
             <a:endParaRPr lang="en-SG"/>
           </a:p>
@@ -2996,7 +2996,7 @@
           <a:p>
             <a:fld id="{35353A16-1612-44AE-956B-9D31A9289F5F}" type="datetimeFigureOut">
               <a:rPr lang="en-SG" smtClean="0"/>
-              <a:t>23/4/2016</a:t>
+              <a:t>24/4/2016</a:t>
             </a:fld>
             <a:endParaRPr lang="en-SG"/>
           </a:p>
@@ -3201,7 +3201,7 @@
           <a:p>
             <a:fld id="{35353A16-1612-44AE-956B-9D31A9289F5F}" type="datetimeFigureOut">
               <a:rPr lang="en-SG" smtClean="0"/>
-              <a:t>23/4/2016</a:t>
+              <a:t>24/4/2016</a:t>
             </a:fld>
             <a:endParaRPr lang="en-SG"/>
           </a:p>
@@ -3415,7 +3415,7 @@
           <a:p>
             <a:fld id="{35353A16-1612-44AE-956B-9D31A9289F5F}" type="datetimeFigureOut">
               <a:rPr lang="en-SG" smtClean="0"/>
-              <a:t>23/4/2016</a:t>
+              <a:t>24/4/2016</a:t>
             </a:fld>
             <a:endParaRPr lang="en-SG"/>
           </a:p>
@@ -3620,7 +3620,7 @@
           <a:p>
             <a:fld id="{35353A16-1612-44AE-956B-9D31A9289F5F}" type="datetimeFigureOut">
               <a:rPr lang="en-SG" smtClean="0"/>
-              <a:t>23/4/2016</a:t>
+              <a:t>24/4/2016</a:t>
             </a:fld>
             <a:endParaRPr lang="en-SG"/>
           </a:p>
@@ -3900,7 +3900,7 @@
           <a:p>
             <a:fld id="{35353A16-1612-44AE-956B-9D31A9289F5F}" type="datetimeFigureOut">
               <a:rPr lang="en-SG" smtClean="0"/>
-              <a:t>23/4/2016</a:t>
+              <a:t>24/4/2016</a:t>
             </a:fld>
             <a:endParaRPr lang="en-SG"/>
           </a:p>
@@ -4167,7 +4167,7 @@
           <a:p>
             <a:fld id="{35353A16-1612-44AE-956B-9D31A9289F5F}" type="datetimeFigureOut">
               <a:rPr lang="en-SG" smtClean="0"/>
-              <a:t>23/4/2016</a:t>
+              <a:t>24/4/2016</a:t>
             </a:fld>
             <a:endParaRPr lang="en-SG"/>
           </a:p>
@@ -4582,7 +4582,7 @@
           <a:p>
             <a:fld id="{35353A16-1612-44AE-956B-9D31A9289F5F}" type="datetimeFigureOut">
               <a:rPr lang="en-SG" smtClean="0"/>
-              <a:t>23/4/2016</a:t>
+              <a:t>24/4/2016</a:t>
             </a:fld>
             <a:endParaRPr lang="en-SG"/>
           </a:p>
@@ -4730,7 +4730,7 @@
           <a:p>
             <a:fld id="{35353A16-1612-44AE-956B-9D31A9289F5F}" type="datetimeFigureOut">
               <a:rPr lang="en-SG" smtClean="0"/>
-              <a:t>23/4/2016</a:t>
+              <a:t>24/4/2016</a:t>
             </a:fld>
             <a:endParaRPr lang="en-SG"/>
           </a:p>
@@ -4855,7 +4855,7 @@
           <a:p>
             <a:fld id="{35353A16-1612-44AE-956B-9D31A9289F5F}" type="datetimeFigureOut">
               <a:rPr lang="en-SG" smtClean="0"/>
-              <a:t>23/4/2016</a:t>
+              <a:t>24/4/2016</a:t>
             </a:fld>
             <a:endParaRPr lang="en-SG"/>
           </a:p>
@@ -5134,7 +5134,7 @@
           <a:p>
             <a:fld id="{35353A16-1612-44AE-956B-9D31A9289F5F}" type="datetimeFigureOut">
               <a:rPr lang="en-SG" smtClean="0"/>
-              <a:t>23/4/2016</a:t>
+              <a:t>24/4/2016</a:t>
             </a:fld>
             <a:endParaRPr lang="en-SG"/>
           </a:p>
@@ -5446,7 +5446,7 @@
           <a:p>
             <a:fld id="{35353A16-1612-44AE-956B-9D31A9289F5F}" type="datetimeFigureOut">
               <a:rPr lang="en-SG" smtClean="0"/>
-              <a:t>23/4/2016</a:t>
+              <a:t>24/4/2016</a:t>
             </a:fld>
             <a:endParaRPr lang="en-SG"/>
           </a:p>
@@ -5699,7 +5699,7 @@
           <a:p>
             <a:fld id="{35353A16-1612-44AE-956B-9D31A9289F5F}" type="datetimeFigureOut">
               <a:rPr lang="en-SG" smtClean="0"/>
-              <a:t>23/4/2016</a:t>
+              <a:t>24/4/2016</a:t>
             </a:fld>
             <a:endParaRPr lang="en-SG"/>
           </a:p>
@@ -6177,13 +6177,50 @@
         </p:nvSpPr>
         <p:spPr/>
         <p:txBody>
-          <a:bodyPr/>
+          <a:bodyPr>
+            <a:normAutofit fontScale="62500" lnSpcReduction="20000"/>
+          </a:bodyPr>
           <a:lstStyle/>
           <a:p>
             <a:r>
               <a:rPr lang="en-SG" dirty="0"/>
-              <a:t>Group 4</a:t>
-            </a:r>
+              <a:t>Group </a:t>
+            </a:r>
+            <a:r>
+              <a:rPr lang="en-SG" dirty="0" smtClean="0"/>
+              <a:t>4</a:t>
+            </a:r>
+          </a:p>
+          <a:p>
+            <a:r>
+              <a:rPr lang="en-SG" dirty="0"/>
+              <a:t>Koo Sheng Kiat</a:t>
+            </a:r>
+          </a:p>
+          <a:p>
+            <a:r>
+              <a:rPr lang="en-SG" dirty="0"/>
+              <a:t>Gong </a:t>
+            </a:r>
+            <a:r>
+              <a:rPr lang="en-SG" dirty="0" err="1"/>
+              <a:t>ShengLiang</a:t>
+            </a:r>
+            <a:endParaRPr lang="en-SG" dirty="0"/>
+          </a:p>
+          <a:p>
+            <a:r>
+              <a:rPr lang="en-SG" dirty="0"/>
+              <a:t>CHENG </a:t>
+            </a:r>
+            <a:r>
+              <a:rPr lang="en-SG" dirty="0" err="1"/>
+              <a:t>Hao</a:t>
+            </a:r>
+            <a:endParaRPr lang="en-SG" dirty="0" smtClean="0"/>
+          </a:p>
+          <a:p>
+            <a:endParaRPr lang="en-SG" dirty="0"/>
           </a:p>
         </p:txBody>
       </p:sp>
@@ -6197,6 +6234,13 @@
   <p:clrMapOvr>
     <a:masterClrMapping/>
   </p:clrMapOvr>
+  <p:timing>
+    <p:tnLst>
+      <p:par>
+        <p:cTn id="1" dur="indefinite" restart="never" nodeType="tmRoot"/>
+      </p:par>
+    </p:tnLst>
+  </p:timing>
 </p:sld>
 </file>
 
@@ -6254,69 +6298,61 @@
           <a:bodyPr/>
           <a:lstStyle/>
           <a:p>
-            <a:pPr marL="0" indent="0">
-              <a:buNone/>
-            </a:pPr>
-            <a:r>
-              <a:rPr lang="en-SG"/>
-              <a:t>o </a:t>
-            </a:r>
-            <a:r>
-              <a:rPr lang="en-SG" dirty="0"/>
-              <a:t>Short list of features</a:t>
-            </a:r>
-            <a:br>
-              <a:rPr lang="en-SG" dirty="0"/>
-            </a:br>
-            <a:r>
-              <a:rPr lang="en-SG" dirty="0"/>
-              <a:t>o Database design, domain model design</a:t>
-            </a:r>
-            <a:br>
-              <a:rPr lang="en-SG" dirty="0"/>
-            </a:br>
-            <a:r>
-              <a:rPr lang="en-SG" dirty="0"/>
-              <a:t>o One sequence diagram to show the end to end flow</a:t>
-            </a:r>
-            <a:br>
-              <a:rPr lang="en-SG" dirty="0"/>
-            </a:br>
-            <a:r>
-              <a:rPr lang="en-SG" dirty="0"/>
-              <a:t>o Some design choices that you want to highlight</a:t>
-            </a:r>
-            <a:br>
-              <a:rPr lang="en-SG" dirty="0"/>
-            </a:br>
-            <a:r>
-              <a:rPr lang="en-SG" dirty="0"/>
-              <a:t>o Application demonstration</a:t>
-            </a:r>
-            <a:br>
-              <a:rPr lang="en-SG" dirty="0"/>
-            </a:br>
-            <a:r>
-              <a:rPr lang="en-SG" dirty="0"/>
-              <a:t>o Code walkthrough</a:t>
-            </a:r>
-            <a:br>
-              <a:rPr lang="en-SG" dirty="0"/>
-            </a:br>
-            <a:endParaRPr lang="en-SG" dirty="0"/>
+            <a:r>
+              <a:rPr lang="en-SG" cap="none" dirty="0" smtClean="0"/>
+              <a:t>Features</a:t>
+            </a:r>
+          </a:p>
+          <a:p>
+            <a:r>
+              <a:rPr lang="en-SG" cap="none" dirty="0" smtClean="0"/>
+              <a:t>Database design, domain model design</a:t>
+            </a:r>
+          </a:p>
+          <a:p>
+            <a:r>
+              <a:rPr lang="en-SG" cap="none" dirty="0" smtClean="0"/>
+              <a:t>Architecture design</a:t>
+            </a:r>
+          </a:p>
+          <a:p>
+            <a:r>
+              <a:rPr lang="en-SG" cap="none" dirty="0" smtClean="0"/>
+              <a:t>Sequence diagram to show the end to end flow</a:t>
+            </a:r>
+          </a:p>
+          <a:p>
+            <a:r>
+              <a:rPr lang="en-SG" cap="none" dirty="0" smtClean="0"/>
+              <a:t>Application demonstration</a:t>
+            </a:r>
+          </a:p>
+          <a:p>
+            <a:r>
+              <a:rPr lang="en-SG" cap="none" dirty="0" smtClean="0"/>
+              <a:t>Code walkthrough</a:t>
+            </a:r>
+            <a:endParaRPr lang="en-SG" cap="none" dirty="0"/>
           </a:p>
         </p:txBody>
       </p:sp>
     </p:spTree>
     <p:extLst>
       <p:ext uri="{BB962C8B-B14F-4D97-AF65-F5344CB8AC3E}">
-        <p14:creationId xmlns:p14="http://schemas.microsoft.com/office/powerpoint/2010/main" val="4131859848"/>
+        <p14:creationId xmlns:p14="http://schemas.microsoft.com/office/powerpoint/2010/main" val="515672044"/>
       </p:ext>
     </p:extLst>
   </p:cSld>
   <p:clrMapOvr>
     <a:masterClrMapping/>
   </p:clrMapOvr>
+  <p:timing>
+    <p:tnLst>
+      <p:par>
+        <p:cTn id="1" dur="indefinite" restart="never" nodeType="tmRoot"/>
+      </p:par>
+    </p:tnLst>
+  </p:timing>
 </p:sld>
 </file>
 
@@ -6372,10 +6408,73 @@
         </p:nvSpPr>
         <p:spPr/>
         <p:txBody>
-          <a:bodyPr/>
-          <a:lstStyle/>
-          <a:p>
-            <a:endParaRPr lang="en-SG"/>
+          <a:bodyPr>
+            <a:normAutofit fontScale="92500" lnSpcReduction="10000"/>
+          </a:bodyPr>
+          <a:lstStyle/>
+          <a:p>
+            <a:r>
+              <a:rPr lang="en-SG" cap="none" dirty="0" smtClean="0"/>
+              <a:t>Administrator can manage instructors, students and courses</a:t>
+            </a:r>
+          </a:p>
+          <a:p>
+            <a:r>
+              <a:rPr lang="en-SG" cap="none" dirty="0" smtClean="0"/>
+              <a:t>Instructor</a:t>
+            </a:r>
+          </a:p>
+          <a:p>
+            <a:pPr lvl="1"/>
+            <a:r>
+              <a:rPr lang="en-SG" cap="none" dirty="0" smtClean="0"/>
+              <a:t>Upload/Download files</a:t>
+            </a:r>
+          </a:p>
+          <a:p>
+            <a:pPr lvl="1"/>
+            <a:r>
+              <a:rPr lang="en-SG" cap="none" dirty="0" smtClean="0"/>
+              <a:t>View quiz statistics</a:t>
+            </a:r>
+          </a:p>
+          <a:p>
+            <a:pPr lvl="1"/>
+            <a:r>
+              <a:rPr lang="en-SG" cap="none" dirty="0" smtClean="0"/>
+              <a:t>Enter chat</a:t>
+            </a:r>
+          </a:p>
+          <a:p>
+            <a:r>
+              <a:rPr lang="en-SG" cap="none" dirty="0" smtClean="0"/>
+              <a:t>Student</a:t>
+            </a:r>
+          </a:p>
+          <a:p>
+            <a:pPr lvl="1"/>
+            <a:r>
+              <a:rPr lang="en-SG" cap="none" dirty="0" smtClean="0"/>
+              <a:t>Download files</a:t>
+            </a:r>
+          </a:p>
+          <a:p>
+            <a:pPr lvl="1"/>
+            <a:r>
+              <a:rPr lang="en-SG" cap="none" dirty="0" smtClean="0"/>
+              <a:t>Answer quiz questions</a:t>
+            </a:r>
+          </a:p>
+          <a:p>
+            <a:pPr lvl="1"/>
+            <a:r>
+              <a:rPr lang="en-SG" cap="none" dirty="0" smtClean="0"/>
+              <a:t>Enter chat</a:t>
+            </a:r>
+          </a:p>
+          <a:p>
+            <a:pPr lvl="1"/>
+            <a:endParaRPr lang="en-SG" cap="none" dirty="0"/>
           </a:p>
         </p:txBody>
       </p:sp>
@@ -6389,6 +6488,13 @@
   <p:clrMapOvr>
     <a:masterClrMapping/>
   </p:clrMapOvr>
+  <p:timing>
+    <p:tnLst>
+      <p:par>
+        <p:cTn id="1" dur="indefinite" restart="never" nodeType="tmRoot"/>
+      </p:par>
+    </p:tnLst>
+  </p:timing>
 </p:sld>
 </file>
 

--- a/Doc/Active_Learning_Group4_Presentation.pptx
+++ b/Doc/Active_Learning_Group4_Presentation.pptx
@@ -7518,7 +7518,11 @@
           <a:bodyPr/>
           <a:lstStyle/>
           <a:p>
-            <a:endParaRPr lang="en-SG"/>
+            <a:r>
+              <a:rPr lang="en-SG" dirty="0" smtClean="0"/>
+              <a:t>Application Demonstration</a:t>
+            </a:r>
+            <a:endParaRPr lang="en-SG" dirty="0"/>
           </a:p>
         </p:txBody>
       </p:sp>

--- a/Doc/Active_Learning_Group4_Presentation.pptx
+++ b/Doc/Active_Learning_Group4_Presentation.pptx
@@ -4,14 +4,18 @@
   <p:sldMasterIdLst>
     <p:sldMasterId id="2147483732" r:id="rId1"/>
   </p:sldMasterIdLst>
+  <p:notesMasterIdLst>
+    <p:notesMasterId r:id="rId10"/>
+  </p:notesMasterIdLst>
   <p:sldIdLst>
     <p:sldId id="256" r:id="rId2"/>
     <p:sldId id="263" r:id="rId3"/>
     <p:sldId id="258" r:id="rId4"/>
-    <p:sldId id="259" r:id="rId5"/>
-    <p:sldId id="260" r:id="rId6"/>
-    <p:sldId id="261" r:id="rId7"/>
-    <p:sldId id="262" r:id="rId8"/>
+    <p:sldId id="264" r:id="rId5"/>
+    <p:sldId id="259" r:id="rId6"/>
+    <p:sldId id="260" r:id="rId7"/>
+    <p:sldId id="261" r:id="rId8"/>
+    <p:sldId id="265" r:id="rId9"/>
   </p:sldIdLst>
   <p:sldSz cx="12192000" cy="6858000"/>
   <p:notesSz cx="6858000" cy="9144000"/>
@@ -118,6 +122,482 @@
 </p:presentation>
 </file>
 
+<file path=ppt/notesMasters/notesMaster1.xml><?xml version="1.0" encoding="utf-8"?>
+<p:notesMaster xmlns:a="http://schemas.openxmlformats.org/drawingml/2006/main" xmlns:r="http://schemas.openxmlformats.org/officeDocument/2006/relationships" xmlns:p="http://schemas.openxmlformats.org/presentationml/2006/main">
+  <p:cSld>
+    <p:bg>
+      <p:bgRef idx="1001">
+        <a:schemeClr val="bg1"/>
+      </p:bgRef>
+    </p:bg>
+    <p:spTree>
+      <p:nvGrpSpPr>
+        <p:cNvPr id="1" name=""/>
+        <p:cNvGrpSpPr/>
+        <p:nvPr/>
+      </p:nvGrpSpPr>
+      <p:grpSpPr>
+        <a:xfrm>
+          <a:off x="0" y="0"/>
+          <a:ext cx="0" cy="0"/>
+          <a:chOff x="0" y="0"/>
+          <a:chExt cx="0" cy="0"/>
+        </a:xfrm>
+      </p:grpSpPr>
+      <p:sp>
+        <p:nvSpPr>
+          <p:cNvPr id="2" name="Header Placeholder 1"/>
+          <p:cNvSpPr>
+            <a:spLocks noGrp="1"/>
+          </p:cNvSpPr>
+          <p:nvPr>
+            <p:ph type="hdr" sz="quarter"/>
+          </p:nvPr>
+        </p:nvSpPr>
+        <p:spPr>
+          <a:xfrm>
+            <a:off x="0" y="0"/>
+            <a:ext cx="2971800" cy="458788"/>
+          </a:xfrm>
+          <a:prstGeom prst="rect">
+            <a:avLst/>
+          </a:prstGeom>
+        </p:spPr>
+        <p:txBody>
+          <a:bodyPr vert="horz" lIns="91440" tIns="45720" rIns="91440" bIns="45720" rtlCol="0"/>
+          <a:lstStyle>
+            <a:lvl1pPr algn="l">
+              <a:defRPr sz="1200"/>
+            </a:lvl1pPr>
+          </a:lstStyle>
+          <a:p>
+            <a:endParaRPr lang="en-SG"/>
+          </a:p>
+        </p:txBody>
+      </p:sp>
+      <p:sp>
+        <p:nvSpPr>
+          <p:cNvPr id="3" name="Date Placeholder 2"/>
+          <p:cNvSpPr>
+            <a:spLocks noGrp="1"/>
+          </p:cNvSpPr>
+          <p:nvPr>
+            <p:ph type="dt" idx="1"/>
+          </p:nvPr>
+        </p:nvSpPr>
+        <p:spPr>
+          <a:xfrm>
+            <a:off x="3884613" y="0"/>
+            <a:ext cx="2971800" cy="458788"/>
+          </a:xfrm>
+          <a:prstGeom prst="rect">
+            <a:avLst/>
+          </a:prstGeom>
+        </p:spPr>
+        <p:txBody>
+          <a:bodyPr vert="horz" lIns="91440" tIns="45720" rIns="91440" bIns="45720" rtlCol="0"/>
+          <a:lstStyle>
+            <a:lvl1pPr algn="r">
+              <a:defRPr sz="1200"/>
+            </a:lvl1pPr>
+          </a:lstStyle>
+          <a:p>
+            <a:fld id="{C8A76DAB-5BBD-41C1-8FEF-A6898E7D20E9}" type="datetimeFigureOut">
+              <a:rPr lang="en-SG" smtClean="0"/>
+              <a:t>30/4/2016</a:t>
+            </a:fld>
+            <a:endParaRPr lang="en-SG"/>
+          </a:p>
+        </p:txBody>
+      </p:sp>
+      <p:sp>
+        <p:nvSpPr>
+          <p:cNvPr id="4" name="Slide Image Placeholder 3"/>
+          <p:cNvSpPr>
+            <a:spLocks noGrp="1" noRot="1" noChangeAspect="1"/>
+          </p:cNvSpPr>
+          <p:nvPr>
+            <p:ph type="sldImg" idx="2"/>
+          </p:nvPr>
+        </p:nvSpPr>
+        <p:spPr>
+          <a:xfrm>
+            <a:off x="685800" y="1143000"/>
+            <a:ext cx="5486400" cy="3086100"/>
+          </a:xfrm>
+          <a:prstGeom prst="rect">
+            <a:avLst/>
+          </a:prstGeom>
+          <a:noFill/>
+          <a:ln w="12700">
+            <a:solidFill>
+              <a:prstClr val="black"/>
+            </a:solidFill>
+          </a:ln>
+        </p:spPr>
+        <p:txBody>
+          <a:bodyPr vert="horz" lIns="91440" tIns="45720" rIns="91440" bIns="45720" rtlCol="0" anchor="ctr"/>
+          <a:lstStyle/>
+          <a:p>
+            <a:endParaRPr lang="en-SG"/>
+          </a:p>
+        </p:txBody>
+      </p:sp>
+      <p:sp>
+        <p:nvSpPr>
+          <p:cNvPr id="5" name="Notes Placeholder 4"/>
+          <p:cNvSpPr>
+            <a:spLocks noGrp="1"/>
+          </p:cNvSpPr>
+          <p:nvPr>
+            <p:ph type="body" sz="quarter" idx="3"/>
+          </p:nvPr>
+        </p:nvSpPr>
+        <p:spPr>
+          <a:xfrm>
+            <a:off x="685800" y="4400550"/>
+            <a:ext cx="5486400" cy="3600450"/>
+          </a:xfrm>
+          <a:prstGeom prst="rect">
+            <a:avLst/>
+          </a:prstGeom>
+        </p:spPr>
+        <p:txBody>
+          <a:bodyPr vert="horz" lIns="91440" tIns="45720" rIns="91440" bIns="45720" rtlCol="0"/>
+          <a:lstStyle/>
+          <a:p>
+            <a:pPr lvl="0"/>
+            <a:r>
+              <a:rPr lang="en-US" smtClean="0"/>
+              <a:t>Click to edit Master text styles</a:t>
+            </a:r>
+          </a:p>
+          <a:p>
+            <a:pPr lvl="1"/>
+            <a:r>
+              <a:rPr lang="en-US" smtClean="0"/>
+              <a:t>Second level</a:t>
+            </a:r>
+          </a:p>
+          <a:p>
+            <a:pPr lvl="2"/>
+            <a:r>
+              <a:rPr lang="en-US" smtClean="0"/>
+              <a:t>Third level</a:t>
+            </a:r>
+          </a:p>
+          <a:p>
+            <a:pPr lvl="3"/>
+            <a:r>
+              <a:rPr lang="en-US" smtClean="0"/>
+              <a:t>Fourth level</a:t>
+            </a:r>
+          </a:p>
+          <a:p>
+            <a:pPr lvl="4"/>
+            <a:r>
+              <a:rPr lang="en-US" smtClean="0"/>
+              <a:t>Fifth level</a:t>
+            </a:r>
+            <a:endParaRPr lang="en-SG"/>
+          </a:p>
+        </p:txBody>
+      </p:sp>
+      <p:sp>
+        <p:nvSpPr>
+          <p:cNvPr id="6" name="Footer Placeholder 5"/>
+          <p:cNvSpPr>
+            <a:spLocks noGrp="1"/>
+          </p:cNvSpPr>
+          <p:nvPr>
+            <p:ph type="ftr" sz="quarter" idx="4"/>
+          </p:nvPr>
+        </p:nvSpPr>
+        <p:spPr>
+          <a:xfrm>
+            <a:off x="0" y="8685213"/>
+            <a:ext cx="2971800" cy="458787"/>
+          </a:xfrm>
+          <a:prstGeom prst="rect">
+            <a:avLst/>
+          </a:prstGeom>
+        </p:spPr>
+        <p:txBody>
+          <a:bodyPr vert="horz" lIns="91440" tIns="45720" rIns="91440" bIns="45720" rtlCol="0" anchor="b"/>
+          <a:lstStyle>
+            <a:lvl1pPr algn="l">
+              <a:defRPr sz="1200"/>
+            </a:lvl1pPr>
+          </a:lstStyle>
+          <a:p>
+            <a:endParaRPr lang="en-SG"/>
+          </a:p>
+        </p:txBody>
+      </p:sp>
+      <p:sp>
+        <p:nvSpPr>
+          <p:cNvPr id="7" name="Slide Number Placeholder 6"/>
+          <p:cNvSpPr>
+            <a:spLocks noGrp="1"/>
+          </p:cNvSpPr>
+          <p:nvPr>
+            <p:ph type="sldNum" sz="quarter" idx="5"/>
+          </p:nvPr>
+        </p:nvSpPr>
+        <p:spPr>
+          <a:xfrm>
+            <a:off x="3884613" y="8685213"/>
+            <a:ext cx="2971800" cy="458787"/>
+          </a:xfrm>
+          <a:prstGeom prst="rect">
+            <a:avLst/>
+          </a:prstGeom>
+        </p:spPr>
+        <p:txBody>
+          <a:bodyPr vert="horz" lIns="91440" tIns="45720" rIns="91440" bIns="45720" rtlCol="0" anchor="b"/>
+          <a:lstStyle>
+            <a:lvl1pPr algn="r">
+              <a:defRPr sz="1200"/>
+            </a:lvl1pPr>
+          </a:lstStyle>
+          <a:p>
+            <a:fld id="{F8941E34-C5B1-4A34-97EA-3F60AA722BFC}" type="slidenum">
+              <a:rPr lang="en-SG" smtClean="0"/>
+              <a:t>‹#›</a:t>
+            </a:fld>
+            <a:endParaRPr lang="en-SG"/>
+          </a:p>
+        </p:txBody>
+      </p:sp>
+    </p:spTree>
+    <p:extLst>
+      <p:ext uri="{BB962C8B-B14F-4D97-AF65-F5344CB8AC3E}">
+        <p14:creationId xmlns:p14="http://schemas.microsoft.com/office/powerpoint/2010/main" val="3287759327"/>
+      </p:ext>
+    </p:extLst>
+  </p:cSld>
+  <p:clrMap bg1="lt1" tx1="dk1" bg2="lt2" tx2="dk2" accent1="accent1" accent2="accent2" accent3="accent3" accent4="accent4" accent5="accent5" accent6="accent6" hlink="hlink" folHlink="folHlink"/>
+  <p:notesStyle>
+    <a:lvl1pPr marL="0" algn="l" defTabSz="914400" rtl="0" eaLnBrk="1" latinLnBrk="0" hangingPunct="1">
+      <a:defRPr sz="1200" kern="1200">
+        <a:solidFill>
+          <a:schemeClr val="tx1"/>
+        </a:solidFill>
+        <a:latin typeface="+mn-lt"/>
+        <a:ea typeface="+mn-ea"/>
+        <a:cs typeface="+mn-cs"/>
+      </a:defRPr>
+    </a:lvl1pPr>
+    <a:lvl2pPr marL="457200" algn="l" defTabSz="914400" rtl="0" eaLnBrk="1" latinLnBrk="0" hangingPunct="1">
+      <a:defRPr sz="1200" kern="1200">
+        <a:solidFill>
+          <a:schemeClr val="tx1"/>
+        </a:solidFill>
+        <a:latin typeface="+mn-lt"/>
+        <a:ea typeface="+mn-ea"/>
+        <a:cs typeface="+mn-cs"/>
+      </a:defRPr>
+    </a:lvl2pPr>
+    <a:lvl3pPr marL="914400" algn="l" defTabSz="914400" rtl="0" eaLnBrk="1" latinLnBrk="0" hangingPunct="1">
+      <a:defRPr sz="1200" kern="1200">
+        <a:solidFill>
+          <a:schemeClr val="tx1"/>
+        </a:solidFill>
+        <a:latin typeface="+mn-lt"/>
+        <a:ea typeface="+mn-ea"/>
+        <a:cs typeface="+mn-cs"/>
+      </a:defRPr>
+    </a:lvl3pPr>
+    <a:lvl4pPr marL="1371600" algn="l" defTabSz="914400" rtl="0" eaLnBrk="1" latinLnBrk="0" hangingPunct="1">
+      <a:defRPr sz="1200" kern="1200">
+        <a:solidFill>
+          <a:schemeClr val="tx1"/>
+        </a:solidFill>
+        <a:latin typeface="+mn-lt"/>
+        <a:ea typeface="+mn-ea"/>
+        <a:cs typeface="+mn-cs"/>
+      </a:defRPr>
+    </a:lvl4pPr>
+    <a:lvl5pPr marL="1828800" algn="l" defTabSz="914400" rtl="0" eaLnBrk="1" latinLnBrk="0" hangingPunct="1">
+      <a:defRPr sz="1200" kern="1200">
+        <a:solidFill>
+          <a:schemeClr val="tx1"/>
+        </a:solidFill>
+        <a:latin typeface="+mn-lt"/>
+        <a:ea typeface="+mn-ea"/>
+        <a:cs typeface="+mn-cs"/>
+      </a:defRPr>
+    </a:lvl5pPr>
+    <a:lvl6pPr marL="2286000" algn="l" defTabSz="914400" rtl="0" eaLnBrk="1" latinLnBrk="0" hangingPunct="1">
+      <a:defRPr sz="1200" kern="1200">
+        <a:solidFill>
+          <a:schemeClr val="tx1"/>
+        </a:solidFill>
+        <a:latin typeface="+mn-lt"/>
+        <a:ea typeface="+mn-ea"/>
+        <a:cs typeface="+mn-cs"/>
+      </a:defRPr>
+    </a:lvl6pPr>
+    <a:lvl7pPr marL="2743200" algn="l" defTabSz="914400" rtl="0" eaLnBrk="1" latinLnBrk="0" hangingPunct="1">
+      <a:defRPr sz="1200" kern="1200">
+        <a:solidFill>
+          <a:schemeClr val="tx1"/>
+        </a:solidFill>
+        <a:latin typeface="+mn-lt"/>
+        <a:ea typeface="+mn-ea"/>
+        <a:cs typeface="+mn-cs"/>
+      </a:defRPr>
+    </a:lvl7pPr>
+    <a:lvl8pPr marL="3200400" algn="l" defTabSz="914400" rtl="0" eaLnBrk="1" latinLnBrk="0" hangingPunct="1">
+      <a:defRPr sz="1200" kern="1200">
+        <a:solidFill>
+          <a:schemeClr val="tx1"/>
+        </a:solidFill>
+        <a:latin typeface="+mn-lt"/>
+        <a:ea typeface="+mn-ea"/>
+        <a:cs typeface="+mn-cs"/>
+      </a:defRPr>
+    </a:lvl8pPr>
+    <a:lvl9pPr marL="3657600" algn="l" defTabSz="914400" rtl="0" eaLnBrk="1" latinLnBrk="0" hangingPunct="1">
+      <a:defRPr sz="1200" kern="1200">
+        <a:solidFill>
+          <a:schemeClr val="tx1"/>
+        </a:solidFill>
+        <a:latin typeface="+mn-lt"/>
+        <a:ea typeface="+mn-ea"/>
+        <a:cs typeface="+mn-cs"/>
+      </a:defRPr>
+    </a:lvl9pPr>
+  </p:notesStyle>
+</p:notesMaster>
+</file>
+
+<file path=ppt/notesSlides/notesSlide1.xml><?xml version="1.0" encoding="utf-8"?>
+<p:notes xmlns:a="http://schemas.openxmlformats.org/drawingml/2006/main" xmlns:r="http://schemas.openxmlformats.org/officeDocument/2006/relationships" xmlns:p="http://schemas.openxmlformats.org/presentationml/2006/main">
+  <p:cSld>
+    <p:spTree>
+      <p:nvGrpSpPr>
+        <p:cNvPr id="1" name=""/>
+        <p:cNvGrpSpPr/>
+        <p:nvPr/>
+      </p:nvGrpSpPr>
+      <p:grpSpPr>
+        <a:xfrm>
+          <a:off x="0" y="0"/>
+          <a:ext cx="0" cy="0"/>
+          <a:chOff x="0" y="0"/>
+          <a:chExt cx="0" cy="0"/>
+        </a:xfrm>
+      </p:grpSpPr>
+      <p:sp>
+        <p:nvSpPr>
+          <p:cNvPr id="2" name="Slide Image Placeholder 1"/>
+          <p:cNvSpPr>
+            <a:spLocks noGrp="1" noRot="1" noChangeAspect="1"/>
+          </p:cNvSpPr>
+          <p:nvPr>
+            <p:ph type="sldImg"/>
+          </p:nvPr>
+        </p:nvSpPr>
+        <p:spPr/>
+      </p:sp>
+      <p:sp>
+        <p:nvSpPr>
+          <p:cNvPr id="3" name="Notes Placeholder 2"/>
+          <p:cNvSpPr>
+            <a:spLocks noGrp="1"/>
+          </p:cNvSpPr>
+          <p:nvPr>
+            <p:ph type="body" idx="1"/>
+          </p:nvPr>
+        </p:nvSpPr>
+        <p:spPr/>
+        <p:txBody>
+          <a:bodyPr/>
+          <a:lstStyle/>
+          <a:p>
+            <a:r>
+              <a:rPr lang="en-US" dirty="0" smtClean="0"/>
+              <a:t>Rename file</a:t>
+            </a:r>
+          </a:p>
+          <a:p>
+            <a:r>
+              <a:rPr lang="en-SG" sz="1200" b="0" i="0" kern="1200" dirty="0" smtClean="0">
+                <a:solidFill>
+                  <a:schemeClr val="tx1"/>
+                </a:solidFill>
+                <a:effectLst/>
+                <a:latin typeface="+mn-lt"/>
+                <a:ea typeface="+mn-ea"/>
+                <a:cs typeface="+mn-cs"/>
+              </a:rPr>
+              <a:t>Store files in </a:t>
+            </a:r>
+            <a:r>
+              <a:rPr lang="en-SG" sz="1200" b="0" i="0" kern="1200" dirty="0" err="1" smtClean="0">
+                <a:solidFill>
+                  <a:schemeClr val="tx1"/>
+                </a:solidFill>
+                <a:effectLst/>
+                <a:latin typeface="+mn-lt"/>
+                <a:ea typeface="+mn-ea"/>
+                <a:cs typeface="+mn-cs"/>
+              </a:rPr>
+              <a:t>App_Data</a:t>
+            </a:r>
+            <a:r>
+              <a:rPr lang="en-SG" sz="1200" b="0" i="0" kern="1200" dirty="0" smtClean="0">
+                <a:solidFill>
+                  <a:schemeClr val="tx1"/>
+                </a:solidFill>
+                <a:effectLst/>
+                <a:latin typeface="+mn-lt"/>
+                <a:ea typeface="+mn-ea"/>
+                <a:cs typeface="+mn-cs"/>
+              </a:rPr>
+              <a:t> folder </a:t>
+            </a:r>
+            <a:endParaRPr lang="en-SG" dirty="0"/>
+          </a:p>
+        </p:txBody>
+      </p:sp>
+      <p:sp>
+        <p:nvSpPr>
+          <p:cNvPr id="4" name="Slide Number Placeholder 3"/>
+          <p:cNvSpPr>
+            <a:spLocks noGrp="1"/>
+          </p:cNvSpPr>
+          <p:nvPr>
+            <p:ph type="sldNum" sz="quarter" idx="10"/>
+          </p:nvPr>
+        </p:nvSpPr>
+        <p:spPr/>
+        <p:txBody>
+          <a:bodyPr/>
+          <a:lstStyle/>
+          <a:p>
+            <a:fld id="{F8941E34-C5B1-4A34-97EA-3F60AA722BFC}" type="slidenum">
+              <a:rPr lang="en-SG" smtClean="0"/>
+              <a:t>4</a:t>
+            </a:fld>
+            <a:endParaRPr lang="en-SG"/>
+          </a:p>
+        </p:txBody>
+      </p:sp>
+    </p:spTree>
+    <p:extLst>
+      <p:ext uri="{BB962C8B-B14F-4D97-AF65-F5344CB8AC3E}">
+        <p14:creationId xmlns:p14="http://schemas.microsoft.com/office/powerpoint/2010/main" val="2987488165"/>
+      </p:ext>
+    </p:extLst>
+  </p:cSld>
+  <p:clrMapOvr>
+    <a:masterClrMapping/>
+  </p:clrMapOvr>
+</p:notes>
+</file>
+
 <file path=ppt/slideLayouts/slideLayout1.xml><?xml version="1.0" encoding="utf-8"?>
 <p:sldLayout xmlns:a="http://schemas.openxmlformats.org/drawingml/2006/main" xmlns:r="http://schemas.openxmlformats.org/officeDocument/2006/relationships" xmlns:p="http://schemas.openxmlformats.org/presentationml/2006/main" type="title" preserve="1">
   <p:cSld name="Title Slide">
@@ -289,7 +769,7 @@
           <a:p>
             <a:fld id="{35353A16-1612-44AE-956B-9D31A9289F5F}" type="datetimeFigureOut">
               <a:rPr lang="en-SG" smtClean="0"/>
-              <a:t>24/4/2016</a:t>
+              <a:t>30/4/2016</a:t>
             </a:fld>
             <a:endParaRPr lang="en-SG"/>
           </a:p>
@@ -601,7 +1081,7 @@
           <a:p>
             <a:fld id="{35353A16-1612-44AE-956B-9D31A9289F5F}" type="datetimeFigureOut">
               <a:rPr lang="en-SG" smtClean="0"/>
-              <a:t>24/4/2016</a:t>
+              <a:t>30/4/2016</a:t>
             </a:fld>
             <a:endParaRPr lang="en-SG"/>
           </a:p>
@@ -823,7 +1303,7 @@
           <a:p>
             <a:fld id="{35353A16-1612-44AE-956B-9D31A9289F5F}" type="datetimeFigureOut">
               <a:rPr lang="en-SG" smtClean="0"/>
-              <a:t>24/4/2016</a:t>
+              <a:t>30/4/2016</a:t>
             </a:fld>
             <a:endParaRPr lang="en-SG"/>
           </a:p>
@@ -1114,7 +1594,7 @@
           <a:p>
             <a:fld id="{35353A16-1612-44AE-956B-9D31A9289F5F}" type="datetimeFigureOut">
               <a:rPr lang="en-SG" smtClean="0"/>
-              <a:t>24/4/2016</a:t>
+              <a:t>30/4/2016</a:t>
             </a:fld>
             <a:endParaRPr lang="en-SG"/>
           </a:p>
@@ -1568,7 +2048,7 @@
           <a:p>
             <a:fld id="{35353A16-1612-44AE-956B-9D31A9289F5F}" type="datetimeFigureOut">
               <a:rPr lang="en-SG" smtClean="0"/>
-              <a:t>24/4/2016</a:t>
+              <a:t>30/4/2016</a:t>
             </a:fld>
             <a:endParaRPr lang="en-SG"/>
           </a:p>
@@ -2144,7 +2624,7 @@
           <a:p>
             <a:fld id="{35353A16-1612-44AE-956B-9D31A9289F5F}" type="datetimeFigureOut">
               <a:rPr lang="en-SG" smtClean="0"/>
-              <a:t>24/4/2016</a:t>
+              <a:t>30/4/2016</a:t>
             </a:fld>
             <a:endParaRPr lang="en-SG"/>
           </a:p>
@@ -2996,7 +3476,7 @@
           <a:p>
             <a:fld id="{35353A16-1612-44AE-956B-9D31A9289F5F}" type="datetimeFigureOut">
               <a:rPr lang="en-SG" smtClean="0"/>
-              <a:t>24/4/2016</a:t>
+              <a:t>30/4/2016</a:t>
             </a:fld>
             <a:endParaRPr lang="en-SG"/>
           </a:p>
@@ -3201,7 +3681,7 @@
           <a:p>
             <a:fld id="{35353A16-1612-44AE-956B-9D31A9289F5F}" type="datetimeFigureOut">
               <a:rPr lang="en-SG" smtClean="0"/>
-              <a:t>24/4/2016</a:t>
+              <a:t>30/4/2016</a:t>
             </a:fld>
             <a:endParaRPr lang="en-SG"/>
           </a:p>
@@ -3415,7 +3895,7 @@
           <a:p>
             <a:fld id="{35353A16-1612-44AE-956B-9D31A9289F5F}" type="datetimeFigureOut">
               <a:rPr lang="en-SG" smtClean="0"/>
-              <a:t>24/4/2016</a:t>
+              <a:t>30/4/2016</a:t>
             </a:fld>
             <a:endParaRPr lang="en-SG"/>
           </a:p>
@@ -3620,7 +4100,7 @@
           <a:p>
             <a:fld id="{35353A16-1612-44AE-956B-9D31A9289F5F}" type="datetimeFigureOut">
               <a:rPr lang="en-SG" smtClean="0"/>
-              <a:t>24/4/2016</a:t>
+              <a:t>30/4/2016</a:t>
             </a:fld>
             <a:endParaRPr lang="en-SG"/>
           </a:p>
@@ -3900,7 +4380,7 @@
           <a:p>
             <a:fld id="{35353A16-1612-44AE-956B-9D31A9289F5F}" type="datetimeFigureOut">
               <a:rPr lang="en-SG" smtClean="0"/>
-              <a:t>24/4/2016</a:t>
+              <a:t>30/4/2016</a:t>
             </a:fld>
             <a:endParaRPr lang="en-SG"/>
           </a:p>
@@ -4167,7 +4647,7 @@
           <a:p>
             <a:fld id="{35353A16-1612-44AE-956B-9D31A9289F5F}" type="datetimeFigureOut">
               <a:rPr lang="en-SG" smtClean="0"/>
-              <a:t>24/4/2016</a:t>
+              <a:t>30/4/2016</a:t>
             </a:fld>
             <a:endParaRPr lang="en-SG"/>
           </a:p>
@@ -4582,7 +5062,7 @@
           <a:p>
             <a:fld id="{35353A16-1612-44AE-956B-9D31A9289F5F}" type="datetimeFigureOut">
               <a:rPr lang="en-SG" smtClean="0"/>
-              <a:t>24/4/2016</a:t>
+              <a:t>30/4/2016</a:t>
             </a:fld>
             <a:endParaRPr lang="en-SG"/>
           </a:p>
@@ -4730,7 +5210,7 @@
           <a:p>
             <a:fld id="{35353A16-1612-44AE-956B-9D31A9289F5F}" type="datetimeFigureOut">
               <a:rPr lang="en-SG" smtClean="0"/>
-              <a:t>24/4/2016</a:t>
+              <a:t>30/4/2016</a:t>
             </a:fld>
             <a:endParaRPr lang="en-SG"/>
           </a:p>
@@ -4855,7 +5335,7 @@
           <a:p>
             <a:fld id="{35353A16-1612-44AE-956B-9D31A9289F5F}" type="datetimeFigureOut">
               <a:rPr lang="en-SG" smtClean="0"/>
-              <a:t>24/4/2016</a:t>
+              <a:t>30/4/2016</a:t>
             </a:fld>
             <a:endParaRPr lang="en-SG"/>
           </a:p>
@@ -5134,7 +5614,7 @@
           <a:p>
             <a:fld id="{35353A16-1612-44AE-956B-9D31A9289F5F}" type="datetimeFigureOut">
               <a:rPr lang="en-SG" smtClean="0"/>
-              <a:t>24/4/2016</a:t>
+              <a:t>30/4/2016</a:t>
             </a:fld>
             <a:endParaRPr lang="en-SG"/>
           </a:p>
@@ -5446,7 +5926,7 @@
           <a:p>
             <a:fld id="{35353A16-1612-44AE-956B-9D31A9289F5F}" type="datetimeFigureOut">
               <a:rPr lang="en-SG" smtClean="0"/>
-              <a:t>24/4/2016</a:t>
+              <a:t>30/4/2016</a:t>
             </a:fld>
             <a:endParaRPr lang="en-SG"/>
           </a:p>
@@ -5699,7 +6179,7 @@
           <a:p>
             <a:fld id="{35353A16-1612-44AE-956B-9D31A9289F5F}" type="datetimeFigureOut">
               <a:rPr lang="en-SG" smtClean="0"/>
-              <a:t>24/4/2016</a:t>
+              <a:t>30/4/2016</a:t>
             </a:fld>
             <a:endParaRPr lang="en-SG"/>
           </a:p>
@@ -6439,38 +6919,44 @@
             </a:r>
           </a:p>
           <a:p>
-            <a:pPr lvl="1"/>
-            <a:r>
-              <a:rPr lang="en-SG" cap="none" dirty="0" smtClean="0"/>
-              <a:t>Enter chat</a:t>
-            </a:r>
-          </a:p>
-          <a:p>
             <a:r>
               <a:rPr lang="en-SG" cap="none" dirty="0" smtClean="0"/>
               <a:t>Student</a:t>
             </a:r>
+            <a:endParaRPr lang="en-SG" cap="none" dirty="0"/>
           </a:p>
           <a:p>
             <a:pPr lvl="1"/>
             <a:r>
-              <a:rPr lang="en-SG" cap="none" dirty="0" smtClean="0"/>
+              <a:rPr lang="en-SG" cap="none" dirty="0"/>
               <a:t>Download files</a:t>
             </a:r>
           </a:p>
           <a:p>
             <a:pPr lvl="1"/>
             <a:r>
-              <a:rPr lang="en-SG" cap="none" dirty="0" smtClean="0"/>
+              <a:rPr lang="en-US" cap="none" dirty="0"/>
+              <a:t>Play Video</a:t>
+            </a:r>
+            <a:endParaRPr lang="en-SG" cap="none" dirty="0"/>
+          </a:p>
+          <a:p>
+            <a:pPr lvl="1"/>
+            <a:r>
+              <a:rPr lang="en-SG" cap="none" dirty="0"/>
               <a:t>Answer quiz questions</a:t>
             </a:r>
           </a:p>
           <a:p>
             <a:pPr lvl="1"/>
             <a:r>
-              <a:rPr lang="en-SG" cap="none" dirty="0" smtClean="0"/>
+              <a:rPr lang="en-SG" cap="none" dirty="0"/>
               <a:t>Enter chat</a:t>
             </a:r>
+          </a:p>
+          <a:p>
+            <a:pPr lvl="1"/>
+            <a:endParaRPr lang="en-SG" cap="none" dirty="0" smtClean="0"/>
           </a:p>
           <a:p>
             <a:pPr lvl="1"/>
@@ -6532,6 +7018,165 @@
           <a:p>
             <a:r>
               <a:rPr lang="en-SG" dirty="0" smtClean="0"/>
+              <a:t>Technologies</a:t>
+            </a:r>
+            <a:endParaRPr lang="en-SG" dirty="0"/>
+          </a:p>
+        </p:txBody>
+      </p:sp>
+      <p:sp>
+        <p:nvSpPr>
+          <p:cNvPr id="3" name="Content Placeholder 2"/>
+          <p:cNvSpPr>
+            <a:spLocks noGrp="1"/>
+          </p:cNvSpPr>
+          <p:nvPr>
+            <p:ph sz="quarter" idx="13"/>
+          </p:nvPr>
+        </p:nvSpPr>
+        <p:spPr/>
+        <p:txBody>
+          <a:bodyPr>
+            <a:normAutofit/>
+          </a:bodyPr>
+          <a:lstStyle/>
+          <a:p>
+            <a:r>
+              <a:rPr lang="en-US" cap="none" dirty="0" smtClean="0"/>
+              <a:t>Web Vulnerability</a:t>
+            </a:r>
+          </a:p>
+          <a:p>
+            <a:pPr lvl="1"/>
+            <a:r>
+              <a:rPr lang="en-US" cap="none" dirty="0" smtClean="0"/>
+              <a:t>Password Hashing</a:t>
+            </a:r>
+          </a:p>
+          <a:p>
+            <a:pPr lvl="1"/>
+            <a:r>
+              <a:rPr lang="en-SG" cap="none" dirty="0"/>
+              <a:t>File Upload </a:t>
+            </a:r>
+            <a:r>
+              <a:rPr lang="en-SG" cap="none" dirty="0" smtClean="0"/>
+              <a:t>Vulnerabilities</a:t>
+            </a:r>
+          </a:p>
+          <a:p>
+            <a:pPr lvl="1"/>
+            <a:r>
+              <a:rPr lang="en-SG" dirty="0"/>
+              <a:t>Anti-Forgery </a:t>
+            </a:r>
+            <a:r>
+              <a:rPr lang="en-SG" dirty="0" smtClean="0"/>
+              <a:t>Tokens</a:t>
+            </a:r>
+            <a:endParaRPr lang="en-SG" cap="none" dirty="0"/>
+          </a:p>
+          <a:p>
+            <a:r>
+              <a:rPr lang="en-SG" cap="none" dirty="0" smtClean="0"/>
+              <a:t>Quiz</a:t>
+            </a:r>
+            <a:endParaRPr lang="en-SG" cap="none" dirty="0"/>
+          </a:p>
+          <a:p>
+            <a:pPr lvl="1"/>
+            <a:r>
+              <a:rPr lang="en-US" cap="none" dirty="0" smtClean="0"/>
+              <a:t>jQuery AJAX and </a:t>
+            </a:r>
+            <a:r>
+              <a:rPr lang="en-US" cap="none" dirty="0" err="1" smtClean="0"/>
+              <a:t>SignalR</a:t>
+            </a:r>
+            <a:endParaRPr lang="en-US" cap="none" dirty="0" smtClean="0"/>
+          </a:p>
+          <a:p>
+            <a:pPr lvl="1"/>
+            <a:r>
+              <a:rPr lang="en-US" cap="none" dirty="0" err="1" smtClean="0"/>
+              <a:t>Reponsive</a:t>
+            </a:r>
+            <a:r>
+              <a:rPr lang="en-US" cap="none" dirty="0" smtClean="0"/>
+              <a:t>, better user experience</a:t>
+            </a:r>
+          </a:p>
+          <a:p>
+            <a:pPr lvl="1"/>
+            <a:r>
+              <a:rPr lang="en-US" cap="none" dirty="0" smtClean="0"/>
+              <a:t>Implemented using web </a:t>
+            </a:r>
+            <a:r>
+              <a:rPr lang="en-US" cap="none" dirty="0" err="1" smtClean="0"/>
+              <a:t>api</a:t>
+            </a:r>
+            <a:endParaRPr lang="en-SG" cap="none" dirty="0"/>
+          </a:p>
+          <a:p>
+            <a:endParaRPr lang="en-SG" dirty="0"/>
+          </a:p>
+        </p:txBody>
+      </p:sp>
+    </p:spTree>
+    <p:extLst>
+      <p:ext uri="{BB962C8B-B14F-4D97-AF65-F5344CB8AC3E}">
+        <p14:creationId xmlns:p14="http://schemas.microsoft.com/office/powerpoint/2010/main" val="1917589622"/>
+      </p:ext>
+    </p:extLst>
+  </p:cSld>
+  <p:clrMapOvr>
+    <a:masterClrMapping/>
+  </p:clrMapOvr>
+  <p:timing>
+    <p:tnLst>
+      <p:par>
+        <p:cTn id="1" dur="indefinite" restart="never" nodeType="tmRoot"/>
+      </p:par>
+    </p:tnLst>
+  </p:timing>
+</p:sld>
+</file>
+
+<file path=ppt/slides/slide5.xml><?xml version="1.0" encoding="utf-8"?>
+<p:sld xmlns:a="http://schemas.openxmlformats.org/drawingml/2006/main" xmlns:r="http://schemas.openxmlformats.org/officeDocument/2006/relationships" xmlns:p="http://schemas.openxmlformats.org/presentationml/2006/main">
+  <p:cSld>
+    <p:spTree>
+      <p:nvGrpSpPr>
+        <p:cNvPr id="1" name=""/>
+        <p:cNvGrpSpPr/>
+        <p:nvPr/>
+      </p:nvGrpSpPr>
+      <p:grpSpPr>
+        <a:xfrm>
+          <a:off x="0" y="0"/>
+          <a:ext cx="0" cy="0"/>
+          <a:chOff x="0" y="0"/>
+          <a:chExt cx="0" cy="0"/>
+        </a:xfrm>
+      </p:grpSpPr>
+      <p:sp>
+        <p:nvSpPr>
+          <p:cNvPr id="2" name="Title 1"/>
+          <p:cNvSpPr>
+            <a:spLocks noGrp="1"/>
+          </p:cNvSpPr>
+          <p:nvPr>
+            <p:ph type="title"/>
+          </p:nvPr>
+        </p:nvSpPr>
+        <p:spPr/>
+        <p:txBody>
+          <a:bodyPr/>
+          <a:lstStyle/>
+          <a:p>
+            <a:r>
+              <a:rPr lang="en-SG" dirty="0" smtClean="0"/>
               <a:t>Database design</a:t>
             </a:r>
             <a:endParaRPr lang="en-SG" dirty="0"/>
@@ -6577,7 +7222,7 @@
 </p:sld>
 </file>
 
-<file path=ppt/slides/slide5.xml><?xml version="1.0" encoding="utf-8"?>
+<file path=ppt/slides/slide6.xml><?xml version="1.0" encoding="utf-8"?>
 <p:sld xmlns:a="http://schemas.openxmlformats.org/drawingml/2006/main" xmlns:r="http://schemas.openxmlformats.org/officeDocument/2006/relationships" xmlns:p="http://schemas.openxmlformats.org/presentationml/2006/main">
   <p:cSld>
     <p:spTree>
@@ -7402,7 +8047,7 @@
 </p:sld>
 </file>
 
-<file path=ppt/slides/slide6.xml><?xml version="1.0" encoding="utf-8"?>
+<file path=ppt/slides/slide7.xml><?xml version="1.0" encoding="utf-8"?>
 <p:sld xmlns:a="http://schemas.openxmlformats.org/drawingml/2006/main" xmlns:r="http://schemas.openxmlformats.org/officeDocument/2006/relationships" xmlns:p="http://schemas.openxmlformats.org/presentationml/2006/main">
   <p:cSld>
     <p:spTree>
@@ -7486,7 +8131,7 @@
 </p:sld>
 </file>
 
-<file path=ppt/slides/slide7.xml><?xml version="1.0" encoding="utf-8"?>
+<file path=ppt/slides/slide8.xml><?xml version="1.0" encoding="utf-8"?>
 <p:sld xmlns:a="http://schemas.openxmlformats.org/drawingml/2006/main" xmlns:r="http://schemas.openxmlformats.org/officeDocument/2006/relationships" xmlns:p="http://schemas.openxmlformats.org/presentationml/2006/main">
   <p:cSld>
     <p:spTree>
@@ -7519,7 +8164,7 @@
           <a:lstStyle/>
           <a:p>
             <a:r>
-              <a:rPr lang="en-SG" dirty="0" smtClean="0"/>
+              <a:rPr lang="en-US" dirty="0" smtClean="0"/>
               <a:t>Application Demonstration</a:t>
             </a:r>
             <a:endParaRPr lang="en-SG" dirty="0"/>
@@ -7528,12 +8173,12 @@
       </p:sp>
       <p:sp>
         <p:nvSpPr>
-          <p:cNvPr id="3" name="Content Placeholder 2"/>
-          <p:cNvSpPr>
-            <a:spLocks noGrp="1"/>
-          </p:cNvSpPr>
-          <p:nvPr>
-            <p:ph sz="quarter" idx="13"/>
+          <p:cNvPr id="3" name="Text Placeholder 2"/>
+          <p:cNvSpPr>
+            <a:spLocks noGrp="1"/>
+          </p:cNvSpPr>
+          <p:nvPr>
+            <p:ph type="body" idx="1"/>
           </p:nvPr>
         </p:nvSpPr>
         <p:spPr/>
@@ -7548,20 +8193,13 @@
     </p:spTree>
     <p:extLst>
       <p:ext uri="{BB962C8B-B14F-4D97-AF65-F5344CB8AC3E}">
-        <p14:creationId xmlns:p14="http://schemas.microsoft.com/office/powerpoint/2010/main" val="3928359497"/>
+        <p14:creationId xmlns:p14="http://schemas.microsoft.com/office/powerpoint/2010/main" val="4254728165"/>
       </p:ext>
     </p:extLst>
   </p:cSld>
   <p:clrMapOvr>
     <a:masterClrMapping/>
   </p:clrMapOvr>
-  <p:timing>
-    <p:tnLst>
-      <p:par>
-        <p:cTn id="1" dur="indefinite" restart="never" nodeType="tmRoot"/>
-      </p:par>
-    </p:tnLst>
-  </p:timing>
 </p:sld>
 </file>
 
@@ -7827,4 +8465,265 @@
     </a:ext>
   </a:extLst>
 </a:theme>
+</file>
+
+<file path=ppt/theme/theme2.xml><?xml version="1.0" encoding="utf-8"?>
+<a:theme xmlns:a="http://schemas.openxmlformats.org/drawingml/2006/main" name="Office Theme">
+  <a:themeElements>
+    <a:clrScheme name="Office">
+      <a:dk1>
+        <a:sysClr val="windowText" lastClr="000000"/>
+      </a:dk1>
+      <a:lt1>
+        <a:sysClr val="window" lastClr="FFFFFF"/>
+      </a:lt1>
+      <a:dk2>
+        <a:srgbClr val="44546A"/>
+      </a:dk2>
+      <a:lt2>
+        <a:srgbClr val="E7E6E6"/>
+      </a:lt2>
+      <a:accent1>
+        <a:srgbClr val="5B9BD5"/>
+      </a:accent1>
+      <a:accent2>
+        <a:srgbClr val="ED7D31"/>
+      </a:accent2>
+      <a:accent3>
+        <a:srgbClr val="A5A5A5"/>
+      </a:accent3>
+      <a:accent4>
+        <a:srgbClr val="FFC000"/>
+      </a:accent4>
+      <a:accent5>
+        <a:srgbClr val="4472C4"/>
+      </a:accent5>
+      <a:accent6>
+        <a:srgbClr val="70AD47"/>
+      </a:accent6>
+      <a:hlink>
+        <a:srgbClr val="0563C1"/>
+      </a:hlink>
+      <a:folHlink>
+        <a:srgbClr val="954F72"/>
+      </a:folHlink>
+    </a:clrScheme>
+    <a:fontScheme name="Office">
+      <a:majorFont>
+        <a:latin typeface="Calibri Light" panose="020F0302020204030204"/>
+        <a:ea typeface=""/>
+        <a:cs typeface=""/>
+        <a:font script="Jpan" typeface="ＭＳ Ｐゴシック"/>
+        <a:font script="Hang" typeface="맑은 고딕"/>
+        <a:font script="Hans" typeface="宋体"/>
+        <a:font script="Hant" typeface="新細明體"/>
+        <a:font script="Arab" typeface="Times New Roman"/>
+        <a:font script="Hebr" typeface="Times New Roman"/>
+        <a:font script="Thai" typeface="Angsana New"/>
+        <a:font script="Ethi" typeface="Nyala"/>
+        <a:font script="Beng" typeface="Vrinda"/>
+        <a:font script="Gujr" typeface="Shruti"/>
+        <a:font script="Khmr" typeface="MoolBoran"/>
+        <a:font script="Knda" typeface="Tunga"/>
+        <a:font script="Guru" typeface="Raavi"/>
+        <a:font script="Cans" typeface="Euphemia"/>
+        <a:font script="Cher" typeface="Plantagenet Cherokee"/>
+        <a:font script="Yiii" typeface="Microsoft Yi Baiti"/>
+        <a:font script="Tibt" typeface="Microsoft Himalaya"/>
+        <a:font script="Thaa" typeface="MV Boli"/>
+        <a:font script="Deva" typeface="Mangal"/>
+        <a:font script="Telu" typeface="Gautami"/>
+        <a:font script="Taml" typeface="Latha"/>
+        <a:font script="Syrc" typeface="Estrangelo Edessa"/>
+        <a:font script="Orya" typeface="Kalinga"/>
+        <a:font script="Mlym" typeface="Kartika"/>
+        <a:font script="Laoo" typeface="DokChampa"/>
+        <a:font script="Sinh" typeface="Iskoola Pota"/>
+        <a:font script="Mong" typeface="Mongolian Baiti"/>
+        <a:font script="Viet" typeface="Times New Roman"/>
+        <a:font script="Uigh" typeface="Microsoft Uighur"/>
+        <a:font script="Geor" typeface="Sylfaen"/>
+      </a:majorFont>
+      <a:minorFont>
+        <a:latin typeface="Calibri" panose="020F0502020204030204"/>
+        <a:ea typeface=""/>
+        <a:cs typeface=""/>
+        <a:font script="Jpan" typeface="ＭＳ Ｐゴシック"/>
+        <a:font script="Hang" typeface="맑은 고딕"/>
+        <a:font script="Hans" typeface="宋体"/>
+        <a:font script="Hant" typeface="新細明體"/>
+        <a:font script="Arab" typeface="Arial"/>
+        <a:font script="Hebr" typeface="Arial"/>
+        <a:font script="Thai" typeface="Cordia New"/>
+        <a:font script="Ethi" typeface="Nyala"/>
+        <a:font script="Beng" typeface="Vrinda"/>
+        <a:font script="Gujr" typeface="Shruti"/>
+        <a:font script="Khmr" typeface="DaunPenh"/>
+        <a:font script="Knda" typeface="Tunga"/>
+        <a:font script="Guru" typeface="Raavi"/>
+        <a:font script="Cans" typeface="Euphemia"/>
+        <a:font script="Cher" typeface="Plantagenet Cherokee"/>
+        <a:font script="Yiii" typeface="Microsoft Yi Baiti"/>
+        <a:font script="Tibt" typeface="Microsoft Himalaya"/>
+        <a:font script="Thaa" typeface="MV Boli"/>
+        <a:font script="Deva" typeface="Mangal"/>
+        <a:font script="Telu" typeface="Gautami"/>
+        <a:font script="Taml" typeface="Latha"/>
+        <a:font script="Syrc" typeface="Estrangelo Edessa"/>
+        <a:font script="Orya" typeface="Kalinga"/>
+        <a:font script="Mlym" typeface="Kartika"/>
+        <a:font script="Laoo" typeface="DokChampa"/>
+        <a:font script="Sinh" typeface="Iskoola Pota"/>
+        <a:font script="Mong" typeface="Mongolian Baiti"/>
+        <a:font script="Viet" typeface="Arial"/>
+        <a:font script="Uigh" typeface="Microsoft Uighur"/>
+        <a:font script="Geor" typeface="Sylfaen"/>
+      </a:minorFont>
+    </a:fontScheme>
+    <a:fmtScheme name="Office">
+      <a:fillStyleLst>
+        <a:solidFill>
+          <a:schemeClr val="phClr"/>
+        </a:solidFill>
+        <a:gradFill rotWithShape="1">
+          <a:gsLst>
+            <a:gs pos="0">
+              <a:schemeClr val="phClr">
+                <a:lumMod val="110000"/>
+                <a:satMod val="105000"/>
+                <a:tint val="67000"/>
+              </a:schemeClr>
+            </a:gs>
+            <a:gs pos="50000">
+              <a:schemeClr val="phClr">
+                <a:lumMod val="105000"/>
+                <a:satMod val="103000"/>
+                <a:tint val="73000"/>
+              </a:schemeClr>
+            </a:gs>
+            <a:gs pos="100000">
+              <a:schemeClr val="phClr">
+                <a:lumMod val="105000"/>
+                <a:satMod val="109000"/>
+                <a:tint val="81000"/>
+              </a:schemeClr>
+            </a:gs>
+          </a:gsLst>
+          <a:lin ang="5400000" scaled="0"/>
+        </a:gradFill>
+        <a:gradFill rotWithShape="1">
+          <a:gsLst>
+            <a:gs pos="0">
+              <a:schemeClr val="phClr">
+                <a:satMod val="103000"/>
+                <a:lumMod val="102000"/>
+                <a:tint val="94000"/>
+              </a:schemeClr>
+            </a:gs>
+            <a:gs pos="50000">
+              <a:schemeClr val="phClr">
+                <a:satMod val="110000"/>
+                <a:lumMod val="100000"/>
+                <a:shade val="100000"/>
+              </a:schemeClr>
+            </a:gs>
+            <a:gs pos="100000">
+              <a:schemeClr val="phClr">
+                <a:lumMod val="99000"/>
+                <a:satMod val="120000"/>
+                <a:shade val="78000"/>
+              </a:schemeClr>
+            </a:gs>
+          </a:gsLst>
+          <a:lin ang="5400000" scaled="0"/>
+        </a:gradFill>
+      </a:fillStyleLst>
+      <a:lnStyleLst>
+        <a:ln w="6350" cap="flat" cmpd="sng" algn="ctr">
+          <a:solidFill>
+            <a:schemeClr val="phClr"/>
+          </a:solidFill>
+          <a:prstDash val="solid"/>
+          <a:miter lim="800000"/>
+        </a:ln>
+        <a:ln w="12700" cap="flat" cmpd="sng" algn="ctr">
+          <a:solidFill>
+            <a:schemeClr val="phClr"/>
+          </a:solidFill>
+          <a:prstDash val="solid"/>
+          <a:miter lim="800000"/>
+        </a:ln>
+        <a:ln w="19050" cap="flat" cmpd="sng" algn="ctr">
+          <a:solidFill>
+            <a:schemeClr val="phClr"/>
+          </a:solidFill>
+          <a:prstDash val="solid"/>
+          <a:miter lim="800000"/>
+        </a:ln>
+      </a:lnStyleLst>
+      <a:effectStyleLst>
+        <a:effectStyle>
+          <a:effectLst/>
+        </a:effectStyle>
+        <a:effectStyle>
+          <a:effectLst/>
+        </a:effectStyle>
+        <a:effectStyle>
+          <a:effectLst>
+            <a:outerShdw blurRad="57150" dist="19050" dir="5400000" algn="ctr" rotWithShape="0">
+              <a:srgbClr val="000000">
+                <a:alpha val="63000"/>
+              </a:srgbClr>
+            </a:outerShdw>
+          </a:effectLst>
+        </a:effectStyle>
+      </a:effectStyleLst>
+      <a:bgFillStyleLst>
+        <a:solidFill>
+          <a:schemeClr val="phClr"/>
+        </a:solidFill>
+        <a:solidFill>
+          <a:schemeClr val="phClr">
+            <a:tint val="95000"/>
+            <a:satMod val="170000"/>
+          </a:schemeClr>
+        </a:solidFill>
+        <a:gradFill rotWithShape="1">
+          <a:gsLst>
+            <a:gs pos="0">
+              <a:schemeClr val="phClr">
+                <a:tint val="93000"/>
+                <a:satMod val="150000"/>
+                <a:shade val="98000"/>
+                <a:lumMod val="102000"/>
+              </a:schemeClr>
+            </a:gs>
+            <a:gs pos="50000">
+              <a:schemeClr val="phClr">
+                <a:tint val="98000"/>
+                <a:satMod val="130000"/>
+                <a:shade val="90000"/>
+                <a:lumMod val="103000"/>
+              </a:schemeClr>
+            </a:gs>
+            <a:gs pos="100000">
+              <a:schemeClr val="phClr">
+                <a:shade val="63000"/>
+                <a:satMod val="120000"/>
+              </a:schemeClr>
+            </a:gs>
+          </a:gsLst>
+          <a:lin ang="5400000" scaled="0"/>
+        </a:gradFill>
+      </a:bgFillStyleLst>
+    </a:fmtScheme>
+  </a:themeElements>
+  <a:objectDefaults/>
+  <a:extraClrSchemeLst/>
+  <a:extLst>
+    <a:ext uri="{05A4C25C-085E-4340-85A3-A5531E510DB2}">
+      <thm15:themeFamily xmlns:thm15="http://schemas.microsoft.com/office/thememl/2012/main" name="Office Theme" id="{62F939B6-93AF-4DB8-9C6B-D6C7DFDC589F}" vid="{4A3C46E8-61CC-4603-A589-7422A47A8E4A}"/>
+    </a:ext>
+  </a:extLst>
+</a:theme>
 </file>
--- a/Doc/Active_Learning_Group4_Presentation.pptx
+++ b/Doc/Active_Learning_Group4_Presentation.pptx
@@ -7049,8 +7049,16 @@
           <a:p>
             <a:pPr lvl="1"/>
             <a:r>
+              <a:rPr lang="en-US" cap="none" dirty="0"/>
+              <a:t>Authentication </a:t>
+            </a:r>
+            <a:r>
               <a:rPr lang="en-US" cap="none" dirty="0" smtClean="0"/>
-              <a:t>Password Hashing</a:t>
+              <a:t>and Password </a:t>
+            </a:r>
+            <a:r>
+              <a:rPr lang="en-US" cap="none" dirty="0" smtClean="0"/>
+              <a:t>Hashing</a:t>
             </a:r>
           </a:p>
           <a:p>

--- a/Doc/Active_Learning_Group4_Presentation.pptx
+++ b/Doc/Active_Learning_Group4_Presentation.pptx
@@ -10,10 +10,10 @@
   <p:sldIdLst>
     <p:sldId id="256" r:id="rId2"/>
     <p:sldId id="263" r:id="rId3"/>
-    <p:sldId id="258" r:id="rId4"/>
-    <p:sldId id="264" r:id="rId5"/>
-    <p:sldId id="259" r:id="rId6"/>
-    <p:sldId id="260" r:id="rId7"/>
+    <p:sldId id="260" r:id="rId4"/>
+    <p:sldId id="258" r:id="rId5"/>
+    <p:sldId id="264" r:id="rId6"/>
+    <p:sldId id="259" r:id="rId7"/>
     <p:sldId id="261" r:id="rId8"/>
     <p:sldId id="265" r:id="rId9"/>
   </p:sldIdLst>
@@ -579,7 +579,7 @@
           <a:p>
             <a:fld id="{F8941E34-C5B1-4A34-97EA-3F60AA722BFC}" type="slidenum">
               <a:rPr lang="en-SG" smtClean="0"/>
-              <a:t>4</a:t>
+              <a:t>5</a:t>
             </a:fld>
             <a:endParaRPr lang="en-SG"/>
           </a:p>
@@ -6779,12 +6779,25 @@
           <a:lstStyle/>
           <a:p>
             <a:r>
+              <a:rPr lang="en-SG" cap="none" dirty="0"/>
+              <a:t>Architecture design</a:t>
+            </a:r>
+          </a:p>
+          <a:p>
+            <a:r>
               <a:rPr lang="en-SG" cap="none" dirty="0" smtClean="0"/>
               <a:t>Features</a:t>
             </a:r>
           </a:p>
           <a:p>
             <a:r>
+              <a:rPr lang="en-US" cap="none" dirty="0" smtClean="0"/>
+              <a:t>Technologies</a:t>
+            </a:r>
+            <a:endParaRPr lang="en-SG" cap="none" dirty="0" smtClean="0"/>
+          </a:p>
+          <a:p>
+            <a:r>
               <a:rPr lang="en-SG" cap="none" dirty="0" smtClean="0"/>
               <a:t>Database design, domain model design</a:t>
             </a:r>
@@ -6792,13 +6805,11 @@
           <a:p>
             <a:r>
               <a:rPr lang="en-SG" cap="none" dirty="0" smtClean="0"/>
-              <a:t>Architecture design</a:t>
-            </a:r>
-          </a:p>
-          <a:p>
+              <a:t>Sequence </a:t>
+            </a:r>
             <a:r>
               <a:rPr lang="en-SG" cap="none" dirty="0" smtClean="0"/>
-              <a:t>Sequence diagram to show the end to end flow</a:t>
+              <a:t>diagram to show the end to end flow</a:t>
             </a:r>
           </a:p>
           <a:p>
@@ -6837,400 +6848,6 @@
 </file>
 
 <file path=ppt/slides/slide3.xml><?xml version="1.0" encoding="utf-8"?>
-<p:sld xmlns:a="http://schemas.openxmlformats.org/drawingml/2006/main" xmlns:r="http://schemas.openxmlformats.org/officeDocument/2006/relationships" xmlns:p="http://schemas.openxmlformats.org/presentationml/2006/main">
-  <p:cSld>
-    <p:spTree>
-      <p:nvGrpSpPr>
-        <p:cNvPr id="1" name=""/>
-        <p:cNvGrpSpPr/>
-        <p:nvPr/>
-      </p:nvGrpSpPr>
-      <p:grpSpPr>
-        <a:xfrm>
-          <a:off x="0" y="0"/>
-          <a:ext cx="0" cy="0"/>
-          <a:chOff x="0" y="0"/>
-          <a:chExt cx="0" cy="0"/>
-        </a:xfrm>
-      </p:grpSpPr>
-      <p:sp>
-        <p:nvSpPr>
-          <p:cNvPr id="2" name="Title 1"/>
-          <p:cNvSpPr>
-            <a:spLocks noGrp="1"/>
-          </p:cNvSpPr>
-          <p:nvPr>
-            <p:ph type="title"/>
-          </p:nvPr>
-        </p:nvSpPr>
-        <p:spPr/>
-        <p:txBody>
-          <a:bodyPr/>
-          <a:lstStyle/>
-          <a:p>
-            <a:r>
-              <a:rPr lang="en-SG" dirty="0" smtClean="0"/>
-              <a:t>Features</a:t>
-            </a:r>
-            <a:endParaRPr lang="en-SG" dirty="0"/>
-          </a:p>
-        </p:txBody>
-      </p:sp>
-      <p:sp>
-        <p:nvSpPr>
-          <p:cNvPr id="3" name="Content Placeholder 2"/>
-          <p:cNvSpPr>
-            <a:spLocks noGrp="1"/>
-          </p:cNvSpPr>
-          <p:nvPr>
-            <p:ph sz="quarter" idx="13"/>
-          </p:nvPr>
-        </p:nvSpPr>
-        <p:spPr/>
-        <p:txBody>
-          <a:bodyPr>
-            <a:normAutofit fontScale="92500" lnSpcReduction="10000"/>
-          </a:bodyPr>
-          <a:lstStyle/>
-          <a:p>
-            <a:r>
-              <a:rPr lang="en-SG" cap="none" dirty="0" smtClean="0"/>
-              <a:t>Administrator can manage instructors, students and courses</a:t>
-            </a:r>
-          </a:p>
-          <a:p>
-            <a:r>
-              <a:rPr lang="en-SG" cap="none" dirty="0" smtClean="0"/>
-              <a:t>Instructor</a:t>
-            </a:r>
-          </a:p>
-          <a:p>
-            <a:pPr lvl="1"/>
-            <a:r>
-              <a:rPr lang="en-SG" cap="none" dirty="0" smtClean="0"/>
-              <a:t>Upload/Download files</a:t>
-            </a:r>
-          </a:p>
-          <a:p>
-            <a:pPr lvl="1"/>
-            <a:r>
-              <a:rPr lang="en-SG" cap="none" dirty="0" smtClean="0"/>
-              <a:t>View quiz statistics</a:t>
-            </a:r>
-          </a:p>
-          <a:p>
-            <a:r>
-              <a:rPr lang="en-SG" cap="none" dirty="0" smtClean="0"/>
-              <a:t>Student</a:t>
-            </a:r>
-            <a:endParaRPr lang="en-SG" cap="none" dirty="0"/>
-          </a:p>
-          <a:p>
-            <a:pPr lvl="1"/>
-            <a:r>
-              <a:rPr lang="en-SG" cap="none" dirty="0"/>
-              <a:t>Download files</a:t>
-            </a:r>
-          </a:p>
-          <a:p>
-            <a:pPr lvl="1"/>
-            <a:r>
-              <a:rPr lang="en-US" cap="none" dirty="0"/>
-              <a:t>Play Video</a:t>
-            </a:r>
-            <a:endParaRPr lang="en-SG" cap="none" dirty="0"/>
-          </a:p>
-          <a:p>
-            <a:pPr lvl="1"/>
-            <a:r>
-              <a:rPr lang="en-SG" cap="none" dirty="0"/>
-              <a:t>Answer quiz questions</a:t>
-            </a:r>
-          </a:p>
-          <a:p>
-            <a:pPr lvl="1"/>
-            <a:r>
-              <a:rPr lang="en-SG" cap="none" dirty="0"/>
-              <a:t>Enter chat</a:t>
-            </a:r>
-          </a:p>
-          <a:p>
-            <a:pPr lvl="1"/>
-            <a:endParaRPr lang="en-SG" cap="none" dirty="0" smtClean="0"/>
-          </a:p>
-          <a:p>
-            <a:pPr lvl="1"/>
-            <a:endParaRPr lang="en-SG" cap="none" dirty="0"/>
-          </a:p>
-        </p:txBody>
-      </p:sp>
-    </p:spTree>
-    <p:extLst>
-      <p:ext uri="{BB962C8B-B14F-4D97-AF65-F5344CB8AC3E}">
-        <p14:creationId xmlns:p14="http://schemas.microsoft.com/office/powerpoint/2010/main" val="1114802336"/>
-      </p:ext>
-    </p:extLst>
-  </p:cSld>
-  <p:clrMapOvr>
-    <a:masterClrMapping/>
-  </p:clrMapOvr>
-  <p:timing>
-    <p:tnLst>
-      <p:par>
-        <p:cTn id="1" dur="indefinite" restart="never" nodeType="tmRoot"/>
-      </p:par>
-    </p:tnLst>
-  </p:timing>
-</p:sld>
-</file>
-
-<file path=ppt/slides/slide4.xml><?xml version="1.0" encoding="utf-8"?>
-<p:sld xmlns:a="http://schemas.openxmlformats.org/drawingml/2006/main" xmlns:r="http://schemas.openxmlformats.org/officeDocument/2006/relationships" xmlns:p="http://schemas.openxmlformats.org/presentationml/2006/main">
-  <p:cSld>
-    <p:spTree>
-      <p:nvGrpSpPr>
-        <p:cNvPr id="1" name=""/>
-        <p:cNvGrpSpPr/>
-        <p:nvPr/>
-      </p:nvGrpSpPr>
-      <p:grpSpPr>
-        <a:xfrm>
-          <a:off x="0" y="0"/>
-          <a:ext cx="0" cy="0"/>
-          <a:chOff x="0" y="0"/>
-          <a:chExt cx="0" cy="0"/>
-        </a:xfrm>
-      </p:grpSpPr>
-      <p:sp>
-        <p:nvSpPr>
-          <p:cNvPr id="2" name="Title 1"/>
-          <p:cNvSpPr>
-            <a:spLocks noGrp="1"/>
-          </p:cNvSpPr>
-          <p:nvPr>
-            <p:ph type="title"/>
-          </p:nvPr>
-        </p:nvSpPr>
-        <p:spPr/>
-        <p:txBody>
-          <a:bodyPr/>
-          <a:lstStyle/>
-          <a:p>
-            <a:r>
-              <a:rPr lang="en-SG" dirty="0" smtClean="0"/>
-              <a:t>Technologies</a:t>
-            </a:r>
-            <a:endParaRPr lang="en-SG" dirty="0"/>
-          </a:p>
-        </p:txBody>
-      </p:sp>
-      <p:sp>
-        <p:nvSpPr>
-          <p:cNvPr id="3" name="Content Placeholder 2"/>
-          <p:cNvSpPr>
-            <a:spLocks noGrp="1"/>
-          </p:cNvSpPr>
-          <p:nvPr>
-            <p:ph sz="quarter" idx="13"/>
-          </p:nvPr>
-        </p:nvSpPr>
-        <p:spPr/>
-        <p:txBody>
-          <a:bodyPr>
-            <a:normAutofit/>
-          </a:bodyPr>
-          <a:lstStyle/>
-          <a:p>
-            <a:r>
-              <a:rPr lang="en-US" cap="none" dirty="0" smtClean="0"/>
-              <a:t>Web Vulnerability</a:t>
-            </a:r>
-          </a:p>
-          <a:p>
-            <a:pPr lvl="1"/>
-            <a:r>
-              <a:rPr lang="en-US" cap="none" dirty="0"/>
-              <a:t>Authentication </a:t>
-            </a:r>
-            <a:r>
-              <a:rPr lang="en-US" cap="none" dirty="0" smtClean="0"/>
-              <a:t>and Password </a:t>
-            </a:r>
-            <a:r>
-              <a:rPr lang="en-US" cap="none" dirty="0" smtClean="0"/>
-              <a:t>Hashing</a:t>
-            </a:r>
-          </a:p>
-          <a:p>
-            <a:pPr lvl="1"/>
-            <a:r>
-              <a:rPr lang="en-SG" cap="none" dirty="0"/>
-              <a:t>File Upload </a:t>
-            </a:r>
-            <a:r>
-              <a:rPr lang="en-SG" cap="none" dirty="0" smtClean="0"/>
-              <a:t>Vulnerabilities</a:t>
-            </a:r>
-          </a:p>
-          <a:p>
-            <a:pPr lvl="1"/>
-            <a:r>
-              <a:rPr lang="en-SG" dirty="0"/>
-              <a:t>Anti-Forgery </a:t>
-            </a:r>
-            <a:r>
-              <a:rPr lang="en-SG" dirty="0" smtClean="0"/>
-              <a:t>Tokens</a:t>
-            </a:r>
-            <a:endParaRPr lang="en-SG" cap="none" dirty="0"/>
-          </a:p>
-          <a:p>
-            <a:r>
-              <a:rPr lang="en-SG" cap="none" dirty="0" smtClean="0"/>
-              <a:t>Quiz</a:t>
-            </a:r>
-            <a:endParaRPr lang="en-SG" cap="none" dirty="0"/>
-          </a:p>
-          <a:p>
-            <a:pPr lvl="1"/>
-            <a:r>
-              <a:rPr lang="en-US" cap="none" dirty="0" smtClean="0"/>
-              <a:t>jQuery AJAX and </a:t>
-            </a:r>
-            <a:r>
-              <a:rPr lang="en-US" cap="none" dirty="0" err="1" smtClean="0"/>
-              <a:t>SignalR</a:t>
-            </a:r>
-            <a:endParaRPr lang="en-US" cap="none" dirty="0" smtClean="0"/>
-          </a:p>
-          <a:p>
-            <a:pPr lvl="1"/>
-            <a:r>
-              <a:rPr lang="en-US" cap="none" dirty="0" err="1" smtClean="0"/>
-              <a:t>Reponsive</a:t>
-            </a:r>
-            <a:r>
-              <a:rPr lang="en-US" cap="none" dirty="0" smtClean="0"/>
-              <a:t>, better user experience</a:t>
-            </a:r>
-          </a:p>
-          <a:p>
-            <a:pPr lvl="1"/>
-            <a:r>
-              <a:rPr lang="en-US" cap="none" dirty="0" smtClean="0"/>
-              <a:t>Implemented using web </a:t>
-            </a:r>
-            <a:r>
-              <a:rPr lang="en-US" cap="none" dirty="0" err="1" smtClean="0"/>
-              <a:t>api</a:t>
-            </a:r>
-            <a:endParaRPr lang="en-SG" cap="none" dirty="0"/>
-          </a:p>
-          <a:p>
-            <a:endParaRPr lang="en-SG" dirty="0"/>
-          </a:p>
-        </p:txBody>
-      </p:sp>
-    </p:spTree>
-    <p:extLst>
-      <p:ext uri="{BB962C8B-B14F-4D97-AF65-F5344CB8AC3E}">
-        <p14:creationId xmlns:p14="http://schemas.microsoft.com/office/powerpoint/2010/main" val="1917589622"/>
-      </p:ext>
-    </p:extLst>
-  </p:cSld>
-  <p:clrMapOvr>
-    <a:masterClrMapping/>
-  </p:clrMapOvr>
-  <p:timing>
-    <p:tnLst>
-      <p:par>
-        <p:cTn id="1" dur="indefinite" restart="never" nodeType="tmRoot"/>
-      </p:par>
-    </p:tnLst>
-  </p:timing>
-</p:sld>
-</file>
-
-<file path=ppt/slides/slide5.xml><?xml version="1.0" encoding="utf-8"?>
-<p:sld xmlns:a="http://schemas.openxmlformats.org/drawingml/2006/main" xmlns:r="http://schemas.openxmlformats.org/officeDocument/2006/relationships" xmlns:p="http://schemas.openxmlformats.org/presentationml/2006/main">
-  <p:cSld>
-    <p:spTree>
-      <p:nvGrpSpPr>
-        <p:cNvPr id="1" name=""/>
-        <p:cNvGrpSpPr/>
-        <p:nvPr/>
-      </p:nvGrpSpPr>
-      <p:grpSpPr>
-        <a:xfrm>
-          <a:off x="0" y="0"/>
-          <a:ext cx="0" cy="0"/>
-          <a:chOff x="0" y="0"/>
-          <a:chExt cx="0" cy="0"/>
-        </a:xfrm>
-      </p:grpSpPr>
-      <p:sp>
-        <p:nvSpPr>
-          <p:cNvPr id="2" name="Title 1"/>
-          <p:cNvSpPr>
-            <a:spLocks noGrp="1"/>
-          </p:cNvSpPr>
-          <p:nvPr>
-            <p:ph type="title"/>
-          </p:nvPr>
-        </p:nvSpPr>
-        <p:spPr/>
-        <p:txBody>
-          <a:bodyPr/>
-          <a:lstStyle/>
-          <a:p>
-            <a:r>
-              <a:rPr lang="en-SG" dirty="0" smtClean="0"/>
-              <a:t>Database design</a:t>
-            </a:r>
-            <a:endParaRPr lang="en-SG" dirty="0"/>
-          </a:p>
-        </p:txBody>
-      </p:sp>
-      <p:sp>
-        <p:nvSpPr>
-          <p:cNvPr id="3" name="Content Placeholder 2"/>
-          <p:cNvSpPr>
-            <a:spLocks noGrp="1"/>
-          </p:cNvSpPr>
-          <p:nvPr>
-            <p:ph sz="quarter" idx="13"/>
-          </p:nvPr>
-        </p:nvSpPr>
-        <p:spPr/>
-        <p:txBody>
-          <a:bodyPr/>
-          <a:lstStyle/>
-          <a:p>
-            <a:endParaRPr lang="en-SG"/>
-          </a:p>
-        </p:txBody>
-      </p:sp>
-    </p:spTree>
-    <p:extLst>
-      <p:ext uri="{BB962C8B-B14F-4D97-AF65-F5344CB8AC3E}">
-        <p14:creationId xmlns:p14="http://schemas.microsoft.com/office/powerpoint/2010/main" val="3183287787"/>
-      </p:ext>
-    </p:extLst>
-  </p:cSld>
-  <p:clrMapOvr>
-    <a:masterClrMapping/>
-  </p:clrMapOvr>
-  <p:timing>
-    <p:tnLst>
-      <p:par>
-        <p:cTn id="1" dur="indefinite" restart="never" nodeType="tmRoot"/>
-      </p:par>
-    </p:tnLst>
-  </p:timing>
-</p:sld>
-</file>
-
-<file path=ppt/slides/slide6.xml><?xml version="1.0" encoding="utf-8"?>
 <p:sld xmlns:a="http://schemas.openxmlformats.org/drawingml/2006/main" xmlns:r="http://schemas.openxmlformats.org/officeDocument/2006/relationships" xmlns:p="http://schemas.openxmlformats.org/presentationml/2006/main">
   <p:cSld>
     <p:spTree>
@@ -7384,7 +7001,7 @@
                     <a:schemeClr val="tx1"/>
                   </a:solidFill>
                 </a:rPr>
-                <a:t>Repository</a:t>
+                <a:t>Unit of Work</a:t>
               </a:r>
               <a:endParaRPr lang="en-SG" dirty="0">
                 <a:solidFill>
@@ -8055,6 +7672,396 @@
 </p:sld>
 </file>
 
+<file path=ppt/slides/slide4.xml><?xml version="1.0" encoding="utf-8"?>
+<p:sld xmlns:a="http://schemas.openxmlformats.org/drawingml/2006/main" xmlns:r="http://schemas.openxmlformats.org/officeDocument/2006/relationships" xmlns:p="http://schemas.openxmlformats.org/presentationml/2006/main">
+  <p:cSld>
+    <p:spTree>
+      <p:nvGrpSpPr>
+        <p:cNvPr id="1" name=""/>
+        <p:cNvGrpSpPr/>
+        <p:nvPr/>
+      </p:nvGrpSpPr>
+      <p:grpSpPr>
+        <a:xfrm>
+          <a:off x="0" y="0"/>
+          <a:ext cx="0" cy="0"/>
+          <a:chOff x="0" y="0"/>
+          <a:chExt cx="0" cy="0"/>
+        </a:xfrm>
+      </p:grpSpPr>
+      <p:sp>
+        <p:nvSpPr>
+          <p:cNvPr id="2" name="Title 1"/>
+          <p:cNvSpPr>
+            <a:spLocks noGrp="1"/>
+          </p:cNvSpPr>
+          <p:nvPr>
+            <p:ph type="title"/>
+          </p:nvPr>
+        </p:nvSpPr>
+        <p:spPr/>
+        <p:txBody>
+          <a:bodyPr/>
+          <a:lstStyle/>
+          <a:p>
+            <a:r>
+              <a:rPr lang="en-SG" dirty="0" smtClean="0"/>
+              <a:t>Features</a:t>
+            </a:r>
+            <a:endParaRPr lang="en-SG" dirty="0"/>
+          </a:p>
+        </p:txBody>
+      </p:sp>
+      <p:sp>
+        <p:nvSpPr>
+          <p:cNvPr id="3" name="Content Placeholder 2"/>
+          <p:cNvSpPr>
+            <a:spLocks noGrp="1"/>
+          </p:cNvSpPr>
+          <p:nvPr>
+            <p:ph sz="quarter" idx="13"/>
+          </p:nvPr>
+        </p:nvSpPr>
+        <p:spPr/>
+        <p:txBody>
+          <a:bodyPr>
+            <a:normAutofit fontScale="92500" lnSpcReduction="10000"/>
+          </a:bodyPr>
+          <a:lstStyle/>
+          <a:p>
+            <a:r>
+              <a:rPr lang="en-SG" cap="none" dirty="0" smtClean="0"/>
+              <a:t>Administrator can manage instructors, students and courses</a:t>
+            </a:r>
+          </a:p>
+          <a:p>
+            <a:r>
+              <a:rPr lang="en-SG" cap="none" dirty="0" smtClean="0"/>
+              <a:t>Instructor</a:t>
+            </a:r>
+          </a:p>
+          <a:p>
+            <a:pPr lvl="1"/>
+            <a:r>
+              <a:rPr lang="en-SG" cap="none" dirty="0" smtClean="0"/>
+              <a:t>Upload/Download files</a:t>
+            </a:r>
+          </a:p>
+          <a:p>
+            <a:pPr lvl="1"/>
+            <a:r>
+              <a:rPr lang="en-SG" cap="none" dirty="0" smtClean="0"/>
+              <a:t>View quiz statistics</a:t>
+            </a:r>
+          </a:p>
+          <a:p>
+            <a:r>
+              <a:rPr lang="en-SG" cap="none" dirty="0" smtClean="0"/>
+              <a:t>Student</a:t>
+            </a:r>
+            <a:endParaRPr lang="en-SG" cap="none" dirty="0"/>
+          </a:p>
+          <a:p>
+            <a:pPr lvl="1"/>
+            <a:r>
+              <a:rPr lang="en-SG" cap="none" dirty="0"/>
+              <a:t>Download files</a:t>
+            </a:r>
+          </a:p>
+          <a:p>
+            <a:pPr lvl="1"/>
+            <a:r>
+              <a:rPr lang="en-US" cap="none" dirty="0"/>
+              <a:t>Play Video</a:t>
+            </a:r>
+            <a:endParaRPr lang="en-SG" cap="none" dirty="0"/>
+          </a:p>
+          <a:p>
+            <a:pPr lvl="1"/>
+            <a:r>
+              <a:rPr lang="en-SG" cap="none" dirty="0"/>
+              <a:t>Answer quiz questions</a:t>
+            </a:r>
+          </a:p>
+          <a:p>
+            <a:pPr lvl="1"/>
+            <a:r>
+              <a:rPr lang="en-SG" cap="none" dirty="0"/>
+              <a:t>Enter chat</a:t>
+            </a:r>
+          </a:p>
+          <a:p>
+            <a:pPr lvl="1"/>
+            <a:endParaRPr lang="en-SG" cap="none" dirty="0" smtClean="0"/>
+          </a:p>
+          <a:p>
+            <a:pPr lvl="1"/>
+            <a:endParaRPr lang="en-SG" cap="none" dirty="0"/>
+          </a:p>
+        </p:txBody>
+      </p:sp>
+    </p:spTree>
+    <p:extLst>
+      <p:ext uri="{BB962C8B-B14F-4D97-AF65-F5344CB8AC3E}">
+        <p14:creationId xmlns:p14="http://schemas.microsoft.com/office/powerpoint/2010/main" val="1114802336"/>
+      </p:ext>
+    </p:extLst>
+  </p:cSld>
+  <p:clrMapOvr>
+    <a:masterClrMapping/>
+  </p:clrMapOvr>
+  <p:timing>
+    <p:tnLst>
+      <p:par>
+        <p:cTn id="1" dur="indefinite" restart="never" nodeType="tmRoot"/>
+      </p:par>
+    </p:tnLst>
+  </p:timing>
+</p:sld>
+</file>
+
+<file path=ppt/slides/slide5.xml><?xml version="1.0" encoding="utf-8"?>
+<p:sld xmlns:a="http://schemas.openxmlformats.org/drawingml/2006/main" xmlns:r="http://schemas.openxmlformats.org/officeDocument/2006/relationships" xmlns:p="http://schemas.openxmlformats.org/presentationml/2006/main">
+  <p:cSld>
+    <p:spTree>
+      <p:nvGrpSpPr>
+        <p:cNvPr id="1" name=""/>
+        <p:cNvGrpSpPr/>
+        <p:nvPr/>
+      </p:nvGrpSpPr>
+      <p:grpSpPr>
+        <a:xfrm>
+          <a:off x="0" y="0"/>
+          <a:ext cx="0" cy="0"/>
+          <a:chOff x="0" y="0"/>
+          <a:chExt cx="0" cy="0"/>
+        </a:xfrm>
+      </p:grpSpPr>
+      <p:sp>
+        <p:nvSpPr>
+          <p:cNvPr id="2" name="Title 1"/>
+          <p:cNvSpPr>
+            <a:spLocks noGrp="1"/>
+          </p:cNvSpPr>
+          <p:nvPr>
+            <p:ph type="title"/>
+          </p:nvPr>
+        </p:nvSpPr>
+        <p:spPr/>
+        <p:txBody>
+          <a:bodyPr/>
+          <a:lstStyle/>
+          <a:p>
+            <a:r>
+              <a:rPr lang="en-SG" dirty="0" smtClean="0"/>
+              <a:t>Technologies</a:t>
+            </a:r>
+            <a:endParaRPr lang="en-SG" dirty="0"/>
+          </a:p>
+        </p:txBody>
+      </p:sp>
+      <p:sp>
+        <p:nvSpPr>
+          <p:cNvPr id="3" name="Content Placeholder 2"/>
+          <p:cNvSpPr>
+            <a:spLocks noGrp="1"/>
+          </p:cNvSpPr>
+          <p:nvPr>
+            <p:ph sz="quarter" idx="13"/>
+          </p:nvPr>
+        </p:nvSpPr>
+        <p:spPr/>
+        <p:txBody>
+          <a:bodyPr>
+            <a:normAutofit/>
+          </a:bodyPr>
+          <a:lstStyle/>
+          <a:p>
+            <a:r>
+              <a:rPr lang="en-US" cap="none" dirty="0" smtClean="0"/>
+              <a:t>Web Vulnerability</a:t>
+            </a:r>
+          </a:p>
+          <a:p>
+            <a:pPr lvl="1"/>
+            <a:r>
+              <a:rPr lang="en-US" cap="none" dirty="0"/>
+              <a:t>Authentication </a:t>
+            </a:r>
+            <a:r>
+              <a:rPr lang="en-US" cap="none" dirty="0" smtClean="0"/>
+              <a:t>and Password Hashing</a:t>
+            </a:r>
+          </a:p>
+          <a:p>
+            <a:pPr lvl="1"/>
+            <a:r>
+              <a:rPr lang="en-SG" cap="none" dirty="0"/>
+              <a:t>File Upload </a:t>
+            </a:r>
+            <a:r>
+              <a:rPr lang="en-SG" cap="none" dirty="0" smtClean="0"/>
+              <a:t>Vulnerabilities</a:t>
+            </a:r>
+          </a:p>
+          <a:p>
+            <a:pPr lvl="1"/>
+            <a:r>
+              <a:rPr lang="en-SG" dirty="0"/>
+              <a:t>Anti-Forgery </a:t>
+            </a:r>
+            <a:r>
+              <a:rPr lang="en-SG" dirty="0" smtClean="0"/>
+              <a:t>Tokens</a:t>
+            </a:r>
+            <a:endParaRPr lang="en-SG" cap="none" dirty="0"/>
+          </a:p>
+          <a:p>
+            <a:r>
+              <a:rPr lang="en-SG" cap="none" dirty="0" smtClean="0"/>
+              <a:t>Quiz</a:t>
+            </a:r>
+            <a:endParaRPr lang="en-SG" cap="none" dirty="0"/>
+          </a:p>
+          <a:p>
+            <a:pPr lvl="1"/>
+            <a:r>
+              <a:rPr lang="en-US" cap="none" dirty="0" smtClean="0"/>
+              <a:t>jQuery AJAX and </a:t>
+            </a:r>
+            <a:r>
+              <a:rPr lang="en-US" cap="none" dirty="0" err="1" smtClean="0"/>
+              <a:t>SignalR</a:t>
+            </a:r>
+            <a:endParaRPr lang="en-US" cap="none" dirty="0" smtClean="0"/>
+          </a:p>
+          <a:p>
+            <a:pPr lvl="1"/>
+            <a:r>
+              <a:rPr lang="en-US" cap="none" dirty="0" err="1" smtClean="0"/>
+              <a:t>Reponsive</a:t>
+            </a:r>
+            <a:r>
+              <a:rPr lang="en-US" cap="none" dirty="0" smtClean="0"/>
+              <a:t>, better user experience</a:t>
+            </a:r>
+          </a:p>
+          <a:p>
+            <a:pPr lvl="1"/>
+            <a:r>
+              <a:rPr lang="en-US" cap="none" dirty="0" smtClean="0"/>
+              <a:t>Implemented using web </a:t>
+            </a:r>
+            <a:r>
+              <a:rPr lang="en-US" cap="none" dirty="0" err="1" smtClean="0"/>
+              <a:t>api</a:t>
+            </a:r>
+            <a:endParaRPr lang="en-SG" cap="none" dirty="0"/>
+          </a:p>
+          <a:p>
+            <a:endParaRPr lang="en-SG" dirty="0"/>
+          </a:p>
+        </p:txBody>
+      </p:sp>
+    </p:spTree>
+    <p:extLst>
+      <p:ext uri="{BB962C8B-B14F-4D97-AF65-F5344CB8AC3E}">
+        <p14:creationId xmlns:p14="http://schemas.microsoft.com/office/powerpoint/2010/main" val="1917589622"/>
+      </p:ext>
+    </p:extLst>
+  </p:cSld>
+  <p:clrMapOvr>
+    <a:masterClrMapping/>
+  </p:clrMapOvr>
+  <p:timing>
+    <p:tnLst>
+      <p:par>
+        <p:cTn id="1" dur="indefinite" restart="never" nodeType="tmRoot"/>
+      </p:par>
+    </p:tnLst>
+  </p:timing>
+</p:sld>
+</file>
+
+<file path=ppt/slides/slide6.xml><?xml version="1.0" encoding="utf-8"?>
+<p:sld xmlns:a="http://schemas.openxmlformats.org/drawingml/2006/main" xmlns:r="http://schemas.openxmlformats.org/officeDocument/2006/relationships" xmlns:p="http://schemas.openxmlformats.org/presentationml/2006/main">
+  <p:cSld>
+    <p:spTree>
+      <p:nvGrpSpPr>
+        <p:cNvPr id="1" name=""/>
+        <p:cNvGrpSpPr/>
+        <p:nvPr/>
+      </p:nvGrpSpPr>
+      <p:grpSpPr>
+        <a:xfrm>
+          <a:off x="0" y="0"/>
+          <a:ext cx="0" cy="0"/>
+          <a:chOff x="0" y="0"/>
+          <a:chExt cx="0" cy="0"/>
+        </a:xfrm>
+      </p:grpSpPr>
+      <p:sp>
+        <p:nvSpPr>
+          <p:cNvPr id="2" name="Title 1"/>
+          <p:cNvSpPr>
+            <a:spLocks noGrp="1"/>
+          </p:cNvSpPr>
+          <p:nvPr>
+            <p:ph type="title"/>
+          </p:nvPr>
+        </p:nvSpPr>
+        <p:spPr/>
+        <p:txBody>
+          <a:bodyPr/>
+          <a:lstStyle/>
+          <a:p>
+            <a:r>
+              <a:rPr lang="en-SG" dirty="0" smtClean="0"/>
+              <a:t>Database design</a:t>
+            </a:r>
+            <a:endParaRPr lang="en-SG" dirty="0"/>
+          </a:p>
+        </p:txBody>
+      </p:sp>
+      <p:sp>
+        <p:nvSpPr>
+          <p:cNvPr id="3" name="Content Placeholder 2"/>
+          <p:cNvSpPr>
+            <a:spLocks noGrp="1"/>
+          </p:cNvSpPr>
+          <p:nvPr>
+            <p:ph sz="quarter" idx="13"/>
+          </p:nvPr>
+        </p:nvSpPr>
+        <p:spPr/>
+        <p:txBody>
+          <a:bodyPr/>
+          <a:lstStyle/>
+          <a:p>
+            <a:endParaRPr lang="en-SG"/>
+          </a:p>
+        </p:txBody>
+      </p:sp>
+    </p:spTree>
+    <p:extLst>
+      <p:ext uri="{BB962C8B-B14F-4D97-AF65-F5344CB8AC3E}">
+        <p14:creationId xmlns:p14="http://schemas.microsoft.com/office/powerpoint/2010/main" val="3183287787"/>
+      </p:ext>
+    </p:extLst>
+  </p:cSld>
+  <p:clrMapOvr>
+    <a:masterClrMapping/>
+  </p:clrMapOvr>
+  <p:timing>
+    <p:tnLst>
+      <p:par>
+        <p:cTn id="1" dur="indefinite" restart="never" nodeType="tmRoot"/>
+      </p:par>
+    </p:tnLst>
+  </p:timing>
+</p:sld>
+</file>
+
 <file path=ppt/slides/slide7.xml><?xml version="1.0" encoding="utf-8"?>
 <p:sld xmlns:a="http://schemas.openxmlformats.org/drawingml/2006/main" xmlns:r="http://schemas.openxmlformats.org/officeDocument/2006/relationships" xmlns:p="http://schemas.openxmlformats.org/presentationml/2006/main">
   <p:cSld>

--- a/Doc/Active_Learning_Group4_Presentation.pptx
+++ b/Doc/Active_Learning_Group4_Presentation.pptx
@@ -6805,11 +6805,7 @@
           <a:p>
             <a:r>
               <a:rPr lang="en-SG" cap="none" dirty="0" smtClean="0"/>
-              <a:t>Sequence </a:t>
-            </a:r>
-            <a:r>
-              <a:rPr lang="en-SG" cap="none" dirty="0" smtClean="0"/>
-              <a:t>diagram to show the end to end flow</a:t>
+              <a:t>Sequence diagram to show the end to end flow</a:t>
             </a:r>
           </a:p>
           <a:p>
@@ -8198,10 +8194,31 @@
         </p:nvSpPr>
         <p:spPr/>
         <p:txBody>
-          <a:bodyPr/>
+          <a:bodyPr>
+            <a:normAutofit lnSpcReduction="10000"/>
+          </a:bodyPr>
           <a:lstStyle/>
           <a:p>
-            <a:endParaRPr lang="en-SG"/>
+            <a:r>
+              <a:rPr lang="en-SG" cap="none" dirty="0" smtClean="0">
+                <a:hlinkClick r:id="rId2"/>
+              </a:rPr>
+              <a:t>http://chh1983web.cloudapp.net/</a:t>
+            </a:r>
+            <a:endParaRPr lang="en-SG" cap="none" dirty="0" smtClean="0"/>
+          </a:p>
+          <a:p>
+            <a:r>
+              <a:rPr lang="en-US" cap="none" dirty="0" smtClean="0"/>
+              <a:t>Username: admin1, instructor1, student1</a:t>
+            </a:r>
+          </a:p>
+          <a:p>
+            <a:r>
+              <a:rPr lang="en-US" cap="none" dirty="0" smtClean="0"/>
+              <a:t>Password: 1234</a:t>
+            </a:r>
+            <a:endParaRPr lang="en-SG" cap="none" dirty="0"/>
           </a:p>
         </p:txBody>
       </p:sp>
@@ -8215,6 +8232,13 @@
   <p:clrMapOvr>
     <a:masterClrMapping/>
   </p:clrMapOvr>
+  <p:timing>
+    <p:tnLst>
+      <p:par>
+        <p:cTn id="1" dur="indefinite" restart="never" nodeType="tmRoot"/>
+      </p:par>
+    </p:tnLst>
+  </p:timing>
 </p:sld>
 </file>
 

--- a/Doc/Active_Learning_Group4_Presentation.pptx
+++ b/Doc/Active_Learning_Group4_Presentation.pptx
@@ -6640,8 +6640,13 @@
           <a:p>
             <a:r>
               <a:rPr lang="en-SG" dirty="0"/>
-              <a:t>Active Learning </a:t>
-            </a:r>
+              <a:t>ENTERPRISE .NET I  </a:t>
+            </a:r>
+            <a:r>
+              <a:rPr lang="en-SG" dirty="0" smtClean="0"/>
+              <a:t> </a:t>
+            </a:r>
+            <a:endParaRPr lang="en-SG" dirty="0"/>
           </a:p>
         </p:txBody>
       </p:sp>
